--- a/PPTs/04.引擎基础概念与底层实用系统.pptx
+++ b/PPTs/04.引擎基础概念与底层实用系统.pptx
@@ -13968,17 +13968,7 @@
                 <a:latin typeface="微软雅黑" panose="020B0503020204020204" pitchFamily="34" charset="-122"/>
                 <a:ea typeface="微软雅黑" panose="020B0503020204020204" pitchFamily="34" charset="-122"/>
               </a:rPr>
-              <a:t>渲染</a:t>
-            </a:r>
-            <a:r>
-              <a:rPr lang="zh-CN" altLang="en-US" sz="6000" kern="0" cap="all" dirty="0" smtClean="0">
-                <a:solidFill>
-                  <a:srgbClr val="000000"/>
-                </a:solidFill>
-                <a:latin typeface="微软雅黑" panose="020B0503020204020204" pitchFamily="34" charset="-122"/>
-                <a:ea typeface="微软雅黑" panose="020B0503020204020204" pitchFamily="34" charset="-122"/>
-              </a:rPr>
-              <a:t>循环</a:t>
+              <a:t>渲染循环</a:t>
             </a:r>
             <a:endParaRPr lang="zh-CN" altLang="en-US" sz="6000" kern="0" cap="all" dirty="0">
               <a:solidFill>
@@ -14952,13 +14942,6 @@
               </a:rPr>
               <a:t>流程</a:t>
             </a:r>
-            <a:endParaRPr lang="zh-CN" altLang="en-US" sz="6000" kern="0" cap="all" dirty="0">
-              <a:solidFill>
-                <a:srgbClr val="000000"/>
-              </a:solidFill>
-              <a:latin typeface="微软雅黑" panose="020B0503020204020204" pitchFamily="34" charset="-122"/>
-              <a:ea typeface="微软雅黑" panose="020B0503020204020204" pitchFamily="34" charset="-122"/>
-            </a:endParaRPr>
           </a:p>
         </p:txBody>
       </p:sp>
@@ -15327,14 +15310,14 @@
               <a:buChar char="•"/>
             </a:pPr>
             <a:r>
-              <a:rPr lang="zh-CN" altLang="en-US" sz="3600" kern="0" dirty="0">
-                <a:solidFill>
-                  <a:srgbClr val="000000"/>
-                </a:solidFill>
-                <a:latin typeface="微软雅黑 Light" panose="020B0502040204020203" pitchFamily="34" charset="-122"/>
-                <a:ea typeface="微软雅黑 Light" panose="020B0502040204020203" pitchFamily="34" charset="-122"/>
-              </a:rPr>
-              <a:t>游戏主循环</a:t>
+              <a:rPr lang="zh-CN" altLang="en-US" sz="3600" kern="0" dirty="0" smtClean="0">
+                <a:solidFill>
+                  <a:srgbClr val="000000"/>
+                </a:solidFill>
+                <a:latin typeface="微软雅黑 Light" panose="020B0502040204020203" pitchFamily="34" charset="-122"/>
+                <a:ea typeface="微软雅黑 Light" panose="020B0502040204020203" pitchFamily="34" charset="-122"/>
+              </a:rPr>
+              <a:t>游戏循环</a:t>
             </a:r>
             <a:endParaRPr lang="en-US" altLang="zh-CN" sz="3600" kern="0" dirty="0">
               <a:solidFill>
@@ -15940,17 +15923,7 @@
                 <a:latin typeface="微软雅黑" panose="020B0503020204020204" pitchFamily="34" charset="-122"/>
                 <a:ea typeface="微软雅黑" panose="020B0503020204020204" pitchFamily="34" charset="-122"/>
               </a:rPr>
-              <a:t>虚幻</a:t>
-            </a:r>
-            <a:r>
-              <a:rPr lang="zh-CN" altLang="en-US" sz="6000" kern="0" cap="all" dirty="0" smtClean="0">
-                <a:solidFill>
-                  <a:srgbClr val="000000"/>
-                </a:solidFill>
-                <a:latin typeface="微软雅黑" panose="020B0503020204020204" pitchFamily="34" charset="-122"/>
-                <a:ea typeface="微软雅黑" panose="020B0503020204020204" pitchFamily="34" charset="-122"/>
-              </a:rPr>
-              <a:t>渲染</a:t>
+              <a:t>虚幻渲染</a:t>
             </a:r>
             <a:r>
               <a:rPr lang="zh-CN" altLang="en-US" sz="6000" kern="0" cap="all" dirty="0">
@@ -18731,17 +18704,7 @@
                 <a:latin typeface="微软雅黑" panose="020B0503020204020204" pitchFamily="34" charset="-122"/>
                 <a:ea typeface="微软雅黑" panose="020B0503020204020204" pitchFamily="34" charset="-122"/>
               </a:rPr>
-              <a:t>终止及</a:t>
-            </a:r>
-            <a:r>
-              <a:rPr lang="zh-CN" altLang="en-US" sz="6000" kern="0" cap="all" dirty="0" smtClean="0">
-                <a:solidFill>
-                  <a:srgbClr val="000000"/>
-                </a:solidFill>
-                <a:latin typeface="微软雅黑" panose="020B0503020204020204" pitchFamily="34" charset="-122"/>
-                <a:ea typeface="微软雅黑" panose="020B0503020204020204" pitchFamily="34" charset="-122"/>
-              </a:rPr>
-              <a:t>虚幻的终止流程</a:t>
+              <a:t>终止及虚幻的终止流程</a:t>
             </a:r>
             <a:endParaRPr lang="zh-CN" altLang="en-US" sz="6000" kern="0" cap="all" dirty="0">
               <a:solidFill>
@@ -23126,12 +23089,12 @@
           <a:p>
             <a:pPr algn="ctr" defTabSz="825500" hangingPunct="0"/>
             <a:r>
-              <a:rPr lang="zh-CN" altLang="en-US" sz="6000" dirty="0">
+              <a:rPr lang="zh-CN" altLang="en-US" sz="6000" dirty="0" smtClean="0">
                 <a:latin typeface="微软雅黑 Light" panose="020B0502040204020203" pitchFamily="34" charset="-122"/>
                 <a:ea typeface="微软雅黑 Light" panose="020B0502040204020203" pitchFamily="34" charset="-122"/>
                 <a:cs typeface="宋体" panose="02010600030101010101" pitchFamily="2" charset="-122"/>
               </a:rPr>
-              <a:t>游戏主循环</a:t>
+              <a:t>游戏循环</a:t>
             </a:r>
             <a:endParaRPr lang="en-US" altLang="zh-CN" sz="6000" dirty="0">
               <a:latin typeface="微软雅黑 Light" panose="020B0502040204020203" pitchFamily="34" charset="-122"/>
@@ -23637,7 +23600,17 @@
                 <a:latin typeface="微软雅黑" panose="020B0503020204020204" pitchFamily="34" charset="-122"/>
                 <a:ea typeface="微软雅黑" panose="020B0503020204020204" pitchFamily="34" charset="-122"/>
               </a:rPr>
-              <a:t>主循环简化版</a:t>
+              <a:t>单</a:t>
+            </a:r>
+            <a:r>
+              <a:rPr lang="zh-CN" altLang="en-US" sz="6000" kern="0" cap="all" dirty="0" smtClean="0">
+                <a:solidFill>
+                  <a:srgbClr val="000000"/>
+                </a:solidFill>
+                <a:latin typeface="微软雅黑" panose="020B0503020204020204" pitchFamily="34" charset="-122"/>
+                <a:ea typeface="微软雅黑" panose="020B0503020204020204" pitchFamily="34" charset="-122"/>
+              </a:rPr>
+              <a:t>线程游戏循环</a:t>
             </a:r>
             <a:endParaRPr lang="zh-CN" sz="6000" kern="0" cap="all" dirty="0">
               <a:solidFill>

--- a/PPTs/04.引擎基础概念与底层实用系统.pptx
+++ b/PPTs/04.引擎基础概念与底层实用系统.pptx
@@ -12565,7 +12565,7 @@
           <p:cNvPr id="19" name="图片 18">
             <a:extLst>
               <a:ext uri="{FF2B5EF4-FFF2-40B4-BE49-F238E27FC236}">
-                <a16:creationId xmlns:a16="http://schemas.microsoft.com/office/drawing/2014/main" xmlns="" id="{AF7F1446-D260-4A97-B494-5D2757CB33CD}"/>
+                <a16:creationId xmlns="" xmlns:a16="http://schemas.microsoft.com/office/drawing/2014/main" id="{AF7F1446-D260-4A97-B494-5D2757CB33CD}"/>
               </a:ext>
             </a:extLst>
           </p:cNvPr>
@@ -12595,7 +12595,7 @@
           <p:cNvPr id="21" name="图片 20">
             <a:extLst>
               <a:ext uri="{FF2B5EF4-FFF2-40B4-BE49-F238E27FC236}">
-                <a16:creationId xmlns:a16="http://schemas.microsoft.com/office/drawing/2014/main" xmlns="" id="{9C80CB06-A6E8-40AE-9720-E7462E00A87D}"/>
+                <a16:creationId xmlns="" xmlns:a16="http://schemas.microsoft.com/office/drawing/2014/main" id="{9C80CB06-A6E8-40AE-9720-E7462E00A87D}"/>
               </a:ext>
             </a:extLst>
           </p:cNvPr>
@@ -13395,7 +13395,7 @@
           <p:cNvPr id="10" name="图片 9">
             <a:extLst>
               <a:ext uri="{FF2B5EF4-FFF2-40B4-BE49-F238E27FC236}">
-                <a16:creationId xmlns:a16="http://schemas.microsoft.com/office/drawing/2014/main" xmlns="" id="{907DEC68-EDD6-4A32-A7C8-B2AAC0A2561D}"/>
+                <a16:creationId xmlns="" xmlns:a16="http://schemas.microsoft.com/office/drawing/2014/main" id="{907DEC68-EDD6-4A32-A7C8-B2AAC0A2561D}"/>
               </a:ext>
             </a:extLst>
           </p:cNvPr>
@@ -15246,7 +15246,7 @@
         <p:spPr>
           <a:xfrm>
             <a:off x="2706624" y="4937760"/>
-            <a:ext cx="7104888" cy="5457904"/>
+            <a:ext cx="9180576" cy="7027565"/>
           </a:xfrm>
           <a:prstGeom prst="rect">
             <a:avLst/>
@@ -15281,6 +15281,16 @@
               <a:buChar char="•"/>
             </a:pPr>
             <a:r>
+              <a:rPr lang="zh-CN" altLang="en-US" sz="3600" kern="0" dirty="0" smtClean="0">
+                <a:solidFill>
+                  <a:srgbClr val="000000"/>
+                </a:solidFill>
+                <a:latin typeface="微软雅黑 Light" panose="020B0502040204020203" pitchFamily="34" charset="-122"/>
+                <a:ea typeface="微软雅黑 Light" panose="020B0502040204020203" pitchFamily="34" charset="-122"/>
+              </a:rPr>
+              <a:t> 引擎</a:t>
+            </a:r>
+            <a:r>
               <a:rPr lang="zh-CN" altLang="en-US" sz="3600" kern="0" dirty="0">
                 <a:solidFill>
                   <a:srgbClr val="000000"/>
@@ -15288,7 +15298,7 @@
                 <a:latin typeface="微软雅黑 Light" panose="020B0502040204020203" pitchFamily="34" charset="-122"/>
                 <a:ea typeface="微软雅黑 Light" panose="020B0502040204020203" pitchFamily="34" charset="-122"/>
               </a:rPr>
-              <a:t>引擎概要</a:t>
+              <a:t>概要</a:t>
             </a:r>
             <a:endParaRPr lang="en-US" altLang="zh-CN" sz="3600" kern="0" dirty="0">
               <a:solidFill>
@@ -15317,7 +15327,17 @@
                 <a:latin typeface="微软雅黑 Light" panose="020B0502040204020203" pitchFamily="34" charset="-122"/>
                 <a:ea typeface="微软雅黑 Light" panose="020B0502040204020203" pitchFamily="34" charset="-122"/>
               </a:rPr>
-              <a:t>游戏循环</a:t>
+              <a:t> 游戏</a:t>
+            </a:r>
+            <a:r>
+              <a:rPr lang="zh-CN" altLang="en-US" sz="3600" kern="0" dirty="0" smtClean="0">
+                <a:solidFill>
+                  <a:srgbClr val="000000"/>
+                </a:solidFill>
+                <a:latin typeface="微软雅黑 Light" panose="020B0502040204020203" pitchFamily="34" charset="-122"/>
+                <a:ea typeface="微软雅黑 Light" panose="020B0502040204020203" pitchFamily="34" charset="-122"/>
+              </a:rPr>
+              <a:t>循环</a:t>
             </a:r>
             <a:endParaRPr lang="en-US" altLang="zh-CN" sz="3600" kern="0" dirty="0">
               <a:solidFill>
@@ -15396,7 +15416,36 @@
             </a:endParaRPr>
           </a:p>
           <a:p>
-            <a:pPr marL="1828800" lvl="1" indent="-914400" defTabSz="825500" hangingPunct="0">
+            <a:pPr marL="571500" indent="-571500" defTabSz="825500" hangingPunct="0">
+              <a:spcBef>
+                <a:spcPts val="600"/>
+              </a:spcBef>
+              <a:spcAft>
+                <a:spcPts val="600"/>
+              </a:spcAft>
+              <a:buFont typeface="Arial" panose="020B0604020202020204" pitchFamily="34" charset="0"/>
+              <a:buChar char="•"/>
+            </a:pPr>
+            <a:r>
+              <a:rPr lang="zh-CN" altLang="en-US" sz="3600" kern="0" dirty="0" smtClean="0">
+                <a:solidFill>
+                  <a:srgbClr val="000000"/>
+                </a:solidFill>
+                <a:latin typeface="微软雅黑 Light" panose="020B0502040204020203" pitchFamily="34" charset="-122"/>
+                <a:ea typeface="微软雅黑 Light" panose="020B0502040204020203" pitchFamily="34" charset="-122"/>
+              </a:rPr>
+              <a:t>多线程</a:t>
+            </a:r>
+            <a:endParaRPr lang="en-US" altLang="zh-CN" sz="3600" kern="0" dirty="0" smtClean="0">
+              <a:solidFill>
+                <a:srgbClr val="000000"/>
+              </a:solidFill>
+              <a:latin typeface="微软雅黑 Light" panose="020B0502040204020203" pitchFamily="34" charset="-122"/>
+              <a:ea typeface="微软雅黑 Light" panose="020B0502040204020203" pitchFamily="34" charset="-122"/>
+            </a:endParaRPr>
+          </a:p>
+          <a:p>
+            <a:pPr marL="1485900" lvl="1" indent="-571500" defTabSz="825500" hangingPunct="0">
               <a:spcBef>
                 <a:spcPts val="600"/>
               </a:spcBef>
@@ -15406,6 +15455,114 @@
               <a:buFont typeface="Wingdings" panose="05000000000000000000" pitchFamily="2" charset="2"/>
               <a:buChar char="ü"/>
             </a:pPr>
+            <a:r>
+              <a:rPr lang="en-US" altLang="zh-CN" kern="0" dirty="0" smtClean="0">
+                <a:solidFill>
+                  <a:srgbClr val="000000"/>
+                </a:solidFill>
+                <a:latin typeface="微软雅黑 Light" panose="020B0502040204020203" pitchFamily="34" charset="-122"/>
+                <a:ea typeface="微软雅黑 Light" panose="020B0502040204020203" pitchFamily="34" charset="-122"/>
+              </a:rPr>
+              <a:t>   </a:t>
+            </a:r>
+            <a:r>
+              <a:rPr lang="zh-CN" altLang="en-US" kern="0" dirty="0" smtClean="0">
+                <a:solidFill>
+                  <a:srgbClr val="000000"/>
+                </a:solidFill>
+                <a:latin typeface="微软雅黑 Light" panose="020B0502040204020203" pitchFamily="34" charset="-122"/>
+                <a:ea typeface="微软雅黑 Light" panose="020B0502040204020203" pitchFamily="34" charset="-122"/>
+              </a:rPr>
+              <a:t>为什么要用多线程？</a:t>
+            </a:r>
+            <a:endParaRPr lang="en-US" altLang="zh-CN" kern="0" dirty="0" smtClean="0">
+              <a:solidFill>
+                <a:srgbClr val="000000"/>
+              </a:solidFill>
+              <a:latin typeface="微软雅黑 Light" panose="020B0502040204020203" pitchFamily="34" charset="-122"/>
+              <a:ea typeface="微软雅黑 Light" panose="020B0502040204020203" pitchFamily="34" charset="-122"/>
+            </a:endParaRPr>
+          </a:p>
+          <a:p>
+            <a:pPr marL="1485900" lvl="1" indent="-571500" defTabSz="825500" hangingPunct="0">
+              <a:spcBef>
+                <a:spcPts val="600"/>
+              </a:spcBef>
+              <a:spcAft>
+                <a:spcPts val="600"/>
+              </a:spcAft>
+              <a:buFont typeface="Wingdings" panose="05000000000000000000" pitchFamily="2" charset="2"/>
+              <a:buChar char="ü"/>
+            </a:pPr>
+            <a:r>
+              <a:rPr lang="en-US" altLang="zh-CN" kern="0" dirty="0">
+                <a:solidFill>
+                  <a:srgbClr val="000000"/>
+                </a:solidFill>
+                <a:latin typeface="微软雅黑 Light" panose="020B0502040204020203" pitchFamily="34" charset="-122"/>
+                <a:ea typeface="微软雅黑 Light" panose="020B0502040204020203" pitchFamily="34" charset="-122"/>
+              </a:rPr>
+              <a:t> </a:t>
+            </a:r>
+            <a:r>
+              <a:rPr lang="en-US" altLang="zh-CN" kern="0" dirty="0" smtClean="0">
+                <a:solidFill>
+                  <a:srgbClr val="000000"/>
+                </a:solidFill>
+                <a:latin typeface="微软雅黑 Light" panose="020B0502040204020203" pitchFamily="34" charset="-122"/>
+                <a:ea typeface="微软雅黑 Light" panose="020B0502040204020203" pitchFamily="34" charset="-122"/>
+              </a:rPr>
+              <a:t>  </a:t>
+            </a:r>
+            <a:r>
+              <a:rPr lang="zh-CN" altLang="en-US" kern="0" dirty="0" smtClean="0">
+                <a:solidFill>
+                  <a:srgbClr val="000000"/>
+                </a:solidFill>
+                <a:latin typeface="微软雅黑 Light" panose="020B0502040204020203" pitchFamily="34" charset="-122"/>
+                <a:ea typeface="微软雅黑 Light" panose="020B0502040204020203" pitchFamily="34" charset="-122"/>
+              </a:rPr>
+              <a:t>多线程同步方法</a:t>
+            </a:r>
+            <a:endParaRPr lang="en-US" altLang="zh-CN" kern="0" dirty="0" smtClean="0">
+              <a:solidFill>
+                <a:srgbClr val="000000"/>
+              </a:solidFill>
+              <a:latin typeface="微软雅黑 Light" panose="020B0502040204020203" pitchFamily="34" charset="-122"/>
+              <a:ea typeface="微软雅黑 Light" panose="020B0502040204020203" pitchFamily="34" charset="-122"/>
+            </a:endParaRPr>
+          </a:p>
+          <a:p>
+            <a:pPr marL="1485900" lvl="1" indent="-571500" defTabSz="825500" hangingPunct="0">
+              <a:spcBef>
+                <a:spcPts val="600"/>
+              </a:spcBef>
+              <a:spcAft>
+                <a:spcPts val="600"/>
+              </a:spcAft>
+              <a:buFont typeface="Wingdings" panose="05000000000000000000" pitchFamily="2" charset="2"/>
+              <a:buChar char="ü"/>
+            </a:pPr>
+            <a:r>
+              <a:rPr lang="en-US" altLang="zh-CN" kern="0" dirty="0">
+                <a:solidFill>
+                  <a:srgbClr val="000000"/>
+                </a:solidFill>
+                <a:latin typeface="微软雅黑 Light" panose="020B0502040204020203" pitchFamily="34" charset="-122"/>
+                <a:ea typeface="微软雅黑 Light" panose="020B0502040204020203" pitchFamily="34" charset="-122"/>
+              </a:rPr>
+              <a:t> </a:t>
+            </a:r>
+            <a:r>
+              <a:rPr lang="en-US" altLang="zh-CN" kern="0" dirty="0" smtClean="0">
+                <a:solidFill>
+                  <a:srgbClr val="000000"/>
+                </a:solidFill>
+                <a:latin typeface="微软雅黑 Light" panose="020B0502040204020203" pitchFamily="34" charset="-122"/>
+                <a:ea typeface="微软雅黑 Light" panose="020B0502040204020203" pitchFamily="34" charset="-122"/>
+              </a:rPr>
+              <a:t>  </a:t>
+            </a:r>
             <a:r>
               <a:rPr lang="zh-CN" altLang="en-US" kern="0" dirty="0" smtClean="0">
                 <a:solidFill>
@@ -15436,16 +15593,6 @@
               <a:buChar char="•"/>
             </a:pPr>
             <a:r>
-              <a:rPr lang="zh-CN" altLang="en-US" sz="3600" kern="0" dirty="0">
-                <a:solidFill>
-                  <a:srgbClr val="000000"/>
-                </a:solidFill>
-                <a:latin typeface="微软雅黑 Light" panose="020B0502040204020203" pitchFamily="34" charset="-122"/>
-                <a:ea typeface="微软雅黑 Light" panose="020B0502040204020203" pitchFamily="34" charset="-122"/>
-              </a:rPr>
-              <a:t>子</a:t>
-            </a:r>
-            <a:r>
               <a:rPr lang="zh-CN" altLang="en-US" sz="3600" kern="0" dirty="0" smtClean="0">
                 <a:solidFill>
                   <a:srgbClr val="000000"/>
@@ -15453,7 +15600,17 @@
                 <a:latin typeface="微软雅黑 Light" panose="020B0502040204020203" pitchFamily="34" charset="-122"/>
                 <a:ea typeface="微软雅黑 Light" panose="020B0502040204020203" pitchFamily="34" charset="-122"/>
               </a:rPr>
-              <a:t>系统设计</a:t>
+              <a:t> 子系统</a:t>
+            </a:r>
+            <a:r>
+              <a:rPr lang="zh-CN" altLang="en-US" sz="3600" kern="0" dirty="0" smtClean="0">
+                <a:solidFill>
+                  <a:srgbClr val="000000"/>
+                </a:solidFill>
+                <a:latin typeface="微软雅黑 Light" panose="020B0502040204020203" pitchFamily="34" charset="-122"/>
+                <a:ea typeface="微软雅黑 Light" panose="020B0502040204020203" pitchFamily="34" charset="-122"/>
+              </a:rPr>
+              <a:t>设计</a:t>
             </a:r>
             <a:endParaRPr lang="en-US" altLang="zh-CN" sz="3600" kern="0" dirty="0">
               <a:solidFill>
@@ -21026,7 +21183,7 @@
           <p:cNvPr id="8" name="I see your face on the leaves,telling me how lonely I have been. This is a dream of mine that I have just dreamed. Just see your smiling face everywhere I go. The love I feel for you to shine inside me. But it’s all over now you’re gone. This is a dream of mine that I have just ...">
             <a:extLst>
               <a:ext uri="{FF2B5EF4-FFF2-40B4-BE49-F238E27FC236}">
-                <a16:creationId xmlns:a16="http://schemas.microsoft.com/office/drawing/2014/main" xmlns="" id="{58A4F707-8CDE-465B-A488-6E4B5242EE01}"/>
+                <a16:creationId xmlns="" xmlns:a16="http://schemas.microsoft.com/office/drawing/2014/main" id="{58A4F707-8CDE-465B-A488-6E4B5242EE01}"/>
               </a:ext>
             </a:extLst>
           </p:cNvPr>

--- a/PPTs/04.引擎基础概念与底层实用系统.pptx
+++ b/PPTs/04.引擎基础概念与底层实用系统.pptx
@@ -7,7 +7,7 @@
     <p:sldMasterId id="2147483657" r:id="rId3"/>
   </p:sldMasterIdLst>
   <p:notesMasterIdLst>
-    <p:notesMasterId r:id="rId32"/>
+    <p:notesMasterId r:id="rId35"/>
   </p:notesMasterIdLst>
   <p:sldIdLst>
     <p:sldId id="324" r:id="rId4"/>
@@ -25,19 +25,22 @@
     <p:sldId id="388" r:id="rId16"/>
     <p:sldId id="389" r:id="rId17"/>
     <p:sldId id="400" r:id="rId18"/>
-    <p:sldId id="390" r:id="rId19"/>
-    <p:sldId id="391" r:id="rId20"/>
-    <p:sldId id="408" r:id="rId21"/>
-    <p:sldId id="403" r:id="rId22"/>
-    <p:sldId id="409" r:id="rId23"/>
-    <p:sldId id="410" r:id="rId24"/>
-    <p:sldId id="411" r:id="rId25"/>
-    <p:sldId id="406" r:id="rId26"/>
-    <p:sldId id="379" r:id="rId27"/>
-    <p:sldId id="383" r:id="rId28"/>
-    <p:sldId id="407" r:id="rId29"/>
-    <p:sldId id="371" r:id="rId30"/>
-    <p:sldId id="333" r:id="rId31"/>
+    <p:sldId id="414" r:id="rId19"/>
+    <p:sldId id="415" r:id="rId20"/>
+    <p:sldId id="390" r:id="rId21"/>
+    <p:sldId id="391" r:id="rId22"/>
+    <p:sldId id="408" r:id="rId23"/>
+    <p:sldId id="403" r:id="rId24"/>
+    <p:sldId id="413" r:id="rId25"/>
+    <p:sldId id="409" r:id="rId26"/>
+    <p:sldId id="410" r:id="rId27"/>
+    <p:sldId id="411" r:id="rId28"/>
+    <p:sldId id="406" r:id="rId29"/>
+    <p:sldId id="379" r:id="rId30"/>
+    <p:sldId id="383" r:id="rId31"/>
+    <p:sldId id="407" r:id="rId32"/>
+    <p:sldId id="371" r:id="rId33"/>
+    <p:sldId id="333" r:id="rId34"/>
   </p:sldIdLst>
   <p:sldSz cx="24384000" cy="13716000"/>
   <p:notesSz cx="6858000" cy="9144000"/>
@@ -258,7 +261,7 @@
           <a:p>
             <a:fld id="{0C0E42BC-8A47-448F-A68A-F4ACF20E9984}" type="datetimeFigureOut">
               <a:rPr lang="en-US" smtClean="0"/>
-              <a:t>1/12/2022</a:t>
+              <a:t>1/14/2022</a:t>
             </a:fld>
             <a:endParaRPr lang="zh-CN"/>
           </a:p>
@@ -1309,7 +1312,7 @@
     </p:spTree>
     <p:extLst>
       <p:ext uri="{BB962C8B-B14F-4D97-AF65-F5344CB8AC3E}">
-        <p14:creationId xmlns:p14="http://schemas.microsoft.com/office/powerpoint/2010/main" val="3659297246"/>
+        <p14:creationId xmlns:p14="http://schemas.microsoft.com/office/powerpoint/2010/main" val="3826423353"/>
       </p:ext>
     </p:extLst>
   </p:cSld>
@@ -1363,6 +1366,12 @@
           <a:bodyPr/>
           <a:lstStyle/>
           <a:p>
+            <a:endParaRPr lang="en-US" altLang="zh-CN" dirty="0"/>
+          </a:p>
+          <a:p>
+            <a:endParaRPr lang="en-US" altLang="zh-CN" dirty="0"/>
+          </a:p>
+          <a:p>
             <a:endParaRPr lang="zh-CN" altLang="en-US" dirty="0"/>
           </a:p>
         </p:txBody>
@@ -1402,7 +1411,7 @@
     </p:spTree>
     <p:extLst>
       <p:ext uri="{BB962C8B-B14F-4D97-AF65-F5344CB8AC3E}">
-        <p14:creationId xmlns:p14="http://schemas.microsoft.com/office/powerpoint/2010/main" val="1693624164"/>
+        <p14:creationId xmlns:p14="http://schemas.microsoft.com/office/powerpoint/2010/main" val="790206379"/>
       </p:ext>
     </p:extLst>
   </p:cSld>
@@ -1431,7 +1440,7 @@
       </p:grpSpPr>
       <p:sp>
         <p:nvSpPr>
-          <p:cNvPr id="2" name="Slide Image Placeholder 1"/>
+          <p:cNvPr id="2" name="幻灯片图像占位符 1"/>
           <p:cNvSpPr>
             <a:spLocks noGrp="1" noRot="1" noChangeAspect="1"/>
           </p:cNvSpPr>
@@ -1443,7 +1452,7 @@
       </p:sp>
       <p:sp>
         <p:nvSpPr>
-          <p:cNvPr id="3" name="Notes Placeholder 2"/>
+          <p:cNvPr id="3" name="备注占位符 2"/>
           <p:cNvSpPr>
             <a:spLocks noGrp="1"/>
           </p:cNvSpPr>
@@ -1456,24 +1465,19 @@
           <a:bodyPr/>
           <a:lstStyle/>
           <a:p>
-            <a:pPr lvl="0">
-              <a:buSzPct val="25000"/>
-            </a:pPr>
-            <a:endParaRPr lang="zh-CN" sz="2800" kern="0" dirty="0">
-              <a:solidFill>
-                <a:srgbClr val="434343"/>
-              </a:solidFill>
-              <a:latin typeface="宋体" panose="02010600030101010101" pitchFamily="2" charset="-122"/>
-              <a:ea typeface="宋体" panose="02010600030101010101" pitchFamily="2" charset="-122"/>
-              <a:cs typeface="宋体" panose="02010600030101010101" pitchFamily="2" charset="-122"/>
-              <a:sym typeface="Calibri" panose="020F0502020204030204"/>
-            </a:endParaRPr>
+            <a:endParaRPr lang="en-US" altLang="zh-CN" dirty="0"/>
+          </a:p>
+          <a:p>
+            <a:endParaRPr lang="en-US" altLang="zh-CN" dirty="0"/>
+          </a:p>
+          <a:p>
+            <a:endParaRPr lang="zh-CN" altLang="en-US" dirty="0"/>
           </a:p>
         </p:txBody>
       </p:sp>
       <p:sp>
         <p:nvSpPr>
-          <p:cNvPr id="4" name="Slide Number Placeholder 3"/>
+          <p:cNvPr id="4" name="灯片编号占位符 3"/>
           <p:cNvSpPr>
             <a:spLocks noGrp="1"/>
           </p:cNvSpPr>
@@ -1486,8 +1490,8 @@
           <a:bodyPr/>
           <a:lstStyle/>
           <a:p>
-            <a:fld id="{438DF56B-8CBC-4293-992F-179621AF3D25}" type="slidenum">
-              <a:rPr lang="en-AU" smtClean="0">
+            <a:fld id="{E9F17BB9-9CDD-491A-BF82-5D6AFE00870E}" type="slidenum">
+              <a:rPr lang="en-US" smtClean="0">
                 <a:solidFill>
                   <a:prstClr val="black"/>
                 </a:solidFill>
@@ -1506,7 +1510,7 @@
     </p:spTree>
     <p:extLst>
       <p:ext uri="{BB962C8B-B14F-4D97-AF65-F5344CB8AC3E}">
-        <p14:creationId xmlns:p14="http://schemas.microsoft.com/office/powerpoint/2010/main" val="2568753955"/>
+        <p14:creationId xmlns:p14="http://schemas.microsoft.com/office/powerpoint/2010/main" val="3659297246"/>
       </p:ext>
     </p:extLst>
   </p:cSld>
@@ -1560,12 +1564,6 @@
           <a:bodyPr/>
           <a:lstStyle/>
           <a:p>
-            <a:endParaRPr lang="en-US" altLang="zh-CN" dirty="0"/>
-          </a:p>
-          <a:p>
-            <a:endParaRPr lang="en-US" altLang="zh-CN" dirty="0"/>
-          </a:p>
-          <a:p>
             <a:endParaRPr lang="zh-CN" altLang="en-US" dirty="0"/>
           </a:p>
         </p:txBody>
@@ -1605,7 +1603,7 @@
     </p:spTree>
     <p:extLst>
       <p:ext uri="{BB962C8B-B14F-4D97-AF65-F5344CB8AC3E}">
-        <p14:creationId xmlns:p14="http://schemas.microsoft.com/office/powerpoint/2010/main" val="3467062657"/>
+        <p14:creationId xmlns:p14="http://schemas.microsoft.com/office/powerpoint/2010/main" val="1693624164"/>
       </p:ext>
     </p:extLst>
   </p:cSld>
@@ -1727,7 +1725,7 @@
       </p:grpSpPr>
       <p:sp>
         <p:nvSpPr>
-          <p:cNvPr id="2" name="幻灯片图像占位符 1"/>
+          <p:cNvPr id="2" name="Slide Image Placeholder 1"/>
           <p:cNvSpPr>
             <a:spLocks noGrp="1" noRot="1" noChangeAspect="1"/>
           </p:cNvSpPr>
@@ -1739,7 +1737,7 @@
       </p:sp>
       <p:sp>
         <p:nvSpPr>
-          <p:cNvPr id="3" name="备注占位符 2"/>
+          <p:cNvPr id="3" name="Notes Placeholder 2"/>
           <p:cNvSpPr>
             <a:spLocks noGrp="1"/>
           </p:cNvSpPr>
@@ -1752,19 +1750,24 @@
           <a:bodyPr/>
           <a:lstStyle/>
           <a:p>
-            <a:endParaRPr lang="en-US" altLang="zh-CN" dirty="0"/>
-          </a:p>
-          <a:p>
-            <a:endParaRPr lang="en-US" altLang="zh-CN" dirty="0"/>
-          </a:p>
-          <a:p>
-            <a:endParaRPr lang="zh-CN" altLang="en-US" dirty="0"/>
+            <a:pPr lvl="0">
+              <a:buSzPct val="25000"/>
+            </a:pPr>
+            <a:endParaRPr lang="zh-CN" sz="2800" kern="0" dirty="0">
+              <a:solidFill>
+                <a:srgbClr val="434343"/>
+              </a:solidFill>
+              <a:latin typeface="宋体" panose="02010600030101010101" pitchFamily="2" charset="-122"/>
+              <a:ea typeface="宋体" panose="02010600030101010101" pitchFamily="2" charset="-122"/>
+              <a:cs typeface="宋体" panose="02010600030101010101" pitchFamily="2" charset="-122"/>
+              <a:sym typeface="Calibri" panose="020F0502020204030204"/>
+            </a:endParaRPr>
           </a:p>
         </p:txBody>
       </p:sp>
       <p:sp>
         <p:nvSpPr>
-          <p:cNvPr id="4" name="灯片编号占位符 3"/>
+          <p:cNvPr id="4" name="Slide Number Placeholder 3"/>
           <p:cNvSpPr>
             <a:spLocks noGrp="1"/>
           </p:cNvSpPr>
@@ -1777,8 +1780,8 @@
           <a:bodyPr/>
           <a:lstStyle/>
           <a:p>
-            <a:fld id="{E9F17BB9-9CDD-491A-BF82-5D6AFE00870E}" type="slidenum">
-              <a:rPr lang="en-US" smtClean="0">
+            <a:fld id="{438DF56B-8CBC-4293-992F-179621AF3D25}" type="slidenum">
+              <a:rPr lang="en-AU" smtClean="0">
                 <a:solidFill>
                   <a:prstClr val="black"/>
                 </a:solidFill>
@@ -1797,7 +1800,7 @@
     </p:spTree>
     <p:extLst>
       <p:ext uri="{BB962C8B-B14F-4D97-AF65-F5344CB8AC3E}">
-        <p14:creationId xmlns:p14="http://schemas.microsoft.com/office/powerpoint/2010/main" val="629547145"/>
+        <p14:creationId xmlns:p14="http://schemas.microsoft.com/office/powerpoint/2010/main" val="2568753955"/>
       </p:ext>
     </p:extLst>
   </p:cSld>
@@ -1896,7 +1899,7 @@
     </p:spTree>
     <p:extLst>
       <p:ext uri="{BB962C8B-B14F-4D97-AF65-F5344CB8AC3E}">
-        <p14:creationId xmlns:p14="http://schemas.microsoft.com/office/powerpoint/2010/main" val="2345689774"/>
+        <p14:creationId xmlns:p14="http://schemas.microsoft.com/office/powerpoint/2010/main" val="3467062657"/>
       </p:ext>
     </p:extLst>
   </p:cSld>
@@ -1950,12 +1953,6 @@
           <a:bodyPr/>
           <a:lstStyle/>
           <a:p>
-            <a:endParaRPr lang="en-US" altLang="zh-CN" dirty="0"/>
-          </a:p>
-          <a:p>
-            <a:endParaRPr lang="en-US" altLang="zh-CN" dirty="0"/>
-          </a:p>
-          <a:p>
             <a:endParaRPr lang="zh-CN" altLang="en-US" dirty="0"/>
           </a:p>
         </p:txBody>
@@ -1995,7 +1992,7 @@
     </p:spTree>
     <p:extLst>
       <p:ext uri="{BB962C8B-B14F-4D97-AF65-F5344CB8AC3E}">
-        <p14:creationId xmlns:p14="http://schemas.microsoft.com/office/powerpoint/2010/main" val="1649406225"/>
+        <p14:creationId xmlns:p14="http://schemas.microsoft.com/office/powerpoint/2010/main" val="4153069909"/>
       </p:ext>
     </p:extLst>
   </p:cSld>
@@ -2024,7 +2021,7 @@
       </p:grpSpPr>
       <p:sp>
         <p:nvSpPr>
-          <p:cNvPr id="2" name="Slide Image Placeholder 1"/>
+          <p:cNvPr id="2" name="幻灯片图像占位符 1"/>
           <p:cNvSpPr>
             <a:spLocks noGrp="1" noRot="1" noChangeAspect="1"/>
           </p:cNvSpPr>
@@ -2036,7 +2033,7 @@
       </p:sp>
       <p:sp>
         <p:nvSpPr>
-          <p:cNvPr id="3" name="Notes Placeholder 2"/>
+          <p:cNvPr id="3" name="备注占位符 2"/>
           <p:cNvSpPr>
             <a:spLocks noGrp="1"/>
           </p:cNvSpPr>
@@ -2049,13 +2046,36 @@
           <a:bodyPr/>
           <a:lstStyle/>
           <a:p>
-            <a:endParaRPr lang="en-US" b="0" dirty="0"/>
+            <a:r>
+              <a:rPr lang="zh-CN" altLang="en-US" baseline="0" dirty="0" smtClean="0"/>
+              <a:t>引用计数</a:t>
+            </a:r>
+            <a:r>
+              <a:rPr lang="en-US" altLang="zh-CN" baseline="0" dirty="0" smtClean="0"/>
+              <a:t>: </a:t>
+            </a:r>
+            <a:r>
+              <a:rPr lang="zh-CN" altLang="en-US" baseline="0" dirty="0" smtClean="0"/>
+              <a:t>可以用来粗略的进行工作状态的同步， 等待可以粗暴的用</a:t>
+            </a:r>
+            <a:r>
+              <a:rPr lang="en-US" altLang="zh-CN" baseline="0" dirty="0" smtClean="0"/>
+              <a:t>while</a:t>
+            </a:r>
+            <a:r>
+              <a:rPr lang="zh-CN" altLang="en-US" baseline="0" dirty="0" smtClean="0"/>
+              <a:t>空跑等待，这种方式可以实现但不可取。。。</a:t>
+            </a:r>
+            <a:endParaRPr lang="en-US" altLang="zh-CN" dirty="0"/>
+          </a:p>
+          <a:p>
+            <a:endParaRPr lang="zh-CN" altLang="en-US" dirty="0"/>
           </a:p>
         </p:txBody>
       </p:sp>
       <p:sp>
         <p:nvSpPr>
-          <p:cNvPr id="4" name="Slide Number Placeholder 3"/>
+          <p:cNvPr id="4" name="灯片编号占位符 3"/>
           <p:cNvSpPr>
             <a:spLocks noGrp="1"/>
           </p:cNvSpPr>
@@ -2088,7 +2108,7 @@
     </p:spTree>
     <p:extLst>
       <p:ext uri="{BB962C8B-B14F-4D97-AF65-F5344CB8AC3E}">
-        <p14:creationId xmlns:p14="http://schemas.microsoft.com/office/powerpoint/2010/main" val="1613017418"/>
+        <p14:creationId xmlns:p14="http://schemas.microsoft.com/office/powerpoint/2010/main" val="629547145"/>
       </p:ext>
     </p:extLst>
   </p:cSld>
@@ -2117,7 +2137,7 @@
       </p:grpSpPr>
       <p:sp>
         <p:nvSpPr>
-          <p:cNvPr id="2" name="Slide Image Placeholder 1"/>
+          <p:cNvPr id="2" name="幻灯片图像占位符 1"/>
           <p:cNvSpPr>
             <a:spLocks noGrp="1" noRot="1" noChangeAspect="1"/>
           </p:cNvSpPr>
@@ -2129,7 +2149,7 @@
       </p:sp>
       <p:sp>
         <p:nvSpPr>
-          <p:cNvPr id="3" name="Notes Placeholder 2"/>
+          <p:cNvPr id="3" name="备注占位符 2"/>
           <p:cNvSpPr>
             <a:spLocks noGrp="1"/>
           </p:cNvSpPr>
@@ -2142,24 +2162,19 @@
           <a:bodyPr/>
           <a:lstStyle/>
           <a:p>
-            <a:pPr lvl="0">
-              <a:buSzPct val="25000"/>
-            </a:pPr>
-            <a:endParaRPr lang="zh-CN" sz="2800" kern="0" dirty="0">
-              <a:solidFill>
-                <a:srgbClr val="434343"/>
-              </a:solidFill>
-              <a:latin typeface="宋体" panose="02010600030101010101" pitchFamily="2" charset="-122"/>
-              <a:ea typeface="宋体" panose="02010600030101010101" pitchFamily="2" charset="-122"/>
-              <a:cs typeface="宋体" panose="02010600030101010101" pitchFamily="2" charset="-122"/>
-              <a:sym typeface="Calibri" panose="020F0502020204030204"/>
-            </a:endParaRPr>
+            <a:endParaRPr lang="en-US" altLang="zh-CN" dirty="0"/>
+          </a:p>
+          <a:p>
+            <a:endParaRPr lang="en-US" altLang="zh-CN" dirty="0"/>
+          </a:p>
+          <a:p>
+            <a:endParaRPr lang="zh-CN" altLang="en-US" dirty="0"/>
           </a:p>
         </p:txBody>
       </p:sp>
       <p:sp>
         <p:nvSpPr>
-          <p:cNvPr id="4" name="Slide Number Placeholder 3"/>
+          <p:cNvPr id="4" name="灯片编号占位符 3"/>
           <p:cNvSpPr>
             <a:spLocks noGrp="1"/>
           </p:cNvSpPr>
@@ -2172,8 +2187,8 @@
           <a:bodyPr/>
           <a:lstStyle/>
           <a:p>
-            <a:fld id="{438DF56B-8CBC-4293-992F-179621AF3D25}" type="slidenum">
-              <a:rPr lang="en-AU" smtClean="0">
+            <a:fld id="{E9F17BB9-9CDD-491A-BF82-5D6AFE00870E}" type="slidenum">
+              <a:rPr lang="en-US" smtClean="0">
                 <a:solidFill>
                   <a:prstClr val="black"/>
                 </a:solidFill>
@@ -2192,7 +2207,7 @@
     </p:spTree>
     <p:extLst>
       <p:ext uri="{BB962C8B-B14F-4D97-AF65-F5344CB8AC3E}">
-        <p14:creationId xmlns:p14="http://schemas.microsoft.com/office/powerpoint/2010/main" val="1081455211"/>
+        <p14:creationId xmlns:p14="http://schemas.microsoft.com/office/powerpoint/2010/main" val="2345689774"/>
       </p:ext>
     </p:extLst>
   </p:cSld>
@@ -2246,6 +2261,12 @@
           <a:bodyPr/>
           <a:lstStyle/>
           <a:p>
+            <a:endParaRPr lang="en-US" altLang="zh-CN" dirty="0"/>
+          </a:p>
+          <a:p>
+            <a:endParaRPr lang="en-US" altLang="zh-CN" dirty="0"/>
+          </a:p>
+          <a:p>
             <a:endParaRPr lang="zh-CN" altLang="en-US" dirty="0"/>
           </a:p>
         </p:txBody>
@@ -2265,18 +2286,13 @@
           <a:bodyPr/>
           <a:lstStyle/>
           <a:p>
-            <a:pPr>
-              <a:defRPr/>
-            </a:pPr>
             <a:fld id="{E9F17BB9-9CDD-491A-BF82-5D6AFE00870E}" type="slidenum">
               <a:rPr lang="en-US" smtClean="0">
                 <a:solidFill>
                   <a:prstClr val="black"/>
                 </a:solidFill>
               </a:rPr>
-              <a:pPr>
-                <a:defRPr/>
-              </a:pPr>
+              <a:pPr/>
               <a:t>25</a:t>
             </a:fld>
             <a:endParaRPr lang="zh-CN" altLang="en-US">
@@ -2290,7 +2306,7 @@
     </p:spTree>
     <p:extLst>
       <p:ext uri="{BB962C8B-B14F-4D97-AF65-F5344CB8AC3E}">
-        <p14:creationId xmlns:p14="http://schemas.microsoft.com/office/powerpoint/2010/main" val="3676461033"/>
+        <p14:creationId xmlns:p14="http://schemas.microsoft.com/office/powerpoint/2010/main" val="1649406225"/>
       </p:ext>
     </p:extLst>
   </p:cSld>
@@ -2301,6 +2317,203 @@
 </file>
 
 <file path=ppt/notesSlides/notesSlide26.xml><?xml version="1.0" encoding="utf-8"?>
+<p:notes xmlns:a="http://schemas.openxmlformats.org/drawingml/2006/main" xmlns:r="http://schemas.openxmlformats.org/officeDocument/2006/relationships" xmlns:p="http://schemas.openxmlformats.org/presentationml/2006/main">
+  <p:cSld>
+    <p:spTree>
+      <p:nvGrpSpPr>
+        <p:cNvPr id="1" name=""/>
+        <p:cNvGrpSpPr/>
+        <p:nvPr/>
+      </p:nvGrpSpPr>
+      <p:grpSpPr>
+        <a:xfrm>
+          <a:off x="0" y="0"/>
+          <a:ext cx="0" cy="0"/>
+          <a:chOff x="0" y="0"/>
+          <a:chExt cx="0" cy="0"/>
+        </a:xfrm>
+      </p:grpSpPr>
+      <p:sp>
+        <p:nvSpPr>
+          <p:cNvPr id="2" name="Slide Image Placeholder 1"/>
+          <p:cNvSpPr>
+            <a:spLocks noGrp="1" noRot="1" noChangeAspect="1"/>
+          </p:cNvSpPr>
+          <p:nvPr>
+            <p:ph type="sldImg"/>
+          </p:nvPr>
+        </p:nvSpPr>
+        <p:spPr/>
+      </p:sp>
+      <p:sp>
+        <p:nvSpPr>
+          <p:cNvPr id="3" name="Notes Placeholder 2"/>
+          <p:cNvSpPr>
+            <a:spLocks noGrp="1"/>
+          </p:cNvSpPr>
+          <p:nvPr>
+            <p:ph type="body" idx="1"/>
+          </p:nvPr>
+        </p:nvSpPr>
+        <p:spPr/>
+        <p:txBody>
+          <a:bodyPr/>
+          <a:lstStyle/>
+          <a:p>
+            <a:endParaRPr lang="en-US" b="0" dirty="0"/>
+          </a:p>
+        </p:txBody>
+      </p:sp>
+      <p:sp>
+        <p:nvSpPr>
+          <p:cNvPr id="4" name="Slide Number Placeholder 3"/>
+          <p:cNvSpPr>
+            <a:spLocks noGrp="1"/>
+          </p:cNvSpPr>
+          <p:nvPr>
+            <p:ph type="sldNum" sz="quarter" idx="10"/>
+          </p:nvPr>
+        </p:nvSpPr>
+        <p:spPr/>
+        <p:txBody>
+          <a:bodyPr/>
+          <a:lstStyle/>
+          <a:p>
+            <a:fld id="{E9F17BB9-9CDD-491A-BF82-5D6AFE00870E}" type="slidenum">
+              <a:rPr lang="en-US" smtClean="0">
+                <a:solidFill>
+                  <a:prstClr val="black"/>
+                </a:solidFill>
+              </a:rPr>
+              <a:pPr/>
+              <a:t>26</a:t>
+            </a:fld>
+            <a:endParaRPr lang="zh-CN" altLang="en-US">
+              <a:solidFill>
+                <a:prstClr val="black"/>
+              </a:solidFill>
+            </a:endParaRPr>
+          </a:p>
+        </p:txBody>
+      </p:sp>
+    </p:spTree>
+    <p:extLst>
+      <p:ext uri="{BB962C8B-B14F-4D97-AF65-F5344CB8AC3E}">
+        <p14:creationId xmlns:p14="http://schemas.microsoft.com/office/powerpoint/2010/main" val="1613017418"/>
+      </p:ext>
+    </p:extLst>
+  </p:cSld>
+  <p:clrMapOvr>
+    <a:masterClrMapping/>
+  </p:clrMapOvr>
+</p:notes>
+</file>
+
+<file path=ppt/notesSlides/notesSlide27.xml><?xml version="1.0" encoding="utf-8"?>
+<p:notes xmlns:a="http://schemas.openxmlformats.org/drawingml/2006/main" xmlns:r="http://schemas.openxmlformats.org/officeDocument/2006/relationships" xmlns:p="http://schemas.openxmlformats.org/presentationml/2006/main">
+  <p:cSld>
+    <p:spTree>
+      <p:nvGrpSpPr>
+        <p:cNvPr id="1" name=""/>
+        <p:cNvGrpSpPr/>
+        <p:nvPr/>
+      </p:nvGrpSpPr>
+      <p:grpSpPr>
+        <a:xfrm>
+          <a:off x="0" y="0"/>
+          <a:ext cx="0" cy="0"/>
+          <a:chOff x="0" y="0"/>
+          <a:chExt cx="0" cy="0"/>
+        </a:xfrm>
+      </p:grpSpPr>
+      <p:sp>
+        <p:nvSpPr>
+          <p:cNvPr id="2" name="Slide Image Placeholder 1"/>
+          <p:cNvSpPr>
+            <a:spLocks noGrp="1" noRot="1" noChangeAspect="1"/>
+          </p:cNvSpPr>
+          <p:nvPr>
+            <p:ph type="sldImg"/>
+          </p:nvPr>
+        </p:nvSpPr>
+        <p:spPr/>
+      </p:sp>
+      <p:sp>
+        <p:nvSpPr>
+          <p:cNvPr id="3" name="Notes Placeholder 2"/>
+          <p:cNvSpPr>
+            <a:spLocks noGrp="1"/>
+          </p:cNvSpPr>
+          <p:nvPr>
+            <p:ph type="body" idx="1"/>
+          </p:nvPr>
+        </p:nvSpPr>
+        <p:spPr/>
+        <p:txBody>
+          <a:bodyPr/>
+          <a:lstStyle/>
+          <a:p>
+            <a:pPr lvl="0">
+              <a:buSzPct val="25000"/>
+            </a:pPr>
+            <a:endParaRPr lang="zh-CN" sz="2800" kern="0" dirty="0">
+              <a:solidFill>
+                <a:srgbClr val="434343"/>
+              </a:solidFill>
+              <a:latin typeface="宋体" panose="02010600030101010101" pitchFamily="2" charset="-122"/>
+              <a:ea typeface="宋体" panose="02010600030101010101" pitchFamily="2" charset="-122"/>
+              <a:cs typeface="宋体" panose="02010600030101010101" pitchFamily="2" charset="-122"/>
+              <a:sym typeface="Calibri" panose="020F0502020204030204"/>
+            </a:endParaRPr>
+          </a:p>
+        </p:txBody>
+      </p:sp>
+      <p:sp>
+        <p:nvSpPr>
+          <p:cNvPr id="4" name="Slide Number Placeholder 3"/>
+          <p:cNvSpPr>
+            <a:spLocks noGrp="1"/>
+          </p:cNvSpPr>
+          <p:nvPr>
+            <p:ph type="sldNum" sz="quarter" idx="10"/>
+          </p:nvPr>
+        </p:nvSpPr>
+        <p:spPr/>
+        <p:txBody>
+          <a:bodyPr/>
+          <a:lstStyle/>
+          <a:p>
+            <a:fld id="{438DF56B-8CBC-4293-992F-179621AF3D25}" type="slidenum">
+              <a:rPr lang="en-AU" smtClean="0">
+                <a:solidFill>
+                  <a:prstClr val="black"/>
+                </a:solidFill>
+              </a:rPr>
+              <a:pPr/>
+              <a:t>27</a:t>
+            </a:fld>
+            <a:endParaRPr lang="zh-CN" altLang="en-US">
+              <a:solidFill>
+                <a:prstClr val="black"/>
+              </a:solidFill>
+            </a:endParaRPr>
+          </a:p>
+        </p:txBody>
+      </p:sp>
+    </p:spTree>
+    <p:extLst>
+      <p:ext uri="{BB962C8B-B14F-4D97-AF65-F5344CB8AC3E}">
+        <p14:creationId xmlns:p14="http://schemas.microsoft.com/office/powerpoint/2010/main" val="1081455211"/>
+      </p:ext>
+    </p:extLst>
+  </p:cSld>
+  <p:clrMapOvr>
+    <a:masterClrMapping/>
+  </p:clrMapOvr>
+</p:notes>
+</file>
+
+<file path=ppt/notesSlides/notesSlide28.xml><?xml version="1.0" encoding="utf-8"?>
 <p:notes xmlns:a="http://schemas.openxmlformats.org/drawingml/2006/main" xmlns:r="http://schemas.openxmlformats.org/officeDocument/2006/relationships" xmlns:p="http://schemas.openxmlformats.org/presentationml/2006/main">
   <p:cSld>
     <p:spTree>
@@ -2375,7 +2588,7 @@
               <a:pPr>
                 <a:defRPr/>
               </a:pPr>
-              <a:t>26</a:t>
+              <a:t>28</a:t>
             </a:fld>
             <a:endParaRPr lang="zh-CN" altLang="en-US">
               <a:solidFill>
@@ -2388,7 +2601,7 @@
     </p:spTree>
     <p:extLst>
       <p:ext uri="{BB962C8B-B14F-4D97-AF65-F5344CB8AC3E}">
-        <p14:creationId xmlns:p14="http://schemas.microsoft.com/office/powerpoint/2010/main" val="1511320185"/>
+        <p14:creationId xmlns:p14="http://schemas.microsoft.com/office/powerpoint/2010/main" val="3676461033"/>
       </p:ext>
     </p:extLst>
   </p:cSld>
@@ -2398,7 +2611,7 @@
 </p:notes>
 </file>
 
-<file path=ppt/notesSlides/notesSlide27.xml><?xml version="1.0" encoding="utf-8"?>
+<file path=ppt/notesSlides/notesSlide29.xml><?xml version="1.0" encoding="utf-8"?>
 <p:notes xmlns:a="http://schemas.openxmlformats.org/drawingml/2006/main" xmlns:r="http://schemas.openxmlformats.org/officeDocument/2006/relationships" xmlns:p="http://schemas.openxmlformats.org/presentationml/2006/main">
   <p:cSld>
     <p:spTree>
@@ -2442,7 +2655,7 @@
           <a:bodyPr/>
           <a:lstStyle/>
           <a:p>
-            <a:endParaRPr lang="en-US" altLang="zh-CN" dirty="0"/>
+            <a:endParaRPr lang="zh-CN" altLang="en-US" dirty="0"/>
           </a:p>
         </p:txBody>
       </p:sp>
@@ -2461,14 +2674,19 @@
           <a:bodyPr/>
           <a:lstStyle/>
           <a:p>
+            <a:pPr>
+              <a:defRPr/>
+            </a:pPr>
             <a:fld id="{E9F17BB9-9CDD-491A-BF82-5D6AFE00870E}" type="slidenum">
               <a:rPr lang="en-US" smtClean="0">
                 <a:solidFill>
                   <a:prstClr val="black"/>
                 </a:solidFill>
               </a:rPr>
-              <a:pPr/>
-              <a:t>27</a:t>
+              <a:pPr>
+                <a:defRPr/>
+              </a:pPr>
+              <a:t>29</a:t>
             </a:fld>
             <a:endParaRPr lang="zh-CN" altLang="en-US">
               <a:solidFill>
@@ -2481,91 +2699,7 @@
     </p:spTree>
     <p:extLst>
       <p:ext uri="{BB962C8B-B14F-4D97-AF65-F5344CB8AC3E}">
-        <p14:creationId xmlns:p14="http://schemas.microsoft.com/office/powerpoint/2010/main" val="196838096"/>
-      </p:ext>
-    </p:extLst>
-  </p:cSld>
-  <p:clrMapOvr>
-    <a:masterClrMapping/>
-  </p:clrMapOvr>
-</p:notes>
-</file>
-
-<file path=ppt/notesSlides/notesSlide28.xml><?xml version="1.0" encoding="utf-8"?>
-<p:notes xmlns:a="http://schemas.openxmlformats.org/drawingml/2006/main" xmlns:r="http://schemas.openxmlformats.org/officeDocument/2006/relationships" xmlns:p="http://schemas.openxmlformats.org/presentationml/2006/main">
-  <p:cSld>
-    <p:spTree>
-      <p:nvGrpSpPr>
-        <p:cNvPr id="1" name=""/>
-        <p:cNvGrpSpPr/>
-        <p:nvPr/>
-      </p:nvGrpSpPr>
-      <p:grpSpPr>
-        <a:xfrm>
-          <a:off x="0" y="0"/>
-          <a:ext cx="0" cy="0"/>
-          <a:chOff x="0" y="0"/>
-          <a:chExt cx="0" cy="0"/>
-        </a:xfrm>
-      </p:grpSpPr>
-      <p:sp>
-        <p:nvSpPr>
-          <p:cNvPr id="2" name="Slide Image Placeholder 1"/>
-          <p:cNvSpPr>
-            <a:spLocks noGrp="1" noRot="1" noChangeAspect="1"/>
-          </p:cNvSpPr>
-          <p:nvPr>
-            <p:ph type="sldImg"/>
-          </p:nvPr>
-        </p:nvSpPr>
-        <p:spPr/>
-      </p:sp>
-      <p:sp>
-        <p:nvSpPr>
-          <p:cNvPr id="3" name="Notes Placeholder 2"/>
-          <p:cNvSpPr>
-            <a:spLocks noGrp="1"/>
-          </p:cNvSpPr>
-          <p:nvPr>
-            <p:ph type="body" idx="1"/>
-          </p:nvPr>
-        </p:nvSpPr>
-        <p:spPr/>
-        <p:txBody>
-          <a:bodyPr/>
-          <a:lstStyle/>
-          <a:p>
-            <a:endParaRPr lang="en-US" dirty="0"/>
-          </a:p>
-        </p:txBody>
-      </p:sp>
-      <p:sp>
-        <p:nvSpPr>
-          <p:cNvPr id="4" name="Slide Number Placeholder 3"/>
-          <p:cNvSpPr>
-            <a:spLocks noGrp="1"/>
-          </p:cNvSpPr>
-          <p:nvPr>
-            <p:ph type="sldNum" sz="quarter" idx="10"/>
-          </p:nvPr>
-        </p:nvSpPr>
-        <p:spPr/>
-        <p:txBody>
-          <a:bodyPr/>
-          <a:lstStyle/>
-          <a:p>
-            <a:fld id="{E9F17BB9-9CDD-491A-BF82-5D6AFE00870E}" type="slidenum">
-              <a:rPr lang="en-US" smtClean="0"/>
-              <a:t>28</a:t>
-            </a:fld>
-            <a:endParaRPr lang="zh-CN"/>
-          </a:p>
-        </p:txBody>
-      </p:sp>
-    </p:spTree>
-    <p:extLst>
-      <p:ext uri="{BB962C8B-B14F-4D97-AF65-F5344CB8AC3E}">
-        <p14:creationId xmlns:p14="http://schemas.microsoft.com/office/powerpoint/2010/main" val="1066375545"/>
+        <p14:creationId xmlns:p14="http://schemas.microsoft.com/office/powerpoint/2010/main" val="1511320185"/>
       </p:ext>
     </p:extLst>
   </p:cSld>
@@ -2670,6 +2804,183 @@
     <p:extLst>
       <p:ext uri="{BB962C8B-B14F-4D97-AF65-F5344CB8AC3E}">
         <p14:creationId xmlns:p14="http://schemas.microsoft.com/office/powerpoint/2010/main" val="1501622977"/>
+      </p:ext>
+    </p:extLst>
+  </p:cSld>
+  <p:clrMapOvr>
+    <a:masterClrMapping/>
+  </p:clrMapOvr>
+</p:notes>
+</file>
+
+<file path=ppt/notesSlides/notesSlide30.xml><?xml version="1.0" encoding="utf-8"?>
+<p:notes xmlns:a="http://schemas.openxmlformats.org/drawingml/2006/main" xmlns:r="http://schemas.openxmlformats.org/officeDocument/2006/relationships" xmlns:p="http://schemas.openxmlformats.org/presentationml/2006/main">
+  <p:cSld>
+    <p:spTree>
+      <p:nvGrpSpPr>
+        <p:cNvPr id="1" name=""/>
+        <p:cNvGrpSpPr/>
+        <p:nvPr/>
+      </p:nvGrpSpPr>
+      <p:grpSpPr>
+        <a:xfrm>
+          <a:off x="0" y="0"/>
+          <a:ext cx="0" cy="0"/>
+          <a:chOff x="0" y="0"/>
+          <a:chExt cx="0" cy="0"/>
+        </a:xfrm>
+      </p:grpSpPr>
+      <p:sp>
+        <p:nvSpPr>
+          <p:cNvPr id="2" name="幻灯片图像占位符 1"/>
+          <p:cNvSpPr>
+            <a:spLocks noGrp="1" noRot="1" noChangeAspect="1"/>
+          </p:cNvSpPr>
+          <p:nvPr>
+            <p:ph type="sldImg"/>
+          </p:nvPr>
+        </p:nvSpPr>
+        <p:spPr/>
+      </p:sp>
+      <p:sp>
+        <p:nvSpPr>
+          <p:cNvPr id="3" name="备注占位符 2"/>
+          <p:cNvSpPr>
+            <a:spLocks noGrp="1"/>
+          </p:cNvSpPr>
+          <p:nvPr>
+            <p:ph type="body" idx="1"/>
+          </p:nvPr>
+        </p:nvSpPr>
+        <p:spPr/>
+        <p:txBody>
+          <a:bodyPr/>
+          <a:lstStyle/>
+          <a:p>
+            <a:endParaRPr lang="en-US" altLang="zh-CN" dirty="0"/>
+          </a:p>
+        </p:txBody>
+      </p:sp>
+      <p:sp>
+        <p:nvSpPr>
+          <p:cNvPr id="4" name="灯片编号占位符 3"/>
+          <p:cNvSpPr>
+            <a:spLocks noGrp="1"/>
+          </p:cNvSpPr>
+          <p:nvPr>
+            <p:ph type="sldNum" sz="quarter" idx="10"/>
+          </p:nvPr>
+        </p:nvSpPr>
+        <p:spPr/>
+        <p:txBody>
+          <a:bodyPr/>
+          <a:lstStyle/>
+          <a:p>
+            <a:fld id="{E9F17BB9-9CDD-491A-BF82-5D6AFE00870E}" type="slidenum">
+              <a:rPr lang="en-US" smtClean="0">
+                <a:solidFill>
+                  <a:prstClr val="black"/>
+                </a:solidFill>
+              </a:rPr>
+              <a:pPr/>
+              <a:t>30</a:t>
+            </a:fld>
+            <a:endParaRPr lang="zh-CN" altLang="en-US">
+              <a:solidFill>
+                <a:prstClr val="black"/>
+              </a:solidFill>
+            </a:endParaRPr>
+          </a:p>
+        </p:txBody>
+      </p:sp>
+    </p:spTree>
+    <p:extLst>
+      <p:ext uri="{BB962C8B-B14F-4D97-AF65-F5344CB8AC3E}">
+        <p14:creationId xmlns:p14="http://schemas.microsoft.com/office/powerpoint/2010/main" val="196838096"/>
+      </p:ext>
+    </p:extLst>
+  </p:cSld>
+  <p:clrMapOvr>
+    <a:masterClrMapping/>
+  </p:clrMapOvr>
+</p:notes>
+</file>
+
+<file path=ppt/notesSlides/notesSlide31.xml><?xml version="1.0" encoding="utf-8"?>
+<p:notes xmlns:a="http://schemas.openxmlformats.org/drawingml/2006/main" xmlns:r="http://schemas.openxmlformats.org/officeDocument/2006/relationships" xmlns:p="http://schemas.openxmlformats.org/presentationml/2006/main">
+  <p:cSld>
+    <p:spTree>
+      <p:nvGrpSpPr>
+        <p:cNvPr id="1" name=""/>
+        <p:cNvGrpSpPr/>
+        <p:nvPr/>
+      </p:nvGrpSpPr>
+      <p:grpSpPr>
+        <a:xfrm>
+          <a:off x="0" y="0"/>
+          <a:ext cx="0" cy="0"/>
+          <a:chOff x="0" y="0"/>
+          <a:chExt cx="0" cy="0"/>
+        </a:xfrm>
+      </p:grpSpPr>
+      <p:sp>
+        <p:nvSpPr>
+          <p:cNvPr id="2" name="Slide Image Placeholder 1"/>
+          <p:cNvSpPr>
+            <a:spLocks noGrp="1" noRot="1" noChangeAspect="1"/>
+          </p:cNvSpPr>
+          <p:nvPr>
+            <p:ph type="sldImg"/>
+          </p:nvPr>
+        </p:nvSpPr>
+        <p:spPr/>
+      </p:sp>
+      <p:sp>
+        <p:nvSpPr>
+          <p:cNvPr id="3" name="Notes Placeholder 2"/>
+          <p:cNvSpPr>
+            <a:spLocks noGrp="1"/>
+          </p:cNvSpPr>
+          <p:nvPr>
+            <p:ph type="body" idx="1"/>
+          </p:nvPr>
+        </p:nvSpPr>
+        <p:spPr/>
+        <p:txBody>
+          <a:bodyPr/>
+          <a:lstStyle/>
+          <a:p>
+            <a:endParaRPr lang="en-US" dirty="0"/>
+          </a:p>
+        </p:txBody>
+      </p:sp>
+      <p:sp>
+        <p:nvSpPr>
+          <p:cNvPr id="4" name="Slide Number Placeholder 3"/>
+          <p:cNvSpPr>
+            <a:spLocks noGrp="1"/>
+          </p:cNvSpPr>
+          <p:nvPr>
+            <p:ph type="sldNum" sz="quarter" idx="10"/>
+          </p:nvPr>
+        </p:nvSpPr>
+        <p:spPr/>
+        <p:txBody>
+          <a:bodyPr/>
+          <a:lstStyle/>
+          <a:p>
+            <a:fld id="{E9F17BB9-9CDD-491A-BF82-5D6AFE00870E}" type="slidenum">
+              <a:rPr lang="en-US" smtClean="0"/>
+              <a:t>31</a:t>
+            </a:fld>
+            <a:endParaRPr lang="zh-CN"/>
+          </a:p>
+        </p:txBody>
+      </p:sp>
+    </p:spTree>
+    <p:extLst>
+      <p:ext uri="{BB962C8B-B14F-4D97-AF65-F5344CB8AC3E}">
+        <p14:creationId xmlns:p14="http://schemas.microsoft.com/office/powerpoint/2010/main" val="1066375545"/>
       </p:ext>
     </p:extLst>
   </p:cSld>
@@ -9240,7 +9551,7 @@
           <p:cNvPr id="7" name="图片 6">
             <a:extLst>
               <a:ext uri="{FF2B5EF4-FFF2-40B4-BE49-F238E27FC236}">
-                <a16:creationId xmlns:a16="http://schemas.microsoft.com/office/drawing/2014/main" xmlns="" id="{F881AEA7-D2D3-4A14-A775-CC7492627B1B}"/>
+                <a16:creationId xmlns="" xmlns:a16="http://schemas.microsoft.com/office/drawing/2014/main" id="{F881AEA7-D2D3-4A14-A775-CC7492627B1B}"/>
               </a:ext>
             </a:extLst>
           </p:cNvPr>
@@ -9931,7 +10242,7 @@
           <p:cNvPr id="3" name="图片 2">
             <a:extLst>
               <a:ext uri="{FF2B5EF4-FFF2-40B4-BE49-F238E27FC236}">
-                <a16:creationId xmlns:a16="http://schemas.microsoft.com/office/drawing/2014/main" xmlns="" id="{EE3AEBFF-A6E0-46A5-89D4-34CB7EB6424B}"/>
+                <a16:creationId xmlns="" xmlns:a16="http://schemas.microsoft.com/office/drawing/2014/main" id="{EE3AEBFF-A6E0-46A5-89D4-34CB7EB6424B}"/>
               </a:ext>
             </a:extLst>
           </p:cNvPr>
@@ -9961,7 +10272,7 @@
           <p:cNvPr id="10" name="图片 9">
             <a:extLst>
               <a:ext uri="{FF2B5EF4-FFF2-40B4-BE49-F238E27FC236}">
-                <a16:creationId xmlns:a16="http://schemas.microsoft.com/office/drawing/2014/main" xmlns="" id="{EAC4F874-4B35-4D20-BC2B-D7B1A899DBEA}"/>
+                <a16:creationId xmlns="" xmlns:a16="http://schemas.microsoft.com/office/drawing/2014/main" id="{EAC4F874-4B35-4D20-BC2B-D7B1A899DBEA}"/>
               </a:ext>
             </a:extLst>
           </p:cNvPr>
@@ -11595,7 +11906,7 @@
           <p:cNvPr id="3" name="图片 2">
             <a:extLst>
               <a:ext uri="{FF2B5EF4-FFF2-40B4-BE49-F238E27FC236}">
-                <a16:creationId xmlns:a16="http://schemas.microsoft.com/office/drawing/2014/main" xmlns="" id="{92D47334-73AE-4D34-93C9-B3EDC651D05B}"/>
+                <a16:creationId xmlns="" xmlns:a16="http://schemas.microsoft.com/office/drawing/2014/main" id="{92D47334-73AE-4D34-93C9-B3EDC651D05B}"/>
               </a:ext>
             </a:extLst>
           </p:cNvPr>
@@ -11836,18 +12147,7 @@
                 <a:ea typeface="微软雅黑 Light" panose="020B0502040204020203" pitchFamily="34" charset="-122"/>
                 <a:sym typeface="Helvetica Light"/>
               </a:rPr>
-              <a:t>：</a:t>
-            </a:r>
-            <a:r>
-              <a:rPr lang="zh-CN" altLang="en-US" b="0" dirty="0" smtClean="0">
-                <a:solidFill>
-                  <a:srgbClr val="000000"/>
-                </a:solidFill>
-                <a:latin typeface="微软雅黑 Light" panose="020B0502040204020203" pitchFamily="34" charset="-122"/>
-                <a:ea typeface="微软雅黑 Light" panose="020B0502040204020203" pitchFamily="34" charset="-122"/>
-                <a:sym typeface="Helvetica Light"/>
-              </a:rPr>
-              <a:t>根据摄像机所捕获的范围进行剔除，由摄像机视角和近远裁剪平面决定</a:t>
+              <a:t>：根据摄像机所捕获的范围进行剔除，由摄像机视角和近远裁剪平面决定</a:t>
             </a:r>
             <a:endParaRPr lang="en-US" altLang="zh-CN" b="0" dirty="0">
               <a:solidFill>
@@ -11922,29 +12222,7 @@
                 <a:ea typeface="微软雅黑 Light" panose="020B0502040204020203" pitchFamily="34" charset="-122"/>
                 <a:sym typeface="Helvetica Light"/>
               </a:rPr>
-              <a:t>8.ShadowMap</a:t>
-            </a:r>
-            <a:r>
-              <a:rPr lang="en-US" altLang="zh-CN" b="0" dirty="0" smtClean="0">
-                <a:solidFill>
-                  <a:srgbClr val="000000"/>
-                </a:solidFill>
-                <a:latin typeface="微软雅黑 Light" panose="020B0502040204020203" pitchFamily="34" charset="-122"/>
-                <a:ea typeface="微软雅黑 Light" panose="020B0502040204020203" pitchFamily="34" charset="-122"/>
-                <a:sym typeface="Helvetica Light"/>
-              </a:rPr>
-              <a:t>ping</a:t>
-            </a:r>
-            <a:r>
-              <a:rPr lang="en-US" altLang="zh-CN" b="0" dirty="0" smtClean="0">
-                <a:solidFill>
-                  <a:srgbClr val="000000"/>
-                </a:solidFill>
-                <a:latin typeface="微软雅黑 Light" panose="020B0502040204020203" pitchFamily="34" charset="-122"/>
-                <a:ea typeface="微软雅黑 Light" panose="020B0502040204020203" pitchFamily="34" charset="-122"/>
-                <a:sym typeface="Helvetica Light"/>
-              </a:rPr>
-              <a:t>)</a:t>
+              <a:t>8.ShadowMapping)</a:t>
             </a:r>
             <a:endParaRPr lang="en-US" altLang="zh-CN" b="0" dirty="0">
               <a:solidFill>
@@ -11986,18 +12264,7 @@
                 <a:ea typeface="微软雅黑 Light" panose="020B0502040204020203" pitchFamily="34" charset="-122"/>
                 <a:sym typeface="Helvetica Light"/>
               </a:rPr>
-              <a:t>：</a:t>
-            </a:r>
-            <a:r>
-              <a:rPr lang="zh-CN" altLang="en-US" b="0" dirty="0" smtClean="0">
-                <a:solidFill>
-                  <a:srgbClr val="000000"/>
-                </a:solidFill>
-                <a:latin typeface="微软雅黑 Light" panose="020B0502040204020203" pitchFamily="34" charset="-122"/>
-                <a:ea typeface="微软雅黑 Light" panose="020B0502040204020203" pitchFamily="34" charset="-122"/>
-                <a:sym typeface="Helvetica Light"/>
-              </a:rPr>
-              <a:t>遍历场景物体，绘制可见物体</a:t>
+              <a:t>：遍历场景物体，绘制可见物体</a:t>
             </a:r>
             <a:endParaRPr lang="en-US" altLang="zh-CN" b="0" dirty="0">
               <a:solidFill>
@@ -12213,6 +12480,1806 @@
               </a:rPr>
               <a:t>渲染循环</a:t>
             </a:r>
+          </a:p>
+        </p:txBody>
+      </p:sp>
+      <p:pic>
+        <p:nvPicPr>
+          <p:cNvPr id="12" name="Picture 5"/>
+          <p:cNvPicPr>
+            <a:picLocks noChangeAspect="1"/>
+          </p:cNvPicPr>
+          <p:nvPr/>
+        </p:nvPicPr>
+        <p:blipFill>
+          <a:blip r:embed="rId3">
+            <a:extLst>
+              <a:ext uri="{28A0092B-C50C-407E-A947-70E740481C1C}">
+                <a14:useLocalDpi xmlns:a14="http://schemas.microsoft.com/office/drawing/2010/main" val="0"/>
+              </a:ext>
+            </a:extLst>
+          </a:blip>
+          <a:stretch>
+            <a:fillRect/>
+          </a:stretch>
+        </p:blipFill>
+        <p:spPr>
+          <a:xfrm>
+            <a:off x="1516141" y="1889303"/>
+            <a:ext cx="1240345" cy="1240345"/>
+          </a:xfrm>
+          <a:prstGeom prst="rect">
+            <a:avLst/>
+          </a:prstGeom>
+        </p:spPr>
+      </p:pic>
+      <p:pic>
+        <p:nvPicPr>
+          <p:cNvPr id="3" name="图片 2"/>
+          <p:cNvPicPr>
+            <a:picLocks noChangeAspect="1"/>
+          </p:cNvPicPr>
+          <p:nvPr/>
+        </p:nvPicPr>
+        <p:blipFill>
+          <a:blip r:embed="rId4"/>
+          <a:stretch>
+            <a:fillRect/>
+          </a:stretch>
+        </p:blipFill>
+        <p:spPr>
+          <a:xfrm>
+            <a:off x="16488255" y="2509475"/>
+            <a:ext cx="5648516" cy="8461339"/>
+          </a:xfrm>
+          <a:prstGeom prst="rect">
+            <a:avLst/>
+          </a:prstGeom>
+        </p:spPr>
+      </p:pic>
+    </p:spTree>
+    <p:extLst>
+      <p:ext uri="{BB962C8B-B14F-4D97-AF65-F5344CB8AC3E}">
+        <p14:creationId xmlns:p14="http://schemas.microsoft.com/office/powerpoint/2010/main" val="3442085749"/>
+      </p:ext>
+    </p:extLst>
+  </p:cSld>
+  <p:clrMapOvr>
+    <a:masterClrMapping/>
+  </p:clrMapOvr>
+  <p:transition spd="med"/>
+</p:sld>
+</file>
+
+<file path=ppt/slides/slide16.xml><?xml version="1.0" encoding="utf-8"?>
+<p:sld xmlns:a="http://schemas.openxmlformats.org/drawingml/2006/main" xmlns:r="http://schemas.openxmlformats.org/officeDocument/2006/relationships" xmlns:p="http://schemas.openxmlformats.org/presentationml/2006/main">
+  <p:cSld>
+    <p:bg>
+      <p:bgPr>
+        <a:solidFill>
+          <a:schemeClr val="bg1">
+            <a:lumMod val="95000"/>
+          </a:schemeClr>
+        </a:solidFill>
+        <a:effectLst/>
+      </p:bgPr>
+    </p:bg>
+    <p:spTree>
+      <p:nvGrpSpPr>
+        <p:cNvPr id="1" name=""/>
+        <p:cNvGrpSpPr/>
+        <p:nvPr/>
+      </p:nvGrpSpPr>
+      <p:grpSpPr>
+        <a:xfrm>
+          <a:off x="0" y="0"/>
+          <a:ext cx="0" cy="0"/>
+          <a:chOff x="0" y="0"/>
+          <a:chExt cx="0" cy="0"/>
+        </a:xfrm>
+      </p:grpSpPr>
+      <p:grpSp>
+        <p:nvGrpSpPr>
+          <p:cNvPr id="4" name="组合 3"/>
+          <p:cNvGrpSpPr/>
+          <p:nvPr/>
+        </p:nvGrpSpPr>
+        <p:grpSpPr>
+          <a:xfrm>
+            <a:off x="1516142" y="0"/>
+            <a:ext cx="13057200" cy="13716000"/>
+            <a:chOff x="10467974" y="26142"/>
+            <a:chExt cx="16015357" cy="13716000"/>
+          </a:xfrm>
+        </p:grpSpPr>
+        <p:sp>
+          <p:nvSpPr>
+            <p:cNvPr id="5" name="Rectangle"/>
+            <p:cNvSpPr/>
+            <p:nvPr/>
+          </p:nvSpPr>
+          <p:spPr>
+            <a:xfrm>
+              <a:off x="10467974" y="26142"/>
+              <a:ext cx="16015357" cy="13716000"/>
+            </a:xfrm>
+            <a:prstGeom prst="rect">
+              <a:avLst/>
+            </a:prstGeom>
+            <a:solidFill>
+              <a:schemeClr val="bg1">
+                <a:alpha val="80000"/>
+              </a:schemeClr>
+            </a:solidFill>
+            <a:ln w="12700">
+              <a:miter lim="400000"/>
+            </a:ln>
+          </p:spPr>
+          <p:txBody>
+            <a:bodyPr lIns="50800" tIns="50800" rIns="50800" bIns="50800" anchor="ctr"/>
+            <a:lstStyle/>
+            <a:p>
+              <a:pPr algn="ctr" defTabSz="825500" hangingPunct="0">
+                <a:defRPr sz="3200">
+                  <a:solidFill>
+                    <a:srgbClr val="FFFFFF"/>
+                  </a:solidFill>
+                  <a:latin typeface="Helvetica"/>
+                  <a:ea typeface="Helvetica"/>
+                  <a:cs typeface="Helvetica"/>
+                  <a:sym typeface="Helvetica"/>
+                </a:defRPr>
+              </a:pPr>
+              <a:endParaRPr sz="3200" kern="0" dirty="0">
+                <a:solidFill>
+                  <a:srgbClr val="FFFFFF"/>
+                </a:solidFill>
+                <a:ea typeface="Helvetica"/>
+                <a:cs typeface="Helvetica"/>
+                <a:sym typeface="Helvetica"/>
+              </a:endParaRPr>
+            </a:p>
+          </p:txBody>
+        </p:sp>
+        <p:sp>
+          <p:nvSpPr>
+            <p:cNvPr id="6" name="Rectangle"/>
+            <p:cNvSpPr/>
+            <p:nvPr/>
+          </p:nvSpPr>
+          <p:spPr>
+            <a:xfrm>
+              <a:off x="10467974" y="3245592"/>
+              <a:ext cx="8458201" cy="76200"/>
+            </a:xfrm>
+            <a:prstGeom prst="rect">
+              <a:avLst/>
+            </a:prstGeom>
+            <a:solidFill>
+              <a:srgbClr val="FFD966"/>
+            </a:solidFill>
+            <a:ln w="12700">
+              <a:miter lim="400000"/>
+            </a:ln>
+          </p:spPr>
+          <p:txBody>
+            <a:bodyPr lIns="50800" tIns="50800" rIns="50800" bIns="50800" anchor="ctr"/>
+            <a:lstStyle/>
+            <a:p>
+              <a:pPr>
+                <a:defRPr sz="3200">
+                  <a:solidFill>
+                    <a:srgbClr val="FFFFFF"/>
+                  </a:solidFill>
+                  <a:latin typeface="Helvetica"/>
+                  <a:ea typeface="Helvetica"/>
+                  <a:cs typeface="Helvetica"/>
+                  <a:sym typeface="Helvetica"/>
+                </a:defRPr>
+              </a:pPr>
+              <a:endParaRPr sz="3200">
+                <a:solidFill>
+                  <a:srgbClr val="FFFFFF"/>
+                </a:solidFill>
+                <a:latin typeface="方正姚体" panose="02010601030101010101" pitchFamily="2" charset="-122"/>
+                <a:ea typeface="方正姚体" panose="02010601030101010101" pitchFamily="2" charset="-122"/>
+                <a:cs typeface="Helvetica"/>
+                <a:sym typeface="Helvetica"/>
+              </a:endParaRPr>
+            </a:p>
+          </p:txBody>
+        </p:sp>
+      </p:grpSp>
+      <p:sp>
+        <p:nvSpPr>
+          <p:cNvPr id="8" name="The Picture slide"/>
+          <p:cNvSpPr txBox="1"/>
+          <p:nvPr/>
+        </p:nvSpPr>
+        <p:spPr>
+          <a:xfrm>
+            <a:off x="2426714" y="3954551"/>
+            <a:ext cx="10777222" cy="11521103"/>
+          </a:xfrm>
+          <a:prstGeom prst="rect">
+            <a:avLst/>
+          </a:prstGeom>
+          <a:ln w="12700">
+            <a:miter lim="400000"/>
+          </a:ln>
+        </p:spPr>
+        <p:txBody>
+          <a:bodyPr wrap="square" lIns="50800" tIns="50800" rIns="50800" bIns="50800" anchor="t">
+            <a:spAutoFit/>
+          </a:bodyPr>
+          <a:lstStyle>
+            <a:lvl1pPr>
+              <a:defRPr b="1">
+                <a:latin typeface="Helvetica"/>
+                <a:ea typeface="Helvetica"/>
+                <a:cs typeface="Helvetica"/>
+                <a:sym typeface="Helvetica"/>
+              </a:defRPr>
+            </a:lvl1pPr>
+          </a:lstStyle>
+          <a:p>
+            <a:pPr marL="571500" indent="-571500">
+              <a:lnSpc>
+                <a:spcPct val="150000"/>
+              </a:lnSpc>
+              <a:spcBef>
+                <a:spcPts val="600"/>
+              </a:spcBef>
+              <a:buFont typeface="Arial" panose="020B0604020202020204" pitchFamily="34" charset="0"/>
+              <a:buChar char="•"/>
+            </a:pPr>
+            <a:r>
+              <a:rPr lang="zh-CN" altLang="en-US" b="0" dirty="0" smtClean="0">
+                <a:solidFill>
+                  <a:srgbClr val="000000"/>
+                </a:solidFill>
+                <a:latin typeface="微软雅黑 Light" panose="020B0502040204020203" pitchFamily="34" charset="-122"/>
+                <a:ea typeface="微软雅黑 Light" panose="020B0502040204020203" pitchFamily="34" charset="-122"/>
+                <a:sym typeface="Helvetica Light"/>
+              </a:rPr>
+              <a:t>假设场景中</a:t>
+            </a:r>
+            <a:r>
+              <a:rPr lang="en-US" altLang="zh-CN" b="0" dirty="0" smtClean="0">
+                <a:solidFill>
+                  <a:srgbClr val="000000"/>
+                </a:solidFill>
+                <a:latin typeface="微软雅黑 Light" panose="020B0502040204020203" pitchFamily="34" charset="-122"/>
+                <a:ea typeface="微软雅黑 Light" panose="020B0502040204020203" pitchFamily="34" charset="-122"/>
+                <a:sym typeface="Helvetica Light"/>
+              </a:rPr>
+              <a:t>Object</a:t>
+            </a:r>
+            <a:r>
+              <a:rPr lang="zh-CN" altLang="en-US" b="0" dirty="0" smtClean="0">
+                <a:solidFill>
+                  <a:srgbClr val="000000"/>
+                </a:solidFill>
+                <a:latin typeface="微软雅黑 Light" panose="020B0502040204020203" pitchFamily="34" charset="-122"/>
+                <a:ea typeface="微软雅黑 Light" panose="020B0502040204020203" pitchFamily="34" charset="-122"/>
+                <a:sym typeface="Helvetica Light"/>
+              </a:rPr>
+              <a:t>都存在</a:t>
+            </a:r>
+            <a:r>
+              <a:rPr lang="en-US" altLang="zh-CN" b="0" dirty="0" smtClean="0">
+                <a:solidFill>
+                  <a:srgbClr val="000000"/>
+                </a:solidFill>
+                <a:latin typeface="微软雅黑 Light" panose="020B0502040204020203" pitchFamily="34" charset="-122"/>
+                <a:ea typeface="微软雅黑 Light" panose="020B0502040204020203" pitchFamily="34" charset="-122"/>
+                <a:sym typeface="Helvetica Light"/>
+              </a:rPr>
+              <a:t>Scene</a:t>
+            </a:r>
+            <a:r>
+              <a:rPr lang="zh-CN" altLang="en-US" b="0" dirty="0" smtClean="0">
+                <a:solidFill>
+                  <a:srgbClr val="000000"/>
+                </a:solidFill>
+                <a:latin typeface="微软雅黑 Light" panose="020B0502040204020203" pitchFamily="34" charset="-122"/>
+                <a:ea typeface="微软雅黑 Light" panose="020B0502040204020203" pitchFamily="34" charset="-122"/>
+                <a:sym typeface="Helvetica Light"/>
+              </a:rPr>
+              <a:t>当中，每个</a:t>
+            </a:r>
+            <a:r>
+              <a:rPr lang="en-US" altLang="zh-CN" b="0" dirty="0" smtClean="0">
+                <a:solidFill>
+                  <a:srgbClr val="000000"/>
+                </a:solidFill>
+                <a:latin typeface="微软雅黑 Light" panose="020B0502040204020203" pitchFamily="34" charset="-122"/>
+                <a:ea typeface="微软雅黑 Light" panose="020B0502040204020203" pitchFamily="34" charset="-122"/>
+                <a:sym typeface="Helvetica Light"/>
+              </a:rPr>
+              <a:t>Object</a:t>
+            </a:r>
+            <a:r>
+              <a:rPr lang="zh-CN" altLang="en-US" b="0" dirty="0" smtClean="0">
+                <a:solidFill>
+                  <a:srgbClr val="000000"/>
+                </a:solidFill>
+                <a:latin typeface="微软雅黑 Light" panose="020B0502040204020203" pitchFamily="34" charset="-122"/>
+                <a:ea typeface="微软雅黑 Light" panose="020B0502040204020203" pitchFamily="34" charset="-122"/>
+                <a:sym typeface="Helvetica Light"/>
+              </a:rPr>
+              <a:t>都有一个包围盒</a:t>
+            </a:r>
+            <a:r>
+              <a:rPr lang="en-US" altLang="zh-CN" b="0" dirty="0" smtClean="0">
+                <a:solidFill>
+                  <a:srgbClr val="000000"/>
+                </a:solidFill>
+                <a:latin typeface="微软雅黑 Light" panose="020B0502040204020203" pitchFamily="34" charset="-122"/>
+                <a:ea typeface="微软雅黑 Light" panose="020B0502040204020203" pitchFamily="34" charset="-122"/>
+                <a:sym typeface="Helvetica Light"/>
+              </a:rPr>
+              <a:t>Box</a:t>
+            </a:r>
+            <a:r>
+              <a:rPr lang="zh-CN" altLang="en-US" b="0" dirty="0" smtClean="0">
+                <a:solidFill>
+                  <a:srgbClr val="000000"/>
+                </a:solidFill>
+                <a:latin typeface="微软雅黑 Light" panose="020B0502040204020203" pitchFamily="34" charset="-122"/>
+                <a:ea typeface="微软雅黑 Light" panose="020B0502040204020203" pitchFamily="34" charset="-122"/>
+                <a:sym typeface="Helvetica Light"/>
+              </a:rPr>
+              <a:t>来近似</a:t>
+            </a:r>
+            <a:r>
+              <a:rPr lang="en-US" altLang="zh-CN" b="0" dirty="0" smtClean="0">
+                <a:solidFill>
+                  <a:srgbClr val="000000"/>
+                </a:solidFill>
+                <a:latin typeface="微软雅黑 Light" panose="020B0502040204020203" pitchFamily="34" charset="-122"/>
+                <a:ea typeface="微软雅黑 Light" panose="020B0502040204020203" pitchFamily="34" charset="-122"/>
+                <a:sym typeface="Helvetica Light"/>
+              </a:rPr>
+              <a:t>Object</a:t>
+            </a:r>
+            <a:r>
+              <a:rPr lang="zh-CN" altLang="en-US" b="0" dirty="0" smtClean="0">
+                <a:solidFill>
+                  <a:srgbClr val="000000"/>
+                </a:solidFill>
+                <a:latin typeface="微软雅黑 Light" panose="020B0502040204020203" pitchFamily="34" charset="-122"/>
+                <a:ea typeface="微软雅黑 Light" panose="020B0502040204020203" pitchFamily="34" charset="-122"/>
+                <a:sym typeface="Helvetica Light"/>
+              </a:rPr>
+              <a:t>的大小。</a:t>
+            </a:r>
+            <a:endParaRPr lang="en-US" altLang="zh-CN" b="0" dirty="0" smtClean="0">
+              <a:solidFill>
+                <a:srgbClr val="000000"/>
+              </a:solidFill>
+              <a:latin typeface="微软雅黑 Light" panose="020B0502040204020203" pitchFamily="34" charset="-122"/>
+              <a:ea typeface="微软雅黑 Light" panose="020B0502040204020203" pitchFamily="34" charset="-122"/>
+              <a:sym typeface="Helvetica Light"/>
+            </a:endParaRPr>
+          </a:p>
+          <a:p>
+            <a:pPr marL="571500" indent="-571500">
+              <a:lnSpc>
+                <a:spcPct val="150000"/>
+              </a:lnSpc>
+              <a:spcBef>
+                <a:spcPts val="600"/>
+              </a:spcBef>
+              <a:buFont typeface="Arial" panose="020B0604020202020204" pitchFamily="34" charset="0"/>
+              <a:buChar char="•"/>
+            </a:pPr>
+            <a:r>
+              <a:rPr lang="en-US" altLang="zh-CN" b="0" dirty="0" smtClean="0">
+                <a:solidFill>
+                  <a:srgbClr val="000000"/>
+                </a:solidFill>
+                <a:latin typeface="微软雅黑 Light" panose="020B0502040204020203" pitchFamily="34" charset="-122"/>
+                <a:ea typeface="微软雅黑 Light" panose="020B0502040204020203" pitchFamily="34" charset="-122"/>
+                <a:sym typeface="Helvetica Light"/>
+              </a:rPr>
+              <a:t>Frustum </a:t>
+            </a:r>
+            <a:r>
+              <a:rPr lang="en-US" altLang="zh-CN" b="0" dirty="0" smtClean="0">
+                <a:solidFill>
+                  <a:srgbClr val="000000"/>
+                </a:solidFill>
+                <a:latin typeface="微软雅黑 Light" panose="020B0502040204020203" pitchFamily="34" charset="-122"/>
+                <a:ea typeface="微软雅黑 Light" panose="020B0502040204020203" pitchFamily="34" charset="-122"/>
+                <a:sym typeface="Helvetica Light"/>
+              </a:rPr>
+              <a:t>Culling</a:t>
+            </a:r>
+            <a:r>
+              <a:rPr lang="zh-CN" altLang="en-US" b="0" dirty="0" smtClean="0">
+                <a:solidFill>
+                  <a:srgbClr val="000000"/>
+                </a:solidFill>
+                <a:latin typeface="微软雅黑 Light" panose="020B0502040204020203" pitchFamily="34" charset="-122"/>
+                <a:ea typeface="微软雅黑 Light" panose="020B0502040204020203" pitchFamily="34" charset="-122"/>
+                <a:sym typeface="Helvetica Light"/>
+              </a:rPr>
+              <a:t>：</a:t>
+            </a:r>
+            <a:endParaRPr lang="en-US" altLang="zh-CN" b="0" dirty="0" smtClean="0">
+              <a:solidFill>
+                <a:srgbClr val="000000"/>
+              </a:solidFill>
+              <a:latin typeface="微软雅黑 Light" panose="020B0502040204020203" pitchFamily="34" charset="-122"/>
+              <a:ea typeface="微软雅黑 Light" panose="020B0502040204020203" pitchFamily="34" charset="-122"/>
+              <a:sym typeface="Helvetica Light"/>
+            </a:endParaRPr>
+          </a:p>
+          <a:p>
+            <a:pPr marL="1657350" lvl="1" indent="-742950">
+              <a:lnSpc>
+                <a:spcPct val="150000"/>
+              </a:lnSpc>
+              <a:spcBef>
+                <a:spcPts val="600"/>
+              </a:spcBef>
+              <a:buFont typeface="+mj-lt"/>
+              <a:buAutoNum type="arabicPeriod"/>
+            </a:pPr>
+            <a:r>
+              <a:rPr lang="zh-CN" altLang="en-US" b="0" dirty="0" smtClean="0">
+                <a:solidFill>
+                  <a:srgbClr val="000000"/>
+                </a:solidFill>
+                <a:latin typeface="微软雅黑 Light" panose="020B0502040204020203" pitchFamily="34" charset="-122"/>
+                <a:ea typeface="微软雅黑 Light" panose="020B0502040204020203" pitchFamily="34" charset="-122"/>
+                <a:sym typeface="Helvetica Light"/>
+              </a:rPr>
+              <a:t>根据镜头</a:t>
+            </a:r>
+            <a:r>
+              <a:rPr lang="en-US" altLang="zh-CN" b="0" dirty="0" smtClean="0">
+                <a:solidFill>
+                  <a:srgbClr val="000000"/>
+                </a:solidFill>
+                <a:latin typeface="微软雅黑 Light" panose="020B0502040204020203" pitchFamily="34" charset="-122"/>
+                <a:ea typeface="微软雅黑 Light" panose="020B0502040204020203" pitchFamily="34" charset="-122"/>
+                <a:sym typeface="Helvetica Light"/>
+              </a:rPr>
+              <a:t>FOV</a:t>
+            </a:r>
+            <a:r>
+              <a:rPr lang="zh-CN" altLang="en-US" b="0" dirty="0" smtClean="0">
+                <a:solidFill>
+                  <a:srgbClr val="000000"/>
+                </a:solidFill>
+                <a:latin typeface="微软雅黑 Light" panose="020B0502040204020203" pitchFamily="34" charset="-122"/>
+                <a:ea typeface="微软雅黑 Light" panose="020B0502040204020203" pitchFamily="34" charset="-122"/>
+                <a:sym typeface="Helvetica Light"/>
+              </a:rPr>
+              <a:t>和近远裁剪平面获取视椎体</a:t>
+            </a:r>
+            <a:r>
+              <a:rPr lang="en-US" altLang="zh-CN" b="0" dirty="0" err="1" smtClean="0">
+                <a:solidFill>
+                  <a:srgbClr val="000000"/>
+                </a:solidFill>
+                <a:latin typeface="微软雅黑 Light" panose="020B0502040204020203" pitchFamily="34" charset="-122"/>
+                <a:ea typeface="微软雅黑 Light" panose="020B0502040204020203" pitchFamily="34" charset="-122"/>
+                <a:sym typeface="Helvetica Light"/>
+              </a:rPr>
+              <a:t>ViewFrustum</a:t>
+            </a:r>
+            <a:endParaRPr lang="en-US" altLang="zh-CN" b="0" dirty="0" smtClean="0">
+              <a:solidFill>
+                <a:srgbClr val="000000"/>
+              </a:solidFill>
+              <a:latin typeface="微软雅黑 Light" panose="020B0502040204020203" pitchFamily="34" charset="-122"/>
+              <a:ea typeface="微软雅黑 Light" panose="020B0502040204020203" pitchFamily="34" charset="-122"/>
+              <a:sym typeface="Helvetica Light"/>
+            </a:endParaRPr>
+          </a:p>
+          <a:p>
+            <a:pPr marL="1657350" lvl="1" indent="-742950">
+              <a:lnSpc>
+                <a:spcPct val="150000"/>
+              </a:lnSpc>
+              <a:spcBef>
+                <a:spcPts val="600"/>
+              </a:spcBef>
+              <a:buFont typeface="+mj-lt"/>
+              <a:buAutoNum type="arabicPeriod"/>
+            </a:pPr>
+            <a:r>
+              <a:rPr lang="zh-CN" altLang="en-US" dirty="0" smtClean="0">
+                <a:solidFill>
+                  <a:srgbClr val="000000"/>
+                </a:solidFill>
+                <a:latin typeface="微软雅黑 Light" panose="020B0502040204020203" pitchFamily="34" charset="-122"/>
+                <a:ea typeface="微软雅黑 Light" panose="020B0502040204020203" pitchFamily="34" charset="-122"/>
+                <a:sym typeface="Helvetica Light"/>
+              </a:rPr>
+              <a:t>遍历获取</a:t>
+            </a:r>
+            <a:r>
+              <a:rPr lang="en-US" altLang="zh-CN" dirty="0" smtClean="0">
+                <a:solidFill>
+                  <a:srgbClr val="000000"/>
+                </a:solidFill>
+                <a:latin typeface="微软雅黑 Light" panose="020B0502040204020203" pitchFamily="34" charset="-122"/>
+                <a:ea typeface="微软雅黑 Light" panose="020B0502040204020203" pitchFamily="34" charset="-122"/>
+                <a:sym typeface="Helvetica Light"/>
+              </a:rPr>
+              <a:t>Scene</a:t>
+            </a:r>
+            <a:r>
+              <a:rPr lang="zh-CN" altLang="en-US" dirty="0" smtClean="0">
+                <a:solidFill>
+                  <a:srgbClr val="000000"/>
+                </a:solidFill>
+                <a:latin typeface="微软雅黑 Light" panose="020B0502040204020203" pitchFamily="34" charset="-122"/>
+                <a:ea typeface="微软雅黑 Light" panose="020B0502040204020203" pitchFamily="34" charset="-122"/>
+                <a:sym typeface="Helvetica Light"/>
+              </a:rPr>
+              <a:t>中的</a:t>
+            </a:r>
+            <a:r>
+              <a:rPr lang="en-US" altLang="zh-CN" dirty="0" smtClean="0">
+                <a:solidFill>
+                  <a:srgbClr val="000000"/>
+                </a:solidFill>
+                <a:latin typeface="微软雅黑 Light" panose="020B0502040204020203" pitchFamily="34" charset="-122"/>
+                <a:ea typeface="微软雅黑 Light" panose="020B0502040204020203" pitchFamily="34" charset="-122"/>
+                <a:sym typeface="Helvetica Light"/>
+              </a:rPr>
+              <a:t>Object</a:t>
+            </a:r>
+            <a:r>
+              <a:rPr lang="zh-CN" altLang="en-US" dirty="0" smtClean="0">
+                <a:solidFill>
+                  <a:srgbClr val="000000"/>
+                </a:solidFill>
+                <a:latin typeface="微软雅黑 Light" panose="020B0502040204020203" pitchFamily="34" charset="-122"/>
+                <a:ea typeface="微软雅黑 Light" panose="020B0502040204020203" pitchFamily="34" charset="-122"/>
+                <a:sym typeface="Helvetica Light"/>
+              </a:rPr>
+              <a:t>包围盒</a:t>
+            </a:r>
+            <a:r>
+              <a:rPr lang="en-US" altLang="zh-CN" dirty="0" smtClean="0">
+                <a:solidFill>
+                  <a:srgbClr val="000000"/>
+                </a:solidFill>
+                <a:latin typeface="微软雅黑 Light" panose="020B0502040204020203" pitchFamily="34" charset="-122"/>
+                <a:ea typeface="微软雅黑 Light" panose="020B0502040204020203" pitchFamily="34" charset="-122"/>
+                <a:sym typeface="Helvetica Light"/>
+              </a:rPr>
+              <a:t>Box, </a:t>
+            </a:r>
+            <a:r>
+              <a:rPr lang="zh-CN" altLang="en-US" dirty="0" smtClean="0">
+                <a:solidFill>
+                  <a:srgbClr val="000000"/>
+                </a:solidFill>
+                <a:latin typeface="微软雅黑 Light" panose="020B0502040204020203" pitchFamily="34" charset="-122"/>
+                <a:ea typeface="微软雅黑 Light" panose="020B0502040204020203" pitchFamily="34" charset="-122"/>
+                <a:sym typeface="Helvetica Light"/>
+              </a:rPr>
+              <a:t>同</a:t>
+            </a:r>
+            <a:endParaRPr lang="en-US" altLang="zh-CN" dirty="0" smtClean="0">
+              <a:solidFill>
+                <a:srgbClr val="000000"/>
+              </a:solidFill>
+              <a:latin typeface="微软雅黑 Light" panose="020B0502040204020203" pitchFamily="34" charset="-122"/>
+              <a:ea typeface="微软雅黑 Light" panose="020B0502040204020203" pitchFamily="34" charset="-122"/>
+              <a:sym typeface="Helvetica Light"/>
+            </a:endParaRPr>
+          </a:p>
+          <a:p>
+            <a:pPr lvl="1">
+              <a:lnSpc>
+                <a:spcPct val="150000"/>
+              </a:lnSpc>
+              <a:spcBef>
+                <a:spcPts val="600"/>
+              </a:spcBef>
+            </a:pPr>
+            <a:r>
+              <a:rPr lang="en-US" altLang="zh-CN" dirty="0" err="1" smtClean="0">
+                <a:solidFill>
+                  <a:srgbClr val="000000"/>
+                </a:solidFill>
+                <a:latin typeface="微软雅黑 Light" panose="020B0502040204020203" pitchFamily="34" charset="-122"/>
+                <a:ea typeface="微软雅黑 Light" panose="020B0502040204020203" pitchFamily="34" charset="-122"/>
+                <a:sym typeface="Helvetica Light"/>
+              </a:rPr>
+              <a:t>ViewFrustum</a:t>
+            </a:r>
+            <a:r>
+              <a:rPr lang="zh-CN" altLang="en-US" dirty="0" smtClean="0">
+                <a:solidFill>
+                  <a:srgbClr val="000000"/>
+                </a:solidFill>
+                <a:latin typeface="微软雅黑 Light" panose="020B0502040204020203" pitchFamily="34" charset="-122"/>
+                <a:ea typeface="微软雅黑 Light" panose="020B0502040204020203" pitchFamily="34" charset="-122"/>
+                <a:sym typeface="Helvetica Light"/>
+              </a:rPr>
+              <a:t>计算判断</a:t>
+            </a:r>
+            <a:r>
+              <a:rPr lang="en-US" altLang="zh-CN" dirty="0" smtClean="0">
+                <a:solidFill>
+                  <a:srgbClr val="000000"/>
+                </a:solidFill>
+                <a:latin typeface="微软雅黑 Light" panose="020B0502040204020203" pitchFamily="34" charset="-122"/>
+                <a:ea typeface="微软雅黑 Light" panose="020B0502040204020203" pitchFamily="34" charset="-122"/>
+                <a:sym typeface="Helvetica Light"/>
+              </a:rPr>
+              <a:t>Box</a:t>
+            </a:r>
+            <a:r>
+              <a:rPr lang="zh-CN" altLang="en-US" dirty="0" smtClean="0">
+                <a:solidFill>
+                  <a:srgbClr val="000000"/>
+                </a:solidFill>
+                <a:latin typeface="微软雅黑 Light" panose="020B0502040204020203" pitchFamily="34" charset="-122"/>
+                <a:ea typeface="微软雅黑 Light" panose="020B0502040204020203" pitchFamily="34" charset="-122"/>
+                <a:sym typeface="Helvetica Light"/>
+              </a:rPr>
+              <a:t>是否都在六个平面之外</a:t>
+            </a:r>
+            <a:endParaRPr lang="en-US" altLang="zh-CN" dirty="0" smtClean="0">
+              <a:solidFill>
+                <a:srgbClr val="000000"/>
+              </a:solidFill>
+              <a:latin typeface="微软雅黑 Light" panose="020B0502040204020203" pitchFamily="34" charset="-122"/>
+              <a:ea typeface="微软雅黑 Light" panose="020B0502040204020203" pitchFamily="34" charset="-122"/>
+              <a:sym typeface="Helvetica Light"/>
+            </a:endParaRPr>
+          </a:p>
+          <a:p>
+            <a:pPr lvl="1">
+              <a:lnSpc>
+                <a:spcPct val="150000"/>
+              </a:lnSpc>
+              <a:spcBef>
+                <a:spcPts val="600"/>
+              </a:spcBef>
+            </a:pPr>
+            <a:r>
+              <a:rPr lang="en-US" altLang="zh-CN" b="0" dirty="0" smtClean="0">
+                <a:solidFill>
+                  <a:srgbClr val="000000"/>
+                </a:solidFill>
+                <a:latin typeface="微软雅黑 Light" panose="020B0502040204020203" pitchFamily="34" charset="-122"/>
+                <a:ea typeface="微软雅黑 Light" panose="020B0502040204020203" pitchFamily="34" charset="-122"/>
+                <a:sym typeface="Helvetica Light"/>
+              </a:rPr>
+              <a:t>3. </a:t>
+            </a:r>
+            <a:r>
+              <a:rPr lang="zh-CN" altLang="en-US" b="0" dirty="0" smtClean="0">
+                <a:solidFill>
+                  <a:srgbClr val="000000"/>
+                </a:solidFill>
+                <a:latin typeface="微软雅黑 Light" panose="020B0502040204020203" pitchFamily="34" charset="-122"/>
+                <a:ea typeface="微软雅黑 Light" panose="020B0502040204020203" pitchFamily="34" charset="-122"/>
+                <a:sym typeface="Helvetica Light"/>
+              </a:rPr>
+              <a:t>在</a:t>
+            </a:r>
+            <a:r>
+              <a:rPr lang="en-US" altLang="zh-CN" b="0" dirty="0" err="1" smtClean="0">
+                <a:solidFill>
+                  <a:srgbClr val="000000"/>
+                </a:solidFill>
+                <a:latin typeface="微软雅黑 Light" panose="020B0502040204020203" pitchFamily="34" charset="-122"/>
+                <a:ea typeface="微软雅黑 Light" panose="020B0502040204020203" pitchFamily="34" charset="-122"/>
+                <a:sym typeface="Helvetica Light"/>
+              </a:rPr>
+              <a:t>ViewFrustum</a:t>
+            </a:r>
+            <a:r>
+              <a:rPr lang="zh-CN" altLang="en-US" b="0" dirty="0" smtClean="0">
+                <a:solidFill>
+                  <a:srgbClr val="000000"/>
+                </a:solidFill>
+                <a:latin typeface="微软雅黑 Light" panose="020B0502040204020203" pitchFamily="34" charset="-122"/>
+                <a:ea typeface="微软雅黑 Light" panose="020B0502040204020203" pitchFamily="34" charset="-122"/>
+                <a:sym typeface="Helvetica Light"/>
+              </a:rPr>
+              <a:t>外面的需要从当前</a:t>
+            </a:r>
+            <a:r>
+              <a:rPr lang="en-US" altLang="zh-CN" b="0" dirty="0" smtClean="0">
+                <a:solidFill>
+                  <a:srgbClr val="000000"/>
+                </a:solidFill>
+                <a:latin typeface="微软雅黑 Light" panose="020B0502040204020203" pitchFamily="34" charset="-122"/>
+                <a:ea typeface="微软雅黑 Light" panose="020B0502040204020203" pitchFamily="34" charset="-122"/>
+                <a:sym typeface="Helvetica Light"/>
+              </a:rPr>
+              <a:t>Scene</a:t>
+            </a:r>
+            <a:r>
+              <a:rPr lang="zh-CN" altLang="en-US" b="0" dirty="0" smtClean="0">
+                <a:solidFill>
+                  <a:srgbClr val="000000"/>
+                </a:solidFill>
+                <a:latin typeface="微软雅黑 Light" panose="020B0502040204020203" pitchFamily="34" charset="-122"/>
+                <a:ea typeface="微软雅黑 Light" panose="020B0502040204020203" pitchFamily="34" charset="-122"/>
+                <a:sym typeface="Helvetica Light"/>
+              </a:rPr>
+              <a:t>的可渲染对象中去掉，不再提交绘制</a:t>
+            </a:r>
+            <a:endParaRPr lang="en-US" altLang="zh-CN" b="0" dirty="0">
+              <a:solidFill>
+                <a:srgbClr val="000000"/>
+              </a:solidFill>
+              <a:latin typeface="微软雅黑 Light" panose="020B0502040204020203" pitchFamily="34" charset="-122"/>
+              <a:ea typeface="微软雅黑 Light" panose="020B0502040204020203" pitchFamily="34" charset="-122"/>
+              <a:sym typeface="Helvetica Light"/>
+            </a:endParaRPr>
+          </a:p>
+          <a:p>
+            <a:pPr marL="571500" indent="-571500">
+              <a:lnSpc>
+                <a:spcPct val="150000"/>
+              </a:lnSpc>
+              <a:spcBef>
+                <a:spcPts val="600"/>
+              </a:spcBef>
+              <a:buFont typeface="Arial" panose="020B0604020202020204" pitchFamily="34" charset="0"/>
+              <a:buChar char="•"/>
+            </a:pPr>
+            <a:endParaRPr lang="en-US" altLang="zh-CN" b="0" dirty="0">
+              <a:solidFill>
+                <a:srgbClr val="000000"/>
+              </a:solidFill>
+              <a:latin typeface="微软雅黑 Light" panose="020B0502040204020203" pitchFamily="34" charset="-122"/>
+              <a:ea typeface="微软雅黑 Light" panose="020B0502040204020203" pitchFamily="34" charset="-122"/>
+              <a:sym typeface="Helvetica Light"/>
+            </a:endParaRPr>
+          </a:p>
+          <a:p>
+            <a:pPr marL="514350" indent="-514350">
+              <a:lnSpc>
+                <a:spcPct val="150000"/>
+              </a:lnSpc>
+              <a:spcBef>
+                <a:spcPts val="600"/>
+              </a:spcBef>
+              <a:buFont typeface="Arial" panose="020B0604020202020204" pitchFamily="34" charset="0"/>
+              <a:buChar char="•"/>
+            </a:pPr>
+            <a:endParaRPr lang="en-US" altLang="zh-CN" b="0" dirty="0">
+              <a:solidFill>
+                <a:srgbClr val="000000"/>
+              </a:solidFill>
+              <a:latin typeface="微软雅黑 Light" panose="020B0502040204020203" pitchFamily="34" charset="-122"/>
+              <a:ea typeface="微软雅黑 Light" panose="020B0502040204020203" pitchFamily="34" charset="-122"/>
+              <a:sym typeface="Helvetica Light"/>
+            </a:endParaRPr>
+          </a:p>
+          <a:p>
+            <a:pPr marL="514350" indent="-514350">
+              <a:lnSpc>
+                <a:spcPct val="150000"/>
+              </a:lnSpc>
+              <a:spcBef>
+                <a:spcPts val="600"/>
+              </a:spcBef>
+              <a:buFont typeface="Arial" panose="020B0604020202020204" pitchFamily="34" charset="0"/>
+              <a:buChar char="•"/>
+            </a:pPr>
+            <a:endParaRPr lang="en-US" altLang="zh-CN" b="0" dirty="0">
+              <a:solidFill>
+                <a:srgbClr val="000000"/>
+              </a:solidFill>
+              <a:latin typeface="微软雅黑 Light" panose="020B0502040204020203" pitchFamily="34" charset="-122"/>
+              <a:ea typeface="微软雅黑 Light" panose="020B0502040204020203" pitchFamily="34" charset="-122"/>
+              <a:sym typeface="Helvetica Light"/>
+            </a:endParaRPr>
+          </a:p>
+        </p:txBody>
+      </p:sp>
+      <p:sp>
+        <p:nvSpPr>
+          <p:cNvPr id="9" name="The Picture slide"/>
+          <p:cNvSpPr txBox="1"/>
+          <p:nvPr/>
+        </p:nvSpPr>
+        <p:spPr>
+          <a:xfrm>
+            <a:off x="2800790" y="1996514"/>
+            <a:ext cx="8973592" cy="1025922"/>
+          </a:xfrm>
+          <a:prstGeom prst="rect">
+            <a:avLst/>
+          </a:prstGeom>
+          <a:ln w="12700">
+            <a:miter lim="400000"/>
+          </a:ln>
+        </p:spPr>
+        <p:txBody>
+          <a:bodyPr wrap="square" lIns="54864" tIns="50800" rIns="50800" bIns="50800" anchor="b">
+            <a:spAutoFit/>
+          </a:bodyPr>
+          <a:lstStyle>
+            <a:lvl1pPr>
+              <a:defRPr b="1">
+                <a:latin typeface="Helvetica"/>
+                <a:ea typeface="Helvetica"/>
+                <a:cs typeface="Helvetica"/>
+                <a:sym typeface="Helvetica"/>
+              </a:defRPr>
+            </a:lvl1pPr>
+          </a:lstStyle>
+          <a:p>
+            <a:pPr defTabSz="825500" hangingPunct="0"/>
+            <a:r>
+              <a:rPr lang="zh-CN" altLang="en-US" sz="6000" kern="0" cap="all" dirty="0">
+                <a:solidFill>
+                  <a:srgbClr val="000000"/>
+                </a:solidFill>
+                <a:latin typeface="微软雅黑" panose="020B0503020204020204" pitchFamily="34" charset="-122"/>
+                <a:ea typeface="微软雅黑" panose="020B0503020204020204" pitchFamily="34" charset="-122"/>
+              </a:rPr>
+              <a:t>渲染</a:t>
+            </a:r>
+            <a:r>
+              <a:rPr lang="zh-CN" altLang="en-US" sz="6000" kern="0" cap="all" dirty="0" smtClean="0">
+                <a:solidFill>
+                  <a:srgbClr val="000000"/>
+                </a:solidFill>
+                <a:latin typeface="微软雅黑" panose="020B0503020204020204" pitchFamily="34" charset="-122"/>
+                <a:ea typeface="微软雅黑" panose="020B0503020204020204" pitchFamily="34" charset="-122"/>
+              </a:rPr>
+              <a:t>循环实现举例</a:t>
+            </a:r>
+            <a:endParaRPr lang="zh-CN" altLang="en-US" sz="6000" kern="0" cap="all" dirty="0">
+              <a:solidFill>
+                <a:srgbClr val="000000"/>
+              </a:solidFill>
+              <a:latin typeface="微软雅黑" panose="020B0503020204020204" pitchFamily="34" charset="-122"/>
+              <a:ea typeface="微软雅黑" panose="020B0503020204020204" pitchFamily="34" charset="-122"/>
+            </a:endParaRPr>
+          </a:p>
+        </p:txBody>
+      </p:sp>
+      <p:pic>
+        <p:nvPicPr>
+          <p:cNvPr id="12" name="Picture 5"/>
+          <p:cNvPicPr>
+            <a:picLocks noChangeAspect="1"/>
+          </p:cNvPicPr>
+          <p:nvPr/>
+        </p:nvPicPr>
+        <p:blipFill>
+          <a:blip r:embed="rId3">
+            <a:extLst>
+              <a:ext uri="{28A0092B-C50C-407E-A947-70E740481C1C}">
+                <a14:useLocalDpi xmlns:a14="http://schemas.microsoft.com/office/drawing/2010/main" val="0"/>
+              </a:ext>
+            </a:extLst>
+          </a:blip>
+          <a:stretch>
+            <a:fillRect/>
+          </a:stretch>
+        </p:blipFill>
+        <p:spPr>
+          <a:xfrm>
+            <a:off x="1516141" y="1889303"/>
+            <a:ext cx="1240345" cy="1240345"/>
+          </a:xfrm>
+          <a:prstGeom prst="rect">
+            <a:avLst/>
+          </a:prstGeom>
+        </p:spPr>
+      </p:pic>
+      <p:pic>
+        <p:nvPicPr>
+          <p:cNvPr id="10" name="图片 9"/>
+          <p:cNvPicPr>
+            <a:picLocks noChangeAspect="1"/>
+          </p:cNvPicPr>
+          <p:nvPr/>
+        </p:nvPicPr>
+        <p:blipFill>
+          <a:blip r:embed="rId4">
+            <a:extLst>
+              <a:ext uri="{28A0092B-C50C-407E-A947-70E740481C1C}">
+                <a14:useLocalDpi xmlns:a14="http://schemas.microsoft.com/office/drawing/2010/main" val="0"/>
+              </a:ext>
+            </a:extLst>
+          </a:blip>
+          <a:stretch>
+            <a:fillRect/>
+          </a:stretch>
+        </p:blipFill>
+        <p:spPr>
+          <a:xfrm>
+            <a:off x="14573342" y="4750723"/>
+            <a:ext cx="9739600" cy="4794494"/>
+          </a:xfrm>
+          <a:prstGeom prst="rect">
+            <a:avLst/>
+          </a:prstGeom>
+        </p:spPr>
+      </p:pic>
+    </p:spTree>
+    <p:extLst>
+      <p:ext uri="{BB962C8B-B14F-4D97-AF65-F5344CB8AC3E}">
+        <p14:creationId xmlns:p14="http://schemas.microsoft.com/office/powerpoint/2010/main" val="217237000"/>
+      </p:ext>
+    </p:extLst>
+  </p:cSld>
+  <p:clrMapOvr>
+    <a:masterClrMapping/>
+  </p:clrMapOvr>
+  <p:transition spd="med"/>
+</p:sld>
+</file>
+
+<file path=ppt/slides/slide17.xml><?xml version="1.0" encoding="utf-8"?>
+<p:sld xmlns:a="http://schemas.openxmlformats.org/drawingml/2006/main" xmlns:r="http://schemas.openxmlformats.org/officeDocument/2006/relationships" xmlns:p="http://schemas.openxmlformats.org/presentationml/2006/main">
+  <p:cSld>
+    <p:bg>
+      <p:bgPr>
+        <a:solidFill>
+          <a:schemeClr val="bg1">
+            <a:lumMod val="95000"/>
+          </a:schemeClr>
+        </a:solidFill>
+        <a:effectLst/>
+      </p:bgPr>
+    </p:bg>
+    <p:spTree>
+      <p:nvGrpSpPr>
+        <p:cNvPr id="1" name=""/>
+        <p:cNvGrpSpPr/>
+        <p:nvPr/>
+      </p:nvGrpSpPr>
+      <p:grpSpPr>
+        <a:xfrm>
+          <a:off x="0" y="0"/>
+          <a:ext cx="0" cy="0"/>
+          <a:chOff x="0" y="0"/>
+          <a:chExt cx="0" cy="0"/>
+        </a:xfrm>
+      </p:grpSpPr>
+      <p:grpSp>
+        <p:nvGrpSpPr>
+          <p:cNvPr id="4" name="组合 3"/>
+          <p:cNvGrpSpPr/>
+          <p:nvPr/>
+        </p:nvGrpSpPr>
+        <p:grpSpPr>
+          <a:xfrm>
+            <a:off x="1516142" y="0"/>
+            <a:ext cx="9624609" cy="13716000"/>
+            <a:chOff x="10467974" y="26142"/>
+            <a:chExt cx="16015357" cy="13716000"/>
+          </a:xfrm>
+        </p:grpSpPr>
+        <p:sp>
+          <p:nvSpPr>
+            <p:cNvPr id="5" name="Rectangle"/>
+            <p:cNvSpPr/>
+            <p:nvPr/>
+          </p:nvSpPr>
+          <p:spPr>
+            <a:xfrm>
+              <a:off x="10467974" y="26142"/>
+              <a:ext cx="16015357" cy="13716000"/>
+            </a:xfrm>
+            <a:prstGeom prst="rect">
+              <a:avLst/>
+            </a:prstGeom>
+            <a:solidFill>
+              <a:schemeClr val="bg1">
+                <a:alpha val="80000"/>
+              </a:schemeClr>
+            </a:solidFill>
+            <a:ln w="12700">
+              <a:miter lim="400000"/>
+            </a:ln>
+          </p:spPr>
+          <p:txBody>
+            <a:bodyPr lIns="50800" tIns="50800" rIns="50800" bIns="50800" anchor="ctr"/>
+            <a:lstStyle/>
+            <a:p>
+              <a:pPr algn="ctr" defTabSz="825500" hangingPunct="0">
+                <a:defRPr sz="3200">
+                  <a:solidFill>
+                    <a:srgbClr val="FFFFFF"/>
+                  </a:solidFill>
+                  <a:latin typeface="Helvetica"/>
+                  <a:ea typeface="Helvetica"/>
+                  <a:cs typeface="Helvetica"/>
+                  <a:sym typeface="Helvetica"/>
+                </a:defRPr>
+              </a:pPr>
+              <a:endParaRPr sz="3200" kern="0" dirty="0">
+                <a:solidFill>
+                  <a:srgbClr val="FFFFFF"/>
+                </a:solidFill>
+                <a:ea typeface="Helvetica"/>
+                <a:cs typeface="Helvetica"/>
+                <a:sym typeface="Helvetica"/>
+              </a:endParaRPr>
+            </a:p>
+          </p:txBody>
+        </p:sp>
+        <p:sp>
+          <p:nvSpPr>
+            <p:cNvPr id="6" name="Rectangle"/>
+            <p:cNvSpPr/>
+            <p:nvPr/>
+          </p:nvSpPr>
+          <p:spPr>
+            <a:xfrm>
+              <a:off x="10467974" y="3245592"/>
+              <a:ext cx="8458201" cy="76200"/>
+            </a:xfrm>
+            <a:prstGeom prst="rect">
+              <a:avLst/>
+            </a:prstGeom>
+            <a:solidFill>
+              <a:srgbClr val="FFD966"/>
+            </a:solidFill>
+            <a:ln w="12700">
+              <a:miter lim="400000"/>
+            </a:ln>
+          </p:spPr>
+          <p:txBody>
+            <a:bodyPr lIns="50800" tIns="50800" rIns="50800" bIns="50800" anchor="ctr"/>
+            <a:lstStyle/>
+            <a:p>
+              <a:pPr>
+                <a:defRPr sz="3200">
+                  <a:solidFill>
+                    <a:srgbClr val="FFFFFF"/>
+                  </a:solidFill>
+                  <a:latin typeface="Helvetica"/>
+                  <a:ea typeface="Helvetica"/>
+                  <a:cs typeface="Helvetica"/>
+                  <a:sym typeface="Helvetica"/>
+                </a:defRPr>
+              </a:pPr>
+              <a:endParaRPr sz="3200">
+                <a:solidFill>
+                  <a:srgbClr val="FFFFFF"/>
+                </a:solidFill>
+                <a:latin typeface="方正姚体" panose="02010601030101010101" pitchFamily="2" charset="-122"/>
+                <a:ea typeface="方正姚体" panose="02010601030101010101" pitchFamily="2" charset="-122"/>
+                <a:cs typeface="Helvetica"/>
+                <a:sym typeface="Helvetica"/>
+              </a:endParaRPr>
+            </a:p>
+          </p:txBody>
+        </p:sp>
+      </p:grpSp>
+      <p:sp>
+        <p:nvSpPr>
+          <p:cNvPr id="8" name="The Picture slide"/>
+          <p:cNvSpPr txBox="1"/>
+          <p:nvPr/>
+        </p:nvSpPr>
+        <p:spPr>
+          <a:xfrm>
+            <a:off x="2426714" y="3954552"/>
+            <a:ext cx="8303490" cy="14044870"/>
+          </a:xfrm>
+          <a:prstGeom prst="rect">
+            <a:avLst/>
+          </a:prstGeom>
+          <a:ln w="12700">
+            <a:miter lim="400000"/>
+          </a:ln>
+        </p:spPr>
+        <p:txBody>
+          <a:bodyPr wrap="square" lIns="50800" tIns="50800" rIns="50800" bIns="50800" anchor="t">
+            <a:spAutoFit/>
+          </a:bodyPr>
+          <a:lstStyle>
+            <a:lvl1pPr>
+              <a:defRPr b="1">
+                <a:latin typeface="Helvetica"/>
+                <a:ea typeface="Helvetica"/>
+                <a:cs typeface="Helvetica"/>
+                <a:sym typeface="Helvetica"/>
+              </a:defRPr>
+            </a:lvl1pPr>
+          </a:lstStyle>
+          <a:p>
+            <a:pPr marL="571500" indent="-571500">
+              <a:lnSpc>
+                <a:spcPct val="150000"/>
+              </a:lnSpc>
+              <a:spcBef>
+                <a:spcPts val="600"/>
+              </a:spcBef>
+              <a:buFont typeface="Arial" panose="020B0604020202020204" pitchFamily="34" charset="0"/>
+              <a:buChar char="•"/>
+            </a:pPr>
+            <a:r>
+              <a:rPr lang="en-US" altLang="zh-CN" sz="3200" b="0" dirty="0" err="1" smtClean="0">
+                <a:solidFill>
+                  <a:srgbClr val="000000"/>
+                </a:solidFill>
+                <a:latin typeface="微软雅黑 Light" panose="020B0502040204020203" pitchFamily="34" charset="-122"/>
+                <a:ea typeface="微软雅黑 Light" panose="020B0502040204020203" pitchFamily="34" charset="-122"/>
+                <a:sym typeface="Helvetica Light"/>
+              </a:rPr>
+              <a:t>BasePass</a:t>
+            </a:r>
+            <a:r>
+              <a:rPr lang="zh-CN" altLang="en-US" sz="3200" b="0" dirty="0" smtClean="0">
+                <a:solidFill>
+                  <a:srgbClr val="000000"/>
+                </a:solidFill>
+                <a:latin typeface="微软雅黑 Light" panose="020B0502040204020203" pitchFamily="34" charset="-122"/>
+                <a:ea typeface="微软雅黑 Light" panose="020B0502040204020203" pitchFamily="34" charset="-122"/>
+                <a:sym typeface="Helvetica Light"/>
+              </a:rPr>
+              <a:t>：</a:t>
+            </a:r>
+            <a:endParaRPr lang="en-US" altLang="zh-CN" sz="3200" b="0" dirty="0" smtClean="0">
+              <a:solidFill>
+                <a:srgbClr val="000000"/>
+              </a:solidFill>
+              <a:latin typeface="微软雅黑 Light" panose="020B0502040204020203" pitchFamily="34" charset="-122"/>
+              <a:ea typeface="微软雅黑 Light" panose="020B0502040204020203" pitchFamily="34" charset="-122"/>
+              <a:sym typeface="Helvetica Light"/>
+            </a:endParaRPr>
+          </a:p>
+          <a:p>
+            <a:pPr marL="1657350" lvl="1" indent="-742950">
+              <a:lnSpc>
+                <a:spcPct val="150000"/>
+              </a:lnSpc>
+              <a:spcBef>
+                <a:spcPts val="600"/>
+              </a:spcBef>
+              <a:buFont typeface="+mj-lt"/>
+              <a:buAutoNum type="arabicPeriod"/>
+            </a:pPr>
+            <a:r>
+              <a:rPr lang="zh-CN" altLang="en-US" sz="3200" b="0" dirty="0" smtClean="0">
+                <a:solidFill>
+                  <a:srgbClr val="000000"/>
+                </a:solidFill>
+                <a:latin typeface="微软雅黑 Light" panose="020B0502040204020203" pitchFamily="34" charset="-122"/>
+                <a:ea typeface="微软雅黑 Light" panose="020B0502040204020203" pitchFamily="34" charset="-122"/>
+                <a:sym typeface="Helvetica Light"/>
+              </a:rPr>
+              <a:t>获取</a:t>
+            </a:r>
+            <a:r>
+              <a:rPr lang="en-US" altLang="zh-CN" sz="3200" b="0" dirty="0" smtClean="0">
+                <a:solidFill>
+                  <a:srgbClr val="000000"/>
+                </a:solidFill>
+                <a:latin typeface="微软雅黑 Light" panose="020B0502040204020203" pitchFamily="34" charset="-122"/>
+                <a:ea typeface="微软雅黑 Light" panose="020B0502040204020203" pitchFamily="34" charset="-122"/>
+                <a:sym typeface="Helvetica Light"/>
+              </a:rPr>
+              <a:t>Scene</a:t>
+            </a:r>
+            <a:r>
+              <a:rPr lang="zh-CN" altLang="en-US" sz="3200" b="0" dirty="0" smtClean="0">
+                <a:solidFill>
+                  <a:srgbClr val="000000"/>
+                </a:solidFill>
+                <a:latin typeface="微软雅黑 Light" panose="020B0502040204020203" pitchFamily="34" charset="-122"/>
+                <a:ea typeface="微软雅黑 Light" panose="020B0502040204020203" pitchFamily="34" charset="-122"/>
+                <a:sym typeface="Helvetica Light"/>
+              </a:rPr>
+              <a:t>中的</a:t>
+            </a:r>
+            <a:r>
+              <a:rPr lang="en-US" altLang="zh-CN" sz="3200" b="0" dirty="0" smtClean="0">
+                <a:solidFill>
+                  <a:srgbClr val="000000"/>
+                </a:solidFill>
+                <a:latin typeface="微软雅黑 Light" panose="020B0502040204020203" pitchFamily="34" charset="-122"/>
+                <a:ea typeface="微软雅黑 Light" panose="020B0502040204020203" pitchFamily="34" charset="-122"/>
+                <a:sym typeface="Helvetica Light"/>
+              </a:rPr>
+              <a:t>Object</a:t>
+            </a:r>
+            <a:r>
+              <a:rPr lang="zh-CN" altLang="en-US" sz="3200" b="0" dirty="0" smtClean="0">
+                <a:solidFill>
+                  <a:srgbClr val="000000"/>
+                </a:solidFill>
+                <a:latin typeface="微软雅黑 Light" panose="020B0502040204020203" pitchFamily="34" charset="-122"/>
+                <a:ea typeface="微软雅黑 Light" panose="020B0502040204020203" pitchFamily="34" charset="-122"/>
+                <a:sym typeface="Helvetica Light"/>
+              </a:rPr>
+              <a:t>组遍历绘制</a:t>
+            </a:r>
+            <a:endParaRPr lang="en-US" altLang="zh-CN" sz="3200" b="0" dirty="0" smtClean="0">
+              <a:solidFill>
+                <a:srgbClr val="000000"/>
+              </a:solidFill>
+              <a:latin typeface="微软雅黑 Light" panose="020B0502040204020203" pitchFamily="34" charset="-122"/>
+              <a:ea typeface="微软雅黑 Light" panose="020B0502040204020203" pitchFamily="34" charset="-122"/>
+              <a:sym typeface="Helvetica Light"/>
+            </a:endParaRPr>
+          </a:p>
+          <a:p>
+            <a:pPr marL="1657350" lvl="1" indent="-742950">
+              <a:lnSpc>
+                <a:spcPct val="150000"/>
+              </a:lnSpc>
+              <a:spcBef>
+                <a:spcPts val="600"/>
+              </a:spcBef>
+              <a:buFont typeface="+mj-lt"/>
+              <a:buAutoNum type="arabicPeriod"/>
+            </a:pPr>
+            <a:r>
+              <a:rPr lang="zh-CN" altLang="en-US" sz="3200" dirty="0" smtClean="0">
+                <a:solidFill>
+                  <a:srgbClr val="000000"/>
+                </a:solidFill>
+                <a:latin typeface="微软雅黑 Light" panose="020B0502040204020203" pitchFamily="34" charset="-122"/>
+                <a:ea typeface="微软雅黑 Light" panose="020B0502040204020203" pitchFamily="34" charset="-122"/>
+                <a:sym typeface="Helvetica Light"/>
+              </a:rPr>
+              <a:t>调用绘制</a:t>
+            </a:r>
+            <a:r>
+              <a:rPr lang="en-US" altLang="zh-CN" sz="3200" dirty="0" smtClean="0">
+                <a:solidFill>
+                  <a:srgbClr val="000000"/>
+                </a:solidFill>
+                <a:latin typeface="微软雅黑 Light" panose="020B0502040204020203" pitchFamily="34" charset="-122"/>
+                <a:ea typeface="微软雅黑 Light" panose="020B0502040204020203" pitchFamily="34" charset="-122"/>
+                <a:sym typeface="Helvetica Light"/>
+              </a:rPr>
+              <a:t>API</a:t>
+            </a:r>
+            <a:r>
+              <a:rPr lang="zh-CN" altLang="en-US" sz="3200" dirty="0" smtClean="0">
+                <a:solidFill>
+                  <a:srgbClr val="000000"/>
+                </a:solidFill>
+                <a:latin typeface="微软雅黑 Light" panose="020B0502040204020203" pitchFamily="34" charset="-122"/>
+                <a:ea typeface="微软雅黑 Light" panose="020B0502040204020203" pitchFamily="34" charset="-122"/>
+                <a:sym typeface="Helvetica Light"/>
+              </a:rPr>
+              <a:t>，用</a:t>
+            </a:r>
+            <a:r>
+              <a:rPr lang="en-US" altLang="zh-CN" sz="3200" dirty="0" err="1" smtClean="0">
+                <a:solidFill>
+                  <a:srgbClr val="000000"/>
+                </a:solidFill>
+                <a:latin typeface="微软雅黑 Light" panose="020B0502040204020203" pitchFamily="34" charset="-122"/>
+                <a:ea typeface="微软雅黑 Light" panose="020B0502040204020203" pitchFamily="34" charset="-122"/>
+                <a:sym typeface="Helvetica Light"/>
+              </a:rPr>
+              <a:t>CommandList</a:t>
+            </a:r>
+            <a:r>
+              <a:rPr lang="zh-CN" altLang="en-US" sz="3200" dirty="0" smtClean="0">
+                <a:solidFill>
+                  <a:srgbClr val="000000"/>
+                </a:solidFill>
+                <a:latin typeface="微软雅黑 Light" panose="020B0502040204020203" pitchFamily="34" charset="-122"/>
+                <a:ea typeface="微软雅黑 Light" panose="020B0502040204020203" pitchFamily="34" charset="-122"/>
+                <a:sym typeface="Helvetica Light"/>
+              </a:rPr>
+              <a:t>为</a:t>
+            </a:r>
+            <a:r>
+              <a:rPr lang="en-US" altLang="zh-CN" sz="3200" dirty="0" smtClean="0">
+                <a:solidFill>
+                  <a:srgbClr val="000000"/>
+                </a:solidFill>
+                <a:latin typeface="微软雅黑 Light" panose="020B0502040204020203" pitchFamily="34" charset="-122"/>
+                <a:ea typeface="微软雅黑 Light" panose="020B0502040204020203" pitchFamily="34" charset="-122"/>
+                <a:sym typeface="Helvetica Light"/>
+              </a:rPr>
+              <a:t>Object</a:t>
+            </a:r>
+            <a:r>
+              <a:rPr lang="zh-CN" altLang="en-US" sz="3200" dirty="0" smtClean="0">
+                <a:solidFill>
+                  <a:srgbClr val="000000"/>
+                </a:solidFill>
+                <a:latin typeface="微软雅黑 Light" panose="020B0502040204020203" pitchFamily="34" charset="-122"/>
+                <a:ea typeface="微软雅黑 Light" panose="020B0502040204020203" pitchFamily="34" charset="-122"/>
+                <a:sym typeface="Helvetica Light"/>
+              </a:rPr>
+              <a:t>设置当前的</a:t>
+            </a:r>
+            <a:r>
+              <a:rPr lang="en-US" altLang="zh-CN" sz="3200" dirty="0" smtClean="0">
+                <a:solidFill>
+                  <a:srgbClr val="000000"/>
+                </a:solidFill>
+                <a:latin typeface="微软雅黑 Light" panose="020B0502040204020203" pitchFamily="34" charset="-122"/>
+                <a:ea typeface="微软雅黑 Light" panose="020B0502040204020203" pitchFamily="34" charset="-122"/>
+                <a:sym typeface="Helvetica Light"/>
+              </a:rPr>
+              <a:t>PSO</a:t>
+            </a:r>
+            <a:r>
+              <a:rPr lang="zh-CN" altLang="en-US" sz="3200" dirty="0" smtClean="0">
+                <a:solidFill>
+                  <a:srgbClr val="000000"/>
+                </a:solidFill>
+                <a:latin typeface="微软雅黑 Light" panose="020B0502040204020203" pitchFamily="34" charset="-122"/>
+                <a:ea typeface="微软雅黑 Light" panose="020B0502040204020203" pitchFamily="34" charset="-122"/>
+                <a:sym typeface="Helvetica Light"/>
+              </a:rPr>
+              <a:t>对象</a:t>
+            </a:r>
+            <a:endParaRPr lang="en-US" altLang="zh-CN" sz="3200" dirty="0" smtClean="0">
+              <a:solidFill>
+                <a:srgbClr val="000000"/>
+              </a:solidFill>
+              <a:latin typeface="微软雅黑 Light" panose="020B0502040204020203" pitchFamily="34" charset="-122"/>
+              <a:ea typeface="微软雅黑 Light" panose="020B0502040204020203" pitchFamily="34" charset="-122"/>
+              <a:sym typeface="Helvetica Light"/>
+            </a:endParaRPr>
+          </a:p>
+          <a:p>
+            <a:pPr marL="1657350" lvl="1" indent="-742950">
+              <a:lnSpc>
+                <a:spcPct val="150000"/>
+              </a:lnSpc>
+              <a:spcBef>
+                <a:spcPts val="600"/>
+              </a:spcBef>
+              <a:buFont typeface="+mj-lt"/>
+              <a:buAutoNum type="arabicPeriod"/>
+            </a:pPr>
+            <a:r>
+              <a:rPr lang="zh-CN" altLang="en-US" sz="3200" b="0" dirty="0" smtClean="0">
+                <a:solidFill>
+                  <a:srgbClr val="000000"/>
+                </a:solidFill>
+                <a:latin typeface="微软雅黑 Light" panose="020B0502040204020203" pitchFamily="34" charset="-122"/>
+                <a:ea typeface="微软雅黑 Light" panose="020B0502040204020203" pitchFamily="34" charset="-122"/>
+                <a:sym typeface="Helvetica Light"/>
+              </a:rPr>
+              <a:t>设置</a:t>
+            </a:r>
+            <a:r>
+              <a:rPr lang="en-US" altLang="zh-CN" sz="3200" b="0" dirty="0" smtClean="0">
+                <a:solidFill>
+                  <a:srgbClr val="000000"/>
+                </a:solidFill>
+                <a:latin typeface="微软雅黑 Light" panose="020B0502040204020203" pitchFamily="34" charset="-122"/>
+                <a:ea typeface="微软雅黑 Light" panose="020B0502040204020203" pitchFamily="34" charset="-122"/>
+                <a:sym typeface="Helvetica Light"/>
+              </a:rPr>
+              <a:t>Object</a:t>
+            </a:r>
+            <a:r>
+              <a:rPr lang="zh-CN" altLang="en-US" sz="3200" b="0" dirty="0" smtClean="0">
+                <a:solidFill>
+                  <a:srgbClr val="000000"/>
+                </a:solidFill>
+                <a:latin typeface="微软雅黑 Light" panose="020B0502040204020203" pitchFamily="34" charset="-122"/>
+                <a:ea typeface="微软雅黑 Light" panose="020B0502040204020203" pitchFamily="34" charset="-122"/>
+                <a:sym typeface="Helvetica Light"/>
+              </a:rPr>
+              <a:t>的</a:t>
+            </a:r>
+            <a:r>
+              <a:rPr lang="en-US" altLang="zh-CN" sz="3200" b="0" dirty="0" err="1" smtClean="0">
+                <a:solidFill>
+                  <a:srgbClr val="000000"/>
+                </a:solidFill>
+                <a:latin typeface="微软雅黑 Light" panose="020B0502040204020203" pitchFamily="34" charset="-122"/>
+                <a:ea typeface="微软雅黑 Light" panose="020B0502040204020203" pitchFamily="34" charset="-122"/>
+                <a:sym typeface="Helvetica Light"/>
+              </a:rPr>
+              <a:t>VertexBufferView</a:t>
+            </a:r>
+            <a:r>
+              <a:rPr lang="zh-CN" altLang="en-US" sz="3200" b="0" dirty="0" smtClean="0">
+                <a:solidFill>
+                  <a:srgbClr val="000000"/>
+                </a:solidFill>
+                <a:latin typeface="微软雅黑 Light" panose="020B0502040204020203" pitchFamily="34" charset="-122"/>
+                <a:ea typeface="微软雅黑 Light" panose="020B0502040204020203" pitchFamily="34" charset="-122"/>
+                <a:sym typeface="Helvetica Light"/>
+              </a:rPr>
+              <a:t>和</a:t>
+            </a:r>
+            <a:r>
+              <a:rPr lang="en-US" altLang="zh-CN" sz="3200" b="0" dirty="0" err="1" smtClean="0">
+                <a:solidFill>
+                  <a:srgbClr val="000000"/>
+                </a:solidFill>
+                <a:latin typeface="微软雅黑 Light" panose="020B0502040204020203" pitchFamily="34" charset="-122"/>
+                <a:ea typeface="微软雅黑 Light" panose="020B0502040204020203" pitchFamily="34" charset="-122"/>
+                <a:sym typeface="Helvetica Light"/>
+              </a:rPr>
+              <a:t>IndexBufferView</a:t>
+            </a:r>
+            <a:endParaRPr lang="en-US" altLang="zh-CN" sz="3200" b="0" dirty="0" smtClean="0">
+              <a:solidFill>
+                <a:srgbClr val="000000"/>
+              </a:solidFill>
+              <a:latin typeface="微软雅黑 Light" panose="020B0502040204020203" pitchFamily="34" charset="-122"/>
+              <a:ea typeface="微软雅黑 Light" panose="020B0502040204020203" pitchFamily="34" charset="-122"/>
+              <a:sym typeface="Helvetica Light"/>
+            </a:endParaRPr>
+          </a:p>
+          <a:p>
+            <a:pPr marL="1657350" lvl="1" indent="-742950">
+              <a:lnSpc>
+                <a:spcPct val="150000"/>
+              </a:lnSpc>
+              <a:spcBef>
+                <a:spcPts val="600"/>
+              </a:spcBef>
+              <a:buFont typeface="+mj-lt"/>
+              <a:buAutoNum type="arabicPeriod"/>
+            </a:pPr>
+            <a:r>
+              <a:rPr lang="zh-CN" altLang="en-US" sz="3200" dirty="0" smtClean="0">
+                <a:solidFill>
+                  <a:srgbClr val="000000"/>
+                </a:solidFill>
+                <a:latin typeface="微软雅黑 Light" panose="020B0502040204020203" pitchFamily="34" charset="-122"/>
+                <a:ea typeface="微软雅黑 Light" panose="020B0502040204020203" pitchFamily="34" charset="-122"/>
+                <a:sym typeface="Helvetica Light"/>
+              </a:rPr>
+              <a:t>设置</a:t>
+            </a:r>
+            <a:r>
+              <a:rPr lang="en-US" altLang="zh-CN" sz="3200" dirty="0" smtClean="0">
+                <a:solidFill>
+                  <a:srgbClr val="000000"/>
+                </a:solidFill>
+                <a:latin typeface="微软雅黑 Light" panose="020B0502040204020203" pitchFamily="34" charset="-122"/>
+                <a:ea typeface="微软雅黑 Light" panose="020B0502040204020203" pitchFamily="34" charset="-122"/>
+                <a:sym typeface="Helvetica Light"/>
+              </a:rPr>
+              <a:t>WVP(</a:t>
+            </a:r>
+            <a:r>
+              <a:rPr lang="en-US" altLang="zh-CN" sz="3200" dirty="0" err="1" smtClean="0">
+                <a:solidFill>
+                  <a:srgbClr val="000000"/>
+                </a:solidFill>
+                <a:latin typeface="微软雅黑 Light" panose="020B0502040204020203" pitchFamily="34" charset="-122"/>
+                <a:ea typeface="微软雅黑 Light" panose="020B0502040204020203" pitchFamily="34" charset="-122"/>
+                <a:sym typeface="Helvetica Light"/>
+              </a:rPr>
+              <a:t>WorldViewProjection</a:t>
+            </a:r>
+            <a:r>
+              <a:rPr lang="en-US" altLang="zh-CN" sz="3200" dirty="0" smtClean="0">
+                <a:solidFill>
+                  <a:srgbClr val="000000"/>
+                </a:solidFill>
+                <a:latin typeface="微软雅黑 Light" panose="020B0502040204020203" pitchFamily="34" charset="-122"/>
+                <a:ea typeface="微软雅黑 Light" panose="020B0502040204020203" pitchFamily="34" charset="-122"/>
+                <a:sym typeface="Helvetica Light"/>
+              </a:rPr>
+              <a:t>)</a:t>
+            </a:r>
+            <a:r>
+              <a:rPr lang="zh-CN" altLang="en-US" sz="3200" dirty="0" smtClean="0">
+                <a:solidFill>
+                  <a:srgbClr val="000000"/>
+                </a:solidFill>
+                <a:latin typeface="微软雅黑 Light" panose="020B0502040204020203" pitchFamily="34" charset="-122"/>
+                <a:ea typeface="微软雅黑 Light" panose="020B0502040204020203" pitchFamily="34" charset="-122"/>
+                <a:sym typeface="Helvetica Light"/>
+              </a:rPr>
+              <a:t>矩阵，便于在</a:t>
+            </a:r>
+            <a:r>
+              <a:rPr lang="en-US" altLang="zh-CN" sz="3200" dirty="0" err="1" smtClean="0">
+                <a:solidFill>
+                  <a:srgbClr val="000000"/>
+                </a:solidFill>
+                <a:latin typeface="微软雅黑 Light" panose="020B0502040204020203" pitchFamily="34" charset="-122"/>
+                <a:ea typeface="微软雅黑 Light" panose="020B0502040204020203" pitchFamily="34" charset="-122"/>
+                <a:sym typeface="Helvetica Light"/>
+              </a:rPr>
+              <a:t>VertexShader</a:t>
+            </a:r>
+            <a:r>
+              <a:rPr lang="zh-CN" altLang="en-US" sz="3200" dirty="0" smtClean="0">
+                <a:solidFill>
+                  <a:srgbClr val="000000"/>
+                </a:solidFill>
+                <a:latin typeface="微软雅黑 Light" panose="020B0502040204020203" pitchFamily="34" charset="-122"/>
+                <a:ea typeface="微软雅黑 Light" panose="020B0502040204020203" pitchFamily="34" charset="-122"/>
+                <a:sym typeface="Helvetica Light"/>
+              </a:rPr>
+              <a:t>中计算</a:t>
+            </a:r>
+            <a:r>
+              <a:rPr lang="en-US" altLang="zh-CN" sz="3200" dirty="0" smtClean="0">
+                <a:solidFill>
+                  <a:srgbClr val="000000"/>
+                </a:solidFill>
+                <a:latin typeface="微软雅黑 Light" panose="020B0502040204020203" pitchFamily="34" charset="-122"/>
+                <a:ea typeface="微软雅黑 Light" panose="020B0502040204020203" pitchFamily="34" charset="-122"/>
+                <a:sym typeface="Helvetica Light"/>
+              </a:rPr>
+              <a:t>MVP</a:t>
+            </a:r>
+            <a:r>
+              <a:rPr lang="zh-CN" altLang="en-US" sz="3200" dirty="0" smtClean="0">
+                <a:solidFill>
+                  <a:srgbClr val="000000"/>
+                </a:solidFill>
+                <a:latin typeface="微软雅黑 Light" panose="020B0502040204020203" pitchFamily="34" charset="-122"/>
+                <a:ea typeface="微软雅黑 Light" panose="020B0502040204020203" pitchFamily="34" charset="-122"/>
+                <a:sym typeface="Helvetica Light"/>
+              </a:rPr>
+              <a:t>变换</a:t>
+            </a:r>
+            <a:endParaRPr lang="en-US" altLang="zh-CN" sz="3200" dirty="0" smtClean="0">
+              <a:solidFill>
+                <a:srgbClr val="000000"/>
+              </a:solidFill>
+              <a:latin typeface="微软雅黑 Light" panose="020B0502040204020203" pitchFamily="34" charset="-122"/>
+              <a:ea typeface="微软雅黑 Light" panose="020B0502040204020203" pitchFamily="34" charset="-122"/>
+              <a:sym typeface="Helvetica Light"/>
+            </a:endParaRPr>
+          </a:p>
+          <a:p>
+            <a:pPr marL="1657350" lvl="1" indent="-742950">
+              <a:lnSpc>
+                <a:spcPct val="150000"/>
+              </a:lnSpc>
+              <a:spcBef>
+                <a:spcPts val="600"/>
+              </a:spcBef>
+              <a:buFont typeface="+mj-lt"/>
+              <a:buAutoNum type="arabicPeriod"/>
+            </a:pPr>
+            <a:r>
+              <a:rPr lang="zh-CN" altLang="en-US" sz="3200" dirty="0" smtClean="0">
+                <a:solidFill>
+                  <a:srgbClr val="000000"/>
+                </a:solidFill>
+                <a:latin typeface="微软雅黑 Light" panose="020B0502040204020203" pitchFamily="34" charset="-122"/>
+                <a:ea typeface="微软雅黑 Light" panose="020B0502040204020203" pitchFamily="34" charset="-122"/>
+                <a:sym typeface="Helvetica Light"/>
+              </a:rPr>
+              <a:t>设置 贴图</a:t>
+            </a:r>
+            <a:endParaRPr lang="en-US" altLang="zh-CN" sz="3200" dirty="0" smtClean="0">
+              <a:solidFill>
+                <a:srgbClr val="000000"/>
+              </a:solidFill>
+              <a:latin typeface="微软雅黑 Light" panose="020B0502040204020203" pitchFamily="34" charset="-122"/>
+              <a:ea typeface="微软雅黑 Light" panose="020B0502040204020203" pitchFamily="34" charset="-122"/>
+              <a:sym typeface="Helvetica Light"/>
+            </a:endParaRPr>
+          </a:p>
+          <a:p>
+            <a:pPr marL="1657350" lvl="1" indent="-742950">
+              <a:lnSpc>
+                <a:spcPct val="150000"/>
+              </a:lnSpc>
+              <a:spcBef>
+                <a:spcPts val="600"/>
+              </a:spcBef>
+              <a:buFont typeface="+mj-lt"/>
+              <a:buAutoNum type="arabicPeriod"/>
+            </a:pPr>
+            <a:r>
+              <a:rPr lang="zh-CN" altLang="en-US" sz="3200" dirty="0" smtClean="0">
+                <a:solidFill>
+                  <a:srgbClr val="000000"/>
+                </a:solidFill>
+                <a:latin typeface="微软雅黑 Light" panose="020B0502040204020203" pitchFamily="34" charset="-122"/>
+                <a:ea typeface="微软雅黑 Light" panose="020B0502040204020203" pitchFamily="34" charset="-122"/>
+                <a:sym typeface="Helvetica Light"/>
+              </a:rPr>
+              <a:t>提交绘制命令</a:t>
+            </a:r>
+            <a:endParaRPr lang="en-US" altLang="zh-CN" sz="3200" dirty="0" smtClean="0">
+              <a:solidFill>
+                <a:srgbClr val="000000"/>
+              </a:solidFill>
+              <a:latin typeface="微软雅黑 Light" panose="020B0502040204020203" pitchFamily="34" charset="-122"/>
+              <a:ea typeface="微软雅黑 Light" panose="020B0502040204020203" pitchFamily="34" charset="-122"/>
+              <a:sym typeface="Helvetica Light"/>
+            </a:endParaRPr>
+          </a:p>
+          <a:p>
+            <a:pPr marL="1657350" lvl="1" indent="-742950">
+              <a:lnSpc>
+                <a:spcPct val="150000"/>
+              </a:lnSpc>
+              <a:spcBef>
+                <a:spcPts val="600"/>
+              </a:spcBef>
+              <a:buFont typeface="+mj-lt"/>
+              <a:buAutoNum type="arabicPeriod"/>
+            </a:pPr>
+            <a:endParaRPr lang="en-US" altLang="zh-CN" sz="3200" b="0" dirty="0" smtClean="0">
+              <a:solidFill>
+                <a:srgbClr val="000000"/>
+              </a:solidFill>
+              <a:latin typeface="微软雅黑 Light" panose="020B0502040204020203" pitchFamily="34" charset="-122"/>
+              <a:ea typeface="微软雅黑 Light" panose="020B0502040204020203" pitchFamily="34" charset="-122"/>
+              <a:sym typeface="Helvetica Light"/>
+            </a:endParaRPr>
+          </a:p>
+          <a:p>
+            <a:pPr marL="1657350" lvl="1" indent="-742950">
+              <a:lnSpc>
+                <a:spcPct val="150000"/>
+              </a:lnSpc>
+              <a:spcBef>
+                <a:spcPts val="600"/>
+              </a:spcBef>
+              <a:buFont typeface="+mj-lt"/>
+              <a:buAutoNum type="arabicPeriod"/>
+            </a:pPr>
+            <a:endParaRPr lang="en-US" altLang="zh-CN" b="0" dirty="0" smtClean="0">
+              <a:solidFill>
+                <a:srgbClr val="000000"/>
+              </a:solidFill>
+              <a:latin typeface="微软雅黑 Light" panose="020B0502040204020203" pitchFamily="34" charset="-122"/>
+              <a:ea typeface="微软雅黑 Light" panose="020B0502040204020203" pitchFamily="34" charset="-122"/>
+              <a:sym typeface="Helvetica Light"/>
+            </a:endParaRPr>
+          </a:p>
+          <a:p>
+            <a:pPr marL="1657350" lvl="1" indent="-742950">
+              <a:lnSpc>
+                <a:spcPct val="150000"/>
+              </a:lnSpc>
+              <a:spcBef>
+                <a:spcPts val="600"/>
+              </a:spcBef>
+              <a:buFont typeface="+mj-lt"/>
+              <a:buAutoNum type="arabicPeriod"/>
+            </a:pPr>
+            <a:endParaRPr lang="en-US" altLang="zh-CN" b="0" dirty="0">
+              <a:solidFill>
+                <a:srgbClr val="000000"/>
+              </a:solidFill>
+              <a:latin typeface="微软雅黑 Light" panose="020B0502040204020203" pitchFamily="34" charset="-122"/>
+              <a:ea typeface="微软雅黑 Light" panose="020B0502040204020203" pitchFamily="34" charset="-122"/>
+              <a:sym typeface="Helvetica Light"/>
+            </a:endParaRPr>
+          </a:p>
+          <a:p>
+            <a:pPr marL="571500" indent="-571500">
+              <a:lnSpc>
+                <a:spcPct val="150000"/>
+              </a:lnSpc>
+              <a:spcBef>
+                <a:spcPts val="600"/>
+              </a:spcBef>
+              <a:buFont typeface="Arial" panose="020B0604020202020204" pitchFamily="34" charset="0"/>
+              <a:buChar char="•"/>
+            </a:pPr>
+            <a:endParaRPr lang="en-US" altLang="zh-CN" b="0" dirty="0">
+              <a:solidFill>
+                <a:srgbClr val="000000"/>
+              </a:solidFill>
+              <a:latin typeface="微软雅黑 Light" panose="020B0502040204020203" pitchFamily="34" charset="-122"/>
+              <a:ea typeface="微软雅黑 Light" panose="020B0502040204020203" pitchFamily="34" charset="-122"/>
+              <a:sym typeface="Helvetica Light"/>
+            </a:endParaRPr>
+          </a:p>
+          <a:p>
+            <a:pPr marL="514350" indent="-514350">
+              <a:lnSpc>
+                <a:spcPct val="150000"/>
+              </a:lnSpc>
+              <a:spcBef>
+                <a:spcPts val="600"/>
+              </a:spcBef>
+              <a:buFont typeface="Arial" panose="020B0604020202020204" pitchFamily="34" charset="0"/>
+              <a:buChar char="•"/>
+            </a:pPr>
+            <a:endParaRPr lang="en-US" altLang="zh-CN" b="0" dirty="0">
+              <a:solidFill>
+                <a:srgbClr val="000000"/>
+              </a:solidFill>
+              <a:latin typeface="微软雅黑 Light" panose="020B0502040204020203" pitchFamily="34" charset="-122"/>
+              <a:ea typeface="微软雅黑 Light" panose="020B0502040204020203" pitchFamily="34" charset="-122"/>
+              <a:sym typeface="Helvetica Light"/>
+            </a:endParaRPr>
+          </a:p>
+          <a:p>
+            <a:pPr marL="514350" indent="-514350">
+              <a:lnSpc>
+                <a:spcPct val="150000"/>
+              </a:lnSpc>
+              <a:spcBef>
+                <a:spcPts val="600"/>
+              </a:spcBef>
+              <a:buFont typeface="Arial" panose="020B0604020202020204" pitchFamily="34" charset="0"/>
+              <a:buChar char="•"/>
+            </a:pPr>
+            <a:endParaRPr lang="en-US" altLang="zh-CN" b="0" dirty="0">
+              <a:solidFill>
+                <a:srgbClr val="000000"/>
+              </a:solidFill>
+              <a:latin typeface="微软雅黑 Light" panose="020B0502040204020203" pitchFamily="34" charset="-122"/>
+              <a:ea typeface="微软雅黑 Light" panose="020B0502040204020203" pitchFamily="34" charset="-122"/>
+              <a:sym typeface="Helvetica Light"/>
+            </a:endParaRPr>
+          </a:p>
+        </p:txBody>
+      </p:sp>
+      <p:sp>
+        <p:nvSpPr>
+          <p:cNvPr id="9" name="The Picture slide"/>
+          <p:cNvSpPr txBox="1"/>
+          <p:nvPr/>
+        </p:nvSpPr>
+        <p:spPr>
+          <a:xfrm>
+            <a:off x="2800790" y="1996514"/>
+            <a:ext cx="8973592" cy="1025922"/>
+          </a:xfrm>
+          <a:prstGeom prst="rect">
+            <a:avLst/>
+          </a:prstGeom>
+          <a:ln w="12700">
+            <a:miter lim="400000"/>
+          </a:ln>
+        </p:spPr>
+        <p:txBody>
+          <a:bodyPr wrap="square" lIns="54864" tIns="50800" rIns="50800" bIns="50800" anchor="b">
+            <a:spAutoFit/>
+          </a:bodyPr>
+          <a:lstStyle>
+            <a:lvl1pPr>
+              <a:defRPr b="1">
+                <a:latin typeface="Helvetica"/>
+                <a:ea typeface="Helvetica"/>
+                <a:cs typeface="Helvetica"/>
+                <a:sym typeface="Helvetica"/>
+              </a:defRPr>
+            </a:lvl1pPr>
+          </a:lstStyle>
+          <a:p>
+            <a:pPr defTabSz="825500" hangingPunct="0"/>
+            <a:r>
+              <a:rPr lang="zh-CN" altLang="en-US" sz="6000" kern="0" cap="all" dirty="0">
+                <a:solidFill>
+                  <a:srgbClr val="000000"/>
+                </a:solidFill>
+                <a:latin typeface="微软雅黑" panose="020B0503020204020204" pitchFamily="34" charset="-122"/>
+                <a:ea typeface="微软雅黑" panose="020B0503020204020204" pitchFamily="34" charset="-122"/>
+              </a:rPr>
+              <a:t>渲染</a:t>
+            </a:r>
+            <a:r>
+              <a:rPr lang="zh-CN" altLang="en-US" sz="6000" kern="0" cap="all" dirty="0" smtClean="0">
+                <a:solidFill>
+                  <a:srgbClr val="000000"/>
+                </a:solidFill>
+                <a:latin typeface="微软雅黑" panose="020B0503020204020204" pitchFamily="34" charset="-122"/>
+                <a:ea typeface="微软雅黑" panose="020B0503020204020204" pitchFamily="34" charset="-122"/>
+              </a:rPr>
+              <a:t>循环实现举例</a:t>
+            </a:r>
+            <a:endParaRPr lang="zh-CN" altLang="en-US" sz="6000" kern="0" cap="all" dirty="0">
+              <a:solidFill>
+                <a:srgbClr val="000000"/>
+              </a:solidFill>
+              <a:latin typeface="微软雅黑" panose="020B0503020204020204" pitchFamily="34" charset="-122"/>
+              <a:ea typeface="微软雅黑" panose="020B0503020204020204" pitchFamily="34" charset="-122"/>
+            </a:endParaRPr>
           </a:p>
         </p:txBody>
       </p:sp>
@@ -12255,21 +14322,15 @@
           <p:nvPr/>
         </p:nvPicPr>
         <p:blipFill>
-          <a:blip r:embed="rId4">
-            <a:extLst>
-              <a:ext uri="{28A0092B-C50C-407E-A947-70E740481C1C}">
-                <a14:useLocalDpi xmlns:a14="http://schemas.microsoft.com/office/drawing/2010/main" val="0"/>
-              </a:ext>
-            </a:extLst>
-          </a:blip>
+          <a:blip r:embed="rId4"/>
           <a:stretch>
             <a:fillRect/>
           </a:stretch>
         </p:blipFill>
         <p:spPr>
           <a:xfrm>
-            <a:off x="14573342" y="8921506"/>
-            <a:ext cx="9739600" cy="4794494"/>
+            <a:off x="11140751" y="1073115"/>
+            <a:ext cx="13407494" cy="2881435"/>
           </a:xfrm>
           <a:prstGeom prst="rect">
             <a:avLst/>
@@ -12292,8 +14353,8 @@
         </p:blipFill>
         <p:spPr>
           <a:xfrm>
-            <a:off x="16618884" y="230084"/>
-            <a:ext cx="5648516" cy="8461339"/>
+            <a:off x="11140750" y="5027665"/>
+            <a:ext cx="13243249" cy="6606711"/>
           </a:xfrm>
           <a:prstGeom prst="rect">
             <a:avLst/>
@@ -12303,7 +14364,7 @@
     </p:spTree>
     <p:extLst>
       <p:ext uri="{BB962C8B-B14F-4D97-AF65-F5344CB8AC3E}">
-        <p14:creationId xmlns:p14="http://schemas.microsoft.com/office/powerpoint/2010/main" val="3442085749"/>
+        <p14:creationId xmlns:p14="http://schemas.microsoft.com/office/powerpoint/2010/main" val="3834064701"/>
       </p:ext>
     </p:extLst>
   </p:cSld>
@@ -12314,7 +14375,7 @@
 </p:sld>
 </file>
 
-<file path=ppt/slides/slide16.xml><?xml version="1.0" encoding="utf-8"?>
+<file path=ppt/slides/slide18.xml><?xml version="1.0" encoding="utf-8"?>
 <p:sld xmlns:a="http://schemas.openxmlformats.org/drawingml/2006/main" xmlns:r="http://schemas.openxmlformats.org/officeDocument/2006/relationships" xmlns:p="http://schemas.openxmlformats.org/presentationml/2006/main">
   <p:cSld>
     <p:bg>
@@ -13041,7 +15102,7 @@
 </p:sld>
 </file>
 
-<file path=ppt/slides/slide17.xml><?xml version="1.0" encoding="utf-8"?>
+<file path=ppt/slides/slide19.xml><?xml version="1.0" encoding="utf-8"?>
 <p:sld xmlns:a="http://schemas.openxmlformats.org/drawingml/2006/main" xmlns:r="http://schemas.openxmlformats.org/officeDocument/2006/relationships" xmlns:p="http://schemas.openxmlformats.org/presentationml/2006/main">
   <p:cSld>
     <p:bg>
@@ -13436,7 +15497,638 @@
 </p:sld>
 </file>
 
-<file path=ppt/slides/slide18.xml><?xml version="1.0" encoding="utf-8"?>
+<file path=ppt/slides/slide2.xml><?xml version="1.0" encoding="utf-8"?>
+<p:sld xmlns:a="http://schemas.openxmlformats.org/drawingml/2006/main" xmlns:r="http://schemas.openxmlformats.org/officeDocument/2006/relationships" xmlns:p="http://schemas.openxmlformats.org/presentationml/2006/main">
+  <p:cSld>
+    <p:bg>
+      <p:bgPr>
+        <a:solidFill>
+          <a:srgbClr val="F3F3F3"/>
+        </a:solidFill>
+        <a:effectLst/>
+      </p:bgPr>
+    </p:bg>
+    <p:spTree>
+      <p:nvGrpSpPr>
+        <p:cNvPr id="1" name=""/>
+        <p:cNvGrpSpPr/>
+        <p:nvPr/>
+      </p:nvGrpSpPr>
+      <p:grpSpPr>
+        <a:xfrm>
+          <a:off x="0" y="0"/>
+          <a:ext cx="0" cy="0"/>
+          <a:chOff x="0" y="0"/>
+          <a:chExt cx="0" cy="0"/>
+        </a:xfrm>
+      </p:grpSpPr>
+      <p:sp>
+        <p:nvSpPr>
+          <p:cNvPr id="377" name="Rectangle"/>
+          <p:cNvSpPr/>
+          <p:nvPr/>
+        </p:nvSpPr>
+        <p:spPr>
+          <a:xfrm>
+            <a:off x="1843701" y="0"/>
+            <a:ext cx="13057632" cy="13716000"/>
+          </a:xfrm>
+          <a:prstGeom prst="rect">
+            <a:avLst/>
+          </a:prstGeom>
+          <a:solidFill>
+            <a:schemeClr val="bg1">
+              <a:alpha val="80000"/>
+            </a:schemeClr>
+          </a:solidFill>
+          <a:ln w="12700">
+            <a:miter lim="400000"/>
+          </a:ln>
+        </p:spPr>
+        <p:txBody>
+          <a:bodyPr lIns="50800" tIns="50800" rIns="50800" bIns="50800" anchor="ctr"/>
+          <a:lstStyle/>
+          <a:p>
+            <a:pPr algn="ctr" defTabSz="825500" hangingPunct="0">
+              <a:defRPr sz="3200">
+                <a:solidFill>
+                  <a:srgbClr val="FFFFFF"/>
+                </a:solidFill>
+                <a:latin typeface="Helvetica"/>
+                <a:ea typeface="Helvetica"/>
+                <a:cs typeface="Helvetica"/>
+                <a:sym typeface="Helvetica"/>
+              </a:defRPr>
+            </a:pPr>
+            <a:endParaRPr sz="3200" kern="0" dirty="0">
+              <a:solidFill>
+                <a:srgbClr val="FFFFFF"/>
+              </a:solidFill>
+              <a:ea typeface="Helvetica"/>
+              <a:cs typeface="Helvetica"/>
+              <a:sym typeface="Helvetica"/>
+            </a:endParaRPr>
+          </a:p>
+        </p:txBody>
+      </p:sp>
+      <p:sp>
+        <p:nvSpPr>
+          <p:cNvPr id="12" name="The Picture slide"/>
+          <p:cNvSpPr txBox="1"/>
+          <p:nvPr/>
+        </p:nvSpPr>
+        <p:spPr>
+          <a:xfrm>
+            <a:off x="2706624" y="3303123"/>
+            <a:ext cx="7104888" cy="1025922"/>
+          </a:xfrm>
+          <a:prstGeom prst="rect">
+            <a:avLst/>
+          </a:prstGeom>
+          <a:ln w="12700">
+            <a:miter lim="400000"/>
+          </a:ln>
+        </p:spPr>
+        <p:txBody>
+          <a:bodyPr wrap="square" lIns="54864" tIns="50800" rIns="50800" bIns="50800" anchor="b">
+            <a:spAutoFit/>
+          </a:bodyPr>
+          <a:lstStyle>
+            <a:lvl1pPr>
+              <a:defRPr b="1">
+                <a:latin typeface="Helvetica"/>
+                <a:ea typeface="Helvetica"/>
+                <a:cs typeface="Helvetica"/>
+                <a:sym typeface="Helvetica"/>
+              </a:defRPr>
+            </a:lvl1pPr>
+          </a:lstStyle>
+          <a:p>
+            <a:pPr defTabSz="825500" hangingPunct="0"/>
+            <a:r>
+              <a:rPr lang="zh-CN" altLang="en-US" sz="6000" kern="0" cap="all" dirty="0">
+                <a:solidFill>
+                  <a:srgbClr val="000000"/>
+                </a:solidFill>
+                <a:latin typeface="微软雅黑" panose="020B0503020204020204" pitchFamily="34" charset="-122"/>
+                <a:ea typeface="微软雅黑" panose="020B0503020204020204" pitchFamily="34" charset="-122"/>
+              </a:rPr>
+              <a:t>课程内容</a:t>
+            </a:r>
+          </a:p>
+        </p:txBody>
+      </p:sp>
+      <p:sp>
+        <p:nvSpPr>
+          <p:cNvPr id="13" name="Rectangle"/>
+          <p:cNvSpPr/>
+          <p:nvPr/>
+        </p:nvSpPr>
+        <p:spPr>
+          <a:xfrm>
+            <a:off x="2724912" y="4572000"/>
+            <a:ext cx="7104888" cy="127365"/>
+          </a:xfrm>
+          <a:prstGeom prst="rect">
+            <a:avLst/>
+          </a:prstGeom>
+          <a:solidFill>
+            <a:srgbClr val="FFD966"/>
+          </a:solidFill>
+          <a:ln w="12700">
+            <a:miter lim="400000"/>
+          </a:ln>
+        </p:spPr>
+        <p:txBody>
+          <a:bodyPr lIns="50800" tIns="50800" rIns="50800" bIns="50800" anchor="ctr"/>
+          <a:lstStyle/>
+          <a:p>
+            <a:pPr algn="ctr" defTabSz="825500" hangingPunct="0">
+              <a:defRPr sz="3200">
+                <a:solidFill>
+                  <a:srgbClr val="FFFFFF"/>
+                </a:solidFill>
+                <a:latin typeface="Helvetica"/>
+                <a:ea typeface="Helvetica"/>
+                <a:cs typeface="Helvetica"/>
+                <a:sym typeface="Helvetica"/>
+              </a:defRPr>
+            </a:pPr>
+            <a:endParaRPr sz="3200" kern="0">
+              <a:solidFill>
+                <a:srgbClr val="FFFFFF"/>
+              </a:solidFill>
+              <a:ea typeface="Helvetica"/>
+              <a:cs typeface="Helvetica"/>
+              <a:sym typeface="Helvetica"/>
+            </a:endParaRPr>
+          </a:p>
+        </p:txBody>
+      </p:sp>
+      <p:pic>
+        <p:nvPicPr>
+          <p:cNvPr id="7" name="Picture 5" descr="C:\Users\ZhaoShuai\Desktop\UE5_Logo.pngUE5_Logo"/>
+          <p:cNvPicPr>
+            <a:picLocks noChangeAspect="1"/>
+          </p:cNvPicPr>
+          <p:nvPr/>
+        </p:nvPicPr>
+        <p:blipFill>
+          <a:blip r:embed="rId3"/>
+          <a:srcRect/>
+          <a:stretch>
+            <a:fillRect/>
+          </a:stretch>
+        </p:blipFill>
+        <p:spPr>
+          <a:xfrm>
+            <a:off x="21758275" y="11090275"/>
+            <a:ext cx="2625725" cy="2625725"/>
+          </a:xfrm>
+          <a:prstGeom prst="rect">
+            <a:avLst/>
+          </a:prstGeom>
+          <a:noFill/>
+        </p:spPr>
+      </p:pic>
+      <p:sp>
+        <p:nvSpPr>
+          <p:cNvPr id="8" name="You are the face that has changed my whole world. You are the face that I see everywhere I go. You are so beautiful to me that I can’t explain , Just like a green flower porcelain. You’re like a moon that I awaken to say hello, So beautiful and bright that you make me content to play it so."/>
+          <p:cNvSpPr/>
+          <p:nvPr/>
+        </p:nvSpPr>
+        <p:spPr>
+          <a:xfrm>
+            <a:off x="2706624" y="4937760"/>
+            <a:ext cx="9180576" cy="7735451"/>
+          </a:xfrm>
+          <a:prstGeom prst="rect">
+            <a:avLst/>
+          </a:prstGeom>
+          <a:ln w="12700">
+            <a:miter lim="400000"/>
+          </a:ln>
+        </p:spPr>
+        <p:txBody>
+          <a:bodyPr wrap="square" lIns="54864" tIns="50800" rIns="50800" bIns="50800" anchor="t">
+            <a:spAutoFit/>
+          </a:bodyPr>
+          <a:lstStyle>
+            <a:lvl1pPr algn="l">
+              <a:defRPr sz="2400">
+                <a:latin typeface="Helvetica"/>
+                <a:ea typeface="Helvetica"/>
+                <a:cs typeface="Helvetica"/>
+                <a:sym typeface="Helvetica"/>
+              </a:defRPr>
+            </a:lvl1pPr>
+          </a:lstStyle>
+          <a:p>
+            <a:pPr marL="457200" indent="-457200" defTabSz="825500" hangingPunct="0">
+              <a:spcBef>
+                <a:spcPts val="600"/>
+              </a:spcBef>
+              <a:spcAft>
+                <a:spcPts val="600"/>
+              </a:spcAft>
+              <a:buFont typeface="Arial" panose="020B0604020202020204" pitchFamily="34" charset="0"/>
+              <a:buChar char="•"/>
+            </a:pPr>
+            <a:r>
+              <a:rPr lang="zh-CN" altLang="en-US" sz="3600" kern="0" dirty="0">
+                <a:solidFill>
+                  <a:srgbClr val="000000"/>
+                </a:solidFill>
+                <a:latin typeface="微软雅黑 Light" panose="020B0502040204020203" pitchFamily="34" charset="-122"/>
+                <a:ea typeface="微软雅黑 Light" panose="020B0502040204020203" pitchFamily="34" charset="-122"/>
+              </a:rPr>
+              <a:t> 引擎概要</a:t>
+            </a:r>
+            <a:endParaRPr lang="en-US" altLang="zh-CN" sz="3600" kern="0" dirty="0">
+              <a:solidFill>
+                <a:srgbClr val="000000"/>
+              </a:solidFill>
+              <a:latin typeface="微软雅黑 Light" panose="020B0502040204020203" pitchFamily="34" charset="-122"/>
+              <a:ea typeface="微软雅黑 Light" panose="020B0502040204020203" pitchFamily="34" charset="-122"/>
+            </a:endParaRPr>
+          </a:p>
+          <a:p>
+            <a:pPr marL="457200" indent="-457200" defTabSz="825500" hangingPunct="0">
+              <a:spcBef>
+                <a:spcPts val="600"/>
+              </a:spcBef>
+              <a:spcAft>
+                <a:spcPts val="600"/>
+              </a:spcAft>
+              <a:buFont typeface="Arial" panose="020B0604020202020204" pitchFamily="34" charset="0"/>
+              <a:buChar char="•"/>
+            </a:pPr>
+            <a:r>
+              <a:rPr lang="zh-CN" altLang="en-US" sz="3600" kern="0" dirty="0">
+                <a:solidFill>
+                  <a:srgbClr val="000000"/>
+                </a:solidFill>
+                <a:latin typeface="微软雅黑 Light" panose="020B0502040204020203" pitchFamily="34" charset="-122"/>
+                <a:ea typeface="微软雅黑 Light" panose="020B0502040204020203" pitchFamily="34" charset="-122"/>
+              </a:rPr>
+              <a:t> 游戏循环</a:t>
+            </a:r>
+            <a:endParaRPr lang="en-US" altLang="zh-CN" sz="3600" kern="0" dirty="0">
+              <a:solidFill>
+                <a:srgbClr val="000000"/>
+              </a:solidFill>
+              <a:latin typeface="微软雅黑 Light" panose="020B0502040204020203" pitchFamily="34" charset="-122"/>
+              <a:ea typeface="微软雅黑 Light" panose="020B0502040204020203" pitchFamily="34" charset="-122"/>
+            </a:endParaRPr>
+          </a:p>
+          <a:p>
+            <a:pPr marL="1828800" lvl="1" indent="-914400" defTabSz="825500" hangingPunct="0">
+              <a:spcBef>
+                <a:spcPts val="600"/>
+              </a:spcBef>
+              <a:spcAft>
+                <a:spcPts val="600"/>
+              </a:spcAft>
+              <a:buFont typeface="Wingdings" panose="05000000000000000000" pitchFamily="2" charset="2"/>
+              <a:buChar char="ü"/>
+            </a:pPr>
+            <a:r>
+              <a:rPr lang="zh-CN" altLang="en-US" kern="0" dirty="0">
+                <a:solidFill>
+                  <a:srgbClr val="000000"/>
+                </a:solidFill>
+                <a:latin typeface="微软雅黑 Light" panose="020B0502040204020203" pitchFamily="34" charset="-122"/>
+                <a:ea typeface="微软雅黑 Light" panose="020B0502040204020203" pitchFamily="34" charset="-122"/>
+              </a:rPr>
+              <a:t>游戏循环</a:t>
+            </a:r>
+            <a:endParaRPr lang="en-US" altLang="zh-CN" kern="0" dirty="0">
+              <a:solidFill>
+                <a:srgbClr val="000000"/>
+              </a:solidFill>
+              <a:latin typeface="微软雅黑 Light" panose="020B0502040204020203" pitchFamily="34" charset="-122"/>
+              <a:ea typeface="微软雅黑 Light" panose="020B0502040204020203" pitchFamily="34" charset="-122"/>
+            </a:endParaRPr>
+          </a:p>
+          <a:p>
+            <a:pPr marL="1828800" lvl="1" indent="-914400" defTabSz="825500" hangingPunct="0">
+              <a:spcBef>
+                <a:spcPts val="600"/>
+              </a:spcBef>
+              <a:spcAft>
+                <a:spcPts val="600"/>
+              </a:spcAft>
+              <a:buFont typeface="Wingdings" panose="05000000000000000000" pitchFamily="2" charset="2"/>
+              <a:buChar char="ü"/>
+            </a:pPr>
+            <a:r>
+              <a:rPr lang="zh-CN" altLang="en-US" kern="0" dirty="0">
+                <a:solidFill>
+                  <a:srgbClr val="000000"/>
+                </a:solidFill>
+                <a:latin typeface="微软雅黑 Light" panose="020B0502040204020203" pitchFamily="34" charset="-122"/>
+                <a:ea typeface="微软雅黑 Light" panose="020B0502040204020203" pitchFamily="34" charset="-122"/>
+              </a:rPr>
+              <a:t>渲染循环</a:t>
+            </a:r>
+            <a:endParaRPr lang="en-US" altLang="zh-CN" kern="0" dirty="0">
+              <a:solidFill>
+                <a:srgbClr val="000000"/>
+              </a:solidFill>
+              <a:latin typeface="微软雅黑 Light" panose="020B0502040204020203" pitchFamily="34" charset="-122"/>
+              <a:ea typeface="微软雅黑 Light" panose="020B0502040204020203" pitchFamily="34" charset="-122"/>
+            </a:endParaRPr>
+          </a:p>
+          <a:p>
+            <a:pPr marL="571500" indent="-571500" defTabSz="825500" hangingPunct="0">
+              <a:spcBef>
+                <a:spcPts val="600"/>
+              </a:spcBef>
+              <a:spcAft>
+                <a:spcPts val="600"/>
+              </a:spcAft>
+              <a:buFont typeface="Arial" panose="020B0604020202020204" pitchFamily="34" charset="0"/>
+              <a:buChar char="•"/>
+            </a:pPr>
+            <a:r>
+              <a:rPr lang="zh-CN" altLang="en-US" sz="3600" kern="0" dirty="0">
+                <a:solidFill>
+                  <a:srgbClr val="000000"/>
+                </a:solidFill>
+                <a:latin typeface="微软雅黑 Light" panose="020B0502040204020203" pitchFamily="34" charset="-122"/>
+                <a:ea typeface="微软雅黑 Light" panose="020B0502040204020203" pitchFamily="34" charset="-122"/>
+              </a:rPr>
+              <a:t>多线程</a:t>
+            </a:r>
+            <a:endParaRPr lang="en-US" altLang="zh-CN" sz="3600" kern="0" dirty="0">
+              <a:solidFill>
+                <a:srgbClr val="000000"/>
+              </a:solidFill>
+              <a:latin typeface="微软雅黑 Light" panose="020B0502040204020203" pitchFamily="34" charset="-122"/>
+              <a:ea typeface="微软雅黑 Light" panose="020B0502040204020203" pitchFamily="34" charset="-122"/>
+            </a:endParaRPr>
+          </a:p>
+          <a:p>
+            <a:pPr marL="1485900" lvl="1" indent="-571500" defTabSz="825500" hangingPunct="0">
+              <a:spcBef>
+                <a:spcPts val="600"/>
+              </a:spcBef>
+              <a:spcAft>
+                <a:spcPts val="600"/>
+              </a:spcAft>
+              <a:buFont typeface="Wingdings" panose="05000000000000000000" pitchFamily="2" charset="2"/>
+              <a:buChar char="ü"/>
+            </a:pPr>
+            <a:r>
+              <a:rPr lang="en-US" altLang="zh-CN" kern="0" dirty="0">
+                <a:solidFill>
+                  <a:srgbClr val="000000"/>
+                </a:solidFill>
+                <a:latin typeface="微软雅黑 Light" panose="020B0502040204020203" pitchFamily="34" charset="-122"/>
+                <a:ea typeface="微软雅黑 Light" panose="020B0502040204020203" pitchFamily="34" charset="-122"/>
+              </a:rPr>
+              <a:t>   </a:t>
+            </a:r>
+            <a:r>
+              <a:rPr lang="zh-CN" altLang="en-US" kern="0" dirty="0">
+                <a:solidFill>
+                  <a:srgbClr val="000000"/>
+                </a:solidFill>
+                <a:latin typeface="微软雅黑 Light" panose="020B0502040204020203" pitchFamily="34" charset="-122"/>
+                <a:ea typeface="微软雅黑 Light" panose="020B0502040204020203" pitchFamily="34" charset="-122"/>
+              </a:rPr>
+              <a:t>为什么要用多线程</a:t>
+            </a:r>
+            <a:r>
+              <a:rPr lang="zh-CN" altLang="en-US" kern="0" dirty="0" smtClean="0">
+                <a:solidFill>
+                  <a:srgbClr val="000000"/>
+                </a:solidFill>
+                <a:latin typeface="微软雅黑 Light" panose="020B0502040204020203" pitchFamily="34" charset="-122"/>
+                <a:ea typeface="微软雅黑 Light" panose="020B0502040204020203" pitchFamily="34" charset="-122"/>
+              </a:rPr>
+              <a:t>？</a:t>
+            </a:r>
+            <a:endParaRPr lang="en-US" altLang="zh-CN" kern="0" dirty="0" smtClean="0">
+              <a:solidFill>
+                <a:srgbClr val="000000"/>
+              </a:solidFill>
+              <a:latin typeface="微软雅黑 Light" panose="020B0502040204020203" pitchFamily="34" charset="-122"/>
+              <a:ea typeface="微软雅黑 Light" panose="020B0502040204020203" pitchFamily="34" charset="-122"/>
+            </a:endParaRPr>
+          </a:p>
+          <a:p>
+            <a:pPr marL="1485900" lvl="1" indent="-571500" defTabSz="825500" hangingPunct="0">
+              <a:spcBef>
+                <a:spcPts val="600"/>
+              </a:spcBef>
+              <a:spcAft>
+                <a:spcPts val="600"/>
+              </a:spcAft>
+              <a:buFont typeface="Wingdings" panose="05000000000000000000" pitchFamily="2" charset="2"/>
+              <a:buChar char="ü"/>
+            </a:pPr>
+            <a:r>
+              <a:rPr lang="en-US" altLang="zh-CN" kern="0" dirty="0">
+                <a:solidFill>
+                  <a:srgbClr val="000000"/>
+                </a:solidFill>
+                <a:latin typeface="微软雅黑 Light" panose="020B0502040204020203" pitchFamily="34" charset="-122"/>
+                <a:ea typeface="微软雅黑 Light" panose="020B0502040204020203" pitchFamily="34" charset="-122"/>
+              </a:rPr>
+              <a:t> </a:t>
+            </a:r>
+            <a:r>
+              <a:rPr lang="en-US" altLang="zh-CN" kern="0" dirty="0" smtClean="0">
+                <a:solidFill>
+                  <a:srgbClr val="000000"/>
+                </a:solidFill>
+                <a:latin typeface="微软雅黑 Light" panose="020B0502040204020203" pitchFamily="34" charset="-122"/>
+                <a:ea typeface="微软雅黑 Light" panose="020B0502040204020203" pitchFamily="34" charset="-122"/>
+              </a:rPr>
+              <a:t>  </a:t>
+            </a:r>
+            <a:r>
+              <a:rPr lang="zh-CN" altLang="en-US" kern="0" dirty="0" smtClean="0">
+                <a:solidFill>
+                  <a:srgbClr val="000000"/>
+                </a:solidFill>
+                <a:latin typeface="微软雅黑 Light" panose="020B0502040204020203" pitchFamily="34" charset="-122"/>
+                <a:ea typeface="微软雅黑 Light" panose="020B0502040204020203" pitchFamily="34" charset="-122"/>
+              </a:rPr>
+              <a:t>线程同步划分</a:t>
+            </a:r>
+            <a:endParaRPr lang="en-US" altLang="zh-CN" kern="0" dirty="0">
+              <a:solidFill>
+                <a:srgbClr val="000000"/>
+              </a:solidFill>
+              <a:latin typeface="微软雅黑 Light" panose="020B0502040204020203" pitchFamily="34" charset="-122"/>
+              <a:ea typeface="微软雅黑 Light" panose="020B0502040204020203" pitchFamily="34" charset="-122"/>
+            </a:endParaRPr>
+          </a:p>
+          <a:p>
+            <a:pPr marL="1485900" lvl="1" indent="-571500" defTabSz="825500" hangingPunct="0">
+              <a:spcBef>
+                <a:spcPts val="600"/>
+              </a:spcBef>
+              <a:spcAft>
+                <a:spcPts val="600"/>
+              </a:spcAft>
+              <a:buFont typeface="Wingdings" panose="05000000000000000000" pitchFamily="2" charset="2"/>
+              <a:buChar char="ü"/>
+            </a:pPr>
+            <a:r>
+              <a:rPr lang="en-US" altLang="zh-CN" kern="0" dirty="0">
+                <a:solidFill>
+                  <a:srgbClr val="000000"/>
+                </a:solidFill>
+                <a:latin typeface="微软雅黑 Light" panose="020B0502040204020203" pitchFamily="34" charset="-122"/>
+                <a:ea typeface="微软雅黑 Light" panose="020B0502040204020203" pitchFamily="34" charset="-122"/>
+              </a:rPr>
+              <a:t>   </a:t>
+            </a:r>
+            <a:r>
+              <a:rPr lang="zh-CN" altLang="en-US" kern="0" dirty="0" smtClean="0">
+                <a:solidFill>
+                  <a:srgbClr val="000000"/>
+                </a:solidFill>
+                <a:latin typeface="微软雅黑 Light" panose="020B0502040204020203" pitchFamily="34" charset="-122"/>
+                <a:ea typeface="微软雅黑 Light" panose="020B0502040204020203" pitchFamily="34" charset="-122"/>
+              </a:rPr>
+              <a:t>线程同步</a:t>
+            </a:r>
+            <a:r>
+              <a:rPr lang="zh-CN" altLang="en-US" kern="0" dirty="0">
+                <a:solidFill>
+                  <a:srgbClr val="000000"/>
+                </a:solidFill>
+                <a:latin typeface="微软雅黑 Light" panose="020B0502040204020203" pitchFamily="34" charset="-122"/>
+                <a:ea typeface="微软雅黑 Light" panose="020B0502040204020203" pitchFamily="34" charset="-122"/>
+              </a:rPr>
+              <a:t>方法</a:t>
+            </a:r>
+            <a:endParaRPr lang="en-US" altLang="zh-CN" kern="0" dirty="0">
+              <a:solidFill>
+                <a:srgbClr val="000000"/>
+              </a:solidFill>
+              <a:latin typeface="微软雅黑 Light" panose="020B0502040204020203" pitchFamily="34" charset="-122"/>
+              <a:ea typeface="微软雅黑 Light" panose="020B0502040204020203" pitchFamily="34" charset="-122"/>
+            </a:endParaRPr>
+          </a:p>
+          <a:p>
+            <a:pPr marL="1485900" lvl="1" indent="-571500" defTabSz="825500" hangingPunct="0">
+              <a:spcBef>
+                <a:spcPts val="600"/>
+              </a:spcBef>
+              <a:spcAft>
+                <a:spcPts val="600"/>
+              </a:spcAft>
+              <a:buFont typeface="Wingdings" panose="05000000000000000000" pitchFamily="2" charset="2"/>
+              <a:buChar char="ü"/>
+            </a:pPr>
+            <a:r>
+              <a:rPr lang="en-US" altLang="zh-CN" kern="0" dirty="0">
+                <a:solidFill>
+                  <a:srgbClr val="000000"/>
+                </a:solidFill>
+                <a:latin typeface="微软雅黑 Light" panose="020B0502040204020203" pitchFamily="34" charset="-122"/>
+                <a:ea typeface="微软雅黑 Light" panose="020B0502040204020203" pitchFamily="34" charset="-122"/>
+              </a:rPr>
+              <a:t>   </a:t>
+            </a:r>
+            <a:r>
+              <a:rPr lang="zh-CN" altLang="en-US" kern="0" dirty="0">
+                <a:solidFill>
+                  <a:srgbClr val="000000"/>
+                </a:solidFill>
+                <a:latin typeface="微软雅黑 Light" panose="020B0502040204020203" pitchFamily="34" charset="-122"/>
+                <a:ea typeface="微软雅黑 Light" panose="020B0502040204020203" pitchFamily="34" charset="-122"/>
+              </a:rPr>
+              <a:t>虚幻游戏线程与渲染线程同步</a:t>
+            </a:r>
+            <a:endParaRPr lang="en-US" altLang="zh-CN" kern="0" dirty="0">
+              <a:solidFill>
+                <a:srgbClr val="000000"/>
+              </a:solidFill>
+              <a:latin typeface="微软雅黑 Light" panose="020B0502040204020203" pitchFamily="34" charset="-122"/>
+              <a:ea typeface="微软雅黑 Light" panose="020B0502040204020203" pitchFamily="34" charset="-122"/>
+            </a:endParaRPr>
+          </a:p>
+          <a:p>
+            <a:pPr marL="457200" indent="-457200" defTabSz="825500" hangingPunct="0">
+              <a:spcBef>
+                <a:spcPts val="600"/>
+              </a:spcBef>
+              <a:spcAft>
+                <a:spcPts val="600"/>
+              </a:spcAft>
+              <a:buFont typeface="Arial" panose="020B0604020202020204" pitchFamily="34" charset="0"/>
+              <a:buChar char="•"/>
+            </a:pPr>
+            <a:r>
+              <a:rPr lang="zh-CN" altLang="en-US" sz="3600" kern="0" dirty="0">
+                <a:solidFill>
+                  <a:srgbClr val="000000"/>
+                </a:solidFill>
+                <a:latin typeface="微软雅黑 Light" panose="020B0502040204020203" pitchFamily="34" charset="-122"/>
+                <a:ea typeface="微软雅黑 Light" panose="020B0502040204020203" pitchFamily="34" charset="-122"/>
+              </a:rPr>
+              <a:t> 子系统设计</a:t>
+            </a:r>
+            <a:endParaRPr lang="en-US" altLang="zh-CN" sz="3600" kern="0" dirty="0">
+              <a:solidFill>
+                <a:srgbClr val="000000"/>
+              </a:solidFill>
+              <a:latin typeface="微软雅黑 Light" panose="020B0502040204020203" pitchFamily="34" charset="-122"/>
+              <a:ea typeface="微软雅黑 Light" panose="020B0502040204020203" pitchFamily="34" charset="-122"/>
+            </a:endParaRPr>
+          </a:p>
+          <a:p>
+            <a:pPr marL="1485900" lvl="1" indent="-571500" defTabSz="825500" hangingPunct="0">
+              <a:spcBef>
+                <a:spcPts val="600"/>
+              </a:spcBef>
+              <a:spcAft>
+                <a:spcPts val="600"/>
+              </a:spcAft>
+              <a:buFont typeface="Wingdings" panose="05000000000000000000" pitchFamily="2" charset="2"/>
+              <a:buChar char="ü"/>
+            </a:pPr>
+            <a:r>
+              <a:rPr lang="zh-CN" altLang="en-US" kern="0" dirty="0">
+                <a:solidFill>
+                  <a:srgbClr val="000000"/>
+                </a:solidFill>
+                <a:latin typeface="微软雅黑 Light" panose="020B0502040204020203" pitchFamily="34" charset="-122"/>
+                <a:ea typeface="微软雅黑 Light" panose="020B0502040204020203" pitchFamily="34" charset="-122"/>
+              </a:rPr>
+              <a:t>   资产管理应用举例</a:t>
+            </a:r>
+            <a:endParaRPr lang="en-US" altLang="zh-CN" kern="0" dirty="0">
+              <a:solidFill>
+                <a:srgbClr val="000000"/>
+              </a:solidFill>
+              <a:latin typeface="微软雅黑 Light" panose="020B0502040204020203" pitchFamily="34" charset="-122"/>
+              <a:ea typeface="微软雅黑 Light" panose="020B0502040204020203" pitchFamily="34" charset="-122"/>
+            </a:endParaRPr>
+          </a:p>
+        </p:txBody>
+      </p:sp>
+    </p:spTree>
+    <p:extLst>
+      <p:ext uri="{BB962C8B-B14F-4D97-AF65-F5344CB8AC3E}">
+        <p14:creationId xmlns:p14="http://schemas.microsoft.com/office/powerpoint/2010/main" val="3706959583"/>
+      </p:ext>
+    </p:extLst>
+  </p:cSld>
+  <p:clrMapOvr>
+    <a:masterClrMapping/>
+  </p:clrMapOvr>
+  <p:transition spd="med"/>
+</p:sld>
+</file>
+
+<file path=ppt/slides/slide20.xml><?xml version="1.0" encoding="utf-8"?>
 <p:sld xmlns:a="http://schemas.openxmlformats.org/drawingml/2006/main" xmlns:r="http://schemas.openxmlformats.org/officeDocument/2006/relationships" xmlns:p="http://schemas.openxmlformats.org/presentationml/2006/main">
   <p:cSld>
     <p:bg>
@@ -13585,7 +16277,7 @@
 </p:sld>
 </file>
 
-<file path=ppt/slides/slide19.xml><?xml version="1.0" encoding="utf-8"?>
+<file path=ppt/slides/slide21.xml><?xml version="1.0" encoding="utf-8"?>
 <p:sld xmlns:a="http://schemas.openxmlformats.org/drawingml/2006/main" xmlns:r="http://schemas.openxmlformats.org/officeDocument/2006/relationships" xmlns:p="http://schemas.openxmlformats.org/presentationml/2006/main">
   <p:cSld>
     <p:bg>
@@ -13798,7 +16490,18 @@
                 <a:ea typeface="微软雅黑 Light" panose="020B0502040204020203" pitchFamily="34" charset="-122"/>
                 <a:sym typeface="Helvetica Light"/>
               </a:rPr>
-              <a:t>利用率，</a:t>
+              <a:t>利用率，减轻图形</a:t>
+            </a:r>
+            <a:r>
+              <a:rPr lang="en-US" altLang="zh-CN" b="0" dirty="0" smtClean="0">
+                <a:solidFill>
+                  <a:srgbClr val="000000"/>
+                </a:solidFill>
+                <a:latin typeface="微软雅黑 Light" panose="020B0502040204020203" pitchFamily="34" charset="-122"/>
+                <a:ea typeface="微软雅黑 Light" panose="020B0502040204020203" pitchFamily="34" charset="-122"/>
+                <a:sym typeface="Helvetica Light"/>
+              </a:rPr>
+              <a:t>API</a:t>
             </a:r>
             <a:r>
               <a:rPr lang="zh-CN" altLang="en-US" b="0" dirty="0" smtClean="0">
@@ -13809,40 +16512,7 @@
                 <a:ea typeface="微软雅黑 Light" panose="020B0502040204020203" pitchFamily="34" charset="-122"/>
                 <a:sym typeface="Helvetica Light"/>
               </a:rPr>
-              <a:t>减轻图形</a:t>
-            </a:r>
-            <a:r>
-              <a:rPr lang="en-US" altLang="zh-CN" b="0" dirty="0" smtClean="0">
-                <a:solidFill>
-                  <a:srgbClr val="000000"/>
-                </a:solidFill>
-                <a:latin typeface="微软雅黑 Light" panose="020B0502040204020203" pitchFamily="34" charset="-122"/>
-                <a:ea typeface="微软雅黑 Light" panose="020B0502040204020203" pitchFamily="34" charset="-122"/>
-                <a:sym typeface="Helvetica Light"/>
-              </a:rPr>
-              <a:t>API</a:t>
-            </a:r>
-            <a:r>
-              <a:rPr lang="zh-CN" altLang="en-US" b="0" dirty="0" smtClean="0">
-                <a:solidFill>
-                  <a:srgbClr val="000000"/>
-                </a:solidFill>
-                <a:latin typeface="微软雅黑 Light" panose="020B0502040204020203" pitchFamily="34" charset="-122"/>
-                <a:ea typeface="微软雅黑 Light" panose="020B0502040204020203" pitchFamily="34" charset="-122"/>
-                <a:sym typeface="Helvetica Light"/>
-              </a:rPr>
-              <a:t>调用带来的卡顿</a:t>
-            </a:r>
-            <a:r>
-              <a:rPr lang="zh-CN" altLang="en-US" b="0" dirty="0" smtClean="0">
-                <a:solidFill>
-                  <a:srgbClr val="000000"/>
-                </a:solidFill>
-                <a:latin typeface="微软雅黑 Light" panose="020B0502040204020203" pitchFamily="34" charset="-122"/>
-                <a:ea typeface="微软雅黑 Light" panose="020B0502040204020203" pitchFamily="34" charset="-122"/>
-                <a:sym typeface="Helvetica Light"/>
-              </a:rPr>
-              <a:t>，使游戏运行更流畅。</a:t>
+              <a:t>调用带来的卡顿，使游戏运行更流畅。</a:t>
             </a:r>
             <a:endParaRPr lang="en-US" altLang="zh-CN" b="0" dirty="0" smtClean="0">
               <a:solidFill>
@@ -14034,13 +16704,6 @@
               </a:rPr>
               <a:t>为什么要用多线程</a:t>
             </a:r>
-            <a:endParaRPr lang="zh-CN" altLang="en-US" sz="6000" kern="0" cap="all" dirty="0">
-              <a:solidFill>
-                <a:srgbClr val="000000"/>
-              </a:solidFill>
-              <a:latin typeface="微软雅黑" panose="020B0503020204020204" pitchFamily="34" charset="-122"/>
-              <a:ea typeface="微软雅黑" panose="020B0503020204020204" pitchFamily="34" charset="-122"/>
-            </a:endParaRPr>
           </a:p>
         </p:txBody>
       </p:sp>
@@ -14148,569 +16811,7 @@
 </p:sld>
 </file>
 
-<file path=ppt/slides/slide2.xml><?xml version="1.0" encoding="utf-8"?>
-<p:sld xmlns:a="http://schemas.openxmlformats.org/drawingml/2006/main" xmlns:r="http://schemas.openxmlformats.org/officeDocument/2006/relationships" xmlns:p="http://schemas.openxmlformats.org/presentationml/2006/main">
-  <p:cSld>
-    <p:bg>
-      <p:bgPr>
-        <a:solidFill>
-          <a:srgbClr val="F3F3F3"/>
-        </a:solidFill>
-        <a:effectLst/>
-      </p:bgPr>
-    </p:bg>
-    <p:spTree>
-      <p:nvGrpSpPr>
-        <p:cNvPr id="1" name=""/>
-        <p:cNvGrpSpPr/>
-        <p:nvPr/>
-      </p:nvGrpSpPr>
-      <p:grpSpPr>
-        <a:xfrm>
-          <a:off x="0" y="0"/>
-          <a:ext cx="0" cy="0"/>
-          <a:chOff x="0" y="0"/>
-          <a:chExt cx="0" cy="0"/>
-        </a:xfrm>
-      </p:grpSpPr>
-      <p:sp>
-        <p:nvSpPr>
-          <p:cNvPr id="377" name="Rectangle"/>
-          <p:cNvSpPr/>
-          <p:nvPr/>
-        </p:nvSpPr>
-        <p:spPr>
-          <a:xfrm>
-            <a:off x="1843701" y="0"/>
-            <a:ext cx="13057632" cy="13716000"/>
-          </a:xfrm>
-          <a:prstGeom prst="rect">
-            <a:avLst/>
-          </a:prstGeom>
-          <a:solidFill>
-            <a:schemeClr val="bg1">
-              <a:alpha val="80000"/>
-            </a:schemeClr>
-          </a:solidFill>
-          <a:ln w="12700">
-            <a:miter lim="400000"/>
-          </a:ln>
-        </p:spPr>
-        <p:txBody>
-          <a:bodyPr lIns="50800" tIns="50800" rIns="50800" bIns="50800" anchor="ctr"/>
-          <a:lstStyle/>
-          <a:p>
-            <a:pPr algn="ctr" defTabSz="825500" hangingPunct="0">
-              <a:defRPr sz="3200">
-                <a:solidFill>
-                  <a:srgbClr val="FFFFFF"/>
-                </a:solidFill>
-                <a:latin typeface="Helvetica"/>
-                <a:ea typeface="Helvetica"/>
-                <a:cs typeface="Helvetica"/>
-                <a:sym typeface="Helvetica"/>
-              </a:defRPr>
-            </a:pPr>
-            <a:endParaRPr sz="3200" kern="0" dirty="0">
-              <a:solidFill>
-                <a:srgbClr val="FFFFFF"/>
-              </a:solidFill>
-              <a:ea typeface="Helvetica"/>
-              <a:cs typeface="Helvetica"/>
-              <a:sym typeface="Helvetica"/>
-            </a:endParaRPr>
-          </a:p>
-        </p:txBody>
-      </p:sp>
-      <p:sp>
-        <p:nvSpPr>
-          <p:cNvPr id="12" name="The Picture slide"/>
-          <p:cNvSpPr txBox="1"/>
-          <p:nvPr/>
-        </p:nvSpPr>
-        <p:spPr>
-          <a:xfrm>
-            <a:off x="2706624" y="3303123"/>
-            <a:ext cx="7104888" cy="1025922"/>
-          </a:xfrm>
-          <a:prstGeom prst="rect">
-            <a:avLst/>
-          </a:prstGeom>
-          <a:ln w="12700">
-            <a:miter lim="400000"/>
-          </a:ln>
-        </p:spPr>
-        <p:txBody>
-          <a:bodyPr wrap="square" lIns="54864" tIns="50800" rIns="50800" bIns="50800" anchor="b">
-            <a:spAutoFit/>
-          </a:bodyPr>
-          <a:lstStyle>
-            <a:lvl1pPr>
-              <a:defRPr b="1">
-                <a:latin typeface="Helvetica"/>
-                <a:ea typeface="Helvetica"/>
-                <a:cs typeface="Helvetica"/>
-                <a:sym typeface="Helvetica"/>
-              </a:defRPr>
-            </a:lvl1pPr>
-          </a:lstStyle>
-          <a:p>
-            <a:pPr defTabSz="825500" hangingPunct="0"/>
-            <a:r>
-              <a:rPr lang="zh-CN" altLang="en-US" sz="6000" kern="0" cap="all" dirty="0">
-                <a:solidFill>
-                  <a:srgbClr val="000000"/>
-                </a:solidFill>
-                <a:latin typeface="微软雅黑" panose="020B0503020204020204" pitchFamily="34" charset="-122"/>
-                <a:ea typeface="微软雅黑" panose="020B0503020204020204" pitchFamily="34" charset="-122"/>
-              </a:rPr>
-              <a:t>课程内容</a:t>
-            </a:r>
-          </a:p>
-        </p:txBody>
-      </p:sp>
-      <p:sp>
-        <p:nvSpPr>
-          <p:cNvPr id="13" name="Rectangle"/>
-          <p:cNvSpPr/>
-          <p:nvPr/>
-        </p:nvSpPr>
-        <p:spPr>
-          <a:xfrm>
-            <a:off x="2724912" y="4572000"/>
-            <a:ext cx="7104888" cy="127365"/>
-          </a:xfrm>
-          <a:prstGeom prst="rect">
-            <a:avLst/>
-          </a:prstGeom>
-          <a:solidFill>
-            <a:srgbClr val="FFD966"/>
-          </a:solidFill>
-          <a:ln w="12700">
-            <a:miter lim="400000"/>
-          </a:ln>
-        </p:spPr>
-        <p:txBody>
-          <a:bodyPr lIns="50800" tIns="50800" rIns="50800" bIns="50800" anchor="ctr"/>
-          <a:lstStyle/>
-          <a:p>
-            <a:pPr algn="ctr" defTabSz="825500" hangingPunct="0">
-              <a:defRPr sz="3200">
-                <a:solidFill>
-                  <a:srgbClr val="FFFFFF"/>
-                </a:solidFill>
-                <a:latin typeface="Helvetica"/>
-                <a:ea typeface="Helvetica"/>
-                <a:cs typeface="Helvetica"/>
-                <a:sym typeface="Helvetica"/>
-              </a:defRPr>
-            </a:pPr>
-            <a:endParaRPr sz="3200" kern="0">
-              <a:solidFill>
-                <a:srgbClr val="FFFFFF"/>
-              </a:solidFill>
-              <a:ea typeface="Helvetica"/>
-              <a:cs typeface="Helvetica"/>
-              <a:sym typeface="Helvetica"/>
-            </a:endParaRPr>
-          </a:p>
-        </p:txBody>
-      </p:sp>
-      <p:pic>
-        <p:nvPicPr>
-          <p:cNvPr id="7" name="Picture 5" descr="C:\Users\ZhaoShuai\Desktop\UE5_Logo.pngUE5_Logo"/>
-          <p:cNvPicPr>
-            <a:picLocks noChangeAspect="1"/>
-          </p:cNvPicPr>
-          <p:nvPr/>
-        </p:nvPicPr>
-        <p:blipFill>
-          <a:blip r:embed="rId3"/>
-          <a:srcRect/>
-          <a:stretch>
-            <a:fillRect/>
-          </a:stretch>
-        </p:blipFill>
-        <p:spPr>
-          <a:xfrm>
-            <a:off x="21758275" y="11090275"/>
-            <a:ext cx="2625725" cy="2625725"/>
-          </a:xfrm>
-          <a:prstGeom prst="rect">
-            <a:avLst/>
-          </a:prstGeom>
-          <a:noFill/>
-        </p:spPr>
-      </p:pic>
-      <p:sp>
-        <p:nvSpPr>
-          <p:cNvPr id="8" name="You are the face that has changed my whole world. You are the face that I see everywhere I go. You are so beautiful to me that I can’t explain , Just like a green flower porcelain. You’re like a moon that I awaken to say hello, So beautiful and bright that you make me content to play it so."/>
-          <p:cNvSpPr/>
-          <p:nvPr/>
-        </p:nvSpPr>
-        <p:spPr>
-          <a:xfrm>
-            <a:off x="2706624" y="4937760"/>
-            <a:ext cx="9180576" cy="7027565"/>
-          </a:xfrm>
-          <a:prstGeom prst="rect">
-            <a:avLst/>
-          </a:prstGeom>
-          <a:ln w="12700">
-            <a:miter lim="400000"/>
-          </a:ln>
-        </p:spPr>
-        <p:txBody>
-          <a:bodyPr wrap="square" lIns="54864" tIns="50800" rIns="50800" bIns="50800" anchor="t">
-            <a:spAutoFit/>
-          </a:bodyPr>
-          <a:lstStyle>
-            <a:lvl1pPr algn="l">
-              <a:defRPr sz="2400">
-                <a:latin typeface="Helvetica"/>
-                <a:ea typeface="Helvetica"/>
-                <a:cs typeface="Helvetica"/>
-                <a:sym typeface="Helvetica"/>
-              </a:defRPr>
-            </a:lvl1pPr>
-          </a:lstStyle>
-          <a:p>
-            <a:pPr marL="457200" indent="-457200" defTabSz="825500" hangingPunct="0">
-              <a:spcBef>
-                <a:spcPts val="600"/>
-              </a:spcBef>
-              <a:spcAft>
-                <a:spcPts val="600"/>
-              </a:spcAft>
-              <a:buFont typeface="Arial" panose="020B0604020202020204" pitchFamily="34" charset="0"/>
-              <a:buChar char="•"/>
-            </a:pPr>
-            <a:r>
-              <a:rPr lang="zh-CN" altLang="en-US" sz="3600" kern="0" dirty="0">
-                <a:solidFill>
-                  <a:srgbClr val="000000"/>
-                </a:solidFill>
-                <a:latin typeface="微软雅黑 Light" panose="020B0502040204020203" pitchFamily="34" charset="-122"/>
-                <a:ea typeface="微软雅黑 Light" panose="020B0502040204020203" pitchFamily="34" charset="-122"/>
-              </a:rPr>
-              <a:t> 引擎概要</a:t>
-            </a:r>
-            <a:endParaRPr lang="en-US" altLang="zh-CN" sz="3600" kern="0" dirty="0">
-              <a:solidFill>
-                <a:srgbClr val="000000"/>
-              </a:solidFill>
-              <a:latin typeface="微软雅黑 Light" panose="020B0502040204020203" pitchFamily="34" charset="-122"/>
-              <a:ea typeface="微软雅黑 Light" panose="020B0502040204020203" pitchFamily="34" charset="-122"/>
-            </a:endParaRPr>
-          </a:p>
-          <a:p>
-            <a:pPr marL="457200" indent="-457200" defTabSz="825500" hangingPunct="0">
-              <a:spcBef>
-                <a:spcPts val="600"/>
-              </a:spcBef>
-              <a:spcAft>
-                <a:spcPts val="600"/>
-              </a:spcAft>
-              <a:buFont typeface="Arial" panose="020B0604020202020204" pitchFamily="34" charset="0"/>
-              <a:buChar char="•"/>
-            </a:pPr>
-            <a:r>
-              <a:rPr lang="zh-CN" altLang="en-US" sz="3600" kern="0" dirty="0">
-                <a:solidFill>
-                  <a:srgbClr val="000000"/>
-                </a:solidFill>
-                <a:latin typeface="微软雅黑 Light" panose="020B0502040204020203" pitchFamily="34" charset="-122"/>
-                <a:ea typeface="微软雅黑 Light" panose="020B0502040204020203" pitchFamily="34" charset="-122"/>
-              </a:rPr>
-              <a:t> 游戏循环</a:t>
-            </a:r>
-            <a:endParaRPr lang="en-US" altLang="zh-CN" sz="3600" kern="0" dirty="0">
-              <a:solidFill>
-                <a:srgbClr val="000000"/>
-              </a:solidFill>
-              <a:latin typeface="微软雅黑 Light" panose="020B0502040204020203" pitchFamily="34" charset="-122"/>
-              <a:ea typeface="微软雅黑 Light" panose="020B0502040204020203" pitchFamily="34" charset="-122"/>
-            </a:endParaRPr>
-          </a:p>
-          <a:p>
-            <a:pPr marL="1828800" lvl="1" indent="-914400" defTabSz="825500" hangingPunct="0">
-              <a:spcBef>
-                <a:spcPts val="600"/>
-              </a:spcBef>
-              <a:spcAft>
-                <a:spcPts val="600"/>
-              </a:spcAft>
-              <a:buFont typeface="Wingdings" panose="05000000000000000000" pitchFamily="2" charset="2"/>
-              <a:buChar char="ü"/>
-            </a:pPr>
-            <a:r>
-              <a:rPr lang="zh-CN" altLang="en-US" kern="0" dirty="0">
-                <a:solidFill>
-                  <a:srgbClr val="000000"/>
-                </a:solidFill>
-                <a:latin typeface="微软雅黑 Light" panose="020B0502040204020203" pitchFamily="34" charset="-122"/>
-                <a:ea typeface="微软雅黑 Light" panose="020B0502040204020203" pitchFamily="34" charset="-122"/>
-              </a:rPr>
-              <a:t>游戏循环</a:t>
-            </a:r>
-            <a:endParaRPr lang="en-US" altLang="zh-CN" kern="0" dirty="0">
-              <a:solidFill>
-                <a:srgbClr val="000000"/>
-              </a:solidFill>
-              <a:latin typeface="微软雅黑 Light" panose="020B0502040204020203" pitchFamily="34" charset="-122"/>
-              <a:ea typeface="微软雅黑 Light" panose="020B0502040204020203" pitchFamily="34" charset="-122"/>
-            </a:endParaRPr>
-          </a:p>
-          <a:p>
-            <a:pPr marL="1828800" lvl="1" indent="-914400" defTabSz="825500" hangingPunct="0">
-              <a:spcBef>
-                <a:spcPts val="600"/>
-              </a:spcBef>
-              <a:spcAft>
-                <a:spcPts val="600"/>
-              </a:spcAft>
-              <a:buFont typeface="Wingdings" panose="05000000000000000000" pitchFamily="2" charset="2"/>
-              <a:buChar char="ü"/>
-            </a:pPr>
-            <a:r>
-              <a:rPr lang="zh-CN" altLang="en-US" kern="0" dirty="0">
-                <a:solidFill>
-                  <a:srgbClr val="000000"/>
-                </a:solidFill>
-                <a:latin typeface="微软雅黑 Light" panose="020B0502040204020203" pitchFamily="34" charset="-122"/>
-                <a:ea typeface="微软雅黑 Light" panose="020B0502040204020203" pitchFamily="34" charset="-122"/>
-              </a:rPr>
-              <a:t>渲染循环</a:t>
-            </a:r>
-            <a:endParaRPr lang="en-US" altLang="zh-CN" kern="0" dirty="0">
-              <a:solidFill>
-                <a:srgbClr val="000000"/>
-              </a:solidFill>
-              <a:latin typeface="微软雅黑 Light" panose="020B0502040204020203" pitchFamily="34" charset="-122"/>
-              <a:ea typeface="微软雅黑 Light" panose="020B0502040204020203" pitchFamily="34" charset="-122"/>
-            </a:endParaRPr>
-          </a:p>
-          <a:p>
-            <a:pPr marL="571500" indent="-571500" defTabSz="825500" hangingPunct="0">
-              <a:spcBef>
-                <a:spcPts val="600"/>
-              </a:spcBef>
-              <a:spcAft>
-                <a:spcPts val="600"/>
-              </a:spcAft>
-              <a:buFont typeface="Arial" panose="020B0604020202020204" pitchFamily="34" charset="0"/>
-              <a:buChar char="•"/>
-            </a:pPr>
-            <a:r>
-              <a:rPr lang="zh-CN" altLang="en-US" sz="3600" kern="0" dirty="0">
-                <a:solidFill>
-                  <a:srgbClr val="000000"/>
-                </a:solidFill>
-                <a:latin typeface="微软雅黑 Light" panose="020B0502040204020203" pitchFamily="34" charset="-122"/>
-                <a:ea typeface="微软雅黑 Light" panose="020B0502040204020203" pitchFamily="34" charset="-122"/>
-              </a:rPr>
-              <a:t>多线程</a:t>
-            </a:r>
-            <a:endParaRPr lang="en-US" altLang="zh-CN" sz="3600" kern="0" dirty="0">
-              <a:solidFill>
-                <a:srgbClr val="000000"/>
-              </a:solidFill>
-              <a:latin typeface="微软雅黑 Light" panose="020B0502040204020203" pitchFamily="34" charset="-122"/>
-              <a:ea typeface="微软雅黑 Light" panose="020B0502040204020203" pitchFamily="34" charset="-122"/>
-            </a:endParaRPr>
-          </a:p>
-          <a:p>
-            <a:pPr marL="1485900" lvl="1" indent="-571500" defTabSz="825500" hangingPunct="0">
-              <a:spcBef>
-                <a:spcPts val="600"/>
-              </a:spcBef>
-              <a:spcAft>
-                <a:spcPts val="600"/>
-              </a:spcAft>
-              <a:buFont typeface="Wingdings" panose="05000000000000000000" pitchFamily="2" charset="2"/>
-              <a:buChar char="ü"/>
-            </a:pPr>
-            <a:r>
-              <a:rPr lang="en-US" altLang="zh-CN" kern="0" dirty="0">
-                <a:solidFill>
-                  <a:srgbClr val="000000"/>
-                </a:solidFill>
-                <a:latin typeface="微软雅黑 Light" panose="020B0502040204020203" pitchFamily="34" charset="-122"/>
-                <a:ea typeface="微软雅黑 Light" panose="020B0502040204020203" pitchFamily="34" charset="-122"/>
-              </a:rPr>
-              <a:t>   </a:t>
-            </a:r>
-            <a:r>
-              <a:rPr lang="zh-CN" altLang="en-US" kern="0" dirty="0">
-                <a:solidFill>
-                  <a:srgbClr val="000000"/>
-                </a:solidFill>
-                <a:latin typeface="微软雅黑 Light" panose="020B0502040204020203" pitchFamily="34" charset="-122"/>
-                <a:ea typeface="微软雅黑 Light" panose="020B0502040204020203" pitchFamily="34" charset="-122"/>
-              </a:rPr>
-              <a:t>为什么要用多线程？</a:t>
-            </a:r>
-            <a:endParaRPr lang="en-US" altLang="zh-CN" kern="0" dirty="0">
-              <a:solidFill>
-                <a:srgbClr val="000000"/>
-              </a:solidFill>
-              <a:latin typeface="微软雅黑 Light" panose="020B0502040204020203" pitchFamily="34" charset="-122"/>
-              <a:ea typeface="微软雅黑 Light" panose="020B0502040204020203" pitchFamily="34" charset="-122"/>
-            </a:endParaRPr>
-          </a:p>
-          <a:p>
-            <a:pPr marL="1485900" lvl="1" indent="-571500" defTabSz="825500" hangingPunct="0">
-              <a:spcBef>
-                <a:spcPts val="600"/>
-              </a:spcBef>
-              <a:spcAft>
-                <a:spcPts val="600"/>
-              </a:spcAft>
-              <a:buFont typeface="Wingdings" panose="05000000000000000000" pitchFamily="2" charset="2"/>
-              <a:buChar char="ü"/>
-            </a:pPr>
-            <a:r>
-              <a:rPr lang="en-US" altLang="zh-CN" kern="0" dirty="0">
-                <a:solidFill>
-                  <a:srgbClr val="000000"/>
-                </a:solidFill>
-                <a:latin typeface="微软雅黑 Light" panose="020B0502040204020203" pitchFamily="34" charset="-122"/>
-                <a:ea typeface="微软雅黑 Light" panose="020B0502040204020203" pitchFamily="34" charset="-122"/>
-              </a:rPr>
-              <a:t>   </a:t>
-            </a:r>
-            <a:r>
-              <a:rPr lang="zh-CN" altLang="en-US" kern="0" dirty="0" smtClean="0">
-                <a:solidFill>
-                  <a:srgbClr val="000000"/>
-                </a:solidFill>
-                <a:latin typeface="微软雅黑 Light" panose="020B0502040204020203" pitchFamily="34" charset="-122"/>
-                <a:ea typeface="微软雅黑 Light" panose="020B0502040204020203" pitchFamily="34" charset="-122"/>
-              </a:rPr>
-              <a:t>线程同步方式</a:t>
-            </a:r>
-            <a:endParaRPr lang="en-US" altLang="zh-CN" kern="0" dirty="0">
-              <a:solidFill>
-                <a:srgbClr val="000000"/>
-              </a:solidFill>
-              <a:latin typeface="微软雅黑 Light" panose="020B0502040204020203" pitchFamily="34" charset="-122"/>
-              <a:ea typeface="微软雅黑 Light" panose="020B0502040204020203" pitchFamily="34" charset="-122"/>
-            </a:endParaRPr>
-          </a:p>
-          <a:p>
-            <a:pPr marL="1485900" lvl="1" indent="-571500" defTabSz="825500" hangingPunct="0">
-              <a:spcBef>
-                <a:spcPts val="600"/>
-              </a:spcBef>
-              <a:spcAft>
-                <a:spcPts val="600"/>
-              </a:spcAft>
-              <a:buFont typeface="Wingdings" panose="05000000000000000000" pitchFamily="2" charset="2"/>
-              <a:buChar char="ü"/>
-            </a:pPr>
-            <a:r>
-              <a:rPr lang="en-US" altLang="zh-CN" kern="0" dirty="0">
-                <a:solidFill>
-                  <a:srgbClr val="000000"/>
-                </a:solidFill>
-                <a:latin typeface="微软雅黑 Light" panose="020B0502040204020203" pitchFamily="34" charset="-122"/>
-                <a:ea typeface="微软雅黑 Light" panose="020B0502040204020203" pitchFamily="34" charset="-122"/>
-              </a:rPr>
-              <a:t>   </a:t>
-            </a:r>
-            <a:r>
-              <a:rPr lang="zh-CN" altLang="en-US" kern="0" dirty="0">
-                <a:solidFill>
-                  <a:srgbClr val="000000"/>
-                </a:solidFill>
-                <a:latin typeface="微软雅黑 Light" panose="020B0502040204020203" pitchFamily="34" charset="-122"/>
-                <a:ea typeface="微软雅黑 Light" panose="020B0502040204020203" pitchFamily="34" charset="-122"/>
-              </a:rPr>
-              <a:t>虚幻游戏线程与渲染线程同步</a:t>
-            </a:r>
-            <a:endParaRPr lang="en-US" altLang="zh-CN" kern="0" dirty="0">
-              <a:solidFill>
-                <a:srgbClr val="000000"/>
-              </a:solidFill>
-              <a:latin typeface="微软雅黑 Light" panose="020B0502040204020203" pitchFamily="34" charset="-122"/>
-              <a:ea typeface="微软雅黑 Light" panose="020B0502040204020203" pitchFamily="34" charset="-122"/>
-            </a:endParaRPr>
-          </a:p>
-          <a:p>
-            <a:pPr marL="457200" indent="-457200" defTabSz="825500" hangingPunct="0">
-              <a:spcBef>
-                <a:spcPts val="600"/>
-              </a:spcBef>
-              <a:spcAft>
-                <a:spcPts val="600"/>
-              </a:spcAft>
-              <a:buFont typeface="Arial" panose="020B0604020202020204" pitchFamily="34" charset="0"/>
-              <a:buChar char="•"/>
-            </a:pPr>
-            <a:r>
-              <a:rPr lang="zh-CN" altLang="en-US" sz="3600" kern="0" dirty="0">
-                <a:solidFill>
-                  <a:srgbClr val="000000"/>
-                </a:solidFill>
-                <a:latin typeface="微软雅黑 Light" panose="020B0502040204020203" pitchFamily="34" charset="-122"/>
-                <a:ea typeface="微软雅黑 Light" panose="020B0502040204020203" pitchFamily="34" charset="-122"/>
-              </a:rPr>
-              <a:t> 子系统设计</a:t>
-            </a:r>
-            <a:endParaRPr lang="en-US" altLang="zh-CN" sz="3600" kern="0" dirty="0">
-              <a:solidFill>
-                <a:srgbClr val="000000"/>
-              </a:solidFill>
-              <a:latin typeface="微软雅黑 Light" panose="020B0502040204020203" pitchFamily="34" charset="-122"/>
-              <a:ea typeface="微软雅黑 Light" panose="020B0502040204020203" pitchFamily="34" charset="-122"/>
-            </a:endParaRPr>
-          </a:p>
-          <a:p>
-            <a:pPr marL="1485900" lvl="1" indent="-571500" defTabSz="825500" hangingPunct="0">
-              <a:spcBef>
-                <a:spcPts val="600"/>
-              </a:spcBef>
-              <a:spcAft>
-                <a:spcPts val="600"/>
-              </a:spcAft>
-              <a:buFont typeface="Wingdings" panose="05000000000000000000" pitchFamily="2" charset="2"/>
-              <a:buChar char="ü"/>
-            </a:pPr>
-            <a:r>
-              <a:rPr lang="zh-CN" altLang="en-US" kern="0" dirty="0">
-                <a:solidFill>
-                  <a:srgbClr val="000000"/>
-                </a:solidFill>
-                <a:latin typeface="微软雅黑 Light" panose="020B0502040204020203" pitchFamily="34" charset="-122"/>
-                <a:ea typeface="微软雅黑 Light" panose="020B0502040204020203" pitchFamily="34" charset="-122"/>
-              </a:rPr>
-              <a:t>   资产管理应用举例</a:t>
-            </a:r>
-            <a:endParaRPr lang="en-US" altLang="zh-CN" kern="0" dirty="0">
-              <a:solidFill>
-                <a:srgbClr val="000000"/>
-              </a:solidFill>
-              <a:latin typeface="微软雅黑 Light" panose="020B0502040204020203" pitchFamily="34" charset="-122"/>
-              <a:ea typeface="微软雅黑 Light" panose="020B0502040204020203" pitchFamily="34" charset="-122"/>
-            </a:endParaRPr>
-          </a:p>
-        </p:txBody>
-      </p:sp>
-    </p:spTree>
-    <p:extLst>
-      <p:ext uri="{BB962C8B-B14F-4D97-AF65-F5344CB8AC3E}">
-        <p14:creationId xmlns:p14="http://schemas.microsoft.com/office/powerpoint/2010/main" val="3706959583"/>
-      </p:ext>
-    </p:extLst>
-  </p:cSld>
-  <p:clrMapOvr>
-    <a:masterClrMapping/>
-  </p:clrMapOvr>
-  <p:transition spd="med"/>
-</p:sld>
-</file>
-
-<file path=ppt/slides/slide20.xml><?xml version="1.0" encoding="utf-8"?>
+<file path=ppt/slides/slide22.xml><?xml version="1.0" encoding="utf-8"?>
 <p:sld xmlns:a="http://schemas.openxmlformats.org/drawingml/2006/main" xmlns:r="http://schemas.openxmlformats.org/officeDocument/2006/relationships" xmlns:p="http://schemas.openxmlformats.org/presentationml/2006/main">
   <p:cSld>
     <p:bg>
@@ -14746,7 +16847,7 @@
         <p:grpSpPr>
           <a:xfrm>
             <a:off x="1516141" y="0"/>
-            <a:ext cx="10142459" cy="13716000"/>
+            <a:ext cx="9590009" cy="13716000"/>
             <a:chOff x="10467974" y="26142"/>
             <a:chExt cx="16015357" cy="13716000"/>
           </a:xfrm>
@@ -14858,7 +16959,7 @@
         <p:spPr>
           <a:xfrm>
             <a:off x="2426713" y="3954551"/>
-            <a:ext cx="8679437" cy="8027899"/>
+            <a:ext cx="8679437" cy="3657411"/>
           </a:xfrm>
           <a:prstGeom prst="rect">
             <a:avLst/>
@@ -14893,17 +16994,6 @@
               <a:buChar char="•"/>
             </a:pPr>
             <a:r>
-              <a:rPr lang="zh-CN" altLang="en-US" b="0" dirty="0">
-                <a:solidFill>
-                  <a:srgbClr val="000000"/>
-                </a:solidFill>
-                <a:latin typeface="微软雅黑 Light" panose="020B0502040204020203" pitchFamily="34" charset="-122"/>
-                <a:ea typeface="微软雅黑 Light" panose="020B0502040204020203" pitchFamily="34" charset="-122"/>
-                <a:sym typeface="Helvetica Light"/>
-              </a:rPr>
-              <a:t>工作</a:t>
-            </a:r>
-            <a:r>
               <a:rPr lang="zh-CN" altLang="en-US" b="0" dirty="0" smtClean="0">
                 <a:solidFill>
                   <a:srgbClr val="000000"/>
@@ -14912,157 +17002,7 @@
                 <a:ea typeface="微软雅黑 Light" panose="020B0502040204020203" pitchFamily="34" charset="-122"/>
                 <a:sym typeface="Helvetica Light"/>
               </a:rPr>
-              <a:t>状态同步</a:t>
-            </a:r>
-            <a:r>
-              <a:rPr lang="en-US" altLang="zh-CN" b="0" dirty="0" smtClean="0">
-                <a:solidFill>
-                  <a:srgbClr val="000000"/>
-                </a:solidFill>
-                <a:latin typeface="微软雅黑 Light" panose="020B0502040204020203" pitchFamily="34" charset="-122"/>
-                <a:ea typeface="微软雅黑 Light" panose="020B0502040204020203" pitchFamily="34" charset="-122"/>
-                <a:sym typeface="Helvetica Light"/>
-              </a:rPr>
-              <a:t>: </a:t>
-            </a:r>
-            <a:endParaRPr lang="en-US" altLang="zh-CN" b="0" dirty="0">
-              <a:solidFill>
-                <a:srgbClr val="000000"/>
-              </a:solidFill>
-              <a:latin typeface="微软雅黑 Light" panose="020B0502040204020203" pitchFamily="34" charset="-122"/>
-              <a:ea typeface="微软雅黑 Light" panose="020B0502040204020203" pitchFamily="34" charset="-122"/>
-              <a:sym typeface="Helvetica Light"/>
-            </a:endParaRPr>
-          </a:p>
-          <a:p>
-            <a:pPr marL="1657350" lvl="1" indent="-742950">
-              <a:lnSpc>
-                <a:spcPct val="150000"/>
-              </a:lnSpc>
-              <a:spcBef>
-                <a:spcPts val="600"/>
-              </a:spcBef>
-              <a:buFont typeface="+mj-lt"/>
-              <a:buAutoNum type="arabicPeriod"/>
-            </a:pPr>
-            <a:r>
-              <a:rPr lang="zh-CN" altLang="en-US" dirty="0" smtClean="0">
-                <a:solidFill>
-                  <a:srgbClr val="000000"/>
-                </a:solidFill>
-                <a:latin typeface="微软雅黑 Light" panose="020B0502040204020203" pitchFamily="34" charset="-122"/>
-                <a:ea typeface="微软雅黑 Light" panose="020B0502040204020203" pitchFamily="34" charset="-122"/>
-                <a:sym typeface="Helvetica Light"/>
-              </a:rPr>
-              <a:t>使用引用计数</a:t>
-            </a:r>
-            <a:endParaRPr lang="en-US" altLang="zh-CN" dirty="0" smtClean="0">
-              <a:solidFill>
-                <a:srgbClr val="000000"/>
-              </a:solidFill>
-              <a:latin typeface="微软雅黑 Light" panose="020B0502040204020203" pitchFamily="34" charset="-122"/>
-              <a:ea typeface="微软雅黑 Light" panose="020B0502040204020203" pitchFamily="34" charset="-122"/>
-              <a:sym typeface="Helvetica Light"/>
-            </a:endParaRPr>
-          </a:p>
-          <a:p>
-            <a:pPr marL="1657350" lvl="1" indent="-742950">
-              <a:lnSpc>
-                <a:spcPct val="150000"/>
-              </a:lnSpc>
-              <a:spcBef>
-                <a:spcPts val="600"/>
-              </a:spcBef>
-              <a:buFont typeface="+mj-lt"/>
-              <a:buAutoNum type="arabicPeriod"/>
-            </a:pPr>
-            <a:r>
-              <a:rPr lang="zh-CN" altLang="en-US" b="0" dirty="0" smtClean="0">
-                <a:solidFill>
-                  <a:srgbClr val="000000"/>
-                </a:solidFill>
-                <a:latin typeface="微软雅黑 Light" panose="020B0502040204020203" pitchFamily="34" charset="-122"/>
-                <a:ea typeface="微软雅黑 Light" panose="020B0502040204020203" pitchFamily="34" charset="-122"/>
-                <a:sym typeface="Helvetica Light"/>
-              </a:rPr>
-              <a:t>使用</a:t>
-            </a:r>
-            <a:r>
-              <a:rPr lang="en-US" altLang="zh-CN" b="0" dirty="0" err="1" smtClean="0">
-                <a:solidFill>
-                  <a:srgbClr val="000000"/>
-                </a:solidFill>
-                <a:latin typeface="微软雅黑 Light" panose="020B0502040204020203" pitchFamily="34" charset="-122"/>
-                <a:ea typeface="微软雅黑 Light" panose="020B0502040204020203" pitchFamily="34" charset="-122"/>
-                <a:sym typeface="Helvetica Light"/>
-              </a:rPr>
-              <a:t>c++</a:t>
-            </a:r>
-            <a:r>
-              <a:rPr lang="en-US" altLang="zh-CN" b="0" dirty="0" smtClean="0">
-                <a:solidFill>
-                  <a:srgbClr val="000000"/>
-                </a:solidFill>
-                <a:latin typeface="微软雅黑 Light" panose="020B0502040204020203" pitchFamily="34" charset="-122"/>
-                <a:ea typeface="微软雅黑 Light" panose="020B0502040204020203" pitchFamily="34" charset="-122"/>
-                <a:sym typeface="Helvetica Light"/>
-              </a:rPr>
-              <a:t> </a:t>
-            </a:r>
-            <a:r>
-              <a:rPr lang="en-US" altLang="zh-CN" b="0" dirty="0" err="1" smtClean="0">
-                <a:solidFill>
-                  <a:srgbClr val="000000"/>
-                </a:solidFill>
-                <a:latin typeface="微软雅黑 Light" panose="020B0502040204020203" pitchFamily="34" charset="-122"/>
-                <a:ea typeface="微软雅黑 Light" panose="020B0502040204020203" pitchFamily="34" charset="-122"/>
-                <a:sym typeface="Helvetica Light"/>
-              </a:rPr>
-              <a:t>std</a:t>
-            </a:r>
-            <a:r>
-              <a:rPr lang="en-US" altLang="zh-CN" b="0" dirty="0" smtClean="0">
-                <a:solidFill>
-                  <a:srgbClr val="000000"/>
-                </a:solidFill>
-                <a:latin typeface="微软雅黑 Light" panose="020B0502040204020203" pitchFamily="34" charset="-122"/>
-                <a:ea typeface="微软雅黑 Light" panose="020B0502040204020203" pitchFamily="34" charset="-122"/>
-                <a:sym typeface="Helvetica Light"/>
-              </a:rPr>
-              <a:t>::thread</a:t>
-            </a:r>
-            <a:r>
-              <a:rPr lang="zh-CN" altLang="en-US" b="0" dirty="0" smtClean="0">
-                <a:solidFill>
-                  <a:srgbClr val="000000"/>
-                </a:solidFill>
-                <a:latin typeface="微软雅黑 Light" panose="020B0502040204020203" pitchFamily="34" charset="-122"/>
-                <a:ea typeface="微软雅黑 Light" panose="020B0502040204020203" pitchFamily="34" charset="-122"/>
-                <a:sym typeface="Helvetica Light"/>
-              </a:rPr>
-              <a:t>的 </a:t>
-            </a:r>
-            <a:r>
-              <a:rPr lang="en-US" altLang="zh-CN" b="0" dirty="0" err="1" smtClean="0">
-                <a:solidFill>
-                  <a:srgbClr val="000000"/>
-                </a:solidFill>
-                <a:latin typeface="微软雅黑 Light" panose="020B0502040204020203" pitchFamily="34" charset="-122"/>
-                <a:ea typeface="微软雅黑 Light" panose="020B0502040204020203" pitchFamily="34" charset="-122"/>
-                <a:sym typeface="Helvetica Light"/>
-              </a:rPr>
-              <a:t>condition_variable</a:t>
-            </a:r>
-            <a:r>
-              <a:rPr lang="en-US" altLang="zh-CN" dirty="0" smtClean="0">
-                <a:solidFill>
-                  <a:srgbClr val="000000"/>
-                </a:solidFill>
-                <a:latin typeface="微软雅黑 Light" panose="020B0502040204020203" pitchFamily="34" charset="-122"/>
-                <a:ea typeface="微软雅黑 Light" panose="020B0502040204020203" pitchFamily="34" charset="-122"/>
-                <a:sym typeface="Helvetica Light"/>
-              </a:rPr>
-              <a:t>, wait, notify</a:t>
+              <a:t>工作状态</a:t>
             </a:r>
             <a:endParaRPr lang="en-US" altLang="zh-CN" b="0" dirty="0" smtClean="0">
               <a:solidFill>
@@ -15093,52 +17033,7 @@
                 <a:ea typeface="微软雅黑 Light" panose="020B0502040204020203" pitchFamily="34" charset="-122"/>
                 <a:sym typeface="Helvetica Light"/>
               </a:rPr>
-              <a:t>数据同步</a:t>
-            </a:r>
-            <a:r>
-              <a:rPr lang="en-US" altLang="zh-CN" b="0" dirty="0" smtClean="0">
-                <a:solidFill>
-                  <a:srgbClr val="000000"/>
-                </a:solidFill>
-                <a:latin typeface="微软雅黑 Light" panose="020B0502040204020203" pitchFamily="34" charset="-122"/>
-                <a:ea typeface="微软雅黑 Light" panose="020B0502040204020203" pitchFamily="34" charset="-122"/>
-                <a:sym typeface="Helvetica Light"/>
-              </a:rPr>
-              <a:t>:</a:t>
-            </a:r>
-          </a:p>
-          <a:p>
-            <a:pPr marL="1657350" lvl="1" indent="-742950">
-              <a:lnSpc>
-                <a:spcPct val="150000"/>
-              </a:lnSpc>
-              <a:spcBef>
-                <a:spcPts val="600"/>
-              </a:spcBef>
-              <a:buFont typeface="+mj-lt"/>
-              <a:buAutoNum type="arabicPeriod"/>
-            </a:pPr>
-            <a:r>
-              <a:rPr lang="zh-CN" altLang="en-US" dirty="0">
-                <a:solidFill>
-                  <a:srgbClr val="000000"/>
-                </a:solidFill>
-                <a:latin typeface="微软雅黑 Light" panose="020B0502040204020203" pitchFamily="34" charset="-122"/>
-                <a:ea typeface="微软雅黑 Light" panose="020B0502040204020203" pitchFamily="34" charset="-122"/>
-                <a:sym typeface="Helvetica Light"/>
-              </a:rPr>
-              <a:t>对访问数据加锁，防止数据竞争，但不</a:t>
-            </a:r>
-            <a:r>
-              <a:rPr lang="zh-CN" altLang="en-US" dirty="0" smtClean="0">
-                <a:solidFill>
-                  <a:srgbClr val="000000"/>
-                </a:solidFill>
-                <a:latin typeface="微软雅黑 Light" panose="020B0502040204020203" pitchFamily="34" charset="-122"/>
-                <a:ea typeface="微软雅黑 Light" panose="020B0502040204020203" pitchFamily="34" charset="-122"/>
-                <a:sym typeface="Helvetica Light"/>
-              </a:rPr>
-              <a:t>可取，会带来更多的性能开销。</a:t>
+              <a:t>数据</a:t>
             </a:r>
             <a:endParaRPr lang="en-US" altLang="zh-CN" dirty="0" smtClean="0">
               <a:solidFill>
@@ -15150,27 +17045,32 @@
             </a:endParaRPr>
           </a:p>
           <a:p>
-            <a:pPr marL="1657350" lvl="1" indent="-742950">
+            <a:pPr>
               <a:lnSpc>
                 <a:spcPct val="150000"/>
               </a:lnSpc>
               <a:spcBef>
                 <a:spcPts val="600"/>
               </a:spcBef>
-              <a:buFont typeface="+mj-lt"/>
-              <a:buAutoNum type="arabicPeriod"/>
             </a:pPr>
-            <a:r>
-              <a:rPr lang="zh-CN" altLang="en-US" b="0" dirty="0" smtClean="0">
-                <a:solidFill>
-                  <a:srgbClr val="000000"/>
-                </a:solidFill>
-                <a:latin typeface="微软雅黑 Light" panose="020B0502040204020203" pitchFamily="34" charset="-122"/>
-                <a:ea typeface="微软雅黑 Light" panose="020B0502040204020203" pitchFamily="34" charset="-122"/>
-                <a:sym typeface="Helvetica Light"/>
-              </a:rPr>
-              <a:t>创建线程任务，明确变量所有权，在不同的线程创建当前的线程数据</a:t>
-            </a:r>
+            <a:endParaRPr lang="en-US" altLang="zh-CN" b="0" dirty="0" smtClean="0">
+              <a:solidFill>
+                <a:srgbClr val="000000"/>
+              </a:solidFill>
+              <a:latin typeface="微软雅黑 Light" panose="020B0502040204020203" pitchFamily="34" charset="-122"/>
+              <a:ea typeface="微软雅黑 Light" panose="020B0502040204020203" pitchFamily="34" charset="-122"/>
+              <a:sym typeface="Helvetica Light"/>
+            </a:endParaRPr>
+          </a:p>
+          <a:p>
+            <a:pPr>
+              <a:lnSpc>
+                <a:spcPct val="150000"/>
+              </a:lnSpc>
+              <a:spcBef>
+                <a:spcPts val="600"/>
+              </a:spcBef>
+            </a:pPr>
             <a:endParaRPr lang="en-US" altLang="zh-CN" b="0" dirty="0">
               <a:solidFill>
                 <a:srgbClr val="000000"/>
@@ -15224,15 +17124,18 @@
                 <a:latin typeface="微软雅黑" panose="020B0503020204020204" pitchFamily="34" charset="-122"/>
                 <a:ea typeface="微软雅黑" panose="020B0503020204020204" pitchFamily="34" charset="-122"/>
               </a:rPr>
-              <a:t>线程同步方式</a:t>
-            </a:r>
-            <a:endParaRPr lang="zh-CN" altLang="en-US" sz="6000" kern="0" cap="all" dirty="0">
-              <a:solidFill>
-                <a:srgbClr val="000000"/>
-              </a:solidFill>
-              <a:latin typeface="微软雅黑" panose="020B0503020204020204" pitchFamily="34" charset="-122"/>
-              <a:ea typeface="微软雅黑" panose="020B0503020204020204" pitchFamily="34" charset="-122"/>
-            </a:endParaRPr>
+              <a:t>线程同步</a:t>
+            </a:r>
+            <a:r>
+              <a:rPr lang="zh-CN" altLang="en-US" sz="6000" kern="0" cap="all" dirty="0">
+                <a:solidFill>
+                  <a:srgbClr val="000000"/>
+                </a:solidFill>
+                <a:latin typeface="微软雅黑" panose="020B0503020204020204" pitchFamily="34" charset="-122"/>
+                <a:ea typeface="微软雅黑" panose="020B0503020204020204" pitchFamily="34" charset="-122"/>
+              </a:rPr>
+              <a:t>划分</a:t>
+            </a:r>
           </a:p>
         </p:txBody>
       </p:sp>
@@ -15268,7 +17171,7 @@
       </p:pic>
       <p:pic>
         <p:nvPicPr>
-          <p:cNvPr id="10" name="图片 9"/>
+          <p:cNvPr id="7" name="图片 6"/>
           <p:cNvPicPr>
             <a:picLocks noChangeAspect="1"/>
           </p:cNvPicPr>
@@ -15282,8 +17185,727 @@
         </p:blipFill>
         <p:spPr>
           <a:xfrm>
-            <a:off x="11658600" y="4583200"/>
-            <a:ext cx="12752553" cy="4922749"/>
+            <a:off x="11150453" y="1005406"/>
+            <a:ext cx="13233547" cy="4034060"/>
+          </a:xfrm>
+          <a:prstGeom prst="rect">
+            <a:avLst/>
+          </a:prstGeom>
+        </p:spPr>
+      </p:pic>
+      <p:sp>
+        <p:nvSpPr>
+          <p:cNvPr id="10" name="文本框 9"/>
+          <p:cNvSpPr txBox="1"/>
+          <p:nvPr/>
+        </p:nvSpPr>
+        <p:spPr>
+          <a:xfrm>
+            <a:off x="16252670" y="5126666"/>
+            <a:ext cx="1949252" cy="656590"/>
+          </a:xfrm>
+          <a:prstGeom prst="rect">
+            <a:avLst/>
+          </a:prstGeom>
+          <a:noFill/>
+          <a:ln w="12700" cap="flat">
+            <a:noFill/>
+            <a:miter lim="400000"/>
+          </a:ln>
+        </p:spPr>
+        <p:style>
+          <a:lnRef idx="0">
+            <a:scrgbClr r="0" g="0" b="0"/>
+          </a:lnRef>
+          <a:fillRef idx="0">
+            <a:scrgbClr r="0" g="0" b="0"/>
+          </a:fillRef>
+          <a:effectRef idx="0">
+            <a:scrgbClr r="0" g="0" b="0"/>
+          </a:effectRef>
+          <a:fontRef idx="none"/>
+        </p:style>
+        <p:txBody>
+          <a:bodyPr rot="0" spcFirstLastPara="1" vertOverflow="overflow" horzOverflow="overflow" vert="horz" wrap="none" lIns="50800" tIns="50800" rIns="50800" bIns="50800" numCol="1" spcCol="38100" rtlCol="0" anchor="ctr">
+            <a:spAutoFit/>
+          </a:bodyPr>
+          <a:lstStyle/>
+          <a:p>
+            <a:pPr marL="0" marR="0" indent="0" algn="ctr" defTabSz="825500" rtl="0" fontAlgn="auto" latinLnBrk="0" hangingPunct="0">
+              <a:lnSpc>
+                <a:spcPct val="100000"/>
+              </a:lnSpc>
+              <a:spcBef>
+                <a:spcPts val="0"/>
+              </a:spcBef>
+              <a:spcAft>
+                <a:spcPts val="0"/>
+              </a:spcAft>
+              <a:buClrTx/>
+              <a:buSzTx/>
+              <a:buFontTx/>
+              <a:buNone/>
+            </a:pPr>
+            <a:r>
+              <a:rPr lang="zh-CN" altLang="en-US" dirty="0" smtClean="0">
+                <a:solidFill>
+                  <a:srgbClr val="000000"/>
+                </a:solidFill>
+                <a:latin typeface="微软雅黑 Light" panose="020B0502040204020203" pitchFamily="34" charset="-122"/>
+                <a:ea typeface="微软雅黑 Light" panose="020B0502040204020203" pitchFamily="34" charset="-122"/>
+                <a:sym typeface="Helvetica Light"/>
+              </a:rPr>
+              <a:t>工作状态</a:t>
+            </a:r>
+            <a:endParaRPr kumimoji="0" lang="zh-CN" altLang="en-US" b="0" i="0" u="none" strike="noStrike" cap="none" spc="0" normalizeH="0" baseline="0" dirty="0">
+              <a:ln>
+                <a:noFill/>
+              </a:ln>
+              <a:solidFill>
+                <a:srgbClr val="000000"/>
+              </a:solidFill>
+              <a:effectLst/>
+              <a:uFillTx/>
+              <a:latin typeface="微软雅黑 Light" panose="020B0502040204020203" pitchFamily="34" charset="-122"/>
+              <a:ea typeface="微软雅黑 Light" panose="020B0502040204020203" pitchFamily="34" charset="-122"/>
+              <a:sym typeface="Helvetica Light"/>
+            </a:endParaRPr>
+          </a:p>
+        </p:txBody>
+      </p:sp>
+      <p:pic>
+        <p:nvPicPr>
+          <p:cNvPr id="11" name="图片 10"/>
+          <p:cNvPicPr>
+            <a:picLocks noChangeAspect="1"/>
+          </p:cNvPicPr>
+          <p:nvPr/>
+        </p:nvPicPr>
+        <p:blipFill>
+          <a:blip r:embed="rId5"/>
+          <a:stretch>
+            <a:fillRect/>
+          </a:stretch>
+        </p:blipFill>
+        <p:spPr>
+          <a:xfrm>
+            <a:off x="13563925" y="5783256"/>
+            <a:ext cx="7753460" cy="7201791"/>
+          </a:xfrm>
+          <a:prstGeom prst="rect">
+            <a:avLst/>
+          </a:prstGeom>
+        </p:spPr>
+      </p:pic>
+      <p:sp>
+        <p:nvSpPr>
+          <p:cNvPr id="13" name="文本框 12"/>
+          <p:cNvSpPr txBox="1"/>
+          <p:nvPr/>
+        </p:nvSpPr>
+        <p:spPr>
+          <a:xfrm>
+            <a:off x="16927694" y="12985047"/>
+            <a:ext cx="1025922" cy="656590"/>
+          </a:xfrm>
+          <a:prstGeom prst="rect">
+            <a:avLst/>
+          </a:prstGeom>
+          <a:noFill/>
+          <a:ln w="12700" cap="flat">
+            <a:noFill/>
+            <a:miter lim="400000"/>
+          </a:ln>
+        </p:spPr>
+        <p:style>
+          <a:lnRef idx="0">
+            <a:scrgbClr r="0" g="0" b="0"/>
+          </a:lnRef>
+          <a:fillRef idx="0">
+            <a:scrgbClr r="0" g="0" b="0"/>
+          </a:fillRef>
+          <a:effectRef idx="0">
+            <a:scrgbClr r="0" g="0" b="0"/>
+          </a:effectRef>
+          <a:fontRef idx="none"/>
+        </p:style>
+        <p:txBody>
+          <a:bodyPr rot="0" spcFirstLastPara="1" vertOverflow="overflow" horzOverflow="overflow" vert="horz" wrap="none" lIns="50800" tIns="50800" rIns="50800" bIns="50800" numCol="1" spcCol="38100" rtlCol="0" anchor="ctr">
+            <a:spAutoFit/>
+          </a:bodyPr>
+          <a:lstStyle/>
+          <a:p>
+            <a:pPr marL="0" marR="0" indent="0" algn="ctr" defTabSz="825500" rtl="0" fontAlgn="auto" latinLnBrk="0" hangingPunct="0">
+              <a:lnSpc>
+                <a:spcPct val="100000"/>
+              </a:lnSpc>
+              <a:spcBef>
+                <a:spcPts val="0"/>
+              </a:spcBef>
+              <a:spcAft>
+                <a:spcPts val="0"/>
+              </a:spcAft>
+              <a:buClrTx/>
+              <a:buSzTx/>
+              <a:buFontTx/>
+              <a:buNone/>
+            </a:pPr>
+            <a:r>
+              <a:rPr lang="zh-CN" altLang="en-US" dirty="0" smtClean="0">
+                <a:solidFill>
+                  <a:srgbClr val="000000"/>
+                </a:solidFill>
+                <a:latin typeface="微软雅黑 Light" panose="020B0502040204020203" pitchFamily="34" charset="-122"/>
+                <a:ea typeface="微软雅黑 Light" panose="020B0502040204020203" pitchFamily="34" charset="-122"/>
+                <a:sym typeface="Helvetica Light"/>
+              </a:rPr>
+              <a:t>数据</a:t>
+            </a:r>
+            <a:endParaRPr kumimoji="0" lang="zh-CN" altLang="en-US" b="0" i="0" u="none" strike="noStrike" cap="none" spc="0" normalizeH="0" baseline="0" dirty="0">
+              <a:ln>
+                <a:noFill/>
+              </a:ln>
+              <a:solidFill>
+                <a:srgbClr val="000000"/>
+              </a:solidFill>
+              <a:effectLst/>
+              <a:uFillTx/>
+              <a:latin typeface="微软雅黑 Light" panose="020B0502040204020203" pitchFamily="34" charset="-122"/>
+              <a:ea typeface="微软雅黑 Light" panose="020B0502040204020203" pitchFamily="34" charset="-122"/>
+              <a:sym typeface="Helvetica Light"/>
+            </a:endParaRPr>
+          </a:p>
+        </p:txBody>
+      </p:sp>
+    </p:spTree>
+    <p:extLst>
+      <p:ext uri="{BB962C8B-B14F-4D97-AF65-F5344CB8AC3E}">
+        <p14:creationId xmlns:p14="http://schemas.microsoft.com/office/powerpoint/2010/main" val="1335554043"/>
+      </p:ext>
+    </p:extLst>
+  </p:cSld>
+  <p:clrMapOvr>
+    <a:masterClrMapping/>
+  </p:clrMapOvr>
+  <p:transition spd="med"/>
+</p:sld>
+</file>
+
+<file path=ppt/slides/slide23.xml><?xml version="1.0" encoding="utf-8"?>
+<p:sld xmlns:a="http://schemas.openxmlformats.org/drawingml/2006/main" xmlns:r="http://schemas.openxmlformats.org/officeDocument/2006/relationships" xmlns:p="http://schemas.openxmlformats.org/presentationml/2006/main">
+  <p:cSld>
+    <p:bg>
+      <p:bgPr>
+        <a:solidFill>
+          <a:schemeClr val="bg1">
+            <a:lumMod val="95000"/>
+          </a:schemeClr>
+        </a:solidFill>
+        <a:effectLst/>
+      </p:bgPr>
+    </p:bg>
+    <p:spTree>
+      <p:nvGrpSpPr>
+        <p:cNvPr id="1" name=""/>
+        <p:cNvGrpSpPr/>
+        <p:nvPr/>
+      </p:nvGrpSpPr>
+      <p:grpSpPr>
+        <a:xfrm>
+          <a:off x="0" y="0"/>
+          <a:ext cx="0" cy="0"/>
+          <a:chOff x="0" y="0"/>
+          <a:chExt cx="0" cy="0"/>
+        </a:xfrm>
+      </p:grpSpPr>
+      <p:grpSp>
+        <p:nvGrpSpPr>
+          <p:cNvPr id="4" name="组合 3"/>
+          <p:cNvGrpSpPr/>
+          <p:nvPr/>
+        </p:nvGrpSpPr>
+        <p:grpSpPr>
+          <a:xfrm>
+            <a:off x="1516141" y="0"/>
+            <a:ext cx="8341091" cy="13716000"/>
+            <a:chOff x="10467974" y="26142"/>
+            <a:chExt cx="16015357" cy="13716000"/>
+          </a:xfrm>
+        </p:grpSpPr>
+        <p:sp>
+          <p:nvSpPr>
+            <p:cNvPr id="5" name="Rectangle"/>
+            <p:cNvSpPr/>
+            <p:nvPr/>
+          </p:nvSpPr>
+          <p:spPr>
+            <a:xfrm>
+              <a:off x="10467974" y="26142"/>
+              <a:ext cx="16015357" cy="13716000"/>
+            </a:xfrm>
+            <a:prstGeom prst="rect">
+              <a:avLst/>
+            </a:prstGeom>
+            <a:solidFill>
+              <a:schemeClr val="bg1">
+                <a:alpha val="80000"/>
+              </a:schemeClr>
+            </a:solidFill>
+            <a:ln w="12700">
+              <a:miter lim="400000"/>
+            </a:ln>
+          </p:spPr>
+          <p:txBody>
+            <a:bodyPr lIns="50800" tIns="50800" rIns="50800" bIns="50800" anchor="ctr"/>
+            <a:lstStyle/>
+            <a:p>
+              <a:pPr algn="ctr" defTabSz="825500" hangingPunct="0">
+                <a:defRPr sz="3200">
+                  <a:solidFill>
+                    <a:srgbClr val="FFFFFF"/>
+                  </a:solidFill>
+                  <a:latin typeface="Helvetica"/>
+                  <a:ea typeface="Helvetica"/>
+                  <a:cs typeface="Helvetica"/>
+                  <a:sym typeface="Helvetica"/>
+                </a:defRPr>
+              </a:pPr>
+              <a:endParaRPr sz="3200" kern="0" dirty="0">
+                <a:solidFill>
+                  <a:srgbClr val="FFFFFF"/>
+                </a:solidFill>
+                <a:ea typeface="Helvetica"/>
+                <a:cs typeface="Helvetica"/>
+                <a:sym typeface="Helvetica"/>
+              </a:endParaRPr>
+            </a:p>
+          </p:txBody>
+        </p:sp>
+        <p:sp>
+          <p:nvSpPr>
+            <p:cNvPr id="6" name="Rectangle"/>
+            <p:cNvSpPr/>
+            <p:nvPr/>
+          </p:nvSpPr>
+          <p:spPr>
+            <a:xfrm>
+              <a:off x="10467974" y="3245592"/>
+              <a:ext cx="8458201" cy="76200"/>
+            </a:xfrm>
+            <a:prstGeom prst="rect">
+              <a:avLst/>
+            </a:prstGeom>
+            <a:solidFill>
+              <a:srgbClr val="FFD966"/>
+            </a:solidFill>
+            <a:ln w="12700">
+              <a:miter lim="400000"/>
+            </a:ln>
+          </p:spPr>
+          <p:txBody>
+            <a:bodyPr lIns="50800" tIns="50800" rIns="50800" bIns="50800" anchor="ctr"/>
+            <a:lstStyle/>
+            <a:p>
+              <a:pPr>
+                <a:defRPr sz="3200">
+                  <a:solidFill>
+                    <a:srgbClr val="FFFFFF"/>
+                  </a:solidFill>
+                  <a:latin typeface="Helvetica"/>
+                  <a:ea typeface="Helvetica"/>
+                  <a:cs typeface="Helvetica"/>
+                  <a:sym typeface="Helvetica"/>
+                </a:defRPr>
+              </a:pPr>
+              <a:endParaRPr sz="3200">
+                <a:solidFill>
+                  <a:srgbClr val="FFFFFF"/>
+                </a:solidFill>
+                <a:latin typeface="方正姚体" panose="02010601030101010101" pitchFamily="2" charset="-122"/>
+                <a:ea typeface="方正姚体" panose="02010601030101010101" pitchFamily="2" charset="-122"/>
+                <a:cs typeface="Helvetica"/>
+                <a:sym typeface="Helvetica"/>
+              </a:endParaRPr>
+            </a:p>
+          </p:txBody>
+        </p:sp>
+      </p:grpSp>
+      <p:sp>
+        <p:nvSpPr>
+          <p:cNvPr id="8" name="The Picture slide"/>
+          <p:cNvSpPr txBox="1"/>
+          <p:nvPr/>
+        </p:nvSpPr>
+        <p:spPr>
+          <a:xfrm>
+            <a:off x="2426713" y="3954551"/>
+            <a:ext cx="7211063" cy="4488408"/>
+          </a:xfrm>
+          <a:prstGeom prst="rect">
+            <a:avLst/>
+          </a:prstGeom>
+          <a:ln w="12700">
+            <a:miter lim="400000"/>
+          </a:ln>
+        </p:spPr>
+        <p:txBody>
+          <a:bodyPr wrap="square" lIns="50800" tIns="50800" rIns="50800" bIns="50800" anchor="t">
+            <a:spAutoFit/>
+          </a:bodyPr>
+          <a:lstStyle>
+            <a:lvl1pPr>
+              <a:defRPr b="1">
+                <a:latin typeface="Helvetica"/>
+                <a:ea typeface="Helvetica"/>
+                <a:cs typeface="Helvetica"/>
+                <a:sym typeface="Helvetica"/>
+              </a:defRPr>
+            </a:lvl1pPr>
+          </a:lstStyle>
+          <a:p>
+            <a:pPr marL="742950" indent="-742950">
+              <a:lnSpc>
+                <a:spcPct val="150000"/>
+              </a:lnSpc>
+              <a:spcBef>
+                <a:spcPts val="600"/>
+              </a:spcBef>
+              <a:buFont typeface="+mj-lt"/>
+              <a:buAutoNum type="arabicPeriod"/>
+            </a:pPr>
+            <a:r>
+              <a:rPr lang="zh-CN" altLang="en-US" b="0" dirty="0" smtClean="0">
+                <a:solidFill>
+                  <a:srgbClr val="000000"/>
+                </a:solidFill>
+                <a:latin typeface="微软雅黑 Light" panose="020B0502040204020203" pitchFamily="34" charset="-122"/>
+                <a:ea typeface="微软雅黑 Light" panose="020B0502040204020203" pitchFamily="34" charset="-122"/>
+                <a:sym typeface="Helvetica Light"/>
+              </a:rPr>
+              <a:t>引用计数</a:t>
+            </a:r>
+            <a:endParaRPr lang="en-US" altLang="zh-CN" b="0" dirty="0" smtClean="0">
+              <a:solidFill>
+                <a:srgbClr val="000000"/>
+              </a:solidFill>
+              <a:latin typeface="微软雅黑 Light" panose="020B0502040204020203" pitchFamily="34" charset="-122"/>
+              <a:ea typeface="微软雅黑 Light" panose="020B0502040204020203" pitchFamily="34" charset="-122"/>
+              <a:sym typeface="Helvetica Light"/>
+            </a:endParaRPr>
+          </a:p>
+          <a:p>
+            <a:pPr marL="742950" indent="-742950">
+              <a:lnSpc>
+                <a:spcPct val="150000"/>
+              </a:lnSpc>
+              <a:spcBef>
+                <a:spcPts val="600"/>
+              </a:spcBef>
+              <a:buFont typeface="+mj-lt"/>
+              <a:buAutoNum type="arabicPeriod"/>
+            </a:pPr>
+            <a:r>
+              <a:rPr lang="en-US" altLang="zh-CN" b="0" dirty="0" err="1" smtClean="0">
+                <a:solidFill>
+                  <a:srgbClr val="000000"/>
+                </a:solidFill>
+                <a:latin typeface="微软雅黑 Light" panose="020B0502040204020203" pitchFamily="34" charset="-122"/>
+                <a:ea typeface="微软雅黑 Light" panose="020B0502040204020203" pitchFamily="34" charset="-122"/>
+                <a:sym typeface="Helvetica Light"/>
+              </a:rPr>
+              <a:t>std</a:t>
+            </a:r>
+            <a:r>
+              <a:rPr lang="en-US" altLang="zh-CN" b="0" dirty="0" smtClean="0">
+                <a:solidFill>
+                  <a:srgbClr val="000000"/>
+                </a:solidFill>
+                <a:latin typeface="微软雅黑 Light" panose="020B0502040204020203" pitchFamily="34" charset="-122"/>
+                <a:ea typeface="微软雅黑 Light" panose="020B0502040204020203" pitchFamily="34" charset="-122"/>
+                <a:sym typeface="Helvetica Light"/>
+              </a:rPr>
+              <a:t>::thread</a:t>
+            </a:r>
+            <a:r>
+              <a:rPr lang="zh-CN" altLang="en-US" b="0" dirty="0" smtClean="0">
+                <a:solidFill>
+                  <a:srgbClr val="000000"/>
+                </a:solidFill>
+                <a:latin typeface="微软雅黑 Light" panose="020B0502040204020203" pitchFamily="34" charset="-122"/>
+                <a:ea typeface="微软雅黑 Light" panose="020B0502040204020203" pitchFamily="34" charset="-122"/>
+                <a:sym typeface="Helvetica Light"/>
+              </a:rPr>
+              <a:t>的</a:t>
+            </a:r>
+            <a:r>
+              <a:rPr lang="en-US" altLang="zh-CN" b="0" dirty="0" err="1" smtClean="0">
+                <a:solidFill>
+                  <a:srgbClr val="000000"/>
+                </a:solidFill>
+                <a:latin typeface="微软雅黑 Light" panose="020B0502040204020203" pitchFamily="34" charset="-122"/>
+                <a:ea typeface="微软雅黑 Light" panose="020B0502040204020203" pitchFamily="34" charset="-122"/>
+                <a:sym typeface="Helvetica Light"/>
+                <a:hlinkClick r:id="rId3"/>
+              </a:rPr>
+              <a:t>mutex</a:t>
+            </a:r>
+            <a:r>
+              <a:rPr lang="en-US" altLang="zh-CN" b="0" dirty="0" smtClean="0">
+                <a:solidFill>
+                  <a:srgbClr val="000000"/>
+                </a:solidFill>
+                <a:latin typeface="微软雅黑 Light" panose="020B0502040204020203" pitchFamily="34" charset="-122"/>
+                <a:ea typeface="微软雅黑 Light" panose="020B0502040204020203" pitchFamily="34" charset="-122"/>
+                <a:sym typeface="Helvetica Light"/>
+              </a:rPr>
+              <a:t>, </a:t>
+            </a:r>
+            <a:r>
+              <a:rPr lang="en-US" altLang="zh-CN" b="0" dirty="0" err="1" smtClean="0">
+                <a:solidFill>
+                  <a:srgbClr val="000000"/>
+                </a:solidFill>
+                <a:latin typeface="微软雅黑 Light" panose="020B0502040204020203" pitchFamily="34" charset="-122"/>
+                <a:ea typeface="微软雅黑 Light" panose="020B0502040204020203" pitchFamily="34" charset="-122"/>
+                <a:sym typeface="Helvetica Light"/>
+                <a:hlinkClick r:id="rId4"/>
+              </a:rPr>
+              <a:t>condition_variable</a:t>
+            </a:r>
+            <a:r>
+              <a:rPr lang="en-US" altLang="zh-CN" dirty="0" smtClean="0">
+                <a:solidFill>
+                  <a:srgbClr val="000000"/>
+                </a:solidFill>
+                <a:latin typeface="微软雅黑 Light" panose="020B0502040204020203" pitchFamily="34" charset="-122"/>
+                <a:ea typeface="微软雅黑 Light" panose="020B0502040204020203" pitchFamily="34" charset="-122"/>
+                <a:sym typeface="Helvetica Light"/>
+              </a:rPr>
+              <a:t>, </a:t>
+            </a:r>
+            <a:r>
+              <a:rPr lang="en-US" altLang="zh-CN" b="0" dirty="0" smtClean="0">
+                <a:solidFill>
+                  <a:srgbClr val="000000"/>
+                </a:solidFill>
+                <a:latin typeface="微软雅黑 Light" panose="020B0502040204020203" pitchFamily="34" charset="-122"/>
+                <a:ea typeface="微软雅黑 Light" panose="020B0502040204020203" pitchFamily="34" charset="-122"/>
+                <a:sym typeface="Helvetica Light"/>
+                <a:hlinkClick r:id="rId5"/>
+              </a:rPr>
+              <a:t>wait notify</a:t>
+            </a:r>
+            <a:endParaRPr lang="en-US" altLang="zh-CN" b="0" dirty="0" smtClean="0">
+              <a:solidFill>
+                <a:srgbClr val="000000"/>
+              </a:solidFill>
+              <a:latin typeface="微软雅黑 Light" panose="020B0502040204020203" pitchFamily="34" charset="-122"/>
+              <a:ea typeface="微软雅黑 Light" panose="020B0502040204020203" pitchFamily="34" charset="-122"/>
+              <a:sym typeface="Helvetica Light"/>
+            </a:endParaRPr>
+          </a:p>
+          <a:p>
+            <a:pPr marL="742950" indent="-742950">
+              <a:lnSpc>
+                <a:spcPct val="150000"/>
+              </a:lnSpc>
+              <a:spcBef>
+                <a:spcPts val="600"/>
+              </a:spcBef>
+              <a:buFont typeface="+mj-lt"/>
+              <a:buAutoNum type="arabicPeriod"/>
+            </a:pPr>
+            <a:r>
+              <a:rPr lang="zh-CN" altLang="en-US" b="0" dirty="0" smtClean="0">
+                <a:solidFill>
+                  <a:srgbClr val="000000"/>
+                </a:solidFill>
+                <a:latin typeface="微软雅黑 Light" panose="020B0502040204020203" pitchFamily="34" charset="-122"/>
+                <a:ea typeface="微软雅黑 Light" panose="020B0502040204020203" pitchFamily="34" charset="-122"/>
+                <a:sym typeface="Helvetica Light"/>
+              </a:rPr>
+              <a:t>生产者</a:t>
+            </a:r>
+            <a:r>
+              <a:rPr lang="en-US" altLang="zh-CN" b="0" dirty="0" smtClean="0">
+                <a:solidFill>
+                  <a:srgbClr val="000000"/>
+                </a:solidFill>
+                <a:latin typeface="微软雅黑 Light" panose="020B0502040204020203" pitchFamily="34" charset="-122"/>
+                <a:ea typeface="微软雅黑 Light" panose="020B0502040204020203" pitchFamily="34" charset="-122"/>
+                <a:sym typeface="Helvetica Light"/>
+              </a:rPr>
+              <a:t>-&gt;</a:t>
+            </a:r>
+            <a:r>
+              <a:rPr lang="zh-CN" altLang="en-US" b="0" dirty="0" smtClean="0">
+                <a:solidFill>
+                  <a:srgbClr val="000000"/>
+                </a:solidFill>
+                <a:latin typeface="微软雅黑 Light" panose="020B0502040204020203" pitchFamily="34" charset="-122"/>
+                <a:ea typeface="微软雅黑 Light" panose="020B0502040204020203" pitchFamily="34" charset="-122"/>
+                <a:sym typeface="Helvetica Light"/>
+              </a:rPr>
+              <a:t>消费者模式</a:t>
+            </a:r>
+            <a:endParaRPr lang="en-US" altLang="zh-CN" b="0" dirty="0" smtClean="0">
+              <a:solidFill>
+                <a:srgbClr val="000000"/>
+              </a:solidFill>
+              <a:latin typeface="微软雅黑 Light" panose="020B0502040204020203" pitchFamily="34" charset="-122"/>
+              <a:ea typeface="微软雅黑 Light" panose="020B0502040204020203" pitchFamily="34" charset="-122"/>
+              <a:sym typeface="Helvetica Light"/>
+            </a:endParaRPr>
+          </a:p>
+          <a:p>
+            <a:pPr>
+              <a:lnSpc>
+                <a:spcPct val="150000"/>
+              </a:lnSpc>
+              <a:spcBef>
+                <a:spcPts val="600"/>
+              </a:spcBef>
+            </a:pPr>
+            <a:endParaRPr lang="en-US" altLang="zh-CN" b="0" dirty="0">
+              <a:solidFill>
+                <a:srgbClr val="000000"/>
+              </a:solidFill>
+              <a:latin typeface="微软雅黑 Light" panose="020B0502040204020203" pitchFamily="34" charset="-122"/>
+              <a:ea typeface="微软雅黑 Light" panose="020B0502040204020203" pitchFamily="34" charset="-122"/>
+              <a:sym typeface="Helvetica Light"/>
+            </a:endParaRPr>
+          </a:p>
+        </p:txBody>
+      </p:sp>
+      <p:sp>
+        <p:nvSpPr>
+          <p:cNvPr id="9" name="The Picture slide"/>
+          <p:cNvSpPr txBox="1"/>
+          <p:nvPr/>
+        </p:nvSpPr>
+        <p:spPr>
+          <a:xfrm>
+            <a:off x="2800789" y="1996514"/>
+            <a:ext cx="10604967" cy="1025922"/>
+          </a:xfrm>
+          <a:prstGeom prst="rect">
+            <a:avLst/>
+          </a:prstGeom>
+          <a:ln w="12700">
+            <a:miter lim="400000"/>
+          </a:ln>
+        </p:spPr>
+        <p:txBody>
+          <a:bodyPr wrap="square" lIns="54864" tIns="50800" rIns="50800" bIns="50800" anchor="b">
+            <a:spAutoFit/>
+          </a:bodyPr>
+          <a:lstStyle>
+            <a:lvl1pPr>
+              <a:defRPr b="1">
+                <a:latin typeface="Helvetica"/>
+                <a:ea typeface="Helvetica"/>
+                <a:cs typeface="Helvetica"/>
+                <a:sym typeface="Helvetica"/>
+              </a:defRPr>
+            </a:lvl1pPr>
+          </a:lstStyle>
+          <a:p>
+            <a:pPr defTabSz="825500" hangingPunct="0"/>
+            <a:r>
+              <a:rPr lang="zh-CN" altLang="en-US" sz="6000" kern="0" cap="all" dirty="0" smtClean="0">
+                <a:solidFill>
+                  <a:srgbClr val="000000"/>
+                </a:solidFill>
+                <a:latin typeface="微软雅黑" panose="020B0503020204020204" pitchFamily="34" charset="-122"/>
+                <a:ea typeface="微软雅黑" panose="020B0503020204020204" pitchFamily="34" charset="-122"/>
+              </a:rPr>
+              <a:t>线程同步</a:t>
+            </a:r>
+            <a:r>
+              <a:rPr lang="zh-CN" altLang="en-US" sz="6000" kern="0" cap="all" dirty="0">
+                <a:solidFill>
+                  <a:srgbClr val="000000"/>
+                </a:solidFill>
+                <a:latin typeface="微软雅黑" panose="020B0503020204020204" pitchFamily="34" charset="-122"/>
+                <a:ea typeface="微软雅黑" panose="020B0503020204020204" pitchFamily="34" charset="-122"/>
+              </a:rPr>
+              <a:t>方法</a:t>
+            </a:r>
+          </a:p>
+        </p:txBody>
+      </p:sp>
+      <p:pic>
+        <p:nvPicPr>
+          <p:cNvPr id="12" name="Picture 5"/>
+          <p:cNvPicPr>
+            <a:picLocks noChangeAspect="1"/>
+          </p:cNvPicPr>
+          <p:nvPr/>
+        </p:nvPicPr>
+        <p:blipFill>
+          <a:blip r:embed="rId6">
+            <a:extLst>
+              <a:ext uri="{28A0092B-C50C-407E-A947-70E740481C1C}">
+                <a14:useLocalDpi xmlns:a14="http://schemas.microsoft.com/office/drawing/2010/main" val="0"/>
+              </a:ext>
+            </a:extLst>
+          </a:blip>
+          <a:stretch>
+            <a:fillRect/>
+          </a:stretch>
+        </p:blipFill>
+        <p:spPr>
+          <a:xfrm>
+            <a:off x="1516141" y="1889303"/>
+            <a:ext cx="1240345" cy="1240345"/>
+          </a:xfrm>
+          <a:prstGeom prst="rect">
+            <a:avLst/>
+          </a:prstGeom>
+        </p:spPr>
+      </p:pic>
+      <p:pic>
+        <p:nvPicPr>
+          <p:cNvPr id="2" name="图片 1"/>
+          <p:cNvPicPr>
+            <a:picLocks noChangeAspect="1"/>
+          </p:cNvPicPr>
+          <p:nvPr/>
+        </p:nvPicPr>
+        <p:blipFill>
+          <a:blip r:embed="rId7"/>
+          <a:stretch>
+            <a:fillRect/>
+          </a:stretch>
+        </p:blipFill>
+        <p:spPr>
+          <a:xfrm>
+            <a:off x="9795651" y="288380"/>
+            <a:ext cx="14602486" cy="5468112"/>
+          </a:xfrm>
+          <a:prstGeom prst="rect">
+            <a:avLst/>
+          </a:prstGeom>
+        </p:spPr>
+      </p:pic>
+      <p:pic>
+        <p:nvPicPr>
+          <p:cNvPr id="3" name="图片 2"/>
+          <p:cNvPicPr>
+            <a:picLocks noChangeAspect="1"/>
+          </p:cNvPicPr>
+          <p:nvPr/>
+        </p:nvPicPr>
+        <p:blipFill>
+          <a:blip r:embed="rId8"/>
+          <a:stretch>
+            <a:fillRect/>
+          </a:stretch>
+        </p:blipFill>
+        <p:spPr>
+          <a:xfrm>
+            <a:off x="9809789" y="6104644"/>
+            <a:ext cx="14574211" cy="7611356"/>
           </a:xfrm>
           <a:prstGeom prst="rect">
             <a:avLst/>
@@ -15304,7 +17926,7 @@
 </p:sld>
 </file>
 
-<file path=ppt/slides/slide21.xml><?xml version="1.0" encoding="utf-8"?>
+<file path=ppt/slides/slide24.xml><?xml version="1.0" encoding="utf-8"?>
 <p:sld xmlns:a="http://schemas.openxmlformats.org/drawingml/2006/main" xmlns:r="http://schemas.openxmlformats.org/officeDocument/2006/relationships" xmlns:p="http://schemas.openxmlformats.org/presentationml/2006/main">
   <p:cSld>
     <p:bg>
@@ -15452,7 +18074,7 @@
         <p:spPr>
           <a:xfrm>
             <a:off x="2426713" y="3954551"/>
-            <a:ext cx="10423873" cy="6227346"/>
+            <a:ext cx="10423873" cy="3503523"/>
           </a:xfrm>
           <a:prstGeom prst="rect">
             <a:avLst/>
@@ -15582,81 +18204,21 @@
                 <a:latin typeface="微软雅黑 Light" panose="020B0502040204020203" pitchFamily="34" charset="-122"/>
                 <a:ea typeface="微软雅黑 Light" panose="020B0502040204020203" pitchFamily="34" charset="-122"/>
                 <a:sym typeface="Helvetica Light"/>
-              </a:rPr>
-              <a:t>状态同步：</a:t>
-            </a:r>
-            <a:endParaRPr lang="en-US" altLang="zh-CN" b="0" dirty="0" smtClean="0">
-              <a:solidFill>
-                <a:srgbClr val="000000"/>
-              </a:solidFill>
-              <a:latin typeface="微软雅黑 Light" panose="020B0502040204020203" pitchFamily="34" charset="-122"/>
-              <a:ea typeface="微软雅黑 Light" panose="020B0502040204020203" pitchFamily="34" charset="-122"/>
-              <a:sym typeface="Helvetica Light"/>
-            </a:endParaRPr>
-          </a:p>
-          <a:p>
-            <a:pPr marL="1657350" lvl="1" indent="-742950">
-              <a:lnSpc>
-                <a:spcPct val="150000"/>
-              </a:lnSpc>
-              <a:spcBef>
-                <a:spcPts val="600"/>
-              </a:spcBef>
-              <a:buFont typeface="+mj-lt"/>
-              <a:buAutoNum type="arabicPeriod"/>
-            </a:pPr>
-            <a:r>
-              <a:rPr lang="en-US" altLang="zh-CN" dirty="0" err="1" smtClean="0">
-                <a:latin typeface="微软雅黑 Light" panose="020B0502040204020203" pitchFamily="34" charset="-122"/>
-                <a:ea typeface="微软雅黑 Light" panose="020B0502040204020203" pitchFamily="34" charset="-122"/>
-              </a:rPr>
-              <a:t>FFrameEndSync</a:t>
-            </a:r>
-            <a:endParaRPr lang="en-US" altLang="zh-CN" dirty="0" smtClean="0">
-              <a:latin typeface="微软雅黑 Light" panose="020B0502040204020203" pitchFamily="34" charset="-122"/>
-              <a:ea typeface="微软雅黑 Light" panose="020B0502040204020203" pitchFamily="34" charset="-122"/>
-            </a:endParaRPr>
-          </a:p>
-          <a:p>
-            <a:pPr marL="1657350" lvl="1" indent="-742950">
-              <a:lnSpc>
-                <a:spcPct val="150000"/>
-              </a:lnSpc>
-              <a:spcBef>
-                <a:spcPts val="600"/>
-              </a:spcBef>
-              <a:buFont typeface="+mj-lt"/>
-              <a:buAutoNum type="arabicPeriod"/>
-            </a:pPr>
-            <a:r>
-              <a:rPr lang="en-US" altLang="zh-CN" dirty="0" err="1" smtClean="0">
-                <a:latin typeface="微软雅黑 Light" panose="020B0502040204020203" pitchFamily="34" charset="-122"/>
-                <a:ea typeface="微软雅黑 Light" panose="020B0502040204020203" pitchFamily="34" charset="-122"/>
-              </a:rPr>
-              <a:t>FRenderCommandFence</a:t>
-            </a:r>
-            <a:endParaRPr lang="en-US" altLang="zh-CN" dirty="0" smtClean="0">
-              <a:latin typeface="微软雅黑 Light" panose="020B0502040204020203" pitchFamily="34" charset="-122"/>
-              <a:ea typeface="微软雅黑 Light" panose="020B0502040204020203" pitchFamily="34" charset="-122"/>
-            </a:endParaRPr>
-          </a:p>
-          <a:p>
-            <a:pPr marL="1657350" lvl="1" indent="-742950">
-              <a:lnSpc>
-                <a:spcPct val="150000"/>
-              </a:lnSpc>
-              <a:spcBef>
-                <a:spcPts val="600"/>
-              </a:spcBef>
-              <a:buFont typeface="+mj-lt"/>
-              <a:buAutoNum type="arabicPeriod"/>
-            </a:pPr>
-            <a:r>
-              <a:rPr lang="en-US" altLang="zh-CN" dirty="0" err="1">
-                <a:latin typeface="微软雅黑 Light" panose="020B0502040204020203" pitchFamily="34" charset="-122"/>
-                <a:ea typeface="微软雅黑 Light" panose="020B0502040204020203" pitchFamily="34" charset="-122"/>
-              </a:rPr>
-              <a:t>FNullGraphTask</a:t>
+                <a:hlinkClick r:id="rId4"/>
+              </a:rPr>
+              <a:t>状态</a:t>
+            </a:r>
+            <a:r>
+              <a:rPr lang="zh-CN" altLang="en-US" b="0" dirty="0" smtClean="0">
+                <a:solidFill>
+                  <a:srgbClr val="000000"/>
+                </a:solidFill>
+                <a:latin typeface="微软雅黑 Light" panose="020B0502040204020203" pitchFamily="34" charset="-122"/>
+                <a:ea typeface="微软雅黑 Light" panose="020B0502040204020203" pitchFamily="34" charset="-122"/>
+                <a:sym typeface="Helvetica Light"/>
+                <a:hlinkClick r:id="rId4"/>
+              </a:rPr>
+              <a:t>同步</a:t>
             </a:r>
             <a:endParaRPr lang="en-US" altLang="zh-CN" dirty="0">
               <a:solidFill>
@@ -15678,7 +18240,7 @@
           <p:nvPr/>
         </p:nvPicPr>
         <p:blipFill>
-          <a:blip r:embed="rId4">
+          <a:blip r:embed="rId5">
             <a:extLst>
               <a:ext uri="{28A0092B-C50C-407E-A947-70E740481C1C}">
                 <a14:useLocalDpi xmlns:a14="http://schemas.microsoft.com/office/drawing/2010/main" val="0"/>
@@ -15748,22 +18310,22 @@
       </p:sp>
       <p:pic>
         <p:nvPicPr>
-          <p:cNvPr id="2" name="图片 1"/>
+          <p:cNvPr id="3" name="图片 2"/>
           <p:cNvPicPr>
             <a:picLocks noChangeAspect="1"/>
           </p:cNvPicPr>
           <p:nvPr/>
         </p:nvPicPr>
         <p:blipFill>
-          <a:blip r:embed="rId5"/>
+          <a:blip r:embed="rId6"/>
           <a:stretch>
             <a:fillRect/>
           </a:stretch>
         </p:blipFill>
         <p:spPr>
           <a:xfrm>
-            <a:off x="14561258" y="2047588"/>
-            <a:ext cx="8565442" cy="10294846"/>
+            <a:off x="14090931" y="1658107"/>
+            <a:ext cx="9011665" cy="10820234"/>
           </a:xfrm>
           <a:prstGeom prst="rect">
             <a:avLst/>
@@ -15784,7 +18346,7 @@
 </p:sld>
 </file>
 
-<file path=ppt/slides/slide22.xml><?xml version="1.0" encoding="utf-8"?>
+<file path=ppt/slides/slide25.xml><?xml version="1.0" encoding="utf-8"?>
 <p:sld xmlns:a="http://schemas.openxmlformats.org/drawingml/2006/main" xmlns:r="http://schemas.openxmlformats.org/officeDocument/2006/relationships" xmlns:p="http://schemas.openxmlformats.org/presentationml/2006/main">
   <p:cSld>
     <p:bg>
@@ -15819,8 +18381,8 @@
         </p:nvGrpSpPr>
         <p:grpSpPr>
           <a:xfrm>
-            <a:off x="1516141" y="0"/>
-            <a:ext cx="11465073" cy="13716000"/>
+            <a:off x="1516142" y="0"/>
+            <a:ext cx="10539010" cy="13716000"/>
             <a:chOff x="10467974" y="26142"/>
             <a:chExt cx="16015357" cy="13716000"/>
           </a:xfrm>
@@ -15932,7 +18494,7 @@
         <p:spPr>
           <a:xfrm>
             <a:off x="2426713" y="3954551"/>
-            <a:ext cx="10423873" cy="5242461"/>
+            <a:ext cx="8546087" cy="3580467"/>
           </a:xfrm>
           <a:prstGeom prst="rect">
             <a:avLst/>
@@ -15975,18 +18537,7 @@
                 <a:ea typeface="微软雅黑 Light" panose="020B0502040204020203" pitchFamily="34" charset="-122"/>
                 <a:sym typeface="Helvetica Light"/>
               </a:rPr>
-              <a:t>数据</a:t>
-            </a:r>
-            <a:r>
-              <a:rPr lang="zh-CN" altLang="en-US" b="0" dirty="0" smtClean="0">
-                <a:solidFill>
-                  <a:srgbClr val="000000"/>
-                </a:solidFill>
-                <a:latin typeface="微软雅黑 Light" panose="020B0502040204020203" pitchFamily="34" charset="-122"/>
-                <a:ea typeface="微软雅黑 Light" panose="020B0502040204020203" pitchFamily="34" charset="-122"/>
-                <a:sym typeface="Helvetica Light"/>
-              </a:rPr>
-              <a:t>同步：</a:t>
+              <a:t>数据同步：</a:t>
             </a:r>
             <a:r>
               <a:rPr lang="en-US" altLang="zh-CN" b="0" dirty="0" smtClean="0">
@@ -15999,17 +18550,14 @@
               </a:rPr>
               <a:t>ENQUEUE_RENDER_COMMAND</a:t>
             </a:r>
-            <a:r>
-              <a:rPr lang="en-US" altLang="zh-CN" b="0" dirty="0" smtClean="0">
-                <a:solidFill>
-                  <a:srgbClr val="000000"/>
-                </a:solidFill>
-                <a:latin typeface="微软雅黑 Light" panose="020B0502040204020203" pitchFamily="34" charset="-122"/>
-                <a:ea typeface="微软雅黑 Light" panose="020B0502040204020203" pitchFamily="34" charset="-122"/>
-                <a:sym typeface="Helvetica Light"/>
-              </a:rPr>
-              <a:t>(…)([](…){…})</a:t>
-            </a:r>
+            <a:endParaRPr lang="en-US" altLang="zh-CN" b="0" dirty="0" smtClean="0">
+              <a:solidFill>
+                <a:srgbClr val="000000"/>
+              </a:solidFill>
+              <a:latin typeface="微软雅黑 Light" panose="020B0502040204020203" pitchFamily="34" charset="-122"/>
+              <a:ea typeface="微软雅黑 Light" panose="020B0502040204020203" pitchFamily="34" charset="-122"/>
+              <a:sym typeface="Helvetica Light"/>
+            </a:endParaRPr>
           </a:p>
           <a:p>
             <a:pPr marL="571500" indent="-571500">
@@ -16023,6 +18571,17 @@
               <a:buChar char="•"/>
             </a:pPr>
             <a:r>
+              <a:rPr lang="en-US" altLang="zh-CN" b="0" dirty="0" smtClean="0">
+                <a:solidFill>
+                  <a:srgbClr val="000000"/>
+                </a:solidFill>
+                <a:latin typeface="微软雅黑 Light" panose="020B0502040204020203" pitchFamily="34" charset="-122"/>
+                <a:ea typeface="微软雅黑 Light" panose="020B0502040204020203" pitchFamily="34" charset="-122"/>
+                <a:sym typeface="Helvetica Light"/>
+              </a:rPr>
+              <a:t>Game</a:t>
+            </a:r>
+            <a:r>
               <a:rPr lang="zh-CN" altLang="en-US" b="0" dirty="0" smtClean="0">
                 <a:solidFill>
                   <a:srgbClr val="000000"/>
@@ -16031,7 +18590,7 @@
                 <a:ea typeface="微软雅黑 Light" panose="020B0502040204020203" pitchFamily="34" charset="-122"/>
                 <a:sym typeface="Helvetica Light"/>
               </a:rPr>
-              <a:t>通过</a:t>
+              <a:t>线程数据</a:t>
             </a:r>
             <a:r>
               <a:rPr lang="en-US" altLang="zh-CN" b="0" dirty="0" smtClean="0">
@@ -16042,18 +18601,7 @@
                 <a:ea typeface="微软雅黑 Light" panose="020B0502040204020203" pitchFamily="34" charset="-122"/>
                 <a:sym typeface="Helvetica Light"/>
               </a:rPr>
-              <a:t>Game</a:t>
-            </a:r>
-            <a:r>
-              <a:rPr lang="zh-CN" altLang="en-US" b="0" dirty="0" smtClean="0">
-                <a:solidFill>
-                  <a:srgbClr val="000000"/>
-                </a:solidFill>
-                <a:latin typeface="微软雅黑 Light" panose="020B0502040204020203" pitchFamily="34" charset="-122"/>
-                <a:ea typeface="微软雅黑 Light" panose="020B0502040204020203" pitchFamily="34" charset="-122"/>
-                <a:sym typeface="Helvetica Light"/>
-              </a:rPr>
-              <a:t>线程</a:t>
+              <a:t>: </a:t>
             </a:r>
             <a:r>
               <a:rPr lang="en-US" altLang="zh-CN" b="0" dirty="0" err="1" smtClean="0">
@@ -16077,40 +18625,7 @@
               </a:rPr>
               <a:t> </a:t>
             </a:r>
-            <a:r>
-              <a:rPr lang="zh-CN" altLang="en-US" b="0" dirty="0" smtClean="0">
-                <a:solidFill>
-                  <a:srgbClr val="000000"/>
-                </a:solidFill>
-                <a:latin typeface="微软雅黑 Light" panose="020B0502040204020203" pitchFamily="34" charset="-122"/>
-                <a:ea typeface="微软雅黑 Light" panose="020B0502040204020203" pitchFamily="34" charset="-122"/>
-                <a:sym typeface="Helvetica Light"/>
-              </a:rPr>
-              <a:t>数据， 来构造</a:t>
-            </a:r>
-            <a:r>
-              <a:rPr lang="en-US" altLang="zh-CN" b="0" dirty="0" err="1" smtClean="0">
-                <a:solidFill>
-                  <a:srgbClr val="000000"/>
-                </a:solidFill>
-                <a:latin typeface="微软雅黑 Light" panose="020B0502040204020203" pitchFamily="34" charset="-122"/>
-                <a:ea typeface="微软雅黑 Light" panose="020B0502040204020203" pitchFamily="34" charset="-122"/>
-                <a:sym typeface="Helvetica Light"/>
-              </a:rPr>
-              <a:t>Fxxx</a:t>
-            </a:r>
-            <a:r>
-              <a:rPr lang="zh-CN" altLang="en-US" b="0" dirty="0" smtClean="0">
-                <a:solidFill>
-                  <a:srgbClr val="000000"/>
-                </a:solidFill>
-                <a:latin typeface="微软雅黑 Light" panose="020B0502040204020203" pitchFamily="34" charset="-122"/>
-                <a:ea typeface="微软雅黑 Light" panose="020B0502040204020203" pitchFamily="34" charset="-122"/>
-                <a:sym typeface="Helvetica Light"/>
-              </a:rPr>
-              <a:t>的渲染线程数据，并以任务的形式向渲染线程派发执行。</a:t>
-            </a:r>
-            <a:endParaRPr lang="en-US" altLang="zh-CN" b="0" dirty="0" smtClean="0">
+            <a:endParaRPr lang="en-US" altLang="zh-CN" b="0" dirty="0">
               <a:solidFill>
                 <a:srgbClr val="000000"/>
               </a:solidFill>
@@ -16139,7 +18654,7 @@
                 <a:ea typeface="微软雅黑 Light" panose="020B0502040204020203" pitchFamily="34" charset="-122"/>
                 <a:sym typeface="Helvetica Light"/>
               </a:rPr>
-              <a:t>简单举例：</a:t>
+              <a:t>渲染线程拘束</a:t>
             </a:r>
             <a:r>
               <a:rPr lang="en-US" altLang="zh-CN" b="0" dirty="0" smtClean="0">
@@ -16150,7 +18665,7 @@
                 <a:ea typeface="微软雅黑 Light" panose="020B0502040204020203" pitchFamily="34" charset="-122"/>
                 <a:sym typeface="Helvetica Light"/>
               </a:rPr>
-              <a:t>Game</a:t>
+              <a:t>: </a:t>
             </a:r>
             <a:r>
               <a:rPr lang="zh-CN" altLang="en-US" b="0" dirty="0" smtClean="0">
@@ -16161,7 +18676,7 @@
                 <a:ea typeface="微软雅黑 Light" panose="020B0502040204020203" pitchFamily="34" charset="-122"/>
                 <a:sym typeface="Helvetica Light"/>
               </a:rPr>
-              <a:t>线程向渲染线程传递</a:t>
+              <a:t> </a:t>
             </a:r>
             <a:r>
               <a:rPr lang="en-US" altLang="zh-CN" b="0" dirty="0" err="1" smtClean="0">
@@ -16172,9 +18687,9 @@
                 <a:ea typeface="微软雅黑 Light" panose="020B0502040204020203" pitchFamily="34" charset="-122"/>
                 <a:sym typeface="Helvetica Light"/>
               </a:rPr>
-              <a:t>VertexBuffer</a:t>
-            </a:r>
-            <a:endParaRPr lang="en-US" altLang="zh-CN" b="0" dirty="0">
+              <a:t>Fxxx</a:t>
+            </a:r>
+            <a:endParaRPr lang="en-US" altLang="zh-CN" b="0" dirty="0" smtClean="0">
               <a:solidFill>
                 <a:srgbClr val="000000"/>
               </a:solidFill>
@@ -16264,7 +18779,7 @@
       </p:sp>
       <p:pic>
         <p:nvPicPr>
-          <p:cNvPr id="2" name="图片 1"/>
+          <p:cNvPr id="7" name="图片 6"/>
           <p:cNvPicPr>
             <a:picLocks noChangeAspect="1"/>
           </p:cNvPicPr>
@@ -16278,8 +18793,8 @@
         </p:blipFill>
         <p:spPr>
           <a:xfrm>
-            <a:off x="14393009" y="2047588"/>
-            <a:ext cx="8314591" cy="8691748"/>
+            <a:off x="12055152" y="3721358"/>
+            <a:ext cx="12392271" cy="4321629"/>
           </a:xfrm>
           <a:prstGeom prst="rect">
             <a:avLst/>
@@ -16300,7 +18815,7 @@
 </p:sld>
 </file>
 
-<file path=ppt/slides/slide23.xml><?xml version="1.0" encoding="utf-8"?>
+<file path=ppt/slides/slide26.xml><?xml version="1.0" encoding="utf-8"?>
 <p:sld xmlns:a="http://schemas.openxmlformats.org/drawingml/2006/main" xmlns:r="http://schemas.openxmlformats.org/officeDocument/2006/relationships" xmlns:p="http://schemas.openxmlformats.org/presentationml/2006/main">
   <p:cSld>
     <p:spTree>
@@ -17082,7 +19597,7 @@
 </p:sld>
 </file>
 
-<file path=ppt/slides/slide24.xml><?xml version="1.0" encoding="utf-8"?>
+<file path=ppt/slides/slide27.xml><?xml version="1.0" encoding="utf-8"?>
 <p:sld xmlns:a="http://schemas.openxmlformats.org/drawingml/2006/main" xmlns:r="http://schemas.openxmlformats.org/officeDocument/2006/relationships" xmlns:p="http://schemas.openxmlformats.org/presentationml/2006/main">
   <p:cSld>
     <p:bg>
@@ -17231,7 +19746,7 @@
 </p:sld>
 </file>
 
-<file path=ppt/slides/slide25.xml><?xml version="1.0" encoding="utf-8"?>
+<file path=ppt/slides/slide28.xml><?xml version="1.0" encoding="utf-8"?>
 <p:sld xmlns:a="http://schemas.openxmlformats.org/drawingml/2006/main" xmlns:r="http://schemas.openxmlformats.org/officeDocument/2006/relationships" xmlns:p="http://schemas.openxmlformats.org/presentationml/2006/main">
   <p:cSld>
     <p:bg>
@@ -17738,7 +20253,7 @@
 </p:sld>
 </file>
 
-<file path=ppt/slides/slide26.xml><?xml version="1.0" encoding="utf-8"?>
+<file path=ppt/slides/slide29.xml><?xml version="1.0" encoding="utf-8"?>
 <p:sld xmlns:a="http://schemas.openxmlformats.org/drawingml/2006/main" xmlns:r="http://schemas.openxmlformats.org/officeDocument/2006/relationships" xmlns:p="http://schemas.openxmlformats.org/presentationml/2006/main">
   <p:cSld>
     <p:bg>
@@ -18289,7 +20804,149 @@
 </p:sld>
 </file>
 
-<file path=ppt/slides/slide27.xml><?xml version="1.0" encoding="utf-8"?>
+<file path=ppt/slides/slide3.xml><?xml version="1.0" encoding="utf-8"?>
+<p:sld xmlns:a="http://schemas.openxmlformats.org/drawingml/2006/main" xmlns:r="http://schemas.openxmlformats.org/officeDocument/2006/relationships" xmlns:p="http://schemas.openxmlformats.org/presentationml/2006/main">
+  <p:cSld>
+    <p:bg>
+      <p:bgPr>
+        <a:solidFill>
+          <a:srgbClr val="292929"/>
+        </a:solidFill>
+        <a:effectLst/>
+      </p:bgPr>
+    </p:bg>
+    <p:spTree>
+      <p:nvGrpSpPr>
+        <p:cNvPr id="1" name=""/>
+        <p:cNvGrpSpPr/>
+        <p:nvPr/>
+      </p:nvGrpSpPr>
+      <p:grpSpPr>
+        <a:xfrm>
+          <a:off x="0" y="0"/>
+          <a:ext cx="0" cy="0"/>
+          <a:chOff x="0" y="0"/>
+          <a:chExt cx="0" cy="0"/>
+        </a:xfrm>
+      </p:grpSpPr>
+      <p:sp>
+        <p:nvSpPr>
+          <p:cNvPr id="44" name="You are the face that has changed my whole world. You are the face that I see everywhere I go. You are so beautiful to me that I can’t explain , Just like a green flower porcelain"/>
+          <p:cNvSpPr txBox="1"/>
+          <p:nvPr/>
+        </p:nvSpPr>
+        <p:spPr>
+          <a:xfrm>
+            <a:off x="4366159" y="7443590"/>
+            <a:ext cx="15651686" cy="1025922"/>
+          </a:xfrm>
+          <a:prstGeom prst="rect">
+            <a:avLst/>
+          </a:prstGeom>
+          <a:ln w="12700">
+            <a:miter lim="400000"/>
+          </a:ln>
+        </p:spPr>
+        <p:txBody>
+          <a:bodyPr lIns="50800" tIns="50800" rIns="50800" bIns="50800" anchor="ctr">
+            <a:spAutoFit/>
+          </a:bodyPr>
+          <a:lstStyle>
+            <a:lvl1pPr>
+              <a:defRPr sz="2400">
+                <a:solidFill>
+                  <a:srgbClr val="FFFFFF"/>
+                </a:solidFill>
+                <a:latin typeface="Helvetica"/>
+                <a:ea typeface="Helvetica"/>
+                <a:cs typeface="Helvetica"/>
+                <a:sym typeface="Helvetica"/>
+              </a:defRPr>
+            </a:lvl1pPr>
+          </a:lstStyle>
+          <a:p>
+            <a:pPr algn="ctr" defTabSz="825500" hangingPunct="0"/>
+            <a:r>
+              <a:rPr lang="zh-CN" altLang="en-US" sz="6000" dirty="0">
+                <a:latin typeface="微软雅黑 Light" panose="020B0502040204020203" pitchFamily="34" charset="-122"/>
+                <a:ea typeface="微软雅黑 Light" panose="020B0502040204020203" pitchFamily="34" charset="-122"/>
+                <a:cs typeface="宋体" panose="02010600030101010101" pitchFamily="2" charset="-122"/>
+              </a:rPr>
+              <a:t>引擎概要</a:t>
+            </a:r>
+            <a:endParaRPr lang="en-US" altLang="zh-CN" sz="6000" dirty="0">
+              <a:latin typeface="微软雅黑 Light" panose="020B0502040204020203" pitchFamily="34" charset="-122"/>
+              <a:ea typeface="微软雅黑 Light" panose="020B0502040204020203" pitchFamily="34" charset="-122"/>
+              <a:cs typeface="宋体" panose="02010600030101010101" pitchFamily="2" charset="-122"/>
+            </a:endParaRPr>
+          </a:p>
+        </p:txBody>
+      </p:sp>
+      <p:sp>
+        <p:nvSpPr>
+          <p:cNvPr id="45" name="AEVER"/>
+          <p:cNvSpPr txBox="1"/>
+          <p:nvPr/>
+        </p:nvSpPr>
+        <p:spPr>
+          <a:xfrm>
+            <a:off x="9627212" y="5638703"/>
+            <a:ext cx="5129609" cy="1333698"/>
+          </a:xfrm>
+          <a:prstGeom prst="rect">
+            <a:avLst/>
+          </a:prstGeom>
+          <a:ln w="12700">
+            <a:miter lim="400000"/>
+          </a:ln>
+        </p:spPr>
+        <p:txBody>
+          <a:bodyPr wrap="none" lIns="50800" tIns="50800" rIns="50800" bIns="50800" anchor="ctr">
+            <a:spAutoFit/>
+          </a:bodyPr>
+          <a:lstStyle>
+            <a:lvl1pPr>
+              <a:defRPr sz="12000" b="1" spc="1800">
+                <a:solidFill>
+                  <a:srgbClr val="FFFC73"/>
+                </a:solidFill>
+                <a:latin typeface="Helvetica"/>
+                <a:ea typeface="Helvetica"/>
+                <a:cs typeface="Helvetica"/>
+                <a:sym typeface="Helvetica"/>
+              </a:defRPr>
+            </a:lvl1pPr>
+          </a:lstStyle>
+          <a:p>
+            <a:pPr algn="ctr" defTabSz="825500" hangingPunct="0"/>
+            <a:r>
+              <a:rPr lang="zh-CN" altLang="en-US" sz="8000" cap="all" dirty="0">
+                <a:solidFill>
+                  <a:srgbClr val="FFD966"/>
+                </a:solidFill>
+                <a:latin typeface="微软雅黑" panose="020B0503020204020204" pitchFamily="34" charset="-122"/>
+                <a:ea typeface="微软雅黑" panose="020B0503020204020204" pitchFamily="34" charset="-122"/>
+              </a:rPr>
+              <a:t>第一部分</a:t>
+            </a:r>
+          </a:p>
+        </p:txBody>
+      </p:sp>
+    </p:spTree>
+    <p:extLst>
+      <p:ext uri="{BB962C8B-B14F-4D97-AF65-F5344CB8AC3E}">
+        <p14:creationId xmlns:p14="http://schemas.microsoft.com/office/powerpoint/2010/main" val="1482727570"/>
+      </p:ext>
+    </p:extLst>
+  </p:cSld>
+  <p:clrMapOvr>
+    <a:masterClrMapping/>
+  </p:clrMapOvr>
+  <p:transition spd="med"/>
+</p:sld>
+</file>
+
+<file path=ppt/slides/slide30.xml><?xml version="1.0" encoding="utf-8"?>
 <p:sld xmlns:a="http://schemas.openxmlformats.org/drawingml/2006/main" xmlns:r="http://schemas.openxmlformats.org/officeDocument/2006/relationships" xmlns:p="http://schemas.openxmlformats.org/presentationml/2006/main">
   <p:cSld>
     <p:bg>
@@ -18700,7 +21357,7 @@
 </p:sld>
 </file>
 
-<file path=ppt/slides/slide28.xml><?xml version="1.0" encoding="utf-8"?>
+<file path=ppt/slides/slide31.xml><?xml version="1.0" encoding="utf-8"?>
 <p:sld xmlns:a="http://schemas.openxmlformats.org/drawingml/2006/main" xmlns:r="http://schemas.openxmlformats.org/officeDocument/2006/relationships" xmlns:p="http://schemas.openxmlformats.org/presentationml/2006/main">
   <p:cSld>
     <p:spTree>
@@ -18853,7 +21510,7 @@
           <p:cNvPr id="8" name="I see your face on the leaves,telling me how lonely I have been. This is a dream of mine that I have just dreamed. Just see your smiling face everywhere I go. The love I feel for you to shine inside me. But it’s all over now you’re gone. This is a dream of mine that I have just ...">
             <a:extLst>
               <a:ext uri="{FF2B5EF4-FFF2-40B4-BE49-F238E27FC236}">
-                <a16:creationId xmlns:a16="http://schemas.microsoft.com/office/drawing/2014/main" xmlns="" id="{58A4F707-8CDE-465B-A488-6E4B5242EE01}"/>
+                <a16:creationId xmlns="" xmlns:a16="http://schemas.microsoft.com/office/drawing/2014/main" id="{58A4F707-8CDE-465B-A488-6E4B5242EE01}"/>
               </a:ext>
             </a:extLst>
           </p:cNvPr>
@@ -19333,148 +21990,6 @@
         </p:spPr>
       </p:pic>
     </p:spTree>
-  </p:cSld>
-  <p:clrMapOvr>
-    <a:masterClrMapping/>
-  </p:clrMapOvr>
-  <p:transition spd="med"/>
-</p:sld>
-</file>
-
-<file path=ppt/slides/slide3.xml><?xml version="1.0" encoding="utf-8"?>
-<p:sld xmlns:a="http://schemas.openxmlformats.org/drawingml/2006/main" xmlns:r="http://schemas.openxmlformats.org/officeDocument/2006/relationships" xmlns:p="http://schemas.openxmlformats.org/presentationml/2006/main">
-  <p:cSld>
-    <p:bg>
-      <p:bgPr>
-        <a:solidFill>
-          <a:srgbClr val="292929"/>
-        </a:solidFill>
-        <a:effectLst/>
-      </p:bgPr>
-    </p:bg>
-    <p:spTree>
-      <p:nvGrpSpPr>
-        <p:cNvPr id="1" name=""/>
-        <p:cNvGrpSpPr/>
-        <p:nvPr/>
-      </p:nvGrpSpPr>
-      <p:grpSpPr>
-        <a:xfrm>
-          <a:off x="0" y="0"/>
-          <a:ext cx="0" cy="0"/>
-          <a:chOff x="0" y="0"/>
-          <a:chExt cx="0" cy="0"/>
-        </a:xfrm>
-      </p:grpSpPr>
-      <p:sp>
-        <p:nvSpPr>
-          <p:cNvPr id="44" name="You are the face that has changed my whole world. You are the face that I see everywhere I go. You are so beautiful to me that I can’t explain , Just like a green flower porcelain"/>
-          <p:cNvSpPr txBox="1"/>
-          <p:nvPr/>
-        </p:nvSpPr>
-        <p:spPr>
-          <a:xfrm>
-            <a:off x="4366159" y="7443590"/>
-            <a:ext cx="15651686" cy="1025922"/>
-          </a:xfrm>
-          <a:prstGeom prst="rect">
-            <a:avLst/>
-          </a:prstGeom>
-          <a:ln w="12700">
-            <a:miter lim="400000"/>
-          </a:ln>
-        </p:spPr>
-        <p:txBody>
-          <a:bodyPr lIns="50800" tIns="50800" rIns="50800" bIns="50800" anchor="ctr">
-            <a:spAutoFit/>
-          </a:bodyPr>
-          <a:lstStyle>
-            <a:lvl1pPr>
-              <a:defRPr sz="2400">
-                <a:solidFill>
-                  <a:srgbClr val="FFFFFF"/>
-                </a:solidFill>
-                <a:latin typeface="Helvetica"/>
-                <a:ea typeface="Helvetica"/>
-                <a:cs typeface="Helvetica"/>
-                <a:sym typeface="Helvetica"/>
-              </a:defRPr>
-            </a:lvl1pPr>
-          </a:lstStyle>
-          <a:p>
-            <a:pPr algn="ctr" defTabSz="825500" hangingPunct="0"/>
-            <a:r>
-              <a:rPr lang="zh-CN" altLang="en-US" sz="6000" dirty="0">
-                <a:latin typeface="微软雅黑 Light" panose="020B0502040204020203" pitchFamily="34" charset="-122"/>
-                <a:ea typeface="微软雅黑 Light" panose="020B0502040204020203" pitchFamily="34" charset="-122"/>
-                <a:cs typeface="宋体" panose="02010600030101010101" pitchFamily="2" charset="-122"/>
-              </a:rPr>
-              <a:t>引擎概要</a:t>
-            </a:r>
-            <a:endParaRPr lang="en-US" altLang="zh-CN" sz="6000" dirty="0">
-              <a:latin typeface="微软雅黑 Light" panose="020B0502040204020203" pitchFamily="34" charset="-122"/>
-              <a:ea typeface="微软雅黑 Light" panose="020B0502040204020203" pitchFamily="34" charset="-122"/>
-              <a:cs typeface="宋体" panose="02010600030101010101" pitchFamily="2" charset="-122"/>
-            </a:endParaRPr>
-          </a:p>
-        </p:txBody>
-      </p:sp>
-      <p:sp>
-        <p:nvSpPr>
-          <p:cNvPr id="45" name="AEVER"/>
-          <p:cNvSpPr txBox="1"/>
-          <p:nvPr/>
-        </p:nvSpPr>
-        <p:spPr>
-          <a:xfrm>
-            <a:off x="9627212" y="5638703"/>
-            <a:ext cx="5129609" cy="1333698"/>
-          </a:xfrm>
-          <a:prstGeom prst="rect">
-            <a:avLst/>
-          </a:prstGeom>
-          <a:ln w="12700">
-            <a:miter lim="400000"/>
-          </a:ln>
-        </p:spPr>
-        <p:txBody>
-          <a:bodyPr wrap="none" lIns="50800" tIns="50800" rIns="50800" bIns="50800" anchor="ctr">
-            <a:spAutoFit/>
-          </a:bodyPr>
-          <a:lstStyle>
-            <a:lvl1pPr>
-              <a:defRPr sz="12000" b="1" spc="1800">
-                <a:solidFill>
-                  <a:srgbClr val="FFFC73"/>
-                </a:solidFill>
-                <a:latin typeface="Helvetica"/>
-                <a:ea typeface="Helvetica"/>
-                <a:cs typeface="Helvetica"/>
-                <a:sym typeface="Helvetica"/>
-              </a:defRPr>
-            </a:lvl1pPr>
-          </a:lstStyle>
-          <a:p>
-            <a:pPr algn="ctr" defTabSz="825500" hangingPunct="0"/>
-            <a:r>
-              <a:rPr lang="zh-CN" altLang="en-US" sz="8000" cap="all" dirty="0">
-                <a:solidFill>
-                  <a:srgbClr val="FFD966"/>
-                </a:solidFill>
-                <a:latin typeface="微软雅黑" panose="020B0503020204020204" pitchFamily="34" charset="-122"/>
-                <a:ea typeface="微软雅黑" panose="020B0503020204020204" pitchFamily="34" charset="-122"/>
-              </a:rPr>
-              <a:t>第一部分</a:t>
-            </a:r>
-          </a:p>
-        </p:txBody>
-      </p:sp>
-    </p:spTree>
-    <p:extLst>
-      <p:ext uri="{BB962C8B-B14F-4D97-AF65-F5344CB8AC3E}">
-        <p14:creationId xmlns:p14="http://schemas.microsoft.com/office/powerpoint/2010/main" val="1482727570"/>
-      </p:ext>
-    </p:extLst>
   </p:cSld>
   <p:clrMapOvr>
     <a:masterClrMapping/>
@@ -20629,7 +23144,7 @@
         <p:spPr>
           <a:xfrm>
             <a:off x="2426714" y="3954550"/>
-            <a:ext cx="9721744" cy="8874224"/>
+            <a:ext cx="9721744" cy="9782165"/>
           </a:xfrm>
           <a:prstGeom prst="rect">
             <a:avLst/>
@@ -20776,7 +23291,49 @@
                 <a:ea typeface="微软雅黑 Light" panose="020B0502040204020203" pitchFamily="34" charset="-122"/>
                 <a:sym typeface="Helvetica Light"/>
               </a:rPr>
-              <a:t>、渲染循环进行展开，示例每个循环都做了哪些事情。</a:t>
+              <a:t>、渲染循环进行展开，示例每个循环都做了哪些事情</a:t>
+            </a:r>
+            <a:r>
+              <a:rPr lang="zh-CN" altLang="en-US" dirty="0" smtClean="0">
+                <a:solidFill>
+                  <a:srgbClr val="000000"/>
+                </a:solidFill>
+                <a:latin typeface="微软雅黑 Light" panose="020B0502040204020203" pitchFamily="34" charset="-122"/>
+                <a:ea typeface="微软雅黑 Light" panose="020B0502040204020203" pitchFamily="34" charset="-122"/>
+                <a:sym typeface="Helvetica Light"/>
+              </a:rPr>
+              <a:t>。</a:t>
+            </a:r>
+            <a:endParaRPr lang="en-US" altLang="zh-CN" dirty="0" smtClean="0">
+              <a:solidFill>
+                <a:srgbClr val="000000"/>
+              </a:solidFill>
+              <a:latin typeface="微软雅黑 Light" panose="020B0502040204020203" pitchFamily="34" charset="-122"/>
+              <a:ea typeface="微软雅黑 Light" panose="020B0502040204020203" pitchFamily="34" charset="-122"/>
+              <a:sym typeface="Helvetica Light"/>
+            </a:endParaRPr>
+          </a:p>
+          <a:p>
+            <a:pPr marL="1657350" lvl="1" indent="-742950">
+              <a:lnSpc>
+                <a:spcPct val="150000"/>
+              </a:lnSpc>
+              <a:spcBef>
+                <a:spcPts val="600"/>
+              </a:spcBef>
+              <a:buFont typeface="+mj-lt"/>
+              <a:buAutoNum type="arabicPeriod"/>
+            </a:pPr>
+            <a:r>
+              <a:rPr lang="zh-CN" altLang="en-US" dirty="0" smtClean="0">
+                <a:solidFill>
+                  <a:srgbClr val="000000"/>
+                </a:solidFill>
+                <a:latin typeface="微软雅黑 Light" panose="020B0502040204020203" pitchFamily="34" charset="-122"/>
+                <a:ea typeface="微软雅黑 Light" panose="020B0502040204020203" pitchFamily="34" charset="-122"/>
+                <a:sym typeface="Helvetica Light"/>
+              </a:rPr>
+              <a:t>介绍游戏线程跟渲染线程同步的方式</a:t>
             </a:r>
             <a:endParaRPr lang="en-US" altLang="zh-CN" dirty="0">
               <a:solidFill>
@@ -21609,7 +24166,7 @@
           <p:cNvPr id="7" name="图片 6">
             <a:extLst>
               <a:ext uri="{FF2B5EF4-FFF2-40B4-BE49-F238E27FC236}">
-                <a16:creationId xmlns:a16="http://schemas.microsoft.com/office/drawing/2014/main" xmlns="" id="{A18FD56D-94ED-4F48-97D1-2D30CAD1F578}"/>
+                <a16:creationId xmlns="" xmlns:a16="http://schemas.microsoft.com/office/drawing/2014/main" id="{A18FD56D-94ED-4F48-97D1-2D30CAD1F578}"/>
               </a:ext>
             </a:extLst>
           </p:cNvPr>
@@ -22167,7 +24724,7 @@
           <p:cNvPr id="3" name="图片 2">
             <a:extLst>
               <a:ext uri="{FF2B5EF4-FFF2-40B4-BE49-F238E27FC236}">
-                <a16:creationId xmlns:a16="http://schemas.microsoft.com/office/drawing/2014/main" xmlns="" id="{D6301E51-7279-470F-B669-5F9083CF48E2}"/>
+                <a16:creationId xmlns="" xmlns:a16="http://schemas.microsoft.com/office/drawing/2014/main" id="{D6301E51-7279-470F-B669-5F9083CF48E2}"/>
               </a:ext>
             </a:extLst>
           </p:cNvPr>

--- a/PPTs/04.引擎基础概念与底层实用系统.pptx
+++ b/PPTs/04.引擎基础概念与底层实用系统.pptx
@@ -9551,7 +9551,7 @@
           <p:cNvPr id="7" name="图片 6">
             <a:extLst>
               <a:ext uri="{FF2B5EF4-FFF2-40B4-BE49-F238E27FC236}">
-                <a16:creationId xmlns="" xmlns:a16="http://schemas.microsoft.com/office/drawing/2014/main" id="{F881AEA7-D2D3-4A14-A775-CC7492627B1B}"/>
+                <a16:creationId xmlns:a16="http://schemas.microsoft.com/office/drawing/2014/main" xmlns="" id="{F881AEA7-D2D3-4A14-A775-CC7492627B1B}"/>
               </a:ext>
             </a:extLst>
           </p:cNvPr>
@@ -10242,7 +10242,7 @@
           <p:cNvPr id="3" name="图片 2">
             <a:extLst>
               <a:ext uri="{FF2B5EF4-FFF2-40B4-BE49-F238E27FC236}">
-                <a16:creationId xmlns="" xmlns:a16="http://schemas.microsoft.com/office/drawing/2014/main" id="{EE3AEBFF-A6E0-46A5-89D4-34CB7EB6424B}"/>
+                <a16:creationId xmlns:a16="http://schemas.microsoft.com/office/drawing/2014/main" xmlns="" id="{EE3AEBFF-A6E0-46A5-89D4-34CB7EB6424B}"/>
               </a:ext>
             </a:extLst>
           </p:cNvPr>
@@ -10272,7 +10272,7 @@
           <p:cNvPr id="10" name="图片 9">
             <a:extLst>
               <a:ext uri="{FF2B5EF4-FFF2-40B4-BE49-F238E27FC236}">
-                <a16:creationId xmlns="" xmlns:a16="http://schemas.microsoft.com/office/drawing/2014/main" id="{EAC4F874-4B35-4D20-BC2B-D7B1A899DBEA}"/>
+                <a16:creationId xmlns:a16="http://schemas.microsoft.com/office/drawing/2014/main" xmlns="" id="{EAC4F874-4B35-4D20-BC2B-D7B1A899DBEA}"/>
               </a:ext>
             </a:extLst>
           </p:cNvPr>
@@ -11906,7 +11906,7 @@
           <p:cNvPr id="3" name="图片 2">
             <a:extLst>
               <a:ext uri="{FF2B5EF4-FFF2-40B4-BE49-F238E27FC236}">
-                <a16:creationId xmlns="" xmlns:a16="http://schemas.microsoft.com/office/drawing/2014/main" id="{92D47334-73AE-4D34-93C9-B3EDC651D05B}"/>
+                <a16:creationId xmlns:a16="http://schemas.microsoft.com/office/drawing/2014/main" xmlns="" id="{92D47334-73AE-4D34-93C9-B3EDC651D05B}"/>
               </a:ext>
             </a:extLst>
           </p:cNvPr>
@@ -12883,18 +12883,7 @@
                 <a:ea typeface="微软雅黑 Light" panose="020B0502040204020203" pitchFamily="34" charset="-122"/>
                 <a:sym typeface="Helvetica Light"/>
               </a:rPr>
-              <a:t>Frustum </a:t>
-            </a:r>
-            <a:r>
-              <a:rPr lang="en-US" altLang="zh-CN" b="0" dirty="0" smtClean="0">
-                <a:solidFill>
-                  <a:srgbClr val="000000"/>
-                </a:solidFill>
-                <a:latin typeface="微软雅黑 Light" panose="020B0502040204020203" pitchFamily="34" charset="-122"/>
-                <a:ea typeface="微软雅黑 Light" panose="020B0502040204020203" pitchFamily="34" charset="-122"/>
-                <a:sym typeface="Helvetica Light"/>
-              </a:rPr>
-              <a:t>Culling</a:t>
+              <a:t>Frustum Culling</a:t>
             </a:r>
             <a:r>
               <a:rPr lang="zh-CN" altLang="en-US" b="0" dirty="0" smtClean="0">
@@ -18074,7 +18063,7 @@
         <p:spPr>
           <a:xfrm>
             <a:off x="2426713" y="3954551"/>
-            <a:ext cx="10423873" cy="3503523"/>
+            <a:ext cx="10423873" cy="1841530"/>
           </a:xfrm>
           <a:prstGeom prst="rect">
             <a:avLst/>
@@ -18152,18 +18141,7 @@
                 <a:ea typeface="微软雅黑 Light" panose="020B0502040204020203" pitchFamily="34" charset="-122"/>
                 <a:sym typeface="Helvetica Light"/>
               </a:rPr>
-              <a:t>：虚幻里的任务系统，内部很多的处理逻辑或者同步都是以</a:t>
-            </a:r>
-            <a:r>
-              <a:rPr lang="en-US" altLang="zh-CN" b="0" dirty="0" smtClean="0">
-                <a:solidFill>
-                  <a:srgbClr val="000000"/>
-                </a:solidFill>
-                <a:latin typeface="微软雅黑 Light" panose="020B0502040204020203" pitchFamily="34" charset="-122"/>
-                <a:ea typeface="微软雅黑 Light" panose="020B0502040204020203" pitchFamily="34" charset="-122"/>
-                <a:sym typeface="Helvetica Light"/>
-              </a:rPr>
-              <a:t>Task</a:t>
+              <a:t>：虚幻里的任务</a:t>
             </a:r>
             <a:r>
               <a:rPr lang="zh-CN" altLang="en-US" b="0" dirty="0" smtClean="0">
@@ -18174,7 +18152,7 @@
                 <a:ea typeface="微软雅黑 Light" panose="020B0502040204020203" pitchFamily="34" charset="-122"/>
                 <a:sym typeface="Helvetica Light"/>
               </a:rPr>
-              <a:t>任务的形式存在的。</a:t>
+              <a:t>系统</a:t>
             </a:r>
             <a:endParaRPr lang="en-US" altLang="zh-CN" b="0" dirty="0">
               <a:solidFill>
@@ -18206,19 +18184,7 @@
                 <a:sym typeface="Helvetica Light"/>
                 <a:hlinkClick r:id="rId4"/>
               </a:rPr>
-              <a:t>状态</a:t>
-            </a:r>
-            <a:r>
-              <a:rPr lang="zh-CN" altLang="en-US" b="0" dirty="0" smtClean="0">
-                <a:solidFill>
-                  <a:srgbClr val="000000"/>
-                </a:solidFill>
-                <a:latin typeface="微软雅黑 Light" panose="020B0502040204020203" pitchFamily="34" charset="-122"/>
-                <a:ea typeface="微软雅黑 Light" panose="020B0502040204020203" pitchFamily="34" charset="-122"/>
-                <a:sym typeface="Helvetica Light"/>
-                <a:hlinkClick r:id="rId4"/>
-              </a:rPr>
-              <a:t>同步</a:t>
+              <a:t>状态同步</a:t>
             </a:r>
             <a:endParaRPr lang="en-US" altLang="zh-CN" dirty="0">
               <a:solidFill>
@@ -18550,14 +18516,6 @@
               </a:rPr>
               <a:t>ENQUEUE_RENDER_COMMAND</a:t>
             </a:r>
-            <a:endParaRPr lang="en-US" altLang="zh-CN" b="0" dirty="0" smtClean="0">
-              <a:solidFill>
-                <a:srgbClr val="000000"/>
-              </a:solidFill>
-              <a:latin typeface="微软雅黑 Light" panose="020B0502040204020203" pitchFamily="34" charset="-122"/>
-              <a:ea typeface="微软雅黑 Light" panose="020B0502040204020203" pitchFamily="34" charset="-122"/>
-              <a:sym typeface="Helvetica Light"/>
-            </a:endParaRPr>
           </a:p>
           <a:p>
             <a:pPr marL="571500" indent="-571500">
@@ -18654,7 +18612,29 @@
                 <a:ea typeface="微软雅黑 Light" panose="020B0502040204020203" pitchFamily="34" charset="-122"/>
                 <a:sym typeface="Helvetica Light"/>
               </a:rPr>
-              <a:t>渲染线程拘束</a:t>
+              <a:t>渲染</a:t>
+            </a:r>
+            <a:r>
+              <a:rPr lang="zh-CN" altLang="en-US" b="0" dirty="0" smtClean="0">
+                <a:solidFill>
+                  <a:srgbClr val="000000"/>
+                </a:solidFill>
+                <a:latin typeface="微软雅黑 Light" panose="020B0502040204020203" pitchFamily="34" charset="-122"/>
+                <a:ea typeface="微软雅黑 Light" panose="020B0502040204020203" pitchFamily="34" charset="-122"/>
+                <a:sym typeface="Helvetica Light"/>
+              </a:rPr>
+              <a:t>线程</a:t>
+            </a:r>
+            <a:r>
+              <a:rPr lang="zh-CN" altLang="en-US" b="0" dirty="0">
+                <a:solidFill>
+                  <a:srgbClr val="000000"/>
+                </a:solidFill>
+                <a:latin typeface="微软雅黑 Light" panose="020B0502040204020203" pitchFamily="34" charset="-122"/>
+                <a:ea typeface="微软雅黑 Light" panose="020B0502040204020203" pitchFamily="34" charset="-122"/>
+                <a:sym typeface="Helvetica Light"/>
+              </a:rPr>
+              <a:t>数据</a:t>
             </a:r>
             <a:r>
               <a:rPr lang="en-US" altLang="zh-CN" b="0" dirty="0" smtClean="0">
@@ -21510,7 +21490,7 @@
           <p:cNvPr id="8" name="I see your face on the leaves,telling me how lonely I have been. This is a dream of mine that I have just dreamed. Just see your smiling face everywhere I go. The love I feel for you to shine inside me. But it’s all over now you’re gone. This is a dream of mine that I have just ...">
             <a:extLst>
               <a:ext uri="{FF2B5EF4-FFF2-40B4-BE49-F238E27FC236}">
-                <a16:creationId xmlns="" xmlns:a16="http://schemas.microsoft.com/office/drawing/2014/main" id="{58A4F707-8CDE-465B-A488-6E4B5242EE01}"/>
+                <a16:creationId xmlns:a16="http://schemas.microsoft.com/office/drawing/2014/main" xmlns="" id="{58A4F707-8CDE-465B-A488-6E4B5242EE01}"/>
               </a:ext>
             </a:extLst>
           </p:cNvPr>
@@ -24166,7 +24146,7 @@
           <p:cNvPr id="7" name="图片 6">
             <a:extLst>
               <a:ext uri="{FF2B5EF4-FFF2-40B4-BE49-F238E27FC236}">
-                <a16:creationId xmlns="" xmlns:a16="http://schemas.microsoft.com/office/drawing/2014/main" id="{A18FD56D-94ED-4F48-97D1-2D30CAD1F578}"/>
+                <a16:creationId xmlns:a16="http://schemas.microsoft.com/office/drawing/2014/main" xmlns="" id="{A18FD56D-94ED-4F48-97D1-2D30CAD1F578}"/>
               </a:ext>
             </a:extLst>
           </p:cNvPr>
@@ -24724,7 +24704,7 @@
           <p:cNvPr id="3" name="图片 2">
             <a:extLst>
               <a:ext uri="{FF2B5EF4-FFF2-40B4-BE49-F238E27FC236}">
-                <a16:creationId xmlns="" xmlns:a16="http://schemas.microsoft.com/office/drawing/2014/main" id="{D6301E51-7279-470F-B669-5F9083CF48E2}"/>
+                <a16:creationId xmlns:a16="http://schemas.microsoft.com/office/drawing/2014/main" xmlns="" id="{D6301E51-7279-470F-B669-5F9083CF48E2}"/>
               </a:ext>
             </a:extLst>
           </p:cNvPr>

--- a/PPTs/04.引擎基础概念与底层实用系统.pptx
+++ b/PPTs/04.引擎基础概念与底层实用系统.pptx
@@ -13560,7 +13560,7 @@
         <p:spPr>
           <a:xfrm>
             <a:off x="2426714" y="3954552"/>
-            <a:ext cx="8303490" cy="14044870"/>
+            <a:ext cx="8303490" cy="12490599"/>
           </a:xfrm>
           <a:prstGeom prst="rect">
             <a:avLst/>
@@ -13742,18 +13742,7 @@
                 <a:ea typeface="微软雅黑 Light" panose="020B0502040204020203" pitchFamily="34" charset="-122"/>
                 <a:sym typeface="Helvetica Light"/>
               </a:rPr>
-              <a:t>，用</a:t>
-            </a:r>
-            <a:r>
-              <a:rPr lang="en-US" altLang="zh-CN" sz="3200" dirty="0" err="1" smtClean="0">
-                <a:solidFill>
-                  <a:srgbClr val="000000"/>
-                </a:solidFill>
-                <a:latin typeface="微软雅黑 Light" panose="020B0502040204020203" pitchFamily="34" charset="-122"/>
-                <a:ea typeface="微软雅黑 Light" panose="020B0502040204020203" pitchFamily="34" charset="-122"/>
-                <a:sym typeface="Helvetica Light"/>
-              </a:rPr>
-              <a:t>CommandList</a:t>
+              <a:t>，</a:t>
             </a:r>
             <a:r>
               <a:rPr lang="zh-CN" altLang="en-US" sz="3200" dirty="0" smtClean="0">
@@ -13764,51 +13753,7 @@
                 <a:ea typeface="微软雅黑 Light" panose="020B0502040204020203" pitchFamily="34" charset="-122"/>
                 <a:sym typeface="Helvetica Light"/>
               </a:rPr>
-              <a:t>为</a:t>
-            </a:r>
-            <a:r>
-              <a:rPr lang="en-US" altLang="zh-CN" sz="3200" dirty="0" smtClean="0">
-                <a:solidFill>
-                  <a:srgbClr val="000000"/>
-                </a:solidFill>
-                <a:latin typeface="微软雅黑 Light" panose="020B0502040204020203" pitchFamily="34" charset="-122"/>
-                <a:ea typeface="微软雅黑 Light" panose="020B0502040204020203" pitchFamily="34" charset="-122"/>
-                <a:sym typeface="Helvetica Light"/>
-              </a:rPr>
-              <a:t>Object</a:t>
-            </a:r>
-            <a:r>
-              <a:rPr lang="zh-CN" altLang="en-US" sz="3200" dirty="0" smtClean="0">
-                <a:solidFill>
-                  <a:srgbClr val="000000"/>
-                </a:solidFill>
-                <a:latin typeface="微软雅黑 Light" panose="020B0502040204020203" pitchFamily="34" charset="-122"/>
-                <a:ea typeface="微软雅黑 Light" panose="020B0502040204020203" pitchFamily="34" charset="-122"/>
-                <a:sym typeface="Helvetica Light"/>
-              </a:rPr>
-              <a:t>设置当前的</a:t>
-            </a:r>
-            <a:r>
-              <a:rPr lang="en-US" altLang="zh-CN" sz="3200" dirty="0" smtClean="0">
-                <a:solidFill>
-                  <a:srgbClr val="000000"/>
-                </a:solidFill>
-                <a:latin typeface="微软雅黑 Light" panose="020B0502040204020203" pitchFamily="34" charset="-122"/>
-                <a:ea typeface="微软雅黑 Light" panose="020B0502040204020203" pitchFamily="34" charset="-122"/>
-                <a:sym typeface="Helvetica Light"/>
-              </a:rPr>
-              <a:t>PSO</a:t>
-            </a:r>
-            <a:r>
-              <a:rPr lang="zh-CN" altLang="en-US" sz="3200" dirty="0" smtClean="0">
-                <a:solidFill>
-                  <a:srgbClr val="000000"/>
-                </a:solidFill>
-                <a:latin typeface="微软雅黑 Light" panose="020B0502040204020203" pitchFamily="34" charset="-122"/>
-                <a:ea typeface="微软雅黑 Light" panose="020B0502040204020203" pitchFamily="34" charset="-122"/>
-                <a:sym typeface="Helvetica Light"/>
-              </a:rPr>
-              <a:t>对象</a:t>
+              <a:t>指定所使用的材质和材质实例</a:t>
             </a:r>
             <a:endParaRPr lang="en-US" altLang="zh-CN" sz="3200" dirty="0" smtClean="0">
               <a:solidFill>
@@ -13842,15 +13787,15 @@
               <a:t>设置</a:t>
             </a:r>
             <a:r>
-              <a:rPr lang="en-US" altLang="zh-CN" sz="3200" b="0" dirty="0" smtClean="0">
-                <a:solidFill>
-                  <a:srgbClr val="000000"/>
-                </a:solidFill>
-                <a:latin typeface="微软雅黑 Light" panose="020B0502040204020203" pitchFamily="34" charset="-122"/>
-                <a:ea typeface="微软雅黑 Light" panose="020B0502040204020203" pitchFamily="34" charset="-122"/>
-                <a:sym typeface="Helvetica Light"/>
-              </a:rPr>
-              <a:t>Object</a:t>
+              <a:rPr lang="en-US" altLang="zh-CN" sz="3200" b="0" dirty="0" err="1" smtClean="0">
+                <a:solidFill>
+                  <a:srgbClr val="000000"/>
+                </a:solidFill>
+                <a:latin typeface="微软雅黑 Light" panose="020B0502040204020203" pitchFamily="34" charset="-122"/>
+                <a:ea typeface="微软雅黑 Light" panose="020B0502040204020203" pitchFamily="34" charset="-122"/>
+                <a:sym typeface="Helvetica Light"/>
+              </a:rPr>
+              <a:t>VertexBuffer</a:t>
             </a:r>
             <a:r>
               <a:rPr lang="zh-CN" altLang="en-US" sz="3200" b="0" dirty="0" smtClean="0">
@@ -13861,7 +13806,7 @@
                 <a:ea typeface="微软雅黑 Light" panose="020B0502040204020203" pitchFamily="34" charset="-122"/>
                 <a:sym typeface="Helvetica Light"/>
               </a:rPr>
-              <a:t>的</a:t>
+              <a:t>和</a:t>
             </a:r>
             <a:r>
               <a:rPr lang="en-US" altLang="zh-CN" sz="3200" b="0" dirty="0" err="1" smtClean="0">
@@ -13872,29 +13817,7 @@
                 <a:ea typeface="微软雅黑 Light" panose="020B0502040204020203" pitchFamily="34" charset="-122"/>
                 <a:sym typeface="Helvetica Light"/>
               </a:rPr>
-              <a:t>VertexBufferView</a:t>
-            </a:r>
-            <a:r>
-              <a:rPr lang="zh-CN" altLang="en-US" sz="3200" b="0" dirty="0" smtClean="0">
-                <a:solidFill>
-                  <a:srgbClr val="000000"/>
-                </a:solidFill>
-                <a:latin typeface="微软雅黑 Light" panose="020B0502040204020203" pitchFamily="34" charset="-122"/>
-                <a:ea typeface="微软雅黑 Light" panose="020B0502040204020203" pitchFamily="34" charset="-122"/>
-                <a:sym typeface="Helvetica Light"/>
-              </a:rPr>
-              <a:t>和</a:t>
-            </a:r>
-            <a:r>
-              <a:rPr lang="en-US" altLang="zh-CN" sz="3200" b="0" dirty="0" err="1" smtClean="0">
-                <a:solidFill>
-                  <a:srgbClr val="000000"/>
-                </a:solidFill>
-                <a:latin typeface="微软雅黑 Light" panose="020B0502040204020203" pitchFamily="34" charset="-122"/>
-                <a:ea typeface="微软雅黑 Light" panose="020B0502040204020203" pitchFamily="34" charset="-122"/>
-                <a:sym typeface="Helvetica Light"/>
-              </a:rPr>
-              <a:t>IndexBufferView</a:t>
+              <a:t>IndexBuffer</a:t>
             </a:r>
             <a:endParaRPr lang="en-US" altLang="zh-CN" sz="3200" b="0" dirty="0" smtClean="0">
               <a:solidFill>
@@ -14014,37 +13937,6 @@
                 <a:sym typeface="Helvetica Light"/>
               </a:rPr>
               <a:t>变换</a:t>
-            </a:r>
-            <a:endParaRPr lang="en-US" altLang="zh-CN" sz="3200" dirty="0" smtClean="0">
-              <a:solidFill>
-                <a:srgbClr val="000000"/>
-              </a:solidFill>
-              <a:latin typeface="微软雅黑 Light" panose="020B0502040204020203" pitchFamily="34" charset="-122"/>
-              <a:ea typeface="微软雅黑 Light" panose="020B0502040204020203" pitchFamily="34" charset="-122"/>
-              <a:sym typeface="Helvetica Light"/>
-            </a:endParaRPr>
-          </a:p>
-          <a:p>
-            <a:pPr marL="1657350" lvl="1" indent="-742950">
-              <a:lnSpc>
-                <a:spcPct val="150000"/>
-              </a:lnSpc>
-              <a:spcBef>
-                <a:spcPts val="600"/>
-              </a:spcBef>
-              <a:buFont typeface="+mj-lt"/>
-              <a:buAutoNum type="arabicPeriod"/>
-            </a:pPr>
-            <a:r>
-              <a:rPr lang="zh-CN" altLang="en-US" sz="3200" dirty="0" smtClean="0">
-                <a:solidFill>
-                  <a:srgbClr val="000000"/>
-                </a:solidFill>
-                <a:latin typeface="微软雅黑 Light" panose="020B0502040204020203" pitchFamily="34" charset="-122"/>
-                <a:ea typeface="微软雅黑 Light" panose="020B0502040204020203" pitchFamily="34" charset="-122"/>
-                <a:sym typeface="Helvetica Light"/>
-              </a:rPr>
-              <a:t>设置 贴图</a:t>
             </a:r>
             <a:endParaRPr lang="en-US" altLang="zh-CN" sz="3200" dirty="0" smtClean="0">
               <a:solidFill>
@@ -18141,18 +18033,7 @@
                 <a:ea typeface="微软雅黑 Light" panose="020B0502040204020203" pitchFamily="34" charset="-122"/>
                 <a:sym typeface="Helvetica Light"/>
               </a:rPr>
-              <a:t>：虚幻里的任务</a:t>
-            </a:r>
-            <a:r>
-              <a:rPr lang="zh-CN" altLang="en-US" b="0" dirty="0" smtClean="0">
-                <a:solidFill>
-                  <a:srgbClr val="000000"/>
-                </a:solidFill>
-                <a:latin typeface="微软雅黑 Light" panose="020B0502040204020203" pitchFamily="34" charset="-122"/>
-                <a:ea typeface="微软雅黑 Light" panose="020B0502040204020203" pitchFamily="34" charset="-122"/>
-                <a:sym typeface="Helvetica Light"/>
-              </a:rPr>
-              <a:t>系统</a:t>
+              <a:t>：虚幻里的任务系统</a:t>
             </a:r>
             <a:endParaRPr lang="en-US" altLang="zh-CN" b="0" dirty="0">
               <a:solidFill>
@@ -18612,18 +18493,7 @@
                 <a:ea typeface="微软雅黑 Light" panose="020B0502040204020203" pitchFamily="34" charset="-122"/>
                 <a:sym typeface="Helvetica Light"/>
               </a:rPr>
-              <a:t>渲染</a:t>
-            </a:r>
-            <a:r>
-              <a:rPr lang="zh-CN" altLang="en-US" b="0" dirty="0" smtClean="0">
-                <a:solidFill>
-                  <a:srgbClr val="000000"/>
-                </a:solidFill>
-                <a:latin typeface="微软雅黑 Light" panose="020B0502040204020203" pitchFamily="34" charset="-122"/>
-                <a:ea typeface="微软雅黑 Light" panose="020B0502040204020203" pitchFamily="34" charset="-122"/>
-                <a:sym typeface="Helvetica Light"/>
-              </a:rPr>
-              <a:t>线程</a:t>
+              <a:t>渲染线程</a:t>
             </a:r>
             <a:r>
               <a:rPr lang="zh-CN" altLang="en-US" b="0" dirty="0">
@@ -18759,7 +18629,7 @@
       </p:sp>
       <p:pic>
         <p:nvPicPr>
-          <p:cNvPr id="7" name="图片 6"/>
+          <p:cNvPr id="2" name="图片 1"/>
           <p:cNvPicPr>
             <a:picLocks noChangeAspect="1"/>
           </p:cNvPicPr>
@@ -18773,8 +18643,8 @@
         </p:blipFill>
         <p:spPr>
           <a:xfrm>
-            <a:off x="12055152" y="3721358"/>
-            <a:ext cx="12392271" cy="4321629"/>
+            <a:off x="12965723" y="1684029"/>
+            <a:ext cx="10366938" cy="10519617"/>
           </a:xfrm>
           <a:prstGeom prst="rect">
             <a:avLst/>
@@ -24410,7 +24280,7 @@
         <p:spPr>
           <a:xfrm>
             <a:off x="2423160" y="3959352"/>
-            <a:ext cx="9720072" cy="8017516"/>
+            <a:ext cx="9720072" cy="9028113"/>
           </a:xfrm>
           <a:prstGeom prst="rect">
             <a:avLst/>
@@ -24453,19 +24323,27 @@
                 <a:ea typeface="微软雅黑 Light" panose="020B0502040204020203" pitchFamily="34" charset="-122"/>
                 <a:sym typeface="Helvetica Light"/>
               </a:rPr>
-              <a:t>创建游戏实例，初始化引擎</a:t>
-            </a:r>
-            <a:r>
-              <a:rPr lang="en-US" altLang="zh-CN" b="0" dirty="0">
-                <a:solidFill>
-                  <a:srgbClr val="000000"/>
-                </a:solidFill>
-                <a:latin typeface="微软雅黑 Light" panose="020B0502040204020203" pitchFamily="34" charset="-122"/>
-                <a:ea typeface="微软雅黑 Light" panose="020B0502040204020203" pitchFamily="34" charset="-122"/>
-                <a:sym typeface="Helvetica Light"/>
-              </a:rPr>
-              <a:t>….</a:t>
-            </a:r>
+              <a:t>创建游戏实例，</a:t>
+            </a:r>
+            <a:r>
+              <a:rPr lang="zh-CN" altLang="en-US" b="0" dirty="0" smtClean="0">
+                <a:solidFill>
+                  <a:srgbClr val="000000"/>
+                </a:solidFill>
+                <a:latin typeface="微软雅黑 Light" panose="020B0502040204020203" pitchFamily="34" charset="-122"/>
+                <a:ea typeface="微软雅黑 Light" panose="020B0502040204020203" pitchFamily="34" charset="-122"/>
+                <a:sym typeface="Helvetica Light"/>
+              </a:rPr>
+              <a:t>初始化引擎</a:t>
+            </a:r>
+            <a:endParaRPr lang="en-US" altLang="zh-CN" b="0" dirty="0">
+              <a:solidFill>
+                <a:srgbClr val="000000"/>
+              </a:solidFill>
+              <a:latin typeface="微软雅黑 Light" panose="020B0502040204020203" pitchFamily="34" charset="-122"/>
+              <a:ea typeface="微软雅黑 Light" panose="020B0502040204020203" pitchFamily="34" charset="-122"/>
+              <a:sym typeface="Helvetica Light"/>
+            </a:endParaRPr>
           </a:p>
           <a:p>
             <a:pPr marL="571500" indent="-571500">
@@ -24523,7 +24401,7 @@
               <a:t>, RHI</a:t>
             </a:r>
             <a:r>
-              <a:rPr lang="zh-CN" altLang="en-US" b="0" dirty="0">
+              <a:rPr lang="zh-CN" altLang="en-US" b="0" dirty="0" smtClean="0">
                 <a:solidFill>
                   <a:srgbClr val="000000"/>
                 </a:solidFill>
@@ -24533,17 +24411,14 @@
               </a:rPr>
               <a:t>初始化</a:t>
             </a:r>
-            <a:r>
-              <a:rPr lang="en-US" altLang="zh-CN" b="0" dirty="0">
-                <a:solidFill>
-                  <a:srgbClr val="000000"/>
-                </a:solidFill>
-                <a:latin typeface="微软雅黑 Light" panose="020B0502040204020203" pitchFamily="34" charset="-122"/>
-                <a:ea typeface="微软雅黑 Light" panose="020B0502040204020203" pitchFamily="34" charset="-122"/>
-                <a:sym typeface="Helvetica Light"/>
-              </a:rPr>
-              <a:t>..</a:t>
-            </a:r>
+            <a:endParaRPr lang="en-US" altLang="zh-CN" b="0" dirty="0">
+              <a:solidFill>
+                <a:srgbClr val="000000"/>
+              </a:solidFill>
+              <a:latin typeface="微软雅黑 Light" panose="020B0502040204020203" pitchFamily="34" charset="-122"/>
+              <a:ea typeface="微软雅黑 Light" panose="020B0502040204020203" pitchFamily="34" charset="-122"/>
+              <a:sym typeface="Helvetica Light"/>
+            </a:endParaRPr>
           </a:p>
           <a:p>
             <a:pPr marL="571500" indent="-571500">
@@ -24565,19 +24440,27 @@
                 <a:ea typeface="微软雅黑 Light" panose="020B0502040204020203" pitchFamily="34" charset="-122"/>
                 <a:sym typeface="Helvetica Light"/>
               </a:rPr>
-              <a:t>创建资源管理器，加载地图资源</a:t>
-            </a:r>
-            <a:r>
-              <a:rPr lang="en-US" altLang="zh-CN" b="0" dirty="0">
-                <a:solidFill>
-                  <a:srgbClr val="000000"/>
-                </a:solidFill>
-                <a:latin typeface="微软雅黑 Light" panose="020B0502040204020203" pitchFamily="34" charset="-122"/>
-                <a:ea typeface="微软雅黑 Light" panose="020B0502040204020203" pitchFamily="34" charset="-122"/>
-                <a:sym typeface="Helvetica Light"/>
-              </a:rPr>
-              <a:t>..</a:t>
-            </a:r>
+              <a:t>创建资源管理器，加载地图</a:t>
+            </a:r>
+            <a:r>
+              <a:rPr lang="zh-CN" altLang="en-US" b="0" dirty="0" smtClean="0">
+                <a:solidFill>
+                  <a:srgbClr val="000000"/>
+                </a:solidFill>
+                <a:latin typeface="微软雅黑 Light" panose="020B0502040204020203" pitchFamily="34" charset="-122"/>
+                <a:ea typeface="微软雅黑 Light" panose="020B0502040204020203" pitchFamily="34" charset="-122"/>
+                <a:sym typeface="Helvetica Light"/>
+              </a:rPr>
+              <a:t>资源</a:t>
+            </a:r>
+            <a:endParaRPr lang="en-US" altLang="zh-CN" b="0" dirty="0">
+              <a:solidFill>
+                <a:srgbClr val="000000"/>
+              </a:solidFill>
+              <a:latin typeface="微软雅黑 Light" panose="020B0502040204020203" pitchFamily="34" charset="-122"/>
+              <a:ea typeface="微软雅黑 Light" panose="020B0502040204020203" pitchFamily="34" charset="-122"/>
+              <a:sym typeface="Helvetica Light"/>
+            </a:endParaRPr>
           </a:p>
           <a:p>
             <a:pPr marL="571500" indent="-571500">
@@ -24599,19 +24482,27 @@
                 <a:ea typeface="微软雅黑 Light" panose="020B0502040204020203" pitchFamily="34" charset="-122"/>
                 <a:sym typeface="Helvetica Light"/>
               </a:rPr>
-              <a:t>创建当前场景，初始化摄像机</a:t>
-            </a:r>
-            <a:r>
-              <a:rPr lang="en-US" altLang="zh-CN" b="0" dirty="0">
-                <a:solidFill>
-                  <a:srgbClr val="000000"/>
-                </a:solidFill>
-                <a:latin typeface="微软雅黑 Light" panose="020B0502040204020203" pitchFamily="34" charset="-122"/>
-                <a:ea typeface="微软雅黑 Light" panose="020B0502040204020203" pitchFamily="34" charset="-122"/>
-                <a:sym typeface="Helvetica Light"/>
-              </a:rPr>
-              <a:t>..</a:t>
-            </a:r>
+              <a:t>创建当前场景，初始化</a:t>
+            </a:r>
+            <a:r>
+              <a:rPr lang="zh-CN" altLang="en-US" b="0" dirty="0" smtClean="0">
+                <a:solidFill>
+                  <a:srgbClr val="000000"/>
+                </a:solidFill>
+                <a:latin typeface="微软雅黑 Light" panose="020B0502040204020203" pitchFamily="34" charset="-122"/>
+                <a:ea typeface="微软雅黑 Light" panose="020B0502040204020203" pitchFamily="34" charset="-122"/>
+                <a:sym typeface="Helvetica Light"/>
+              </a:rPr>
+              <a:t>摄像机</a:t>
+            </a:r>
+            <a:endParaRPr lang="en-US" altLang="zh-CN" b="0" dirty="0">
+              <a:solidFill>
+                <a:srgbClr val="000000"/>
+              </a:solidFill>
+              <a:latin typeface="微软雅黑 Light" panose="020B0502040204020203" pitchFamily="34" charset="-122"/>
+              <a:ea typeface="微软雅黑 Light" panose="020B0502040204020203" pitchFamily="34" charset="-122"/>
+              <a:sym typeface="Helvetica Light"/>
+            </a:endParaRPr>
           </a:p>
           <a:p>
             <a:pPr marL="571500" indent="-571500">
@@ -24633,19 +24524,58 @@
                 <a:ea typeface="微软雅黑 Light" panose="020B0502040204020203" pitchFamily="34" charset="-122"/>
                 <a:sym typeface="Helvetica Light"/>
               </a:rPr>
-              <a:t>资源准备完毕，开启游戏循环</a:t>
-            </a:r>
-            <a:r>
-              <a:rPr lang="en-US" altLang="zh-CN" b="0" dirty="0">
-                <a:solidFill>
-                  <a:srgbClr val="000000"/>
-                </a:solidFill>
-                <a:latin typeface="微软雅黑 Light" panose="020B0502040204020203" pitchFamily="34" charset="-122"/>
-                <a:ea typeface="微软雅黑 Light" panose="020B0502040204020203" pitchFamily="34" charset="-122"/>
-                <a:sym typeface="Helvetica Light"/>
-              </a:rPr>
-              <a:t>..</a:t>
-            </a:r>
+              <a:t>资源准备完毕，开启游戏</a:t>
+            </a:r>
+            <a:r>
+              <a:rPr lang="zh-CN" altLang="en-US" b="0" dirty="0" smtClean="0">
+                <a:solidFill>
+                  <a:srgbClr val="000000"/>
+                </a:solidFill>
+                <a:latin typeface="微软雅黑 Light" panose="020B0502040204020203" pitchFamily="34" charset="-122"/>
+                <a:ea typeface="微软雅黑 Light" panose="020B0502040204020203" pitchFamily="34" charset="-122"/>
+                <a:sym typeface="Helvetica Light"/>
+              </a:rPr>
+              <a:t>循环</a:t>
+            </a:r>
+            <a:endParaRPr lang="en-US" altLang="zh-CN" b="0" dirty="0">
+              <a:solidFill>
+                <a:srgbClr val="000000"/>
+              </a:solidFill>
+              <a:latin typeface="微软雅黑 Light" panose="020B0502040204020203" pitchFamily="34" charset="-122"/>
+              <a:ea typeface="微软雅黑 Light" panose="020B0502040204020203" pitchFamily="34" charset="-122"/>
+              <a:sym typeface="Helvetica Light"/>
+            </a:endParaRPr>
+          </a:p>
+          <a:p>
+            <a:pPr marL="571500" indent="-571500">
+              <a:lnSpc>
+                <a:spcPct val="150000"/>
+              </a:lnSpc>
+              <a:spcBef>
+                <a:spcPts val="600"/>
+              </a:spcBef>
+              <a:buFont typeface="Arial" panose="020B0604020202020204" pitchFamily="34" charset="0"/>
+              <a:buChar char="•"/>
+            </a:pPr>
+            <a:r>
+              <a:rPr lang="en-US" altLang="zh-CN" b="0" dirty="0" smtClean="0">
+                <a:solidFill>
+                  <a:srgbClr val="000000"/>
+                </a:solidFill>
+                <a:latin typeface="微软雅黑 Light" panose="020B0502040204020203" pitchFamily="34" charset="-122"/>
+                <a:ea typeface="微软雅黑 Light" panose="020B0502040204020203" pitchFamily="34" charset="-122"/>
+                <a:sym typeface="Helvetica Light"/>
+              </a:rPr>
+              <a:t>…</a:t>
+            </a:r>
+            <a:endParaRPr lang="en-US" altLang="zh-CN" b="0" dirty="0">
+              <a:solidFill>
+                <a:srgbClr val="000000"/>
+              </a:solidFill>
+              <a:latin typeface="微软雅黑 Light" panose="020B0502040204020203" pitchFamily="34" charset="-122"/>
+              <a:ea typeface="微软雅黑 Light" panose="020B0502040204020203" pitchFamily="34" charset="-122"/>
+              <a:sym typeface="Helvetica Light"/>
+            </a:endParaRPr>
           </a:p>
           <a:p>
             <a:pPr>

--- a/PPTs/04.引擎基础概念与底层实用系统.pptx
+++ b/PPTs/04.引擎基础概念与底层实用系统.pptx
@@ -261,7 +261,7 @@
           <a:p>
             <a:fld id="{0C0E42BC-8A47-448F-A68A-F4ACF20E9984}" type="datetimeFigureOut">
               <a:rPr lang="en-US" smtClean="0"/>
-              <a:t>1/14/2022</a:t>
+              <a:t>1/20/2022</a:t>
             </a:fld>
             <a:endParaRPr lang="zh-CN"/>
           </a:p>
@@ -973,6 +973,18 @@
             <a:endParaRPr lang="en-US" altLang="zh-CN" dirty="0"/>
           </a:p>
           <a:p>
+            <a:r>
+              <a:rPr lang="zh-CN" altLang="en-US" dirty="0" smtClean="0"/>
+              <a:t>注意 我们这里说 循环， </a:t>
+            </a:r>
+            <a:r>
+              <a:rPr lang="en-US" altLang="zh-CN" dirty="0" smtClean="0"/>
+              <a:t>Update, Tick </a:t>
+            </a:r>
+            <a:r>
+              <a:rPr lang="zh-CN" altLang="en-US" smtClean="0"/>
+              <a:t>都是一个东西。</a:t>
+            </a:r>
             <a:endParaRPr lang="en-US" altLang="zh-CN" dirty="0"/>
           </a:p>
           <a:p>
@@ -1072,6 +1084,42 @@
             <a:endParaRPr lang="en-US" altLang="zh-CN" dirty="0"/>
           </a:p>
           <a:p>
+            <a:r>
+              <a:rPr lang="en-US" altLang="zh-CN" dirty="0" err="1" smtClean="0"/>
+              <a:t>InputStack</a:t>
+            </a:r>
+            <a:r>
+              <a:rPr lang="zh-CN" altLang="en-US" dirty="0" smtClean="0"/>
+              <a:t>里 是</a:t>
+            </a:r>
+            <a:r>
+              <a:rPr lang="en-US" altLang="zh-CN" dirty="0" err="1" smtClean="0"/>
+              <a:t>InputComponent</a:t>
+            </a:r>
+            <a:r>
+              <a:rPr lang="en-US" altLang="zh-CN" dirty="0" smtClean="0"/>
+              <a:t>,  </a:t>
+            </a:r>
+            <a:r>
+              <a:rPr lang="zh-CN" altLang="en-US" dirty="0" smtClean="0"/>
+              <a:t>支持添加多个， 比如代码里会把 </a:t>
+            </a:r>
+            <a:r>
+              <a:rPr lang="en-US" altLang="zh-CN" dirty="0" err="1" smtClean="0"/>
+              <a:t>LevelScript</a:t>
+            </a:r>
+            <a:r>
+              <a:rPr lang="zh-CN" altLang="en-US" dirty="0" smtClean="0"/>
+              <a:t>也检查一遍， 然后 自顶向下 把每个</a:t>
+            </a:r>
+            <a:r>
+              <a:rPr lang="en-US" altLang="zh-CN" dirty="0" err="1" smtClean="0"/>
+              <a:t>InputComponent</a:t>
+            </a:r>
+            <a:r>
+              <a:rPr lang="zh-CN" altLang="en-US" dirty="0" smtClean="0"/>
+              <a:t>里绑定的函数执行一下</a:t>
+            </a:r>
             <a:endParaRPr lang="en-US" altLang="zh-CN" dirty="0"/>
           </a:p>
           <a:p>
@@ -1174,6 +1222,43 @@
             <a:endParaRPr lang="en-US" altLang="zh-CN" dirty="0"/>
           </a:p>
           <a:p>
+            <a:r>
+              <a:rPr lang="zh-CN" altLang="en-US" dirty="0" smtClean="0"/>
+              <a:t>简单做一下 对上面</a:t>
+            </a:r>
+            <a:r>
+              <a:rPr lang="en-US" altLang="zh-CN" dirty="0" smtClean="0"/>
+              <a:t>Game</a:t>
+            </a:r>
+            <a:r>
+              <a:rPr lang="zh-CN" altLang="en-US" dirty="0" smtClean="0"/>
+              <a:t>循环的小结</a:t>
+            </a:r>
+            <a:endParaRPr lang="en-US" altLang="zh-CN" dirty="0" smtClean="0"/>
+          </a:p>
+          <a:p>
+            <a:endParaRPr lang="en-US" altLang="zh-CN" dirty="0" smtClean="0"/>
+          </a:p>
+          <a:p>
+            <a:r>
+              <a:rPr lang="zh-CN" altLang="en-US" dirty="0" smtClean="0"/>
+              <a:t>剪裁， 剔除</a:t>
+            </a:r>
+            <a:endParaRPr lang="en-US" altLang="zh-CN" dirty="0" smtClean="0"/>
+          </a:p>
+          <a:p>
+            <a:r>
+              <a:rPr lang="zh-CN" altLang="en-US" dirty="0" smtClean="0"/>
+              <a:t>这块 赵帅第一节介绍</a:t>
+            </a:r>
+            <a:r>
+              <a:rPr lang="en-US" altLang="zh-CN" dirty="0" err="1" smtClean="0"/>
+              <a:t>RenderPipline</a:t>
+            </a:r>
+            <a:r>
+              <a:rPr lang="zh-CN" altLang="en-US" dirty="0" smtClean="0"/>
+              <a:t>说过，可以帮着回顾一下</a:t>
+            </a:r>
             <a:endParaRPr lang="zh-CN" altLang="en-US" dirty="0"/>
           </a:p>
         </p:txBody>
@@ -1273,7 +1358,120 @@
             <a:endParaRPr lang="en-US" altLang="zh-CN" dirty="0"/>
           </a:p>
           <a:p>
-            <a:endParaRPr lang="zh-CN" altLang="en-US" dirty="0"/>
+            <a:r>
+              <a:rPr lang="en-US" altLang="zh-CN" b="0" dirty="0" smtClean="0">
+                <a:solidFill>
+                  <a:srgbClr val="000000"/>
+                </a:solidFill>
+                <a:latin typeface="微软雅黑 Light" panose="020B0502040204020203" pitchFamily="34" charset="-122"/>
+                <a:ea typeface="微软雅黑 Light" panose="020B0502040204020203" pitchFamily="34" charset="-122"/>
+                <a:sym typeface="Helvetica Light"/>
+              </a:rPr>
+              <a:t>Frustum Culling </a:t>
+            </a:r>
+            <a:r>
+              <a:rPr lang="zh-CN" altLang="en-US" b="0" dirty="0" smtClean="0">
+                <a:solidFill>
+                  <a:srgbClr val="000000"/>
+                </a:solidFill>
+                <a:latin typeface="微软雅黑 Light" panose="020B0502040204020203" pitchFamily="34" charset="-122"/>
+                <a:ea typeface="微软雅黑 Light" panose="020B0502040204020203" pitchFamily="34" charset="-122"/>
+                <a:sym typeface="Helvetica Light"/>
+              </a:rPr>
+              <a:t>只是一个粗略剔除，对于与裁剪平面有相交的物体还不能这么处理</a:t>
+            </a:r>
+            <a:endParaRPr lang="en-US" altLang="zh-CN" b="0" dirty="0" smtClean="0">
+              <a:solidFill>
+                <a:srgbClr val="000000"/>
+              </a:solidFill>
+              <a:latin typeface="微软雅黑 Light" panose="020B0502040204020203" pitchFamily="34" charset="-122"/>
+              <a:ea typeface="微软雅黑 Light" panose="020B0502040204020203" pitchFamily="34" charset="-122"/>
+              <a:sym typeface="Helvetica Light"/>
+            </a:endParaRPr>
+          </a:p>
+          <a:p>
+            <a:r>
+              <a:rPr lang="zh-CN" altLang="en-US" b="0" dirty="0" smtClean="0">
+                <a:solidFill>
+                  <a:srgbClr val="000000"/>
+                </a:solidFill>
+                <a:latin typeface="微软雅黑 Light" panose="020B0502040204020203" pitchFamily="34" charset="-122"/>
+                <a:ea typeface="微软雅黑 Light" panose="020B0502040204020203" pitchFamily="34" charset="-122"/>
+                <a:sym typeface="Helvetica Light"/>
+              </a:rPr>
+              <a:t>这个牵扯到视口剔除， 这块不做过多解释。</a:t>
+            </a:r>
+            <a:endParaRPr lang="en-US" altLang="zh-CN" b="0" dirty="0" smtClean="0">
+              <a:solidFill>
+                <a:srgbClr val="000000"/>
+              </a:solidFill>
+              <a:latin typeface="微软雅黑 Light" panose="020B0502040204020203" pitchFamily="34" charset="-122"/>
+              <a:ea typeface="微软雅黑 Light" panose="020B0502040204020203" pitchFamily="34" charset="-122"/>
+              <a:sym typeface="Helvetica Light"/>
+            </a:endParaRPr>
+          </a:p>
+          <a:p>
+            <a:endParaRPr lang="en-US" altLang="zh-CN" b="0" dirty="0" smtClean="0">
+              <a:solidFill>
+                <a:srgbClr val="000000"/>
+              </a:solidFill>
+              <a:latin typeface="微软雅黑 Light" panose="020B0502040204020203" pitchFamily="34" charset="-122"/>
+              <a:ea typeface="微软雅黑 Light" panose="020B0502040204020203" pitchFamily="34" charset="-122"/>
+              <a:sym typeface="Helvetica Light"/>
+            </a:endParaRPr>
+          </a:p>
+          <a:p>
+            <a:r>
+              <a:rPr lang="zh-CN" altLang="en-US" b="0" dirty="0" smtClean="0">
+                <a:solidFill>
+                  <a:srgbClr val="000000"/>
+                </a:solidFill>
+                <a:latin typeface="微软雅黑 Light" panose="020B0502040204020203" pitchFamily="34" charset="-122"/>
+                <a:ea typeface="微软雅黑 Light" panose="020B0502040204020203" pitchFamily="34" charset="-122"/>
+                <a:sym typeface="Helvetica Light"/>
+              </a:rPr>
+              <a:t>这块可以提一个问题， 视锥剔除实在 </a:t>
+            </a:r>
+            <a:r>
+              <a:rPr lang="en-US" altLang="zh-CN" b="0" dirty="0" err="1" smtClean="0">
+                <a:solidFill>
+                  <a:srgbClr val="000000"/>
+                </a:solidFill>
+                <a:latin typeface="微软雅黑 Light" panose="020B0502040204020203" pitchFamily="34" charset="-122"/>
+                <a:ea typeface="微软雅黑 Light" panose="020B0502040204020203" pitchFamily="34" charset="-122"/>
+                <a:sym typeface="Helvetica Light"/>
+              </a:rPr>
+              <a:t>VertexShader</a:t>
+            </a:r>
+            <a:r>
+              <a:rPr lang="zh-CN" altLang="en-US" b="0" dirty="0" smtClean="0">
+                <a:solidFill>
+                  <a:srgbClr val="000000"/>
+                </a:solidFill>
+                <a:latin typeface="微软雅黑 Light" panose="020B0502040204020203" pitchFamily="34" charset="-122"/>
+                <a:ea typeface="微软雅黑 Light" panose="020B0502040204020203" pitchFamily="34" charset="-122"/>
+                <a:sym typeface="Helvetica Light"/>
+              </a:rPr>
+              <a:t>之后还是之前？</a:t>
+            </a:r>
+            <a:endParaRPr lang="en-US" altLang="zh-CN" b="0" dirty="0" smtClean="0">
+              <a:solidFill>
+                <a:srgbClr val="000000"/>
+              </a:solidFill>
+              <a:latin typeface="微软雅黑 Light" panose="020B0502040204020203" pitchFamily="34" charset="-122"/>
+              <a:ea typeface="微软雅黑 Light" panose="020B0502040204020203" pitchFamily="34" charset="-122"/>
+              <a:sym typeface="Helvetica Light"/>
+            </a:endParaRPr>
+          </a:p>
+          <a:p>
+            <a:endParaRPr lang="en-US" altLang="zh-CN" b="0" dirty="0" smtClean="0">
+              <a:solidFill>
+                <a:srgbClr val="000000"/>
+              </a:solidFill>
+              <a:latin typeface="微软雅黑 Light" panose="020B0502040204020203" pitchFamily="34" charset="-122"/>
+              <a:ea typeface="微软雅黑 Light" panose="020B0502040204020203" pitchFamily="34" charset="-122"/>
+              <a:sym typeface="Helvetica Light"/>
+            </a:endParaRPr>
           </a:p>
         </p:txBody>
       </p:sp>
@@ -1372,6 +1570,18 @@
             <a:endParaRPr lang="en-US" altLang="zh-CN" dirty="0"/>
           </a:p>
           <a:p>
+            <a:r>
+              <a:rPr lang="zh-CN" altLang="en-US" dirty="0" smtClean="0"/>
+              <a:t>简单提一嘴</a:t>
+            </a:r>
+            <a:r>
+              <a:rPr lang="en-US" altLang="zh-CN" dirty="0" err="1" smtClean="0"/>
+              <a:t>RenderDoc</a:t>
+            </a:r>
+            <a:r>
+              <a:rPr lang="zh-CN" altLang="en-US" dirty="0" smtClean="0"/>
+              <a:t>是干啥的</a:t>
+            </a:r>
             <a:endParaRPr lang="zh-CN" altLang="en-US" dirty="0"/>
           </a:p>
         </p:txBody>
@@ -1471,6 +1681,75 @@
             <a:endParaRPr lang="en-US" altLang="zh-CN" dirty="0"/>
           </a:p>
           <a:p>
+            <a:r>
+              <a:rPr lang="en-US" altLang="zh-CN" dirty="0" err="1" smtClean="0"/>
+              <a:t>RenderTarget</a:t>
+            </a:r>
+            <a:r>
+              <a:rPr lang="en-US" altLang="zh-CN" baseline="0" dirty="0" smtClean="0"/>
+              <a:t>: 3d</a:t>
+            </a:r>
+            <a:r>
+              <a:rPr lang="zh-CN" altLang="en-US" baseline="0" dirty="0" smtClean="0"/>
+              <a:t>渲染到的一个中间存储缓冲区，可被操控</a:t>
+            </a:r>
+            <a:endParaRPr lang="en-US" altLang="zh-CN" baseline="0" dirty="0" smtClean="0"/>
+          </a:p>
+          <a:p>
+            <a:endParaRPr lang="en-US" altLang="zh-CN" baseline="0" dirty="0" smtClean="0"/>
+          </a:p>
+          <a:p>
+            <a:r>
+              <a:rPr lang="en-US" altLang="zh-CN" b="0" dirty="0" smtClean="0">
+                <a:solidFill>
+                  <a:srgbClr val="000000"/>
+                </a:solidFill>
+                <a:latin typeface="微软雅黑 Light" panose="020B0502040204020203" pitchFamily="34" charset="-122"/>
+                <a:ea typeface="微软雅黑 Light" panose="020B0502040204020203" pitchFamily="34" charset="-122"/>
+                <a:sym typeface="Helvetica Light"/>
+              </a:rPr>
+              <a:t>Translucency</a:t>
+            </a:r>
+            <a:r>
+              <a:rPr lang="en-US" altLang="zh-CN" baseline="0" dirty="0" smtClean="0"/>
+              <a:t>:</a:t>
+            </a:r>
+            <a:r>
+              <a:rPr lang="en-US" altLang="zh-CN" sz="2400" b="0" i="0" kern="1200" dirty="0" smtClean="0">
+                <a:solidFill>
+                  <a:schemeClr val="tx1"/>
+                </a:solidFill>
+                <a:effectLst/>
+                <a:latin typeface="+mn-lt"/>
+                <a:ea typeface="+mn-ea"/>
+                <a:cs typeface="+mn-cs"/>
+              </a:rPr>
+              <a:t>[</a:t>
+            </a:r>
+            <a:r>
+              <a:rPr lang="en-US" altLang="zh-CN" sz="2400" b="0" i="0" kern="1200" dirty="0" err="1" smtClean="0">
+                <a:solidFill>
+                  <a:schemeClr val="tx1"/>
+                </a:solidFill>
+                <a:effectLst/>
+                <a:latin typeface="+mn-lt"/>
+                <a:ea typeface="+mn-ea"/>
+                <a:cs typeface="+mn-cs"/>
+              </a:rPr>
+              <a:t>trænsˈlusənsi</a:t>
+            </a:r>
+            <a:r>
+              <a:rPr lang="en-US" altLang="zh-CN" sz="2400" b="0" i="0" kern="1200" dirty="0" smtClean="0">
+                <a:solidFill>
+                  <a:schemeClr val="tx1"/>
+                </a:solidFill>
+                <a:effectLst/>
+                <a:latin typeface="+mn-lt"/>
+                <a:ea typeface="+mn-ea"/>
+                <a:cs typeface="+mn-cs"/>
+              </a:rPr>
+              <a:t>]</a:t>
+            </a:r>
             <a:endParaRPr lang="zh-CN" altLang="en-US" dirty="0"/>
           </a:p>
         </p:txBody>
@@ -1657,6 +1936,25 @@
           <a:bodyPr/>
           <a:lstStyle/>
           <a:p>
+            <a:r>
+              <a:rPr lang="en-US" altLang="zh-CN" dirty="0" smtClean="0"/>
+              <a:t>1.</a:t>
+            </a:r>
+            <a:r>
+              <a:rPr lang="zh-CN" altLang="en-US" dirty="0" smtClean="0"/>
+              <a:t>简单回顾下上节课内容</a:t>
+            </a:r>
+            <a:endParaRPr lang="en-US" altLang="zh-CN" dirty="0" smtClean="0"/>
+          </a:p>
+          <a:p>
+            <a:r>
+              <a:rPr lang="en-US" dirty="0" smtClean="0"/>
+              <a:t>2.</a:t>
+            </a:r>
+            <a:r>
+              <a:rPr lang="zh-CN" altLang="en-US" dirty="0" smtClean="0"/>
+              <a:t>今天讲的内容</a:t>
+            </a:r>
             <a:endParaRPr lang="en-US" dirty="0"/>
           </a:p>
         </p:txBody>
@@ -1854,9 +2152,80 @@
           <a:bodyPr/>
           <a:lstStyle/>
           <a:p>
+            <a:r>
+              <a:rPr lang="zh-CN" altLang="en-US" dirty="0" smtClean="0"/>
+              <a:t>回顾一下上面讲完的渲染流程</a:t>
+            </a:r>
+            <a:endParaRPr lang="en-US" altLang="zh-CN" dirty="0" smtClean="0"/>
+          </a:p>
+          <a:p>
+            <a:endParaRPr lang="en-US" altLang="zh-CN" dirty="0" smtClean="0"/>
+          </a:p>
+          <a:p>
+            <a:endParaRPr lang="en-US" altLang="zh-CN" dirty="0" smtClean="0"/>
+          </a:p>
+          <a:p>
             <a:endParaRPr lang="en-US" altLang="zh-CN" dirty="0"/>
           </a:p>
           <a:p>
+            <a:r>
+              <a:rPr lang="zh-CN" altLang="en-US" dirty="0" smtClean="0"/>
+              <a:t>提问：</a:t>
+            </a:r>
+            <a:r>
+              <a:rPr lang="en-US" altLang="zh-CN" dirty="0" smtClean="0"/>
+              <a:t>Game</a:t>
+            </a:r>
+            <a:r>
+              <a:rPr lang="zh-CN" altLang="en-US" dirty="0" smtClean="0"/>
+              <a:t>线程， 渲染线程 是跑在 </a:t>
+            </a:r>
+            <a:r>
+              <a:rPr lang="en-US" altLang="zh-CN" dirty="0" smtClean="0"/>
+              <a:t>CPU</a:t>
+            </a:r>
+            <a:r>
+              <a:rPr lang="zh-CN" altLang="en-US" dirty="0" smtClean="0"/>
+              <a:t>还是</a:t>
+            </a:r>
+            <a:r>
+              <a:rPr lang="en-US" altLang="zh-CN" dirty="0" smtClean="0"/>
+              <a:t>GPU?</a:t>
+            </a:r>
+          </a:p>
+          <a:p>
+            <a:r>
+              <a:rPr lang="zh-CN" altLang="en-US" dirty="0" smtClean="0"/>
+              <a:t>第二张图 有</a:t>
+            </a:r>
+            <a:r>
+              <a:rPr lang="en-US" altLang="zh-CN" dirty="0" smtClean="0"/>
+              <a:t>GPU</a:t>
+            </a:r>
+            <a:r>
+              <a:rPr lang="zh-CN" altLang="en-US" dirty="0" smtClean="0"/>
+              <a:t>的部分，可以帮着回顾一下 上一节的</a:t>
+            </a:r>
+            <a:r>
+              <a:rPr lang="en-US" altLang="zh-CN" dirty="0" smtClean="0"/>
+              <a:t>Fence,</a:t>
+            </a:r>
+            <a:r>
+              <a:rPr lang="en-US" altLang="zh-CN" baseline="0" dirty="0" smtClean="0"/>
+              <a:t> </a:t>
+            </a:r>
+            <a:r>
+              <a:rPr lang="zh-CN" altLang="en-US" baseline="0" dirty="0" smtClean="0"/>
+              <a:t>渲染命令跟</a:t>
+            </a:r>
+            <a:r>
+              <a:rPr lang="en-US" altLang="zh-CN" baseline="0" dirty="0" smtClean="0"/>
+              <a:t>GPU</a:t>
+            </a:r>
+            <a:r>
+              <a:rPr lang="zh-CN" altLang="en-US" baseline="0" dirty="0" smtClean="0"/>
+              <a:t>之间的同步。</a:t>
+            </a:r>
             <a:endParaRPr lang="en-US" altLang="zh-CN" dirty="0"/>
           </a:p>
           <a:p>
@@ -2655,6 +3024,10 @@
           <a:bodyPr/>
           <a:lstStyle/>
           <a:p>
+            <a:r>
+              <a:rPr lang="zh-CN" altLang="en-US" dirty="0" smtClean="0"/>
+              <a:t>可以举个和平精英 商城加载的例子</a:t>
+            </a:r>
             <a:endParaRPr lang="zh-CN" altLang="en-US" dirty="0"/>
           </a:p>
         </p:txBody>
@@ -3159,15 +3532,22 @@
           <a:lstStyle/>
           <a:p>
             <a:r>
-              <a:rPr lang="zh-CN" altLang="en-US" dirty="0"/>
-              <a:t>引擎不止限于 通用游戏模块，还包含工具。</a:t>
-            </a:r>
-            <a:endParaRPr lang="en-US" altLang="zh-CN" dirty="0"/>
-          </a:p>
-          <a:p>
-            <a:r>
-              <a:rPr lang="zh-CN" altLang="en-US" dirty="0"/>
-              <a:t>需要正确区分 引擎模块和游戏逻辑的界限。</a:t>
+              <a:rPr lang="zh-CN" altLang="en-US" dirty="0" smtClean="0"/>
+              <a:t>主要就是要正确的区分 引擎模块和游戏逻辑之间的区别，简单说就好比一个是电脑硬件，</a:t>
+            </a:r>
+          </a:p>
+          <a:p>
+            <a:r>
+              <a:rPr lang="zh-CN" altLang="en-US" dirty="0" smtClean="0"/>
+              <a:t>一个是跑在电脑上的</a:t>
+            </a:r>
+            <a:r>
+              <a:rPr lang="en-US" altLang="zh-CN" dirty="0" smtClean="0"/>
+              <a:t>app</a:t>
+            </a:r>
+            <a:r>
+              <a:rPr lang="zh-CN" altLang="en-US" dirty="0" smtClean="0"/>
+              <a:t>。</a:t>
             </a:r>
             <a:endParaRPr lang="en-US" altLang="zh-CN" dirty="0"/>
           </a:p>
@@ -3474,6 +3854,10 @@
             <a:endParaRPr lang="en-US" altLang="zh-CN" dirty="0"/>
           </a:p>
           <a:p>
+            <a:r>
+              <a:rPr lang="zh-CN" altLang="en-US" dirty="0" smtClean="0"/>
+              <a:t>渲染循环可以看出来，是在游戏循环之后，为什么呢，因为渲染的数据来源是游戏循环。</a:t>
+            </a:r>
             <a:endParaRPr lang="zh-CN" altLang="en-US" dirty="0"/>
           </a:p>
         </p:txBody>
@@ -9626,7 +10010,7 @@
         <p:grpSpPr>
           <a:xfrm>
             <a:off x="1344295" y="0"/>
-            <a:ext cx="11130734" cy="13716000"/>
+            <a:ext cx="10039052" cy="13716000"/>
             <a:chOff x="10467974" y="26142"/>
             <a:chExt cx="16015357" cy="13716000"/>
           </a:xfrm>
@@ -9738,7 +10122,7 @@
         <p:spPr>
           <a:xfrm>
             <a:off x="2426714" y="3954550"/>
-            <a:ext cx="9721744" cy="9010800"/>
+            <a:ext cx="8471441" cy="9936053"/>
           </a:xfrm>
           <a:prstGeom prst="rect">
             <a:avLst/>
@@ -10239,10 +10623,10 @@
       </p:pic>
       <p:pic>
         <p:nvPicPr>
-          <p:cNvPr id="3" name="图片 2">
+          <p:cNvPr id="10" name="图片 9">
             <a:extLst>
               <a:ext uri="{FF2B5EF4-FFF2-40B4-BE49-F238E27FC236}">
-                <a16:creationId xmlns:a16="http://schemas.microsoft.com/office/drawing/2014/main" xmlns="" id="{EE3AEBFF-A6E0-46A5-89D4-34CB7EB6424B}"/>
+                <a16:creationId xmlns:a16="http://schemas.microsoft.com/office/drawing/2014/main" xmlns="" id="{EAC4F874-4B35-4D20-BC2B-D7B1A899DBEA}"/>
               </a:ext>
             </a:extLst>
           </p:cNvPr>
@@ -10259,8 +10643,8 @@
         </p:blipFill>
         <p:spPr>
           <a:xfrm>
-            <a:off x="14181228" y="0"/>
-            <a:ext cx="8196816" cy="7356117"/>
+            <a:off x="11535141" y="6348410"/>
+            <a:ext cx="12575747" cy="6677123"/>
           </a:xfrm>
           <a:prstGeom prst="rect">
             <a:avLst/>
@@ -10269,13 +10653,7 @@
       </p:pic>
       <p:pic>
         <p:nvPicPr>
-          <p:cNvPr id="10" name="图片 9">
-            <a:extLst>
-              <a:ext uri="{FF2B5EF4-FFF2-40B4-BE49-F238E27FC236}">
-                <a16:creationId xmlns:a16="http://schemas.microsoft.com/office/drawing/2014/main" xmlns="" id="{EAC4F874-4B35-4D20-BC2B-D7B1A899DBEA}"/>
-              </a:ext>
-            </a:extLst>
-          </p:cNvPr>
+          <p:cNvPr id="14" name="图片 13"/>
           <p:cNvPicPr>
             <a:picLocks noChangeAspect="1"/>
           </p:cNvPicPr>
@@ -10289,8 +10667,32 @@
         </p:blipFill>
         <p:spPr>
           <a:xfrm>
-            <a:off x="12475029" y="7356117"/>
-            <a:ext cx="11609214" cy="6163940"/>
+            <a:off x="17785181" y="1187149"/>
+            <a:ext cx="6578793" cy="4971054"/>
+          </a:xfrm>
+          <a:prstGeom prst="rect">
+            <a:avLst/>
+          </a:prstGeom>
+        </p:spPr>
+      </p:pic>
+      <p:pic>
+        <p:nvPicPr>
+          <p:cNvPr id="15" name="图片 14"/>
+          <p:cNvPicPr>
+            <a:picLocks noChangeAspect="1"/>
+          </p:cNvPicPr>
+          <p:nvPr/>
+        </p:nvPicPr>
+        <p:blipFill>
+          <a:blip r:embed="rId8"/>
+          <a:stretch>
+            <a:fillRect/>
+          </a:stretch>
+        </p:blipFill>
+        <p:spPr>
+          <a:xfrm>
+            <a:off x="11355099" y="1187148"/>
+            <a:ext cx="6467916" cy="4971055"/>
           </a:xfrm>
           <a:prstGeom prst="rect">
             <a:avLst/>
@@ -10459,7 +10861,7 @@
         <p:spPr>
           <a:xfrm>
             <a:off x="2426713" y="3954550"/>
-            <a:ext cx="11975213" cy="11349902"/>
+            <a:ext cx="11975213" cy="11444159"/>
           </a:xfrm>
           <a:prstGeom prst="rect">
             <a:avLst/>
@@ -10605,7 +11007,7 @@
               <a:buChar char="•"/>
             </a:pPr>
             <a:r>
-              <a:rPr lang="en-US" altLang="zh-CN" b="0" dirty="0" err="1">
+              <a:rPr lang="en-US" altLang="zh-CN" b="0" dirty="0" err="1" smtClean="0">
                 <a:solidFill>
                   <a:srgbClr val="000000"/>
                 </a:solidFill>
@@ -10616,15 +11018,15 @@
               <a:t>LevelTick</a:t>
             </a:r>
             <a:r>
-              <a:rPr lang="zh-CN" altLang="en-US" b="0" dirty="0">
-                <a:solidFill>
-                  <a:srgbClr val="000000"/>
-                </a:solidFill>
-                <a:latin typeface="微软雅黑 Light" panose="020B0502040204020203" pitchFamily="34" charset="-122"/>
-                <a:ea typeface="微软雅黑 Light" panose="020B0502040204020203" pitchFamily="34" charset="-122"/>
-                <a:sym typeface="Helvetica Light"/>
-              </a:rPr>
-              <a:t>分两部分：</a:t>
+              <a:rPr lang="zh-CN" altLang="en-US" b="0" dirty="0" smtClean="0">
+                <a:solidFill>
+                  <a:srgbClr val="000000"/>
+                </a:solidFill>
+                <a:latin typeface="微软雅黑 Light" panose="020B0502040204020203" pitchFamily="34" charset="-122"/>
+                <a:ea typeface="微软雅黑 Light" panose="020B0502040204020203" pitchFamily="34" charset="-122"/>
+                <a:sym typeface="Helvetica Light"/>
+              </a:rPr>
+              <a:t>：</a:t>
             </a:r>
             <a:endParaRPr lang="en-US" altLang="zh-CN" b="0" dirty="0">
               <a:solidFill>
@@ -10647,7 +11049,18 @@
               <a:buAutoNum type="arabicPeriod"/>
             </a:pPr>
             <a:r>
-              <a:rPr lang="en-US" altLang="zh-CN" b="0" dirty="0">
+              <a:rPr lang="zh-CN" altLang="en-US" dirty="0" smtClean="0">
+                <a:solidFill>
+                  <a:srgbClr val="000000"/>
+                </a:solidFill>
+                <a:latin typeface="微软雅黑 Light" panose="020B0502040204020203" pitchFamily="34" charset="-122"/>
+                <a:ea typeface="微软雅黑 Light" panose="020B0502040204020203" pitchFamily="34" charset="-122"/>
+                <a:sym typeface="Helvetica Light"/>
+              </a:rPr>
+              <a:t>实时的</a:t>
+            </a:r>
+            <a:r>
+              <a:rPr lang="en-US" altLang="zh-CN" dirty="0" smtClean="0">
                 <a:solidFill>
                   <a:srgbClr val="000000"/>
                 </a:solidFill>
@@ -10658,6 +11071,28 @@
               <a:t>Task</a:t>
             </a:r>
             <a:r>
+              <a:rPr lang="zh-CN" altLang="en-US" dirty="0" smtClean="0">
+                <a:solidFill>
+                  <a:srgbClr val="000000"/>
+                </a:solidFill>
+                <a:latin typeface="微软雅黑 Light" panose="020B0502040204020203" pitchFamily="34" charset="-122"/>
+                <a:ea typeface="微软雅黑 Light" panose="020B0502040204020203" pitchFamily="34" charset="-122"/>
+                <a:sym typeface="Helvetica Light"/>
+              </a:rPr>
+              <a:t>任务</a:t>
+            </a:r>
+            <a:r>
+              <a:rPr lang="zh-CN" altLang="en-US" b="0" dirty="0" smtClean="0">
+                <a:solidFill>
+                  <a:srgbClr val="000000"/>
+                </a:solidFill>
+                <a:latin typeface="微软雅黑 Light" panose="020B0502040204020203" pitchFamily="34" charset="-122"/>
+                <a:ea typeface="微软雅黑 Light" panose="020B0502040204020203" pitchFamily="34" charset="-122"/>
+                <a:sym typeface="Helvetica Light"/>
+              </a:rPr>
+              <a:t>：</a:t>
+            </a:r>
+            <a:r>
               <a:rPr lang="zh-CN" altLang="en-US" b="0" dirty="0">
                 <a:solidFill>
                   <a:srgbClr val="000000"/>
@@ -10666,29 +11101,7 @@
                 <a:ea typeface="微软雅黑 Light" panose="020B0502040204020203" pitchFamily="34" charset="-122"/>
                 <a:sym typeface="Helvetica Light"/>
               </a:rPr>
-              <a:t>的</a:t>
-            </a:r>
-            <a:r>
-              <a:rPr lang="en-US" altLang="zh-CN" b="0" dirty="0">
-                <a:solidFill>
-                  <a:srgbClr val="000000"/>
-                </a:solidFill>
-                <a:latin typeface="微软雅黑 Light" panose="020B0502040204020203" pitchFamily="34" charset="-122"/>
-                <a:ea typeface="微软雅黑 Light" panose="020B0502040204020203" pitchFamily="34" charset="-122"/>
-                <a:sym typeface="Helvetica Light"/>
-              </a:rPr>
-              <a:t>Tick</a:t>
-            </a:r>
-            <a:r>
-              <a:rPr lang="zh-CN" altLang="en-US" b="0" dirty="0">
-                <a:solidFill>
-                  <a:srgbClr val="000000"/>
-                </a:solidFill>
-                <a:latin typeface="微软雅黑 Light" panose="020B0502040204020203" pitchFamily="34" charset="-122"/>
-                <a:ea typeface="微软雅黑 Light" panose="020B0502040204020203" pitchFamily="34" charset="-122"/>
-                <a:sym typeface="Helvetica Light"/>
-              </a:rPr>
-              <a:t>执行：比如异步关卡，资源加载任务；游戏线程向渲染线程同步任务</a:t>
+              <a:t>比如异步关卡，资源加载任务；游戏线程向渲染线程同步任务</a:t>
             </a:r>
             <a:endParaRPr lang="en-US" altLang="zh-CN" b="0" dirty="0">
               <a:solidFill>
@@ -10711,17 +11124,6 @@
               <a:buAutoNum type="arabicPeriod"/>
             </a:pPr>
             <a:r>
-              <a:rPr lang="en-US" altLang="zh-CN" dirty="0">
-                <a:solidFill>
-                  <a:srgbClr val="000000"/>
-                </a:solidFill>
-                <a:latin typeface="微软雅黑 Light" panose="020B0502040204020203" pitchFamily="34" charset="-122"/>
-                <a:ea typeface="微软雅黑 Light" panose="020B0502040204020203" pitchFamily="34" charset="-122"/>
-                <a:sym typeface="Helvetica Light"/>
-              </a:rPr>
-              <a:t>Actor</a:t>
-            </a:r>
-            <a:r>
               <a:rPr lang="zh-CN" altLang="en-US" dirty="0">
                 <a:solidFill>
                   <a:srgbClr val="000000"/>
@@ -10730,40 +11132,62 @@
                 <a:ea typeface="微软雅黑 Light" panose="020B0502040204020203" pitchFamily="34" charset="-122"/>
                 <a:sym typeface="Helvetica Light"/>
               </a:rPr>
-              <a:t>的</a:t>
-            </a:r>
-            <a:r>
-              <a:rPr lang="en-US" altLang="zh-CN" dirty="0">
-                <a:solidFill>
-                  <a:srgbClr val="000000"/>
-                </a:solidFill>
-                <a:latin typeface="微软雅黑 Light" panose="020B0502040204020203" pitchFamily="34" charset="-122"/>
-                <a:ea typeface="微软雅黑 Light" panose="020B0502040204020203" pitchFamily="34" charset="-122"/>
-                <a:sym typeface="Helvetica Light"/>
-              </a:rPr>
-              <a:t>Tick</a:t>
-            </a:r>
-            <a:r>
-              <a:rPr lang="zh-CN" altLang="en-US" dirty="0">
-                <a:solidFill>
-                  <a:srgbClr val="000000"/>
-                </a:solidFill>
-                <a:latin typeface="微软雅黑 Light" panose="020B0502040204020203" pitchFamily="34" charset="-122"/>
-                <a:ea typeface="微软雅黑 Light" panose="020B0502040204020203" pitchFamily="34" charset="-122"/>
-                <a:sym typeface="Helvetica Light"/>
-              </a:rPr>
-              <a:t>执行</a:t>
-            </a:r>
-            <a:r>
-              <a:rPr lang="en-US" altLang="zh-CN" dirty="0">
-                <a:solidFill>
-                  <a:srgbClr val="000000"/>
-                </a:solidFill>
-                <a:latin typeface="微软雅黑 Light" panose="020B0502040204020203" pitchFamily="34" charset="-122"/>
-                <a:ea typeface="微软雅黑 Light" panose="020B0502040204020203" pitchFamily="34" charset="-122"/>
-                <a:sym typeface="Helvetica Light"/>
-              </a:rPr>
-              <a:t>: </a:t>
+              <a:t>每</a:t>
+            </a:r>
+            <a:r>
+              <a:rPr lang="zh-CN" altLang="en-US" dirty="0" smtClean="0">
+                <a:solidFill>
+                  <a:srgbClr val="000000"/>
+                </a:solidFill>
+                <a:latin typeface="微软雅黑 Light" panose="020B0502040204020203" pitchFamily="34" charset="-122"/>
+                <a:ea typeface="微软雅黑 Light" panose="020B0502040204020203" pitchFamily="34" charset="-122"/>
+                <a:sym typeface="Helvetica Light"/>
+              </a:rPr>
+              <a:t>帧执行的</a:t>
+            </a:r>
+            <a:r>
+              <a:rPr lang="en-US" altLang="zh-CN" dirty="0" err="1" smtClean="0">
+                <a:solidFill>
+                  <a:srgbClr val="000000"/>
+                </a:solidFill>
+                <a:latin typeface="微软雅黑 Light" panose="020B0502040204020203" pitchFamily="34" charset="-122"/>
+                <a:ea typeface="微软雅黑 Light" panose="020B0502040204020203" pitchFamily="34" charset="-122"/>
+                <a:sym typeface="Helvetica Light"/>
+              </a:rPr>
+              <a:t>TickFunction</a:t>
+            </a:r>
+            <a:r>
+              <a:rPr lang="zh-CN" altLang="en-US" dirty="0" smtClean="0">
+                <a:solidFill>
+                  <a:srgbClr val="000000"/>
+                </a:solidFill>
+                <a:latin typeface="微软雅黑 Light" panose="020B0502040204020203" pitchFamily="34" charset="-122"/>
+                <a:ea typeface="微软雅黑 Light" panose="020B0502040204020203" pitchFamily="34" charset="-122"/>
+                <a:sym typeface="Helvetica Light"/>
+              </a:rPr>
+              <a:t>任务</a:t>
+            </a:r>
+            <a:r>
+              <a:rPr lang="en-US" altLang="zh-CN" dirty="0" smtClean="0">
+                <a:solidFill>
+                  <a:srgbClr val="000000"/>
+                </a:solidFill>
+                <a:latin typeface="微软雅黑 Light" panose="020B0502040204020203" pitchFamily="34" charset="-122"/>
+                <a:ea typeface="微软雅黑 Light" panose="020B0502040204020203" pitchFamily="34" charset="-122"/>
+                <a:sym typeface="Helvetica Light"/>
+              </a:rPr>
+              <a:t>:</a:t>
+            </a:r>
+            <a:r>
+              <a:rPr lang="en-US" altLang="zh-CN" dirty="0" smtClean="0">
+                <a:solidFill>
+                  <a:srgbClr val="000000"/>
+                </a:solidFill>
+                <a:latin typeface="微软雅黑 Light" panose="020B0502040204020203" pitchFamily="34" charset="-122"/>
+                <a:ea typeface="微软雅黑 Light" panose="020B0502040204020203" pitchFamily="34" charset="-122"/>
+                <a:sym typeface="Helvetica Light"/>
+              </a:rPr>
+              <a:t> </a:t>
             </a:r>
             <a:r>
               <a:rPr lang="zh-CN" altLang="en-US" dirty="0">
@@ -10907,7 +11331,7 @@
               <a:buChar char="•"/>
             </a:pPr>
             <a:r>
-              <a:rPr lang="en-US" altLang="zh-CN" b="0" dirty="0" err="1">
+              <a:rPr lang="en-US" altLang="zh-CN" b="0" dirty="0" err="1" smtClean="0">
                 <a:solidFill>
                   <a:srgbClr val="000000"/>
                 </a:solidFill>
@@ -10916,7 +11340,19 @@
                 <a:sym typeface="Helvetica Light"/>
                 <a:hlinkClick r:id="rId3"/>
               </a:rPr>
-              <a:t>ActorTick</a:t>
+              <a:t>WorldTick</a:t>
+            </a:r>
+            <a:r>
+              <a:rPr lang="zh-CN" altLang="en-US" b="0" dirty="0" smtClean="0">
+                <a:solidFill>
+                  <a:srgbClr val="000000"/>
+                </a:solidFill>
+                <a:latin typeface="微软雅黑 Light" panose="020B0502040204020203" pitchFamily="34" charset="-122"/>
+                <a:ea typeface="微软雅黑 Light" panose="020B0502040204020203" pitchFamily="34" charset="-122"/>
+                <a:sym typeface="Helvetica Light"/>
+                <a:hlinkClick r:id="rId3"/>
+              </a:rPr>
+              <a:t>拆解</a:t>
             </a:r>
             <a:endParaRPr lang="en-US" altLang="zh-CN" b="0" dirty="0">
               <a:solidFill>
@@ -12093,7 +12529,7 @@
         <p:spPr>
           <a:xfrm>
             <a:off x="2426714" y="3954551"/>
-            <a:ext cx="10777222" cy="7135287"/>
+            <a:ext cx="10777222" cy="7966283"/>
           </a:xfrm>
           <a:prstGeom prst="rect">
             <a:avLst/>
@@ -12136,7 +12572,18 @@
                 <a:ea typeface="微软雅黑 Light" panose="020B0502040204020203" pitchFamily="34" charset="-122"/>
                 <a:sym typeface="Helvetica Light"/>
               </a:rPr>
-              <a:t>Frustum Culling</a:t>
+              <a:t>Frustum </a:t>
+            </a:r>
+            <a:r>
+              <a:rPr lang="en-US" altLang="zh-CN" b="0" dirty="0" smtClean="0">
+                <a:solidFill>
+                  <a:srgbClr val="000000"/>
+                </a:solidFill>
+                <a:latin typeface="微软雅黑 Light" panose="020B0502040204020203" pitchFamily="34" charset="-122"/>
+                <a:ea typeface="微软雅黑 Light" panose="020B0502040204020203" pitchFamily="34" charset="-122"/>
+                <a:sym typeface="Helvetica Light"/>
+              </a:rPr>
+              <a:t>Culling</a:t>
             </a:r>
             <a:r>
               <a:rPr lang="zh-CN" altLang="en-US" b="0" dirty="0" smtClean="0">
@@ -12147,7 +12594,18 @@
                 <a:ea typeface="微软雅黑 Light" panose="020B0502040204020203" pitchFamily="34" charset="-122"/>
                 <a:sym typeface="Helvetica Light"/>
               </a:rPr>
-              <a:t>：根据摄像机所捕获的范围进行剔除，由摄像机视角和近远裁剪平面决定</a:t>
+              <a:t>（视锥剔除）：</a:t>
+            </a:r>
+            <a:r>
+              <a:rPr lang="zh-CN" altLang="en-US" b="0" dirty="0" smtClean="0">
+                <a:solidFill>
+                  <a:srgbClr val="000000"/>
+                </a:solidFill>
+                <a:latin typeface="微软雅黑 Light" panose="020B0502040204020203" pitchFamily="34" charset="-122"/>
+                <a:ea typeface="微软雅黑 Light" panose="020B0502040204020203" pitchFamily="34" charset="-122"/>
+                <a:sym typeface="Helvetica Light"/>
+              </a:rPr>
+              <a:t>根据摄像机所捕获的范围进行剔除，由摄像机视角和近远裁剪平面决定</a:t>
             </a:r>
             <a:endParaRPr lang="en-US" altLang="zh-CN" b="0" dirty="0">
               <a:solidFill>
@@ -13390,7 +13848,7 @@
         </p:blipFill>
         <p:spPr>
           <a:xfrm>
-            <a:off x="14573342" y="4750723"/>
+            <a:off x="14573342" y="4920608"/>
             <a:ext cx="9739600" cy="4794494"/>
           </a:xfrm>
           <a:prstGeom prst="rect">
@@ -13742,18 +14200,7 @@
                 <a:ea typeface="微软雅黑 Light" panose="020B0502040204020203" pitchFamily="34" charset="-122"/>
                 <a:sym typeface="Helvetica Light"/>
               </a:rPr>
-              <a:t>，</a:t>
-            </a:r>
-            <a:r>
-              <a:rPr lang="zh-CN" altLang="en-US" sz="3200" dirty="0" smtClean="0">
-                <a:solidFill>
-                  <a:srgbClr val="000000"/>
-                </a:solidFill>
-                <a:latin typeface="微软雅黑 Light" panose="020B0502040204020203" pitchFamily="34" charset="-122"/>
-                <a:ea typeface="微软雅黑 Light" panose="020B0502040204020203" pitchFamily="34" charset="-122"/>
-                <a:sym typeface="Helvetica Light"/>
-              </a:rPr>
-              <a:t>指定所使用的材质和材质实例</a:t>
+              <a:t>，指定所使用的材质和材质实例</a:t>
             </a:r>
             <a:endParaRPr lang="en-US" altLang="zh-CN" sz="3200" dirty="0" smtClean="0">
               <a:solidFill>
@@ -14210,7 +14657,7 @@
         </p:blipFill>
         <p:spPr>
           <a:xfrm>
-            <a:off x="11140751" y="1073115"/>
+            <a:off x="11140751" y="1581718"/>
             <a:ext cx="13407494" cy="2881435"/>
           </a:xfrm>
           <a:prstGeom prst="rect">
@@ -14234,7 +14681,7 @@
         </p:blipFill>
         <p:spPr>
           <a:xfrm>
-            <a:off x="11140750" y="5027665"/>
+            <a:off x="11140751" y="5027669"/>
             <a:ext cx="13243249" cy="6606711"/>
           </a:xfrm>
           <a:prstGeom prst="rect">
@@ -14242,6 +14689,107 @@
           </a:prstGeom>
         </p:spPr>
       </p:pic>
+      <p:sp>
+        <p:nvSpPr>
+          <p:cNvPr id="7" name="文本框 6"/>
+          <p:cNvSpPr txBox="1"/>
+          <p:nvPr/>
+        </p:nvSpPr>
+        <p:spPr>
+          <a:xfrm>
+            <a:off x="15587324" y="11934915"/>
+            <a:ext cx="3815148" cy="595035"/>
+          </a:xfrm>
+          <a:prstGeom prst="rect">
+            <a:avLst/>
+          </a:prstGeom>
+          <a:noFill/>
+          <a:ln w="12700" cap="flat">
+            <a:noFill/>
+            <a:miter lim="400000"/>
+          </a:ln>
+        </p:spPr>
+        <p:style>
+          <a:lnRef idx="0">
+            <a:scrgbClr r="0" g="0" b="0"/>
+          </a:lnRef>
+          <a:fillRef idx="0">
+            <a:scrgbClr r="0" g="0" b="0"/>
+          </a:fillRef>
+          <a:effectRef idx="0">
+            <a:scrgbClr r="0" g="0" b="0"/>
+          </a:effectRef>
+          <a:fontRef idx="none"/>
+        </p:style>
+        <p:txBody>
+          <a:bodyPr rot="0" spcFirstLastPara="1" vertOverflow="overflow" horzOverflow="overflow" vert="horz" wrap="none" lIns="50800" tIns="50800" rIns="50800" bIns="50800" numCol="1" spcCol="38100" rtlCol="0" anchor="ctr">
+            <a:spAutoFit/>
+          </a:bodyPr>
+          <a:lstStyle/>
+          <a:p>
+            <a:pPr marL="0" marR="0" indent="0" algn="ctr" defTabSz="825500" rtl="0" fontAlgn="auto" latinLnBrk="0" hangingPunct="0">
+              <a:lnSpc>
+                <a:spcPct val="100000"/>
+              </a:lnSpc>
+              <a:spcBef>
+                <a:spcPts val="0"/>
+              </a:spcBef>
+              <a:spcAft>
+                <a:spcPts val="0"/>
+              </a:spcAft>
+              <a:buClrTx/>
+              <a:buSzTx/>
+              <a:buFontTx/>
+              <a:buNone/>
+            </a:pPr>
+            <a:r>
+              <a:rPr kumimoji="0" lang="en-US" altLang="zh-CN" sz="3200" b="0" i="0" u="none" strike="noStrike" cap="none" spc="0" normalizeH="0" baseline="0" dirty="0" err="1" smtClean="0">
+                <a:ln>
+                  <a:noFill/>
+                </a:ln>
+                <a:solidFill>
+                  <a:srgbClr val="000000"/>
+                </a:solidFill>
+                <a:effectLst/>
+                <a:uFillTx/>
+                <a:latin typeface="微软雅黑 Light" panose="020B0502040204020203" pitchFamily="34" charset="-122"/>
+                <a:ea typeface="微软雅黑 Light" panose="020B0502040204020203" pitchFamily="34" charset="-122"/>
+                <a:sym typeface="Helvetica Light"/>
+              </a:rPr>
+              <a:t>RenderDoc</a:t>
+            </a:r>
+            <a:r>
+              <a:rPr kumimoji="0" lang="zh-CN" altLang="en-US" sz="3200" b="0" i="0" u="none" strike="noStrike" cap="none" spc="0" normalizeH="0" baseline="0" dirty="0" smtClean="0">
+                <a:ln>
+                  <a:noFill/>
+                </a:ln>
+                <a:solidFill>
+                  <a:srgbClr val="000000"/>
+                </a:solidFill>
+                <a:effectLst/>
+                <a:uFillTx/>
+                <a:latin typeface="微软雅黑 Light" panose="020B0502040204020203" pitchFamily="34" charset="-122"/>
+                <a:ea typeface="微软雅黑 Light" panose="020B0502040204020203" pitchFamily="34" charset="-122"/>
+                <a:sym typeface="Helvetica Light"/>
+              </a:rPr>
+              <a:t>截取示例</a:t>
+            </a:r>
+            <a:endParaRPr kumimoji="0" lang="zh-CN" altLang="en-US" sz="3200" b="0" i="0" u="none" strike="noStrike" cap="none" spc="0" normalizeH="0" baseline="0" dirty="0">
+              <a:ln>
+                <a:noFill/>
+              </a:ln>
+              <a:solidFill>
+                <a:srgbClr val="000000"/>
+              </a:solidFill>
+              <a:effectLst/>
+              <a:uFillTx/>
+              <a:latin typeface="微软雅黑 Light" panose="020B0502040204020203" pitchFamily="34" charset="-122"/>
+              <a:ea typeface="微软雅黑 Light" panose="020B0502040204020203" pitchFamily="34" charset="-122"/>
+              <a:sym typeface="Helvetica Light"/>
+            </a:endParaRPr>
+          </a:p>
+        </p:txBody>
+      </p:sp>
     </p:spTree>
     <p:extLst>
       <p:ext uri="{BB962C8B-B14F-4D97-AF65-F5344CB8AC3E}">
@@ -14459,6 +15007,24 @@
                 <a:sym typeface="Helvetica Light"/>
               </a:rPr>
               <a:t>FMobileSceneRenderer</a:t>
+            </a:r>
+            <a:r>
+              <a:rPr lang="en-US" altLang="zh-CN" b="0" dirty="0" smtClean="0">
+                <a:solidFill>
+                  <a:srgbClr val="000000"/>
+                </a:solidFill>
+                <a:latin typeface="微软雅黑 Light" panose="020B0502040204020203" pitchFamily="34" charset="-122"/>
+                <a:ea typeface="微软雅黑 Light" panose="020B0502040204020203" pitchFamily="34" charset="-122"/>
+                <a:sym typeface="Helvetica Light"/>
+              </a:rPr>
+              <a:t>::</a:t>
+            </a:r>
+            <a:r>
+              <a:rPr lang="en-US" altLang="zh-CN" b="0" dirty="0">
+                <a:latin typeface="微软雅黑 Light" panose="020B0502040204020203" pitchFamily="34" charset="-122"/>
+                <a:ea typeface="微软雅黑 Light" panose="020B0502040204020203" pitchFamily="34" charset="-122"/>
+              </a:rPr>
+              <a:t>Render</a:t>
             </a:r>
             <a:endParaRPr lang="en-US" altLang="zh-CN" b="0" dirty="0" smtClean="0">
               <a:solidFill>
@@ -15342,7 +15908,7 @@
       </p:sp>
       <p:pic>
         <p:nvPicPr>
-          <p:cNvPr id="8" name="图片 7"/>
+          <p:cNvPr id="2" name="图片 1"/>
           <p:cNvPicPr>
             <a:picLocks noChangeAspect="1"/>
           </p:cNvPicPr>
@@ -15356,8 +15922,8 @@
         </p:blipFill>
         <p:spPr>
           <a:xfrm>
-            <a:off x="15480792" y="1996514"/>
-            <a:ext cx="7679592" cy="10415998"/>
+            <a:off x="15087562" y="264756"/>
+            <a:ext cx="8780144" cy="13099025"/>
           </a:xfrm>
           <a:prstGeom prst="rect">
             <a:avLst/>
@@ -16583,8 +17149,25 @@
                 <a:latin typeface="微软雅黑" panose="020B0503020204020204" pitchFamily="34" charset="-122"/>
                 <a:ea typeface="微软雅黑" panose="020B0503020204020204" pitchFamily="34" charset="-122"/>
               </a:rPr>
-              <a:t>为什么要用多线程</a:t>
-            </a:r>
+              <a:t>为什么要用多</a:t>
+            </a:r>
+            <a:r>
+              <a:rPr lang="zh-CN" altLang="en-US" sz="6000" kern="0" cap="all" dirty="0" smtClean="0">
+                <a:solidFill>
+                  <a:srgbClr val="000000"/>
+                </a:solidFill>
+                <a:latin typeface="微软雅黑" panose="020B0503020204020204" pitchFamily="34" charset="-122"/>
+                <a:ea typeface="微软雅黑" panose="020B0503020204020204" pitchFamily="34" charset="-122"/>
+              </a:rPr>
+              <a:t>线程</a:t>
+            </a:r>
+            <a:endParaRPr lang="zh-CN" altLang="en-US" sz="6000" kern="0" cap="all" dirty="0">
+              <a:solidFill>
+                <a:srgbClr val="000000"/>
+              </a:solidFill>
+              <a:latin typeface="微软雅黑" panose="020B0503020204020204" pitchFamily="34" charset="-122"/>
+              <a:ea typeface="微软雅黑" panose="020B0503020204020204" pitchFamily="34" charset="-122"/>
+            </a:endParaRPr>
           </a:p>
         </p:txBody>
       </p:sp>
@@ -19780,6 +20363,17 @@
               <a:defRPr/>
             </a:pPr>
             <a:r>
+              <a:rPr lang="zh-CN" altLang="en-US" b="0" dirty="0" smtClean="0">
+                <a:solidFill>
+                  <a:srgbClr val="000000"/>
+                </a:solidFill>
+                <a:latin typeface="微软雅黑 Light" panose="020B0502040204020203" pitchFamily="34" charset="-122"/>
+                <a:ea typeface="微软雅黑 Light" panose="020B0502040204020203" pitchFamily="34" charset="-122"/>
+                <a:sym typeface="Helvetica Light"/>
+              </a:rPr>
+              <a:t>确定目标</a:t>
+            </a:r>
+            <a:r>
               <a:rPr lang="zh-CN" altLang="en-US" b="0" dirty="0">
                 <a:solidFill>
                   <a:srgbClr val="000000"/>
@@ -19788,7 +20382,7 @@
                 <a:ea typeface="微软雅黑 Light" panose="020B0502040204020203" pitchFamily="34" charset="-122"/>
                 <a:sym typeface="Helvetica Light"/>
               </a:rPr>
-              <a:t>目标：</a:t>
+              <a:t>：</a:t>
             </a:r>
             <a:endParaRPr lang="en-US" altLang="zh-CN" b="0" dirty="0">
               <a:solidFill>
@@ -20393,8 +20987,8 @@
               <a:spcBef>
                 <a:spcPts val="600"/>
               </a:spcBef>
-              <a:buFont typeface="+mj-lt"/>
-              <a:buAutoNum type="arabicPeriod"/>
+              <a:buFont typeface="Arial" panose="020B0604020202020204" pitchFamily="34" charset="0"/>
+              <a:buChar char="•"/>
               <a:defRPr/>
             </a:pPr>
             <a:r>
@@ -20436,8 +21030,8 @@
               <a:spcBef>
                 <a:spcPts val="600"/>
               </a:spcBef>
-              <a:buFont typeface="+mj-lt"/>
-              <a:buAutoNum type="arabicPeriod"/>
+              <a:buFont typeface="Arial" panose="020B0604020202020204" pitchFamily="34" charset="0"/>
+              <a:buChar char="•"/>
               <a:defRPr/>
             </a:pPr>
             <a:r>
@@ -20449,7 +21043,50 @@
                 <a:ea typeface="微软雅黑 Light" panose="020B0502040204020203" pitchFamily="34" charset="-122"/>
                 <a:sym typeface="Helvetica Light"/>
               </a:rPr>
-              <a:t>加载函数需要判断资源是否已加载</a:t>
+              <a:t>加载函数需要判断资源是否已</a:t>
+            </a:r>
+            <a:r>
+              <a:rPr lang="zh-CN" altLang="en-US" dirty="0" smtClean="0">
+                <a:solidFill>
+                  <a:srgbClr val="000000"/>
+                </a:solidFill>
+                <a:latin typeface="微软雅黑 Light" panose="020B0502040204020203" pitchFamily="34" charset="-122"/>
+                <a:ea typeface="微软雅黑 Light" panose="020B0502040204020203" pitchFamily="34" charset="-122"/>
+                <a:sym typeface="Helvetica Light"/>
+              </a:rPr>
+              <a:t>加载</a:t>
+            </a:r>
+            <a:endParaRPr lang="en-US" altLang="zh-CN" dirty="0" smtClean="0">
+              <a:solidFill>
+                <a:srgbClr val="000000"/>
+              </a:solidFill>
+              <a:latin typeface="微软雅黑 Light" panose="020B0502040204020203" pitchFamily="34" charset="-122"/>
+              <a:ea typeface="微软雅黑 Light" panose="020B0502040204020203" pitchFamily="34" charset="-122"/>
+              <a:sym typeface="Helvetica Light"/>
+            </a:endParaRPr>
+          </a:p>
+          <a:p>
+            <a:pPr marL="1657350" lvl="1" indent="-742950">
+              <a:lnSpc>
+                <a:spcPct val="150000"/>
+              </a:lnSpc>
+              <a:spcBef>
+                <a:spcPts val="600"/>
+              </a:spcBef>
+              <a:buFont typeface="Arial" panose="020B0604020202020204" pitchFamily="34" charset="0"/>
+              <a:buChar char="•"/>
+              <a:defRPr/>
+            </a:pPr>
+            <a:r>
+              <a:rPr lang="zh-CN" altLang="en-US" dirty="0">
+                <a:solidFill>
+                  <a:srgbClr val="000000"/>
+                </a:solidFill>
+                <a:latin typeface="微软雅黑 Light" panose="020B0502040204020203" pitchFamily="34" charset="-122"/>
+                <a:ea typeface="微软雅黑 Light" panose="020B0502040204020203" pitchFamily="34" charset="-122"/>
+                <a:sym typeface="Helvetica Light"/>
+              </a:rPr>
+              <a:t>资源通常在加载完成才能进行引用</a:t>
             </a:r>
             <a:endParaRPr lang="en-US" altLang="zh-CN" b="0" dirty="0" smtClean="0">
               <a:solidFill>
@@ -20481,39 +21118,18 @@
                 <a:ea typeface="微软雅黑 Light" panose="020B0502040204020203" pitchFamily="34" charset="-122"/>
                 <a:sym typeface="Helvetica Light"/>
               </a:rPr>
-              <a:t>加载回调：</a:t>
-            </a:r>
-            <a:endParaRPr lang="en-US" altLang="zh-CN" b="0" dirty="0" smtClean="0">
-              <a:solidFill>
-                <a:srgbClr val="000000"/>
-              </a:solidFill>
-              <a:latin typeface="微软雅黑 Light" panose="020B0502040204020203" pitchFamily="34" charset="-122"/>
-              <a:ea typeface="微软雅黑 Light" panose="020B0502040204020203" pitchFamily="34" charset="-122"/>
-              <a:sym typeface="Helvetica Light"/>
-            </a:endParaRPr>
-          </a:p>
-          <a:p>
-            <a:pPr marL="1657350" lvl="1" indent="-742950">
-              <a:lnSpc>
-                <a:spcPct val="150000"/>
-              </a:lnSpc>
-              <a:spcBef>
-                <a:spcPts val="600"/>
-              </a:spcBef>
-              <a:buFont typeface="+mj-lt"/>
-              <a:buAutoNum type="arabicPeriod"/>
-              <a:defRPr/>
-            </a:pPr>
-            <a:r>
-              <a:rPr lang="zh-CN" altLang="en-US" dirty="0" smtClean="0">
-                <a:solidFill>
-                  <a:srgbClr val="000000"/>
-                </a:solidFill>
-                <a:latin typeface="微软雅黑 Light" panose="020B0502040204020203" pitchFamily="34" charset="-122"/>
-                <a:ea typeface="微软雅黑 Light" panose="020B0502040204020203" pitchFamily="34" charset="-122"/>
-                <a:sym typeface="Helvetica Light"/>
-              </a:rPr>
-              <a:t>资源通常在加载完成才能进行引用</a:t>
+              <a:t>加载回调</a:t>
+            </a:r>
+            <a:r>
+              <a:rPr lang="zh-CN" altLang="en-US" b="0" dirty="0" smtClean="0">
+                <a:solidFill>
+                  <a:srgbClr val="000000"/>
+                </a:solidFill>
+                <a:latin typeface="微软雅黑 Light" panose="020B0502040204020203" pitchFamily="34" charset="-122"/>
+                <a:ea typeface="微软雅黑 Light" panose="020B0502040204020203" pitchFamily="34" charset="-122"/>
+                <a:sym typeface="Helvetica Light"/>
+              </a:rPr>
+              <a:t>：</a:t>
             </a:r>
             <a:endParaRPr lang="en-US" altLang="zh-CN" dirty="0" smtClean="0">
               <a:solidFill>
@@ -20532,8 +21148,8 @@
               <a:spcBef>
                 <a:spcPts val="600"/>
               </a:spcBef>
-              <a:buFont typeface="+mj-lt"/>
-              <a:buAutoNum type="arabicPeriod"/>
+              <a:buFont typeface="Arial" panose="020B0604020202020204" pitchFamily="34" charset="0"/>
+              <a:buChar char="•"/>
               <a:defRPr/>
             </a:pPr>
             <a:r>
@@ -20640,6 +21256,36 @@
           </a:p>
         </p:txBody>
       </p:sp>
+      <p:pic>
+        <p:nvPicPr>
+          <p:cNvPr id="2" name="图片 1"/>
+          <p:cNvPicPr>
+            <a:picLocks noChangeAspect="1"/>
+          </p:cNvPicPr>
+          <p:nvPr/>
+        </p:nvPicPr>
+        <p:blipFill>
+          <a:blip r:embed="rId4">
+            <a:extLst>
+              <a:ext uri="{28A0092B-C50C-407E-A947-70E740481C1C}">
+                <a14:useLocalDpi xmlns:a14="http://schemas.microsoft.com/office/drawing/2010/main" val="0"/>
+              </a:ext>
+            </a:extLst>
+          </a:blip>
+          <a:stretch>
+            <a:fillRect/>
+          </a:stretch>
+        </p:blipFill>
+        <p:spPr>
+          <a:xfrm>
+            <a:off x="13278843" y="3718443"/>
+            <a:ext cx="11105157" cy="6246651"/>
+          </a:xfrm>
+          <a:prstGeom prst="rect">
+            <a:avLst/>
+          </a:prstGeom>
+        </p:spPr>
+      </p:pic>
     </p:spTree>
     <p:extLst>
       <p:ext uri="{BB962C8B-B14F-4D97-AF65-F5344CB8AC3E}">
@@ -21370,7 +22016,7 @@
         <p:spPr>
           <a:xfrm>
             <a:off x="9669115" y="4431695"/>
-            <a:ext cx="12700000" cy="6642844"/>
+            <a:ext cx="12700000" cy="9115316"/>
           </a:xfrm>
           <a:prstGeom prst="rect">
             <a:avLst/>
@@ -21729,43 +22375,6 @@
             </a:endParaRPr>
           </a:p>
           <a:p>
-            <a:pPr marL="0" lvl="1" defTabSz="825500" hangingPunct="0">
-              <a:spcBef>
-                <a:spcPts val="600"/>
-              </a:spcBef>
-              <a:spcAft>
-                <a:spcPts val="400"/>
-              </a:spcAft>
-            </a:pPr>
-            <a:r>
-              <a:rPr lang="en-US" altLang="zh-CN" kern="0" dirty="0">
-                <a:solidFill>
-                  <a:srgbClr val="000000"/>
-                </a:solidFill>
-                <a:latin typeface="微软雅黑 Light" panose="020B0502040204020203" pitchFamily="34" charset="-122"/>
-                <a:ea typeface="微软雅黑 Light" panose="020B0502040204020203" pitchFamily="34" charset="-122"/>
-              </a:rPr>
-              <a:t>S</a:t>
-            </a:r>
-            <a:r>
-              <a:rPr lang="zh-CN" altLang="en-US" kern="0" dirty="0">
-                <a:solidFill>
-                  <a:srgbClr val="000000"/>
-                </a:solidFill>
-                <a:latin typeface="微软雅黑 Light" panose="020B0502040204020203" pitchFamily="34" charset="-122"/>
-                <a:ea typeface="微软雅黑 Light" panose="020B0502040204020203" pitchFamily="34" charset="-122"/>
-              </a:rPr>
-              <a:t>：</a:t>
-            </a:r>
-            <a:endParaRPr lang="en-US" altLang="zh-CN" kern="0" dirty="0">
-              <a:solidFill>
-                <a:srgbClr val="000000"/>
-              </a:solidFill>
-              <a:latin typeface="微软雅黑 Light" panose="020B0502040204020203" pitchFamily="34" charset="-122"/>
-              <a:ea typeface="微软雅黑 Light" panose="020B0502040204020203" pitchFamily="34" charset="-122"/>
-            </a:endParaRPr>
-          </a:p>
-          <a:p>
             <a:pPr marL="457200" lvl="1" indent="-457200" defTabSz="825500" hangingPunct="0">
               <a:spcBef>
                 <a:spcPts val="600"/>
@@ -21777,6 +22386,16 @@
               <a:buChar char="•"/>
             </a:pPr>
             <a:r>
+              <a:rPr lang="zh-CN" altLang="en-US" kern="0" dirty="0" smtClean="0">
+                <a:solidFill>
+                  <a:srgbClr val="000000"/>
+                </a:solidFill>
+                <a:latin typeface="微软雅黑 Light" panose="020B0502040204020203" pitchFamily="34" charset="-122"/>
+                <a:ea typeface="微软雅黑 Light" panose="020B0502040204020203" pitchFamily="34" charset="-122"/>
+              </a:rPr>
+              <a:t>实现</a:t>
+            </a:r>
+            <a:r>
               <a:rPr lang="zh-CN" altLang="en-US" kern="0" dirty="0">
                 <a:solidFill>
                   <a:srgbClr val="000000"/>
@@ -21784,8 +22403,103 @@
                 <a:latin typeface="微软雅黑 Light" panose="020B0502040204020203" pitchFamily="34" charset="-122"/>
                 <a:ea typeface="微软雅黑 Light" panose="020B0502040204020203" pitchFamily="34" charset="-122"/>
               </a:rPr>
-              <a:t>实现入口和窗口创建的平台无关性封装。</a:t>
-            </a:r>
+              <a:t>入口和窗口创建的平台无关性封装</a:t>
+            </a:r>
+            <a:r>
+              <a:rPr lang="zh-CN" altLang="en-US" kern="0" dirty="0" smtClean="0">
+                <a:solidFill>
+                  <a:srgbClr val="000000"/>
+                </a:solidFill>
+                <a:latin typeface="微软雅黑 Light" panose="020B0502040204020203" pitchFamily="34" charset="-122"/>
+                <a:ea typeface="微软雅黑 Light" panose="020B0502040204020203" pitchFamily="34" charset="-122"/>
+              </a:rPr>
+              <a:t>。</a:t>
+            </a:r>
+            <a:endParaRPr lang="en-US" altLang="zh-CN" kern="0" dirty="0" smtClean="0">
+              <a:solidFill>
+                <a:srgbClr val="000000"/>
+              </a:solidFill>
+              <a:latin typeface="微软雅黑 Light" panose="020B0502040204020203" pitchFamily="34" charset="-122"/>
+              <a:ea typeface="微软雅黑 Light" panose="020B0502040204020203" pitchFamily="34" charset="-122"/>
+            </a:endParaRPr>
+          </a:p>
+          <a:p>
+            <a:pPr marL="0" lvl="1" defTabSz="825500" hangingPunct="0">
+              <a:spcBef>
+                <a:spcPts val="600"/>
+              </a:spcBef>
+              <a:spcAft>
+                <a:spcPts val="400"/>
+              </a:spcAft>
+            </a:pPr>
+            <a:r>
+              <a:rPr lang="en-US" altLang="zh-CN" kern="0" dirty="0">
+                <a:solidFill>
+                  <a:srgbClr val="000000"/>
+                </a:solidFill>
+                <a:latin typeface="微软雅黑 Light" panose="020B0502040204020203" pitchFamily="34" charset="-122"/>
+                <a:ea typeface="微软雅黑 Light" panose="020B0502040204020203" pitchFamily="34" charset="-122"/>
+              </a:rPr>
+              <a:t>S</a:t>
+            </a:r>
+            <a:r>
+              <a:rPr lang="zh-CN" altLang="en-US" kern="0" dirty="0" smtClean="0">
+                <a:solidFill>
+                  <a:srgbClr val="000000"/>
+                </a:solidFill>
+                <a:latin typeface="微软雅黑 Light" panose="020B0502040204020203" pitchFamily="34" charset="-122"/>
+                <a:ea typeface="微软雅黑 Light" panose="020B0502040204020203" pitchFamily="34" charset="-122"/>
+              </a:rPr>
+              <a:t>：</a:t>
+            </a:r>
+            <a:endParaRPr lang="en-US" altLang="zh-CN" kern="0" dirty="0">
+              <a:solidFill>
+                <a:srgbClr val="000000"/>
+              </a:solidFill>
+              <a:latin typeface="微软雅黑 Light" panose="020B0502040204020203" pitchFamily="34" charset="-122"/>
+              <a:ea typeface="微软雅黑 Light" panose="020B0502040204020203" pitchFamily="34" charset="-122"/>
+            </a:endParaRPr>
+          </a:p>
+          <a:p>
+            <a:pPr marL="571500" lvl="1" indent="-571500" defTabSz="825500" hangingPunct="0">
+              <a:spcBef>
+                <a:spcPts val="600"/>
+              </a:spcBef>
+              <a:spcAft>
+                <a:spcPts val="400"/>
+              </a:spcAft>
+              <a:buFont typeface="Arial" panose="020B0604020202020204" pitchFamily="34" charset="0"/>
+              <a:buChar char="•"/>
+            </a:pPr>
+            <a:r>
+              <a:rPr lang="zh-CN" altLang="en-US" kern="0" dirty="0" smtClean="0">
+                <a:solidFill>
+                  <a:srgbClr val="000000"/>
+                </a:solidFill>
+                <a:latin typeface="微软雅黑 Light" panose="020B0502040204020203" pitchFamily="34" charset="-122"/>
+                <a:ea typeface="微软雅黑 Light" panose="020B0502040204020203" pitchFamily="34" charset="-122"/>
+              </a:rPr>
+              <a:t>按照多线程中售票举例实现一个简单的售票系统，不需要太复杂，通过关键文字打印可以看出一个多线程工作的流程即可。</a:t>
+            </a:r>
+            <a:endParaRPr lang="en-US" altLang="zh-CN" kern="0" dirty="0">
+              <a:solidFill>
+                <a:srgbClr val="000000"/>
+              </a:solidFill>
+              <a:latin typeface="微软雅黑 Light" panose="020B0502040204020203" pitchFamily="34" charset="-122"/>
+              <a:ea typeface="微软雅黑 Light" panose="020B0502040204020203" pitchFamily="34" charset="-122"/>
+            </a:endParaRPr>
+          </a:p>
+          <a:p>
+            <a:pPr marL="457200" lvl="1" indent="-457200" defTabSz="825500" hangingPunct="0">
+              <a:spcBef>
+                <a:spcPts val="600"/>
+              </a:spcBef>
+              <a:spcAft>
+                <a:spcPts val="400"/>
+              </a:spcAft>
+              <a:buFont typeface="Arial" panose="020B0604020202020204" pitchFamily="34" charset="0"/>
+              <a:buChar char="•"/>
+            </a:pPr>
             <a:endParaRPr lang="zh-CN" kern="0" dirty="0">
               <a:solidFill>
                 <a:srgbClr val="000000"/>
@@ -24398,7 +25112,18 @@
                 <a:ea typeface="微软雅黑 Light" panose="020B0502040204020203" pitchFamily="34" charset="-122"/>
                 <a:sym typeface="Helvetica Light"/>
               </a:rPr>
-              <a:t>, RHI</a:t>
+              <a:t>, </a:t>
+            </a:r>
+            <a:r>
+              <a:rPr lang="en-US" altLang="zh-CN" b="0" dirty="0" smtClean="0">
+                <a:solidFill>
+                  <a:srgbClr val="000000"/>
+                </a:solidFill>
+                <a:latin typeface="微软雅黑 Light" panose="020B0502040204020203" pitchFamily="34" charset="-122"/>
+                <a:ea typeface="微软雅黑 Light" panose="020B0502040204020203" pitchFamily="34" charset="-122"/>
+                <a:sym typeface="Helvetica Light"/>
+              </a:rPr>
+              <a:t>RHI(Render Hardware Interface)</a:t>
             </a:r>
             <a:r>
               <a:rPr lang="zh-CN" altLang="en-US" b="0" dirty="0" smtClean="0">
